--- a/slides/datastructures/linked_list/LinkedLists.pptx
+++ b/slides/datastructures/linked_list/LinkedLists.pptx
@@ -647,7 +647,7 @@
       </p:grpSpPr>
       <p:sp>
         <p:nvSpPr>
-          <p:cNvPr id="233" name="Shape 233"/>
+          <p:cNvPr id="215" name="Shape 215"/>
           <p:cNvSpPr>
             <a:spLocks noGrp="1" noRot="1" noChangeAspect="1"/>
           </p:cNvSpPr>
@@ -670,7 +670,7 @@
       </p:sp>
       <p:sp>
         <p:nvSpPr>
-          <p:cNvPr id="234" name="Shape 234"/>
+          <p:cNvPr id="216" name="Shape 216"/>
           <p:cNvSpPr>
             <a:spLocks noGrp="1"/>
           </p:cNvSpPr>
@@ -688,8 +688,42 @@
           <a:lstStyle/>
           <a:p>
             <a:r>
-              <a:t>So the first thing we do is we create a new pointer which points to the head, this is almost always the first step in all linked list operations. Now what we’re going to do is seek up to but not including the node we want to remove.</a:t>
-            </a:r>
+              <a:rPr lang="zh-CN" altLang="en-US" dirty="0"/>
+              <a:t>好的，</a:t>
+            </a:r>
+            <a:r>
+              <a:rPr lang="en-US" altLang="zh-CN" dirty="0"/>
+              <a:t>ppt</a:t>
+            </a:r>
+            <a:r>
+              <a:rPr lang="zh-CN" altLang="en-US" dirty="0"/>
+              <a:t>上给出了一个单向链表，我在上面还标出了头尾节点。现在，我们要在第三个节点</a:t>
+            </a:r>
+            <a:r>
+              <a:rPr lang="en-US" altLang="zh-CN" dirty="0"/>
+              <a:t>(</a:t>
+            </a:r>
+            <a:r>
+              <a:rPr lang="zh-CN" altLang="en-US" dirty="0"/>
+              <a:t>也就是元素</a:t>
+            </a:r>
+            <a:r>
+              <a:rPr lang="en-US" altLang="zh-CN" dirty="0"/>
+              <a:t>7)</a:t>
+            </a:r>
+            <a:r>
+              <a:rPr lang="zh-CN" altLang="en-US" dirty="0"/>
+              <a:t>的前面，插入元素</a:t>
+            </a:r>
+            <a:r>
+              <a:rPr lang="en-US" altLang="zh-CN" dirty="0"/>
+              <a:t>11</a:t>
+            </a:r>
+            <a:r>
+              <a:rPr lang="zh-CN" altLang="en-US" dirty="0"/>
+              <a:t>。下面我来展示这个插入的过程。</a:t>
+            </a:r>
+            <a:endParaRPr dirty="0"/>
           </a:p>
         </p:txBody>
       </p:sp>
@@ -720,7 +754,7 @@
       </p:grpSpPr>
       <p:sp>
         <p:nvSpPr>
-          <p:cNvPr id="251" name="Shape 251"/>
+          <p:cNvPr id="233" name="Shape 233"/>
           <p:cNvSpPr>
             <a:spLocks noGrp="1" noRot="1" noChangeAspect="1"/>
           </p:cNvSpPr>
@@ -743,7 +777,7 @@
       </p:sp>
       <p:sp>
         <p:nvSpPr>
-          <p:cNvPr id="252" name="Shape 252"/>
+          <p:cNvPr id="234" name="Shape 234"/>
           <p:cNvSpPr>
             <a:spLocks noGrp="1"/>
           </p:cNvSpPr>
@@ -761,8 +795,26 @@
           <a:lstStyle/>
           <a:p>
             <a:r>
-              <a:t>so we advance the traverser pointer by setting it equal to 5’s next node, and now we’re actually already where we need to be to insert the next node.</a:t>
-            </a:r>
+              <a:rPr lang="zh-CN" altLang="en-US" dirty="0"/>
+              <a:t>首先，我们需要创建一个指向头节点的指针</a:t>
+            </a:r>
+            <a:r>
+              <a:rPr lang="en-US" altLang="zh-CN" dirty="0" err="1"/>
+              <a:t>trav</a:t>
+            </a:r>
+            <a:r>
+              <a:rPr lang="zh-CN" altLang="en-US" dirty="0"/>
+              <a:t>，几乎所有的链表操作都是从这一步开始的。然后，我们需要遍历链表，找到第三个节点的前一个节点，也就是元素</a:t>
+            </a:r>
+            <a:r>
+              <a:rPr lang="en-US" altLang="zh-CN" dirty="0"/>
+              <a:t>23</a:t>
+            </a:r>
+            <a:r>
+              <a:rPr lang="zh-CN" altLang="en-US" dirty="0"/>
+              <a:t>所在节点。</a:t>
+            </a:r>
+            <a:endParaRPr dirty="0"/>
           </a:p>
         </p:txBody>
       </p:sp>
@@ -793,7 +845,7 @@
       </p:grpSpPr>
       <p:sp>
         <p:nvSpPr>
-          <p:cNvPr id="270" name="Shape 270"/>
+          <p:cNvPr id="251" name="Shape 251"/>
           <p:cNvSpPr>
             <a:spLocks noGrp="1" noRot="1" noChangeAspect="1"/>
           </p:cNvSpPr>
@@ -816,7 +868,7 @@
       </p:sp>
       <p:sp>
         <p:nvSpPr>
-          <p:cNvPr id="271" name="Shape 271"/>
+          <p:cNvPr id="252" name="Shape 252"/>
           <p:cNvSpPr>
             <a:spLocks noGrp="1"/>
           </p:cNvSpPr>
@@ -834,8 +886,42 @@
           <a:lstStyle/>
           <a:p>
             <a:r>
-              <a:t>So we create a new node.</a:t>
-            </a:r>
+              <a:rPr lang="zh-CN" altLang="en-US" dirty="0"/>
+              <a:t>所以我们将</a:t>
+            </a:r>
+            <a:r>
+              <a:rPr lang="en-US" altLang="zh-CN" dirty="0" err="1"/>
+              <a:t>trav</a:t>
+            </a:r>
+            <a:r>
+              <a:rPr lang="zh-CN" altLang="en-US" dirty="0"/>
+              <a:t>向右移动一个位置，也就是移到元素</a:t>
+            </a:r>
+            <a:r>
+              <a:rPr lang="en-US" altLang="zh-CN" dirty="0"/>
+              <a:t>5</a:t>
+            </a:r>
+            <a:r>
+              <a:rPr lang="zh-CN" altLang="en-US" dirty="0"/>
+              <a:t>的下一个节点，也就是元素</a:t>
+            </a:r>
+            <a:r>
+              <a:rPr lang="en-US" altLang="zh-CN" dirty="0"/>
+              <a:t>23</a:t>
+            </a:r>
+            <a:r>
+              <a:rPr lang="zh-CN" altLang="en-US" dirty="0"/>
+              <a:t>所在的节点。现在，我们已经准备就绪，可以插入元素</a:t>
+            </a:r>
+            <a:r>
+              <a:rPr lang="en-US" altLang="zh-CN" dirty="0"/>
+              <a:t>11</a:t>
+            </a:r>
+            <a:r>
+              <a:rPr lang="zh-CN" altLang="en-US" dirty="0"/>
+              <a:t>了。</a:t>
+            </a:r>
+            <a:endParaRPr dirty="0"/>
           </a:p>
         </p:txBody>
       </p:sp>
@@ -866,7 +952,7 @@
       </p:grpSpPr>
       <p:sp>
         <p:nvSpPr>
-          <p:cNvPr id="290" name="Shape 290"/>
+          <p:cNvPr id="270" name="Shape 270"/>
           <p:cNvSpPr>
             <a:spLocks noGrp="1" noRot="1" noChangeAspect="1"/>
           </p:cNvSpPr>
@@ -889,7 +975,7 @@
       </p:sp>
       <p:sp>
         <p:nvSpPr>
-          <p:cNvPr id="291" name="Shape 291"/>
+          <p:cNvPr id="271" name="Shape 271"/>
           <p:cNvSpPr>
             <a:spLocks noGrp="1"/>
           </p:cNvSpPr>
@@ -907,8 +993,26 @@
           <a:lstStyle/>
           <a:p>
             <a:r>
-              <a:t>Make it point to 7</a:t>
-            </a:r>
+              <a:rPr lang="zh-CN" altLang="en-US" dirty="0"/>
+              <a:t>所以我们创建一个新节点，也就是</a:t>
+            </a:r>
+            <a:r>
+              <a:rPr lang="en-US" altLang="zh-CN" dirty="0"/>
+              <a:t>PPT</a:t>
+            </a:r>
+            <a:r>
+              <a:rPr lang="zh-CN" altLang="en-US" dirty="0"/>
+              <a:t>上的绿色节点，其中元素是</a:t>
+            </a:r>
+            <a:r>
+              <a:rPr lang="en-US" altLang="zh-CN" dirty="0"/>
+              <a:t>11</a:t>
+            </a:r>
+            <a:r>
+              <a:rPr lang="zh-CN" altLang="en-US" dirty="0"/>
+              <a:t>。</a:t>
+            </a:r>
+            <a:endParaRPr dirty="0"/>
           </a:p>
         </p:txBody>
       </p:sp>
@@ -939,7 +1043,7 @@
       </p:grpSpPr>
       <p:sp>
         <p:nvSpPr>
-          <p:cNvPr id="310" name="Shape 310"/>
+          <p:cNvPr id="290" name="Shape 290"/>
           <p:cNvSpPr>
             <a:spLocks noGrp="1" noRot="1" noChangeAspect="1"/>
           </p:cNvSpPr>
@@ -962,7 +1066,7 @@
       </p:sp>
       <p:sp>
         <p:nvSpPr>
-          <p:cNvPr id="311" name="Shape 311"/>
+          <p:cNvPr id="291" name="Shape 291"/>
           <p:cNvSpPr>
             <a:spLocks noGrp="1"/>
           </p:cNvSpPr>
@@ -980,8 +1084,26 @@
           <a:lstStyle/>
           <a:p>
             <a:r>
-              <a:t>Change 23’s next pointer to be 11, remember we have access to 23’s next pointer because we have a reference to it with the traverser. </a:t>
-            </a:r>
+              <a:rPr lang="zh-CN" altLang="en-US" dirty="0"/>
+              <a:t>下一步，先将元素</a:t>
+            </a:r>
+            <a:r>
+              <a:rPr lang="en-US" altLang="zh-CN" dirty="0"/>
+              <a:t>11</a:t>
+            </a:r>
+            <a:r>
+              <a:rPr lang="zh-CN" altLang="en-US" dirty="0"/>
+              <a:t>的这个节点的指针，指向元素</a:t>
+            </a:r>
+            <a:r>
+              <a:rPr lang="en-US" altLang="zh-CN" dirty="0"/>
+              <a:t>7</a:t>
+            </a:r>
+            <a:r>
+              <a:rPr lang="zh-CN" altLang="en-US" dirty="0"/>
+              <a:t>这个节点。</a:t>
+            </a:r>
+            <a:endParaRPr dirty="0"/>
           </a:p>
         </p:txBody>
       </p:sp>
@@ -1012,7 +1134,7 @@
       </p:grpSpPr>
       <p:sp>
         <p:nvSpPr>
-          <p:cNvPr id="330" name="Shape 330"/>
+          <p:cNvPr id="310" name="Shape 310"/>
           <p:cNvSpPr>
             <a:spLocks noGrp="1" noRot="1" noChangeAspect="1"/>
           </p:cNvSpPr>
@@ -1035,7 +1157,7 @@
       </p:sp>
       <p:sp>
         <p:nvSpPr>
-          <p:cNvPr id="331" name="Shape 331"/>
+          <p:cNvPr id="311" name="Shape 311"/>
           <p:cNvSpPr>
             <a:spLocks noGrp="1"/>
           </p:cNvSpPr>
@@ -1053,8 +1175,42 @@
           <a:lstStyle/>
           <a:p>
             <a:r>
-              <a:t>And if we flatten out the linked list we see that we have inserted 11 at the correct position.</a:t>
-            </a:r>
+              <a:rPr lang="zh-CN" altLang="en-US" dirty="0"/>
+              <a:t>然后我们将元素</a:t>
+            </a:r>
+            <a:r>
+              <a:rPr lang="en-US" altLang="zh-CN" dirty="0"/>
+              <a:t>23</a:t>
+            </a:r>
+            <a:r>
+              <a:rPr lang="zh-CN" altLang="en-US" dirty="0"/>
+              <a:t>所在节点的指针，指向元素</a:t>
+            </a:r>
+            <a:r>
+              <a:rPr lang="en-US" altLang="zh-CN" dirty="0"/>
+              <a:t>11</a:t>
+            </a:r>
+            <a:r>
+              <a:rPr lang="zh-CN" altLang="en-US" dirty="0"/>
+              <a:t>节点。我们之所以能这样做，是因为我们有对元素</a:t>
+            </a:r>
+            <a:r>
+              <a:rPr lang="en-US" altLang="zh-CN" dirty="0"/>
+              <a:t>23</a:t>
+            </a:r>
+            <a:r>
+              <a:rPr lang="zh-CN" altLang="en-US" dirty="0"/>
+              <a:t>这个节点的引用，也就是</a:t>
+            </a:r>
+            <a:r>
+              <a:rPr lang="en-US" altLang="zh-CN" dirty="0" err="1"/>
+              <a:t>trav</a:t>
+            </a:r>
+            <a:r>
+              <a:rPr lang="zh-CN" altLang="en-US" dirty="0"/>
+              <a:t>。</a:t>
+            </a:r>
+            <a:endParaRPr dirty="0"/>
           </a:p>
         </p:txBody>
       </p:sp>
@@ -1085,7 +1241,7 @@
       </p:grpSpPr>
       <p:sp>
         <p:nvSpPr>
-          <p:cNvPr id="365" name="Shape 365"/>
+          <p:cNvPr id="330" name="Shape 330"/>
           <p:cNvSpPr>
             <a:spLocks noGrp="1" noRot="1" noChangeAspect="1"/>
           </p:cNvSpPr>
@@ -1108,7 +1264,7 @@
       </p:sp>
       <p:sp>
         <p:nvSpPr>
-          <p:cNvPr id="366" name="Shape 366"/>
+          <p:cNvPr id="331" name="Shape 331"/>
           <p:cNvSpPr>
             <a:spLocks noGrp="1"/>
           </p:cNvSpPr>
@@ -1126,8 +1282,18 @@
           <a:lstStyle/>
           <a:p>
             <a:r>
-              <a:t>Alright, inserting now with doubly linked list, this is much trickier because of all the pointers flying around but still the exact same concept. Notice that the doubly linked list not only has pointers to the next node but also the previous meaning we will also have to adjust those in the insertion phase.</a:t>
-            </a:r>
+              <a:rPr lang="zh-CN" altLang="en-US" dirty="0"/>
+              <a:t>现在，我们把链表拉平一下，可以看到，我们把元素</a:t>
+            </a:r>
+            <a:r>
+              <a:rPr lang="en-US" altLang="zh-CN" dirty="0"/>
+              <a:t>11</a:t>
+            </a:r>
+            <a:r>
+              <a:rPr lang="zh-CN" altLang="en-US" dirty="0"/>
+              <a:t>插入到了正确的位置。</a:t>
+            </a:r>
+            <a:endParaRPr dirty="0"/>
           </a:p>
         </p:txBody>
       </p:sp>
@@ -1158,7 +1324,7 @@
       </p:grpSpPr>
       <p:sp>
         <p:nvSpPr>
-          <p:cNvPr id="386" name="Shape 386"/>
+          <p:cNvPr id="2" name="幻灯片图像占位符 1"/>
           <p:cNvSpPr>
             <a:spLocks noGrp="1" noRot="1" noChangeAspect="1"/>
           </p:cNvSpPr>
@@ -1166,45 +1332,36 @@
             <p:ph type="sldImg"/>
           </p:nvPr>
         </p:nvSpPr>
-        <p:spPr>
-          <a:prstGeom prst="rect">
-            <a:avLst/>
-          </a:prstGeom>
-        </p:spPr>
-        <p:txBody>
-          <a:bodyPr/>
-          <a:lstStyle/>
-          <a:p>
-            <a:endParaRPr/>
-          </a:p>
-        </p:txBody>
-      </p:sp>
-      <p:sp>
-        <p:nvSpPr>
-          <p:cNvPr id="387" name="Shape 387"/>
+        <p:spPr/>
+      </p:sp>
+      <p:sp>
+        <p:nvSpPr>
+          <p:cNvPr id="3" name="备注占位符 2"/>
           <p:cNvSpPr>
             <a:spLocks noGrp="1"/>
           </p:cNvSpPr>
           <p:nvPr>
-            <p:ph type="body" sz="quarter" idx="1"/>
+            <p:ph type="body" idx="1"/>
           </p:nvPr>
         </p:nvSpPr>
-        <p:spPr>
-          <a:prstGeom prst="rect">
-            <a:avLst/>
-          </a:prstGeom>
-        </p:spPr>
+        <p:spPr/>
         <p:txBody>
           <a:bodyPr/>
           <a:lstStyle/>
           <a:p>
             <a:r>
-              <a:t>Create a traverser pointer which points to where the head is and advance it until you are just before the insertion position. </a:t>
+              <a:rPr kumimoji="1" lang="zh-CN" altLang="en-US" dirty="0"/>
+              <a:t>好，到这边我们就完整演示了了单向链表的插入。</a:t>
             </a:r>
           </a:p>
         </p:txBody>
       </p:sp>
     </p:spTree>
+    <p:extLst>
+      <p:ext uri="{BB962C8B-B14F-4D97-AF65-F5344CB8AC3E}">
+        <p14:creationId xmlns:p14="http://schemas.microsoft.com/office/powerpoint/2010/main" val="1613782099"/>
+      </p:ext>
+    </p:extLst>
   </p:cSld>
   <p:clrMapOvr>
     <a:masterClrMapping/>
@@ -1231,7 +1388,7 @@
       </p:grpSpPr>
       <p:sp>
         <p:nvSpPr>
-          <p:cNvPr id="407" name="Shape 407"/>
+          <p:cNvPr id="365" name="Shape 365"/>
           <p:cNvSpPr>
             <a:spLocks noGrp="1" noRot="1" noChangeAspect="1"/>
           </p:cNvSpPr>
@@ -1254,7 +1411,7 @@
       </p:sp>
       <p:sp>
         <p:nvSpPr>
-          <p:cNvPr id="408" name="Shape 408"/>
+          <p:cNvPr id="366" name="Shape 366"/>
           <p:cNvSpPr>
             <a:spLocks noGrp="1"/>
           </p:cNvSpPr>
@@ -1272,8 +1429,10 @@
           <a:lstStyle/>
           <a:p>
             <a:r>
-              <a:t>so we advance the traverser by one and now we’re just before the this node so we stop traversing.</a:t>
-            </a:r>
+              <a:rPr lang="zh-CN" altLang="en-US" dirty="0"/>
+              <a:t>好的，现在我们来向双向链表中插入节点，这个会稍微复杂一点，因为涉及的指针比较多，但是原理是相同的。注意，在双向链表中，每个节点不仅有指向下一个节点的指针，还有指向前一个节点的指针。也就是说，在插入阶段，我们需要同时调整相关指针。</a:t>
+            </a:r>
+            <a:endParaRPr dirty="0"/>
           </a:p>
         </p:txBody>
       </p:sp>
@@ -1304,7 +1463,7 @@
       </p:grpSpPr>
       <p:sp>
         <p:nvSpPr>
-          <p:cNvPr id="429" name="Shape 429"/>
+          <p:cNvPr id="386" name="Shape 386"/>
           <p:cNvSpPr>
             <a:spLocks noGrp="1" noRot="1" noChangeAspect="1"/>
           </p:cNvSpPr>
@@ -1327,7 +1486,7 @@
       </p:sp>
       <p:sp>
         <p:nvSpPr>
-          <p:cNvPr id="430" name="Shape 430"/>
+          <p:cNvPr id="387" name="Shape 387"/>
           <p:cNvSpPr>
             <a:spLocks noGrp="1"/>
           </p:cNvSpPr>
@@ -1345,8 +1504,26 @@
           <a:lstStyle/>
           <a:p>
             <a:r>
-              <a:t>Create the new node.</a:t>
-            </a:r>
+              <a:rPr lang="zh-CN" altLang="en-US" dirty="0"/>
+              <a:t>同样，我们先要创建一个遍历器指针</a:t>
+            </a:r>
+            <a:r>
+              <a:rPr lang="en-US" altLang="zh-CN" dirty="0" err="1"/>
+              <a:t>trav</a:t>
+            </a:r>
+            <a:r>
+              <a:rPr lang="zh-CN" altLang="en-US" dirty="0"/>
+              <a:t>，它先指向头节点。然后将</a:t>
+            </a:r>
+            <a:r>
+              <a:rPr lang="en-US" altLang="zh-CN" dirty="0" err="1"/>
+              <a:t>trav</a:t>
+            </a:r>
+            <a:r>
+              <a:rPr lang="zh-CN" altLang="en-US" dirty="0"/>
+              <a:t>依次右移，直到要插入位置的前一个位置。</a:t>
+            </a:r>
+            <a:endParaRPr dirty="0"/>
           </a:p>
         </p:txBody>
       </p:sp>
@@ -1476,7 +1653,7 @@
       </p:grpSpPr>
       <p:sp>
         <p:nvSpPr>
-          <p:cNvPr id="452" name="Shape 452"/>
+          <p:cNvPr id="407" name="Shape 407"/>
           <p:cNvSpPr>
             <a:spLocks noGrp="1" noRot="1" noChangeAspect="1"/>
           </p:cNvSpPr>
@@ -1499,7 +1676,7 @@
       </p:sp>
       <p:sp>
         <p:nvSpPr>
-          <p:cNvPr id="453" name="Shape 453"/>
+          <p:cNvPr id="408" name="Shape 408"/>
           <p:cNvSpPr>
             <a:spLocks noGrp="1"/>
           </p:cNvSpPr>
@@ -1517,8 +1694,42 @@
           <a:lstStyle/>
           <a:p>
             <a:r>
-              <a:t>Point 11’s next pointer to equal 7.</a:t>
-            </a:r>
+              <a:rPr lang="zh-CN" altLang="en-US" dirty="0"/>
+              <a:t>在这边，我们只需要将</a:t>
+            </a:r>
+            <a:r>
+              <a:rPr lang="en-US" altLang="zh-CN" dirty="0" err="1"/>
+              <a:t>trav</a:t>
+            </a:r>
+            <a:r>
+              <a:rPr lang="zh-CN" altLang="en-US" dirty="0"/>
+              <a:t>右移一个位置，现在</a:t>
+            </a:r>
+            <a:r>
+              <a:rPr lang="en-US" altLang="zh-CN" dirty="0" err="1"/>
+              <a:t>trav</a:t>
+            </a:r>
+            <a:r>
+              <a:rPr lang="zh-CN" altLang="en-US" dirty="0"/>
+              <a:t>指向的节点正好在元素</a:t>
+            </a:r>
+            <a:r>
+              <a:rPr lang="en-US" altLang="zh-CN" dirty="0"/>
+              <a:t>7</a:t>
+            </a:r>
+            <a:r>
+              <a:rPr lang="zh-CN" altLang="en-US" dirty="0"/>
+              <a:t>节点之前，我们已经准备好插入元素</a:t>
+            </a:r>
+            <a:r>
+              <a:rPr lang="en-US" altLang="zh-CN" dirty="0"/>
+              <a:t>11</a:t>
+            </a:r>
+            <a:r>
+              <a:rPr lang="zh-CN" altLang="en-US" dirty="0"/>
+              <a:t>了。</a:t>
+            </a:r>
+            <a:endParaRPr dirty="0"/>
           </a:p>
         </p:txBody>
       </p:sp>
@@ -1549,7 +1760,7 @@
       </p:grpSpPr>
       <p:sp>
         <p:nvSpPr>
-          <p:cNvPr id="476" name="Shape 476"/>
+          <p:cNvPr id="429" name="Shape 429"/>
           <p:cNvSpPr>
             <a:spLocks noGrp="1" noRot="1" noChangeAspect="1"/>
           </p:cNvSpPr>
@@ -1572,7 +1783,7 @@
       </p:sp>
       <p:sp>
         <p:nvSpPr>
-          <p:cNvPr id="477" name="Shape 477"/>
+          <p:cNvPr id="430" name="Shape 430"/>
           <p:cNvSpPr>
             <a:spLocks noGrp="1"/>
           </p:cNvSpPr>
@@ -1590,8 +1801,18 @@
           <a:lstStyle/>
           <a:p>
             <a:r>
-              <a:t>Also point 11’s previous pointer to be 23 which we have a handle on because of trav.</a:t>
-            </a:r>
+              <a:rPr lang="zh-CN" altLang="en-US" dirty="0"/>
+              <a:t>我们创建一个新节点，也就是图上的绿色节点，其中元素是</a:t>
+            </a:r>
+            <a:r>
+              <a:rPr lang="en-US" altLang="zh-CN" dirty="0"/>
+              <a:t>11</a:t>
+            </a:r>
+            <a:r>
+              <a:rPr lang="zh-CN" altLang="en-US" dirty="0"/>
+              <a:t>。</a:t>
+            </a:r>
+            <a:endParaRPr dirty="0"/>
           </a:p>
         </p:txBody>
       </p:sp>
@@ -1622,7 +1843,7 @@
       </p:grpSpPr>
       <p:sp>
         <p:nvSpPr>
-          <p:cNvPr id="500" name="Shape 500"/>
+          <p:cNvPr id="452" name="Shape 452"/>
           <p:cNvSpPr>
             <a:spLocks noGrp="1" noRot="1" noChangeAspect="1"/>
           </p:cNvSpPr>
@@ -1645,7 +1866,7 @@
       </p:sp>
       <p:sp>
         <p:nvSpPr>
-          <p:cNvPr id="501" name="Shape 501"/>
+          <p:cNvPr id="453" name="Shape 453"/>
           <p:cNvSpPr>
             <a:spLocks noGrp="1"/>
           </p:cNvSpPr>
@@ -1663,8 +1884,26 @@
           <a:lstStyle/>
           <a:p>
             <a:r>
-              <a:t>Next we make 7’s previous pointer be equal to 11 so we can go backwards from 7 to 11</a:t>
-            </a:r>
+              <a:rPr lang="zh-CN" altLang="en-US" dirty="0"/>
+              <a:t>将元素</a:t>
+            </a:r>
+            <a:r>
+              <a:rPr lang="en-US" altLang="zh-CN" dirty="0"/>
+              <a:t>11</a:t>
+            </a:r>
+            <a:r>
+              <a:rPr lang="zh-CN" altLang="en-US" dirty="0"/>
+              <a:t>所在节点的下一个节点指针，指向元素</a:t>
+            </a:r>
+            <a:r>
+              <a:rPr lang="en-US" altLang="zh-CN" dirty="0"/>
+              <a:t>7</a:t>
+            </a:r>
+            <a:r>
+              <a:rPr lang="zh-CN" altLang="en-US" dirty="0"/>
+              <a:t>所在节点。</a:t>
+            </a:r>
+            <a:endParaRPr dirty="0"/>
           </a:p>
         </p:txBody>
       </p:sp>
@@ -1695,7 +1934,7 @@
       </p:grpSpPr>
       <p:sp>
         <p:nvSpPr>
-          <p:cNvPr id="524" name="Shape 524"/>
+          <p:cNvPr id="476" name="Shape 476"/>
           <p:cNvSpPr>
             <a:spLocks noGrp="1" noRot="1" noChangeAspect="1"/>
           </p:cNvSpPr>
@@ -1718,7 +1957,7 @@
       </p:sp>
       <p:sp>
         <p:nvSpPr>
-          <p:cNvPr id="525" name="Shape 525"/>
+          <p:cNvPr id="477" name="Shape 477"/>
           <p:cNvSpPr>
             <a:spLocks noGrp="1"/>
           </p:cNvSpPr>
@@ -1736,8 +1975,42 @@
           <a:lstStyle/>
           <a:p>
             <a:r>
-              <a:t>And the last step, make 23’s next pointer equal to 11. This is so that we can go forwards from 23 to 11. So in total remark that we changed exactly 4 pointer’s.</a:t>
-            </a:r>
+              <a:rPr lang="zh-CN" altLang="en-US" dirty="0"/>
+              <a:t>再将元素</a:t>
+            </a:r>
+            <a:r>
+              <a:rPr lang="en-US" altLang="zh-CN" dirty="0"/>
+              <a:t>11</a:t>
+            </a:r>
+            <a:r>
+              <a:rPr lang="zh-CN" altLang="en-US" dirty="0"/>
+              <a:t>节点的前一个节点指针，指向元素</a:t>
+            </a:r>
+            <a:r>
+              <a:rPr lang="en-US" altLang="zh-CN" dirty="0"/>
+              <a:t>23</a:t>
+            </a:r>
+            <a:r>
+              <a:rPr lang="zh-CN" altLang="en-US" dirty="0"/>
+              <a:t>所在节点。之所以可以这样做，因为我们有对元素</a:t>
+            </a:r>
+            <a:r>
+              <a:rPr lang="en-US" altLang="zh-CN" dirty="0"/>
+              <a:t>23</a:t>
+            </a:r>
+            <a:r>
+              <a:rPr lang="zh-CN" altLang="en-US" dirty="0"/>
+              <a:t>节点的引用</a:t>
+            </a:r>
+            <a:r>
+              <a:rPr lang="en-US" altLang="zh-CN" dirty="0" err="1"/>
+              <a:t>trav</a:t>
+            </a:r>
+            <a:r>
+              <a:rPr lang="zh-CN" altLang="en-US" dirty="0"/>
+              <a:t>。</a:t>
+            </a:r>
+            <a:endParaRPr dirty="0"/>
           </a:p>
         </p:txBody>
       </p:sp>
@@ -1768,7 +2041,7 @@
       </p:grpSpPr>
       <p:sp>
         <p:nvSpPr>
-          <p:cNvPr id="548" name="Shape 548"/>
+          <p:cNvPr id="500" name="Shape 500"/>
           <p:cNvSpPr>
             <a:spLocks noGrp="1" noRot="1" noChangeAspect="1"/>
           </p:cNvSpPr>
@@ -1791,7 +2064,7 @@
       </p:sp>
       <p:sp>
         <p:nvSpPr>
-          <p:cNvPr id="549" name="Shape 549"/>
+          <p:cNvPr id="501" name="Shape 501"/>
           <p:cNvSpPr>
             <a:spLocks noGrp="1"/>
           </p:cNvSpPr>
@@ -1809,8 +2082,46 @@
           <a:lstStyle/>
           <a:p>
             <a:r>
-              <a:t>Now if we flatten out the linked list we see that 11 has been inserted where it should.</a:t>
-            </a:r>
+              <a:rPr lang="en-US" dirty="0" err="1"/>
+              <a:t>下一步</a:t>
+            </a:r>
+            <a:r>
+              <a:rPr lang="zh-CN" altLang="en-US" dirty="0"/>
+              <a:t>，将元素</a:t>
+            </a:r>
+            <a:r>
+              <a:rPr lang="en-US" altLang="zh-CN" dirty="0"/>
+              <a:t>7</a:t>
+            </a:r>
+            <a:r>
+              <a:rPr lang="zh-CN" altLang="en-US" dirty="0"/>
+              <a:t>所在节点的前一个节点指针，指向</a:t>
+            </a:r>
+            <a:r>
+              <a:rPr lang="en-US" altLang="zh-CN" dirty="0"/>
+              <a:t>11</a:t>
+            </a:r>
+            <a:r>
+              <a:rPr lang="zh-CN" altLang="en-US" dirty="0"/>
+              <a:t>节点，这样，我们可以从元素</a:t>
+            </a:r>
+            <a:r>
+              <a:rPr lang="en-US" altLang="zh-CN" dirty="0"/>
+              <a:t>7</a:t>
+            </a:r>
+            <a:r>
+              <a:rPr lang="zh-CN" altLang="en-US" dirty="0"/>
+              <a:t>向后遍历到元素</a:t>
+            </a:r>
+            <a:r>
+              <a:rPr lang="en-US" altLang="zh-CN" dirty="0"/>
+              <a:t>11</a:t>
+            </a:r>
+            <a:r>
+              <a:rPr lang="zh-CN" altLang="en-US" dirty="0"/>
+              <a:t>。</a:t>
+            </a:r>
+            <a:endParaRPr dirty="0"/>
           </a:p>
         </p:txBody>
       </p:sp>
@@ -1841,7 +2152,7 @@
       </p:grpSpPr>
       <p:sp>
         <p:nvSpPr>
-          <p:cNvPr id="586" name="Shape 586"/>
+          <p:cNvPr id="524" name="Shape 524"/>
           <p:cNvSpPr>
             <a:spLocks noGrp="1" noRot="1" noChangeAspect="1"/>
           </p:cNvSpPr>
@@ -1864,7 +2175,7 @@
       </p:sp>
       <p:sp>
         <p:nvSpPr>
-          <p:cNvPr id="587" name="Shape 587"/>
+          <p:cNvPr id="525" name="Shape 525"/>
           <p:cNvSpPr>
             <a:spLocks noGrp="1"/>
           </p:cNvSpPr>
@@ -1882,8 +2193,60 @@
           <a:lstStyle/>
           <a:p>
             <a:r>
-              <a:t>Alright now we’re looking at removing things from a singly linked list. Suppose we want to remove the node with value 9 how do we do this? Well the trick we’re going to use is not to use one pointer, but two. You can use one, but for the visual effect it’s easier to show how it’s done with two.</a:t>
-            </a:r>
+              <a:rPr lang="zh-CN" altLang="en-US" dirty="0"/>
+              <a:t>最后一步，将</a:t>
+            </a:r>
+            <a:r>
+              <a:rPr lang="en-US" altLang="zh-CN" dirty="0"/>
+              <a:t>23</a:t>
+            </a:r>
+            <a:r>
+              <a:rPr lang="zh-CN" altLang="en-US" dirty="0"/>
+              <a:t>节点的下一个指针，指向</a:t>
+            </a:r>
+            <a:r>
+              <a:rPr lang="en-US" altLang="zh-CN" dirty="0"/>
+              <a:t>11</a:t>
+            </a:r>
+            <a:r>
+              <a:rPr lang="zh-CN" altLang="en-US" dirty="0"/>
+              <a:t>所在节点。这样，我们就可以从元素</a:t>
+            </a:r>
+            <a:r>
+              <a:rPr lang="en-US" altLang="zh-CN" dirty="0"/>
+              <a:t>23</a:t>
+            </a:r>
+            <a:r>
+              <a:rPr lang="zh-CN" altLang="en-US" dirty="0"/>
+              <a:t>向后遍历到</a:t>
+            </a:r>
+            <a:r>
+              <a:rPr lang="en-US" altLang="zh-CN" dirty="0"/>
+              <a:t>11</a:t>
+            </a:r>
+            <a:r>
+              <a:rPr lang="zh-CN" altLang="en-US" dirty="0"/>
+              <a:t>。</a:t>
+            </a:r>
+            <a:endParaRPr lang="en-US" altLang="zh-CN" dirty="0"/>
+          </a:p>
+          <a:p>
+            <a:endParaRPr lang="en-US" altLang="zh-CN" dirty="0"/>
+          </a:p>
+          <a:p>
+            <a:r>
+              <a:rPr lang="zh-CN" altLang="en-US" dirty="0"/>
+              <a:t>所以，对于这次双向链表的插入，我们总共修改了</a:t>
+            </a:r>
+            <a:r>
+              <a:rPr lang="en-US" altLang="zh-CN" dirty="0"/>
+              <a:t>4</a:t>
+            </a:r>
+            <a:r>
+              <a:rPr lang="zh-CN" altLang="en-US" dirty="0"/>
+              <a:t>个指针。</a:t>
+            </a:r>
+            <a:endParaRPr dirty="0"/>
           </a:p>
         </p:txBody>
       </p:sp>
@@ -1914,7 +2277,7 @@
       </p:grpSpPr>
       <p:sp>
         <p:nvSpPr>
-          <p:cNvPr id="608" name="Shape 608"/>
+          <p:cNvPr id="548" name="Shape 548"/>
           <p:cNvSpPr>
             <a:spLocks noGrp="1" noRot="1" noChangeAspect="1"/>
           </p:cNvSpPr>
@@ -1937,7 +2300,7 @@
       </p:sp>
       <p:sp>
         <p:nvSpPr>
-          <p:cNvPr id="609" name="Shape 609"/>
+          <p:cNvPr id="549" name="Shape 549"/>
           <p:cNvSpPr>
             <a:spLocks noGrp="1"/>
           </p:cNvSpPr>
@@ -1955,8 +2318,18 @@
           <a:lstStyle/>
           <a:p>
             <a:r>
-              <a:t>So we create two pointers trav1 and trav2, trav1 points to the head and trav2 points to the head’s next node. Now what we’re going to do is advance both points until trav2 hits the node we want to remove.</a:t>
-            </a:r>
+              <a:rPr lang="zh-CN" altLang="en-US" dirty="0"/>
+              <a:t>现在我们将链表拉平，可以看到元素</a:t>
+            </a:r>
+            <a:r>
+              <a:rPr lang="en-US" altLang="zh-CN" dirty="0"/>
+              <a:t>11</a:t>
+            </a:r>
+            <a:r>
+              <a:rPr lang="zh-CN" altLang="en-US" dirty="0"/>
+              <a:t>处在正确的位置。</a:t>
+            </a:r>
+            <a:endParaRPr dirty="0"/>
           </a:p>
         </p:txBody>
       </p:sp>
@@ -1987,7 +2360,7 @@
       </p:grpSpPr>
       <p:sp>
         <p:nvSpPr>
-          <p:cNvPr id="650" name="Shape 650"/>
+          <p:cNvPr id="2" name="幻灯片图像占位符 1"/>
           <p:cNvSpPr>
             <a:spLocks noGrp="1" noRot="1" noChangeAspect="1"/>
           </p:cNvSpPr>
@@ -1995,45 +2368,36 @@
             <p:ph type="sldImg"/>
           </p:nvPr>
         </p:nvSpPr>
-        <p:spPr>
-          <a:prstGeom prst="rect">
-            <a:avLst/>
-          </a:prstGeom>
-        </p:spPr>
-        <p:txBody>
-          <a:bodyPr/>
-          <a:lstStyle/>
-          <a:p>
-            <a:endParaRPr/>
-          </a:p>
-        </p:txBody>
-      </p:sp>
-      <p:sp>
-        <p:nvSpPr>
-          <p:cNvPr id="651" name="Shape 651"/>
+        <p:spPr/>
+      </p:sp>
+      <p:sp>
+        <p:nvSpPr>
+          <p:cNvPr id="3" name="备注占位符 2"/>
           <p:cNvSpPr>
             <a:spLocks noGrp="1"/>
           </p:cNvSpPr>
           <p:nvPr>
-            <p:ph type="body" sz="quarter" idx="1"/>
+            <p:ph type="body" idx="1"/>
           </p:nvPr>
         </p:nvSpPr>
-        <p:spPr>
-          <a:prstGeom prst="rect">
-            <a:avLst/>
-          </a:prstGeom>
-        </p:spPr>
+        <p:spPr/>
         <p:txBody>
           <a:bodyPr/>
           <a:lstStyle/>
           <a:p>
             <a:r>
-              <a:t>Ok now we have reached to stopping point</a:t>
+              <a:rPr kumimoji="1" lang="zh-CN" altLang="en-US" dirty="0"/>
+              <a:t>到这边，我们就完整演示了双向链表的插入。</a:t>
             </a:r>
           </a:p>
         </p:txBody>
       </p:sp>
     </p:spTree>
+    <p:extLst>
+      <p:ext uri="{BB962C8B-B14F-4D97-AF65-F5344CB8AC3E}">
+        <p14:creationId xmlns:p14="http://schemas.microsoft.com/office/powerpoint/2010/main" val="4294443707"/>
+      </p:ext>
+    </p:extLst>
   </p:cSld>
   <p:clrMapOvr>
     <a:masterClrMapping/>
@@ -2060,7 +2424,7 @@
       </p:grpSpPr>
       <p:sp>
         <p:nvSpPr>
-          <p:cNvPr id="674" name="Shape 674"/>
+          <p:cNvPr id="586" name="Shape 586"/>
           <p:cNvSpPr>
             <a:spLocks noGrp="1" noRot="1" noChangeAspect="1"/>
           </p:cNvSpPr>
@@ -2083,7 +2447,7 @@
       </p:sp>
       <p:sp>
         <p:nvSpPr>
-          <p:cNvPr id="675" name="Shape 675"/>
+          <p:cNvPr id="587" name="Shape 587"/>
           <p:cNvSpPr>
             <a:spLocks noGrp="1"/>
           </p:cNvSpPr>
@@ -2101,8 +2465,26 @@
           <a:lstStyle/>
           <a:p>
             <a:r>
-              <a:t>i’m going to create another pointer to the node we wish to remove so that we can deallocate its memory later.</a:t>
-            </a:r>
+              <a:rPr lang="zh-CN" altLang="en-US" dirty="0"/>
+              <a:t>好的，下面我们来看如何从一个单向链表中移除节点。假设我们要从</a:t>
+            </a:r>
+            <a:r>
+              <a:rPr lang="en-US" altLang="zh-CN" dirty="0"/>
+              <a:t>PPT</a:t>
+            </a:r>
+            <a:r>
+              <a:rPr lang="zh-CN" altLang="en-US" dirty="0"/>
+              <a:t>上的单向链表中移除</a:t>
+            </a:r>
+            <a:r>
+              <a:rPr lang="en-US" altLang="zh-CN" dirty="0"/>
+              <a:t>9</a:t>
+            </a:r>
+            <a:r>
+              <a:rPr lang="zh-CN" altLang="en-US" dirty="0"/>
+              <a:t>，我们该如何来实现呢？为了实现移除，我们需要采用两个指针，而不是一个。当然你可以使用一个指针来实现，但是从可视化的效果上看，用两个指针更简单直观。</a:t>
+            </a:r>
+            <a:endParaRPr dirty="0"/>
           </a:p>
         </p:txBody>
       </p:sp>
@@ -2133,7 +2515,7 @@
       </p:grpSpPr>
       <p:sp>
         <p:nvSpPr>
-          <p:cNvPr id="698" name="Shape 698"/>
+          <p:cNvPr id="608" name="Shape 608"/>
           <p:cNvSpPr>
             <a:spLocks noGrp="1" noRot="1" noChangeAspect="1"/>
           </p:cNvSpPr>
@@ -2156,7 +2538,7 @@
       </p:sp>
       <p:sp>
         <p:nvSpPr>
-          <p:cNvPr id="699" name="Shape 699"/>
+          <p:cNvPr id="609" name="Shape 609"/>
           <p:cNvSpPr>
             <a:spLocks noGrp="1"/>
           </p:cNvSpPr>
@@ -2174,8 +2556,66 @@
           <a:lstStyle/>
           <a:p>
             <a:r>
-              <a:t>Ok so now I have advanced trav2 to the next node. And node 9 has turned red this is to indicate that at this point we could remove node 9 at any point, but let me keep it around for visuals.</a:t>
-            </a:r>
+              <a:rPr lang="zh-CN" altLang="en-US" dirty="0"/>
+              <a:t>所以我们创建两个指针，</a:t>
+            </a:r>
+            <a:r>
+              <a:rPr lang="en-US" altLang="zh-CN" dirty="0"/>
+              <a:t>trav1</a:t>
+            </a:r>
+            <a:r>
+              <a:rPr lang="zh-CN" altLang="en-US" dirty="0"/>
+              <a:t>和</a:t>
+            </a:r>
+            <a:r>
+              <a:rPr lang="en-US" altLang="zh-CN" dirty="0"/>
+              <a:t>trav2</a:t>
+            </a:r>
+            <a:r>
+              <a:rPr lang="zh-CN" altLang="en-US" dirty="0"/>
+              <a:t>，其中</a:t>
+            </a:r>
+            <a:r>
+              <a:rPr lang="en-US" altLang="zh-CN" dirty="0"/>
+              <a:t>trav1</a:t>
+            </a:r>
+            <a:r>
+              <a:rPr lang="zh-CN" altLang="en-US" dirty="0"/>
+              <a:t>指向头节点，</a:t>
+            </a:r>
+            <a:r>
+              <a:rPr lang="en-US" altLang="zh-CN" dirty="0"/>
+              <a:t>trav2</a:t>
+            </a:r>
+            <a:r>
+              <a:rPr lang="zh-CN" altLang="en-US" dirty="0"/>
+              <a:t>指向头节点的下一个节点。现在我们需要同时向右移动</a:t>
+            </a:r>
+            <a:r>
+              <a:rPr lang="en-US" altLang="zh-CN" dirty="0"/>
+              <a:t>trav1</a:t>
+            </a:r>
+            <a:r>
+              <a:rPr lang="zh-CN" altLang="en-US" dirty="0"/>
+              <a:t>和</a:t>
+            </a:r>
+            <a:r>
+              <a:rPr lang="en-US" altLang="zh-CN" dirty="0"/>
+              <a:t>trav2</a:t>
+            </a:r>
+            <a:r>
+              <a:rPr lang="zh-CN" altLang="en-US" dirty="0"/>
+              <a:t>，直到</a:t>
+            </a:r>
+            <a:r>
+              <a:rPr lang="en-US" altLang="zh-CN" dirty="0"/>
+              <a:t>trav2</a:t>
+            </a:r>
+            <a:r>
+              <a:rPr lang="zh-CN" altLang="en-US" dirty="0"/>
+              <a:t>指向我们要移除的节点。</a:t>
+            </a:r>
+            <a:endParaRPr dirty="0"/>
           </a:p>
         </p:txBody>
       </p:sp>
@@ -2270,7 +2710,7 @@
       </p:grpSpPr>
       <p:sp>
         <p:nvSpPr>
-          <p:cNvPr id="724" name="Shape 724"/>
+          <p:cNvPr id="2" name="幻灯片图像占位符 1"/>
           <p:cNvSpPr>
             <a:spLocks noGrp="1" noRot="1" noChangeAspect="1"/>
           </p:cNvSpPr>
@@ -2278,45 +2718,36 @@
             <p:ph type="sldImg"/>
           </p:nvPr>
         </p:nvSpPr>
-        <p:spPr>
-          <a:prstGeom prst="rect">
-            <a:avLst/>
-          </a:prstGeom>
-        </p:spPr>
-        <p:txBody>
-          <a:bodyPr/>
-          <a:lstStyle/>
-          <a:p>
-            <a:endParaRPr/>
-          </a:p>
-        </p:txBody>
-      </p:sp>
-      <p:sp>
-        <p:nvSpPr>
-          <p:cNvPr id="725" name="Shape 725"/>
+        <p:spPr/>
+      </p:sp>
+      <p:sp>
+        <p:nvSpPr>
+          <p:cNvPr id="3" name="备注占位符 2"/>
           <p:cNvSpPr>
             <a:spLocks noGrp="1"/>
           </p:cNvSpPr>
           <p:nvPr>
-            <p:ph type="body" sz="quarter" idx="1"/>
+            <p:ph type="body" idx="1"/>
           </p:nvPr>
         </p:nvSpPr>
-        <p:spPr>
-          <a:prstGeom prst="rect">
-            <a:avLst/>
-          </a:prstGeom>
-        </p:spPr>
+        <p:spPr/>
         <p:txBody>
           <a:bodyPr/>
           <a:lstStyle/>
           <a:p>
             <a:r>
-              <a:t>So now we make trav1’s next pointer be equal to trav2. And now is an appropriate time to remove temp because it’s doing nothing.</a:t>
+              <a:rPr kumimoji="1" lang="zh-CN" altLang="en-US" dirty="0"/>
+              <a:t>这是第一次移动后的位置。</a:t>
             </a:r>
           </a:p>
         </p:txBody>
       </p:sp>
     </p:spTree>
+    <p:extLst>
+      <p:ext uri="{BB962C8B-B14F-4D97-AF65-F5344CB8AC3E}">
+        <p14:creationId xmlns:p14="http://schemas.microsoft.com/office/powerpoint/2010/main" val="2876241216"/>
+      </p:ext>
+    </p:extLst>
   </p:cSld>
   <p:clrMapOvr>
     <a:masterClrMapping/>
@@ -2343,7 +2774,7 @@
       </p:grpSpPr>
       <p:sp>
         <p:nvSpPr>
-          <p:cNvPr id="746" name="Shape 746"/>
+          <p:cNvPr id="650" name="Shape 650"/>
           <p:cNvSpPr>
             <a:spLocks noGrp="1" noRot="1" noChangeAspect="1"/>
           </p:cNvSpPr>
@@ -2366,7 +2797,7 @@
       </p:sp>
       <p:sp>
         <p:nvSpPr>
-          <p:cNvPr id="747" name="Shape 747"/>
+          <p:cNvPr id="651" name="Shape 651"/>
           <p:cNvSpPr>
             <a:spLocks noGrp="1"/>
           </p:cNvSpPr>
@@ -2384,8 +2815,26 @@
           <a:lstStyle/>
           <a:p>
             <a:r>
-              <a:t>And there temp has been deallocated, make sure you always clean up your memory to avoid memory leaks!</a:t>
-            </a:r>
+              <a:rPr lang="zh-CN" altLang="en-US" dirty="0"/>
+              <a:t>这是第二次移动后的位置，现在</a:t>
+            </a:r>
+            <a:r>
+              <a:rPr lang="en-US" altLang="zh-CN" dirty="0"/>
+              <a:t>trav2</a:t>
+            </a:r>
+            <a:r>
+              <a:rPr lang="zh-CN" altLang="en-US" dirty="0"/>
+              <a:t>已经指向我们要移除的元素</a:t>
+            </a:r>
+            <a:r>
+              <a:rPr lang="en-US" altLang="zh-CN" dirty="0"/>
+              <a:t>9</a:t>
+            </a:r>
+            <a:r>
+              <a:rPr lang="zh-CN" altLang="en-US" dirty="0"/>
+              <a:t>了。</a:t>
+            </a:r>
+            <a:endParaRPr dirty="0"/>
           </a:p>
         </p:txBody>
       </p:sp>
@@ -2416,7 +2865,7 @@
       </p:grpSpPr>
       <p:sp>
         <p:nvSpPr>
-          <p:cNvPr id="766" name="Shape 766"/>
+          <p:cNvPr id="674" name="Shape 674"/>
           <p:cNvSpPr>
             <a:spLocks noGrp="1" noRot="1" noChangeAspect="1"/>
           </p:cNvSpPr>
@@ -2439,7 +2888,7 @@
       </p:sp>
       <p:sp>
         <p:nvSpPr>
-          <p:cNvPr id="767" name="Shape 767"/>
+          <p:cNvPr id="675" name="Shape 675"/>
           <p:cNvSpPr>
             <a:spLocks noGrp="1"/>
           </p:cNvSpPr>
@@ -2457,8 +2906,10 @@
           <a:lstStyle/>
           <a:p>
             <a:r>
-              <a:t>Now you can see that 9 is gone and our SLL is node shorter.</a:t>
-            </a:r>
+              <a:rPr lang="zh-CN" altLang="en-US" dirty="0"/>
+              <a:t>现在我要再创建一个节点，它也指向我们要移除的节点，这样做是为了方便后续释放被移除节点的内存。</a:t>
+            </a:r>
+            <a:endParaRPr dirty="0"/>
           </a:p>
         </p:txBody>
       </p:sp>
@@ -2489,7 +2940,7 @@
       </p:grpSpPr>
       <p:sp>
         <p:nvSpPr>
-          <p:cNvPr id="802" name="Shape 802"/>
+          <p:cNvPr id="698" name="Shape 698"/>
           <p:cNvSpPr>
             <a:spLocks noGrp="1" noRot="1" noChangeAspect="1"/>
           </p:cNvSpPr>
@@ -2512,7 +2963,7 @@
       </p:sp>
       <p:sp>
         <p:nvSpPr>
-          <p:cNvPr id="803" name="Shape 803"/>
+          <p:cNvPr id="699" name="Shape 699"/>
           <p:cNvSpPr>
             <a:spLocks noGrp="1"/>
           </p:cNvSpPr>
@@ -2530,8 +2981,34 @@
           <a:lstStyle/>
           <a:p>
             <a:r>
-              <a:t>Ok now the last bit of implementation to look at, let’s look at how to remove nodes from doubly linked lists which is actually easier imo to removing from SSLs. So the idea is the same, we seek up to the node we wish to remove, but this time around we only need one pointer because each node in the doubly linked list has a reference to the last node.</a:t>
-            </a:r>
+              <a:rPr lang="zh-CN" altLang="en-US" dirty="0"/>
+              <a:t>好的，现在我把</a:t>
+            </a:r>
+            <a:r>
+              <a:rPr lang="en-US" altLang="zh-CN" dirty="0"/>
+              <a:t>trav2</a:t>
+            </a:r>
+            <a:r>
+              <a:rPr lang="zh-CN" altLang="en-US" dirty="0"/>
+              <a:t>再向后移动一个位置。注意，元素</a:t>
+            </a:r>
+            <a:r>
+              <a:rPr lang="en-US" altLang="zh-CN" dirty="0"/>
+              <a:t>9</a:t>
+            </a:r>
+            <a:r>
+              <a:rPr lang="zh-CN" altLang="en-US" dirty="0"/>
+              <a:t>所在节点被标记为红色，现在其实我们已经可以移除</a:t>
+            </a:r>
+            <a:r>
+              <a:rPr lang="en-US" altLang="zh-CN" dirty="0"/>
+              <a:t>9</a:t>
+            </a:r>
+            <a:r>
+              <a:rPr lang="zh-CN" altLang="en-US" dirty="0"/>
+              <a:t>了，但是为了演示，我们先留着它。</a:t>
+            </a:r>
+            <a:endParaRPr dirty="0"/>
           </a:p>
         </p:txBody>
       </p:sp>
@@ -2562,7 +3039,7 @@
       </p:grpSpPr>
       <p:sp>
         <p:nvSpPr>
-          <p:cNvPr id="826" name="Shape 826"/>
+          <p:cNvPr id="724" name="Shape 724"/>
           <p:cNvSpPr>
             <a:spLocks noGrp="1" noRot="1" noChangeAspect="1"/>
           </p:cNvSpPr>
@@ -2585,7 +3062,7 @@
       </p:sp>
       <p:sp>
         <p:nvSpPr>
-          <p:cNvPr id="827" name="Shape 827"/>
+          <p:cNvPr id="725" name="Shape 725"/>
           <p:cNvSpPr>
             <a:spLocks noGrp="1"/>
           </p:cNvSpPr>
@@ -2603,8 +3080,34 @@
           <a:lstStyle/>
           <a:p>
             <a:r>
-              <a:t>So let’s start trav at the very beginning and seek until we hit 9.</a:t>
-            </a:r>
+              <a:rPr lang="zh-CN" altLang="en-US" dirty="0"/>
+              <a:t>现在，我们把</a:t>
+            </a:r>
+            <a:r>
+              <a:rPr lang="en-US" altLang="zh-CN" dirty="0"/>
+              <a:t>trav1</a:t>
+            </a:r>
+            <a:r>
+              <a:rPr lang="zh-CN" altLang="en-US" dirty="0"/>
+              <a:t>指向节点的下一个节点指针指向元素</a:t>
+            </a:r>
+            <a:r>
+              <a:rPr lang="en-US" altLang="zh-CN" dirty="0"/>
+              <a:t>15</a:t>
+            </a:r>
+            <a:r>
+              <a:rPr lang="zh-CN" altLang="en-US" dirty="0"/>
+              <a:t>所在节点。现在，我们可以真正移除</a:t>
+            </a:r>
+            <a:r>
+              <a:rPr lang="en-US" altLang="zh-CN" dirty="0"/>
+              <a:t>temp</a:t>
+            </a:r>
+            <a:r>
+              <a:rPr lang="zh-CN" altLang="en-US" dirty="0"/>
+              <a:t>了，因为它已经没有用处。</a:t>
+            </a:r>
+            <a:endParaRPr dirty="0"/>
           </a:p>
         </p:txBody>
       </p:sp>
@@ -2635,7 +3138,7 @@
       </p:grpSpPr>
       <p:sp>
         <p:nvSpPr>
-          <p:cNvPr id="894" name="Shape 894"/>
+          <p:cNvPr id="746" name="Shape 746"/>
           <p:cNvSpPr>
             <a:spLocks noGrp="1" noRot="1" noChangeAspect="1"/>
           </p:cNvSpPr>
@@ -2658,7 +3161,7 @@
       </p:sp>
       <p:sp>
         <p:nvSpPr>
-          <p:cNvPr id="895" name="Shape 895"/>
+          <p:cNvPr id="747" name="Shape 747"/>
           <p:cNvSpPr>
             <a:spLocks noGrp="1"/>
           </p:cNvSpPr>
@@ -2676,8 +3179,18 @@
           <a:lstStyle/>
           <a:p>
             <a:r>
-              <a:t>Ok we’ve reached 9 and we want to remove it from the list.</a:t>
-            </a:r>
+              <a:rPr lang="zh-CN" altLang="en-US" dirty="0"/>
+              <a:t>现在</a:t>
+            </a:r>
+            <a:r>
+              <a:rPr lang="en-US" altLang="zh-CN" dirty="0"/>
+              <a:t>temp</a:t>
+            </a:r>
+            <a:r>
+              <a:rPr lang="zh-CN" altLang="en-US" dirty="0"/>
+              <a:t>被释放了，记得移除节点后，一定要释放内存，以免内存泄漏。</a:t>
+            </a:r>
+            <a:endParaRPr dirty="0"/>
           </a:p>
         </p:txBody>
       </p:sp>
@@ -2708,7 +3221,7 @@
       </p:grpSpPr>
       <p:sp>
         <p:nvSpPr>
-          <p:cNvPr id="920" name="Shape 920"/>
+          <p:cNvPr id="766" name="Shape 766"/>
           <p:cNvSpPr>
             <a:spLocks noGrp="1" noRot="1" noChangeAspect="1"/>
           </p:cNvSpPr>
@@ -2731,7 +3244,7 @@
       </p:sp>
       <p:sp>
         <p:nvSpPr>
-          <p:cNvPr id="921" name="Shape 921"/>
+          <p:cNvPr id="767" name="Shape 767"/>
           <p:cNvSpPr>
             <a:spLocks noGrp="1"/>
           </p:cNvSpPr>
@@ -2749,8 +3262,18 @@
           <a:lstStyle/>
           <a:p>
             <a:r>
-              <a:t>To do this set 4’s next pointer to be equal to 15. We have access to 4 and 15 because they are trav’s previous and next pointer respectively.</a:t>
-            </a:r>
+              <a:rPr lang="zh-CN" altLang="en-US" dirty="0"/>
+              <a:t>现在元素</a:t>
+            </a:r>
+            <a:r>
+              <a:rPr lang="en-US" altLang="zh-CN" dirty="0"/>
+              <a:t>9</a:t>
+            </a:r>
+            <a:r>
+              <a:rPr lang="zh-CN" altLang="en-US" dirty="0"/>
+              <a:t>就没有了，我们的链表少了一个节点。</a:t>
+            </a:r>
+            <a:endParaRPr dirty="0"/>
           </a:p>
         </p:txBody>
       </p:sp>
@@ -2781,7 +3304,7 @@
       </p:grpSpPr>
       <p:sp>
         <p:nvSpPr>
-          <p:cNvPr id="946" name="Shape 946"/>
+          <p:cNvPr id="2" name="幻灯片图像占位符 1"/>
           <p:cNvSpPr>
             <a:spLocks noGrp="1" noRot="1" noChangeAspect="1"/>
           </p:cNvSpPr>
@@ -2789,45 +3312,56 @@
             <p:ph type="sldImg"/>
           </p:nvPr>
         </p:nvSpPr>
-        <p:spPr>
-          <a:prstGeom prst="rect">
-            <a:avLst/>
-          </a:prstGeom>
-        </p:spPr>
-        <p:txBody>
-          <a:bodyPr/>
-          <a:lstStyle/>
-          <a:p>
-            <a:endParaRPr/>
-          </a:p>
-        </p:txBody>
-      </p:sp>
-      <p:sp>
-        <p:nvSpPr>
-          <p:cNvPr id="947" name="Shape 947"/>
+        <p:spPr/>
+      </p:sp>
+      <p:sp>
+        <p:nvSpPr>
+          <p:cNvPr id="3" name="备注占位符 2"/>
           <p:cNvSpPr>
             <a:spLocks noGrp="1"/>
           </p:cNvSpPr>
           <p:nvPr>
-            <p:ph type="body" sz="quarter" idx="1"/>
+            <p:ph type="body" idx="1"/>
           </p:nvPr>
         </p:nvSpPr>
-        <p:spPr>
-          <a:prstGeom prst="rect">
-            <a:avLst/>
-          </a:prstGeom>
-        </p:spPr>
+        <p:spPr/>
         <p:txBody>
           <a:bodyPr/>
           <a:lstStyle/>
           <a:p>
-            <a:r>
-              <a:t>Similarly, set 15’s previous pointer to point to be 4. Notice that trap is now red meaning it’s ready to be removed.</a:t>
-            </a:r>
+            <a:pPr marL="0" marR="0" lvl="0" indent="0" defTabSz="457200" eaLnBrk="1" fontAlgn="auto" latinLnBrk="0" hangingPunct="1">
+              <a:lnSpc>
+                <a:spcPct val="117999"/>
+              </a:lnSpc>
+              <a:spcBef>
+                <a:spcPts val="0"/>
+              </a:spcBef>
+              <a:spcAft>
+                <a:spcPts val="0"/>
+              </a:spcAft>
+              <a:buClrTx/>
+              <a:buSzTx/>
+              <a:buFontTx/>
+              <a:buNone/>
+              <a:tabLst/>
+              <a:defRPr/>
+            </a:pPr>
+            <a:r>
+              <a:rPr kumimoji="1" lang="zh-CN" altLang="en-US" dirty="0"/>
+              <a:t>到这边，我们就完整演示了单向链表的移除操作。</a:t>
+            </a:r>
+          </a:p>
+          <a:p>
+            <a:endParaRPr kumimoji="1" lang="zh-CN" altLang="en-US" dirty="0"/>
           </a:p>
         </p:txBody>
       </p:sp>
     </p:spTree>
+    <p:extLst>
+      <p:ext uri="{BB962C8B-B14F-4D97-AF65-F5344CB8AC3E}">
+        <p14:creationId xmlns:p14="http://schemas.microsoft.com/office/powerpoint/2010/main" val="1509048185"/>
+      </p:ext>
+    </p:extLst>
   </p:cSld>
   <p:clrMapOvr>
     <a:masterClrMapping/>
@@ -2854,7 +3388,7 @@
       </p:grpSpPr>
       <p:sp>
         <p:nvSpPr>
-          <p:cNvPr id="967" name="Shape 967"/>
+          <p:cNvPr id="802" name="Shape 802"/>
           <p:cNvSpPr>
             <a:spLocks noGrp="1" noRot="1" noChangeAspect="1"/>
           </p:cNvSpPr>
@@ -2877,7 +3411,7 @@
       </p:sp>
       <p:sp>
         <p:nvSpPr>
-          <p:cNvPr id="968" name="Shape 968"/>
+          <p:cNvPr id="803" name="Shape 803"/>
           <p:cNvSpPr>
             <a:spLocks noGrp="1"/>
           </p:cNvSpPr>
@@ -2895,8 +3429,10 @@
           <a:lstStyle/>
           <a:p>
             <a:r>
-              <a:t>So we get rid of 9</a:t>
-            </a:r>
+              <a:rPr lang="zh-CN" altLang="en-US" dirty="0"/>
+              <a:t>好的，现在我们来看如何在双向链表中移除节点。对比单向链表的移除，在双向链表中移除会更简单。基本算法思想是类似的，我们先要找到要移除的节点，但是这次我们只需要一个指针，因为双向链表中的每一个节点，都有前向和后向两个指针。</a:t>
+            </a:r>
+            <a:endParaRPr dirty="0"/>
           </a:p>
         </p:txBody>
       </p:sp>
@@ -2927,7 +3463,7 @@
       </p:grpSpPr>
       <p:sp>
         <p:nvSpPr>
-          <p:cNvPr id="986" name="Shape 986"/>
+          <p:cNvPr id="826" name="Shape 826"/>
           <p:cNvSpPr>
             <a:spLocks noGrp="1" noRot="1" noChangeAspect="1"/>
           </p:cNvSpPr>
@@ -2950,7 +3486,7 @@
       </p:sp>
       <p:sp>
         <p:nvSpPr>
-          <p:cNvPr id="987" name="Shape 987"/>
+          <p:cNvPr id="827" name="Shape 827"/>
           <p:cNvSpPr>
             <a:spLocks noGrp="1"/>
           </p:cNvSpPr>
@@ -2968,8 +3504,18 @@
           <a:lstStyle/>
           <a:p>
             <a:r>
-              <a:t>Now if we flatten the DLL we see that it no longer contains 9</a:t>
-            </a:r>
+              <a:rPr lang="zh-CN" altLang="en-US" dirty="0"/>
+              <a:t>所以，我们还是从头开始遍历，直到找到元素</a:t>
+            </a:r>
+            <a:r>
+              <a:rPr lang="en-US" altLang="zh-CN" dirty="0"/>
+              <a:t>9</a:t>
+            </a:r>
+            <a:r>
+              <a:rPr lang="zh-CN" altLang="en-US" dirty="0"/>
+              <a:t>的位置。</a:t>
+            </a:r>
+            <a:endParaRPr dirty="0"/>
           </a:p>
         </p:txBody>
       </p:sp>
@@ -3124,7 +3670,7 @@
       </p:grpSpPr>
       <p:sp>
         <p:nvSpPr>
-          <p:cNvPr id="990" name="Shape 990"/>
+          <p:cNvPr id="2" name="幻灯片图像占位符 1"/>
           <p:cNvSpPr>
             <a:spLocks noGrp="1" noRot="1" noChangeAspect="1"/>
           </p:cNvSpPr>
@@ -3132,45 +3678,40 @@
             <p:ph type="sldImg"/>
           </p:nvPr>
         </p:nvSpPr>
-        <p:spPr>
-          <a:prstGeom prst="rect">
-            <a:avLst/>
-          </a:prstGeom>
-        </p:spPr>
-        <p:txBody>
-          <a:bodyPr/>
-          <a:lstStyle/>
-          <a:p>
-            <a:endParaRPr/>
-          </a:p>
-        </p:txBody>
-      </p:sp>
-      <p:sp>
-        <p:nvSpPr>
-          <p:cNvPr id="991" name="Shape 991"/>
+        <p:spPr/>
+      </p:sp>
+      <p:sp>
+        <p:nvSpPr>
+          <p:cNvPr id="3" name="备注占位符 2"/>
           <p:cNvSpPr>
             <a:spLocks noGrp="1"/>
           </p:cNvSpPr>
           <p:nvPr>
-            <p:ph type="body" sz="quarter" idx="1"/>
+            <p:ph type="body" idx="1"/>
           </p:nvPr>
         </p:nvSpPr>
-        <p:spPr>
-          <a:prstGeom prst="rect">
-            <a:avLst/>
-          </a:prstGeom>
-        </p:spPr>
+        <p:spPr/>
         <p:txBody>
           <a:bodyPr/>
           <a:lstStyle/>
           <a:p>
             <a:r>
-              <a:t>Time for some complexity analysis. How good are linked lists?</a:t>
+              <a:rPr kumimoji="1" lang="en-US" altLang="zh-CN" dirty="0" err="1"/>
+              <a:t>Trav</a:t>
+            </a:r>
+            <a:r>
+              <a:rPr kumimoji="1" lang="zh-CN" altLang="en-US" dirty="0"/>
+              <a:t>右移一个位置。</a:t>
             </a:r>
           </a:p>
         </p:txBody>
       </p:sp>
     </p:spTree>
+    <p:extLst>
+      <p:ext uri="{BB962C8B-B14F-4D97-AF65-F5344CB8AC3E}">
+        <p14:creationId xmlns:p14="http://schemas.microsoft.com/office/powerpoint/2010/main" val="654686372"/>
+      </p:ext>
+    </p:extLst>
   </p:cSld>
   <p:clrMapOvr>
     <a:masterClrMapping/>
@@ -3197,7 +3738,7 @@
       </p:grpSpPr>
       <p:sp>
         <p:nvSpPr>
-          <p:cNvPr id="997" name="Shape 997"/>
+          <p:cNvPr id="2" name="幻灯片图像占位符 1"/>
           <p:cNvSpPr>
             <a:spLocks noGrp="1" noRot="1" noChangeAspect="1"/>
           </p:cNvSpPr>
@@ -3205,61 +3746,36 @@
             <p:ph type="sldImg"/>
           </p:nvPr>
         </p:nvSpPr>
-        <p:spPr>
-          <a:prstGeom prst="rect">
-            <a:avLst/>
-          </a:prstGeom>
-        </p:spPr>
-        <p:txBody>
-          <a:bodyPr/>
-          <a:lstStyle/>
-          <a:p>
-            <a:endParaRPr/>
-          </a:p>
-        </p:txBody>
-      </p:sp>
-      <p:sp>
-        <p:nvSpPr>
-          <p:cNvPr id="998" name="Shape 998"/>
+        <p:spPr/>
+      </p:sp>
+      <p:sp>
+        <p:nvSpPr>
+          <p:cNvPr id="3" name="备注占位符 2"/>
           <p:cNvSpPr>
             <a:spLocks noGrp="1"/>
           </p:cNvSpPr>
           <p:nvPr>
-            <p:ph type="body" sz="quarter" idx="1"/>
+            <p:ph type="body" idx="1"/>
           </p:nvPr>
         </p:nvSpPr>
-        <p:spPr>
-          <a:prstGeom prst="rect">
-            <a:avLst/>
-          </a:prstGeom>
-        </p:spPr>
+        <p:spPr/>
         <p:txBody>
           <a:bodyPr/>
           <a:lstStyle/>
           <a:p>
             <a:r>
-              <a:t>On the left column we have SLLs and on the right DLLs.</a:t>
-            </a:r>
-          </a:p>
-          <a:p>
-            <a:endParaRPr/>
-          </a:p>
-          <a:p>
-            <a:r>
-              <a:t>The time complexity for searching is linear since in the worst case the element we’re looking for doesn’t exist and we have to traverse all the elements in the list.</a:t>
-            </a:r>
-          </a:p>
-          <a:p>
-            <a:endParaRPr/>
-          </a:p>
-          <a:p>
-            <a:r>
-              <a:t>Inserting at the head is constant because we always maintain a pointer to the head for the linked list and hence we can add a node there, similarly for the tail.</a:t>
+              <a:rPr kumimoji="1" lang="zh-CN" altLang="en-US" dirty="0"/>
+              <a:t>再右移一个位置。</a:t>
             </a:r>
           </a:p>
         </p:txBody>
       </p:sp>
     </p:spTree>
+    <p:extLst>
+      <p:ext uri="{BB962C8B-B14F-4D97-AF65-F5344CB8AC3E}">
+        <p14:creationId xmlns:p14="http://schemas.microsoft.com/office/powerpoint/2010/main" val="112060384"/>
+      </p:ext>
+    </p:extLst>
   </p:cSld>
   <p:clrMapOvr>
     <a:masterClrMapping/>
@@ -3286,6 +3802,663 @@
       </p:grpSpPr>
       <p:sp>
         <p:nvSpPr>
+          <p:cNvPr id="894" name="Shape 894"/>
+          <p:cNvSpPr>
+            <a:spLocks noGrp="1" noRot="1" noChangeAspect="1"/>
+          </p:cNvSpPr>
+          <p:nvPr>
+            <p:ph type="sldImg"/>
+          </p:nvPr>
+        </p:nvSpPr>
+        <p:spPr>
+          <a:prstGeom prst="rect">
+            <a:avLst/>
+          </a:prstGeom>
+        </p:spPr>
+        <p:txBody>
+          <a:bodyPr/>
+          <a:lstStyle/>
+          <a:p>
+            <a:endParaRPr/>
+          </a:p>
+        </p:txBody>
+      </p:sp>
+      <p:sp>
+        <p:nvSpPr>
+          <p:cNvPr id="895" name="Shape 895"/>
+          <p:cNvSpPr>
+            <a:spLocks noGrp="1"/>
+          </p:cNvSpPr>
+          <p:nvPr>
+            <p:ph type="body" sz="quarter" idx="1"/>
+          </p:nvPr>
+        </p:nvSpPr>
+        <p:spPr>
+          <a:prstGeom prst="rect">
+            <a:avLst/>
+          </a:prstGeom>
+        </p:spPr>
+        <p:txBody>
+          <a:bodyPr/>
+          <a:lstStyle/>
+          <a:p>
+            <a:r>
+              <a:rPr lang="zh-CN" altLang="en-US" dirty="0"/>
+              <a:t>再右移一个位置，现在我们到达元素</a:t>
+            </a:r>
+            <a:r>
+              <a:rPr lang="en-US" altLang="zh-CN" dirty="0"/>
+              <a:t>9</a:t>
+            </a:r>
+            <a:r>
+              <a:rPr lang="zh-CN" altLang="en-US" dirty="0"/>
+              <a:t>所在位置，我们可以开始移除。</a:t>
+            </a:r>
+            <a:endParaRPr dirty="0"/>
+          </a:p>
+        </p:txBody>
+      </p:sp>
+    </p:spTree>
+  </p:cSld>
+  <p:clrMapOvr>
+    <a:masterClrMapping/>
+  </p:clrMapOvr>
+</p:notes>
+</file>
+
+<file path=ppt/notesSlides/notesSlide43.xml><?xml version="1.0" encoding="utf-8"?>
+<p:notes xmlns:a="http://schemas.openxmlformats.org/drawingml/2006/main" xmlns:r="http://schemas.openxmlformats.org/officeDocument/2006/relationships" xmlns:p="http://schemas.openxmlformats.org/presentationml/2006/main">
+  <p:cSld>
+    <p:spTree>
+      <p:nvGrpSpPr>
+        <p:cNvPr id="1" name=""/>
+        <p:cNvGrpSpPr/>
+        <p:nvPr/>
+      </p:nvGrpSpPr>
+      <p:grpSpPr>
+        <a:xfrm>
+          <a:off x="0" y="0"/>
+          <a:ext cx="0" cy="0"/>
+          <a:chOff x="0" y="0"/>
+          <a:chExt cx="0" cy="0"/>
+        </a:xfrm>
+      </p:grpSpPr>
+      <p:sp>
+        <p:nvSpPr>
+          <p:cNvPr id="920" name="Shape 920"/>
+          <p:cNvSpPr>
+            <a:spLocks noGrp="1" noRot="1" noChangeAspect="1"/>
+          </p:cNvSpPr>
+          <p:nvPr>
+            <p:ph type="sldImg"/>
+          </p:nvPr>
+        </p:nvSpPr>
+        <p:spPr>
+          <a:prstGeom prst="rect">
+            <a:avLst/>
+          </a:prstGeom>
+        </p:spPr>
+        <p:txBody>
+          <a:bodyPr/>
+          <a:lstStyle/>
+          <a:p>
+            <a:endParaRPr/>
+          </a:p>
+        </p:txBody>
+      </p:sp>
+      <p:sp>
+        <p:nvSpPr>
+          <p:cNvPr id="921" name="Shape 921"/>
+          <p:cNvSpPr>
+            <a:spLocks noGrp="1"/>
+          </p:cNvSpPr>
+          <p:nvPr>
+            <p:ph type="body" sz="quarter" idx="1"/>
+          </p:nvPr>
+        </p:nvSpPr>
+        <p:spPr>
+          <a:prstGeom prst="rect">
+            <a:avLst/>
+          </a:prstGeom>
+        </p:spPr>
+        <p:txBody>
+          <a:bodyPr/>
+          <a:lstStyle/>
+          <a:p>
+            <a:r>
+              <a:rPr lang="zh-CN" altLang="en-US" dirty="0"/>
+              <a:t>为了实现移除，我们将元素</a:t>
+            </a:r>
+            <a:r>
+              <a:rPr lang="en-US" altLang="zh-CN" dirty="0"/>
+              <a:t>4</a:t>
+            </a:r>
+            <a:r>
+              <a:rPr lang="zh-CN" altLang="en-US" dirty="0"/>
+              <a:t>的下一个节点指针指向元素</a:t>
+            </a:r>
+            <a:r>
+              <a:rPr lang="en-US" altLang="zh-CN" dirty="0"/>
+              <a:t>15</a:t>
+            </a:r>
+            <a:r>
+              <a:rPr lang="zh-CN" altLang="en-US" dirty="0"/>
+              <a:t>所在节点。我们可以访问元素</a:t>
+            </a:r>
+            <a:r>
+              <a:rPr lang="en-US" altLang="zh-CN" dirty="0"/>
+              <a:t>4</a:t>
+            </a:r>
+            <a:r>
+              <a:rPr lang="zh-CN" altLang="en-US" dirty="0"/>
+              <a:t>和</a:t>
+            </a:r>
+            <a:r>
+              <a:rPr lang="en-US" altLang="zh-CN" dirty="0"/>
+              <a:t>15</a:t>
+            </a:r>
+            <a:r>
+              <a:rPr lang="zh-CN" altLang="en-US" dirty="0"/>
+              <a:t>所在节点，因为通过</a:t>
+            </a:r>
+            <a:r>
+              <a:rPr lang="en-US" altLang="zh-CN" dirty="0" err="1"/>
+              <a:t>trav</a:t>
+            </a:r>
+            <a:r>
+              <a:rPr lang="zh-CN" altLang="en-US" dirty="0"/>
+              <a:t>可以前向访问</a:t>
+            </a:r>
+            <a:r>
+              <a:rPr lang="en-US" altLang="zh-CN" dirty="0"/>
+              <a:t>4</a:t>
+            </a:r>
+            <a:r>
+              <a:rPr lang="zh-CN" altLang="en-US" dirty="0"/>
+              <a:t>，或者后向访问</a:t>
+            </a:r>
+            <a:r>
+              <a:rPr lang="en-US" altLang="zh-CN" dirty="0"/>
+              <a:t>15</a:t>
+            </a:r>
+            <a:r>
+              <a:rPr lang="zh-CN" altLang="en-US" dirty="0"/>
+              <a:t>。</a:t>
+            </a:r>
+            <a:endParaRPr dirty="0"/>
+          </a:p>
+        </p:txBody>
+      </p:sp>
+    </p:spTree>
+  </p:cSld>
+  <p:clrMapOvr>
+    <a:masterClrMapping/>
+  </p:clrMapOvr>
+</p:notes>
+</file>
+
+<file path=ppt/notesSlides/notesSlide44.xml><?xml version="1.0" encoding="utf-8"?>
+<p:notes xmlns:a="http://schemas.openxmlformats.org/drawingml/2006/main" xmlns:r="http://schemas.openxmlformats.org/officeDocument/2006/relationships" xmlns:p="http://schemas.openxmlformats.org/presentationml/2006/main">
+  <p:cSld>
+    <p:spTree>
+      <p:nvGrpSpPr>
+        <p:cNvPr id="1" name=""/>
+        <p:cNvGrpSpPr/>
+        <p:nvPr/>
+      </p:nvGrpSpPr>
+      <p:grpSpPr>
+        <a:xfrm>
+          <a:off x="0" y="0"/>
+          <a:ext cx="0" cy="0"/>
+          <a:chOff x="0" y="0"/>
+          <a:chExt cx="0" cy="0"/>
+        </a:xfrm>
+      </p:grpSpPr>
+      <p:sp>
+        <p:nvSpPr>
+          <p:cNvPr id="946" name="Shape 946"/>
+          <p:cNvSpPr>
+            <a:spLocks noGrp="1" noRot="1" noChangeAspect="1"/>
+          </p:cNvSpPr>
+          <p:nvPr>
+            <p:ph type="sldImg"/>
+          </p:nvPr>
+        </p:nvSpPr>
+        <p:spPr>
+          <a:prstGeom prst="rect">
+            <a:avLst/>
+          </a:prstGeom>
+        </p:spPr>
+        <p:txBody>
+          <a:bodyPr/>
+          <a:lstStyle/>
+          <a:p>
+            <a:endParaRPr/>
+          </a:p>
+        </p:txBody>
+      </p:sp>
+      <p:sp>
+        <p:nvSpPr>
+          <p:cNvPr id="947" name="Shape 947"/>
+          <p:cNvSpPr>
+            <a:spLocks noGrp="1"/>
+          </p:cNvSpPr>
+          <p:nvPr>
+            <p:ph type="body" sz="quarter" idx="1"/>
+          </p:nvPr>
+        </p:nvSpPr>
+        <p:spPr>
+          <a:prstGeom prst="rect">
+            <a:avLst/>
+          </a:prstGeom>
+        </p:spPr>
+        <p:txBody>
+          <a:bodyPr/>
+          <a:lstStyle/>
+          <a:p>
+            <a:r>
+              <a:rPr lang="zh-CN" altLang="en-US" dirty="0"/>
+              <a:t>类似的，将</a:t>
+            </a:r>
+            <a:r>
+              <a:rPr lang="en-US" altLang="zh-CN" dirty="0"/>
+              <a:t>15</a:t>
+            </a:r>
+            <a:r>
+              <a:rPr lang="zh-CN" altLang="en-US" dirty="0"/>
+              <a:t>的前一个节点指针，指向元素</a:t>
+            </a:r>
+            <a:r>
+              <a:rPr lang="en-US" altLang="zh-CN" dirty="0"/>
+              <a:t>4</a:t>
+            </a:r>
+            <a:r>
+              <a:rPr lang="zh-CN" altLang="en-US" dirty="0"/>
+              <a:t>所在节点。现在元素</a:t>
+            </a:r>
+            <a:r>
+              <a:rPr lang="en-US" altLang="zh-CN" dirty="0"/>
+              <a:t>9</a:t>
+            </a:r>
+            <a:r>
+              <a:rPr lang="zh-CN" altLang="en-US" dirty="0"/>
+              <a:t>所在节点变红了，表示说我们可以移除这个节点了。</a:t>
+            </a:r>
+            <a:endParaRPr dirty="0"/>
+          </a:p>
+        </p:txBody>
+      </p:sp>
+    </p:spTree>
+  </p:cSld>
+  <p:clrMapOvr>
+    <a:masterClrMapping/>
+  </p:clrMapOvr>
+</p:notes>
+</file>
+
+<file path=ppt/notesSlides/notesSlide45.xml><?xml version="1.0" encoding="utf-8"?>
+<p:notes xmlns:a="http://schemas.openxmlformats.org/drawingml/2006/main" xmlns:r="http://schemas.openxmlformats.org/officeDocument/2006/relationships" xmlns:p="http://schemas.openxmlformats.org/presentationml/2006/main">
+  <p:cSld>
+    <p:spTree>
+      <p:nvGrpSpPr>
+        <p:cNvPr id="1" name=""/>
+        <p:cNvGrpSpPr/>
+        <p:nvPr/>
+      </p:nvGrpSpPr>
+      <p:grpSpPr>
+        <a:xfrm>
+          <a:off x="0" y="0"/>
+          <a:ext cx="0" cy="0"/>
+          <a:chOff x="0" y="0"/>
+          <a:chExt cx="0" cy="0"/>
+        </a:xfrm>
+      </p:grpSpPr>
+      <p:sp>
+        <p:nvSpPr>
+          <p:cNvPr id="967" name="Shape 967"/>
+          <p:cNvSpPr>
+            <a:spLocks noGrp="1" noRot="1" noChangeAspect="1"/>
+          </p:cNvSpPr>
+          <p:nvPr>
+            <p:ph type="sldImg"/>
+          </p:nvPr>
+        </p:nvSpPr>
+        <p:spPr>
+          <a:prstGeom prst="rect">
+            <a:avLst/>
+          </a:prstGeom>
+        </p:spPr>
+        <p:txBody>
+          <a:bodyPr/>
+          <a:lstStyle/>
+          <a:p>
+            <a:endParaRPr/>
+          </a:p>
+        </p:txBody>
+      </p:sp>
+      <p:sp>
+        <p:nvSpPr>
+          <p:cNvPr id="968" name="Shape 968"/>
+          <p:cNvSpPr>
+            <a:spLocks noGrp="1"/>
+          </p:cNvSpPr>
+          <p:nvPr>
+            <p:ph type="body" sz="quarter" idx="1"/>
+          </p:nvPr>
+        </p:nvSpPr>
+        <p:spPr>
+          <a:prstGeom prst="rect">
+            <a:avLst/>
+          </a:prstGeom>
+        </p:spPr>
+        <p:txBody>
+          <a:bodyPr/>
+          <a:lstStyle/>
+          <a:p>
+            <a:r>
+              <a:rPr lang="zh-CN" altLang="en-US" dirty="0"/>
+              <a:t>所以我们释放掉元素</a:t>
+            </a:r>
+            <a:r>
+              <a:rPr lang="en-US" altLang="zh-CN" dirty="0"/>
+              <a:t>9</a:t>
+            </a:r>
+            <a:r>
+              <a:rPr lang="zh-CN" altLang="en-US" dirty="0"/>
+              <a:t>所在节点。</a:t>
+            </a:r>
+            <a:endParaRPr dirty="0"/>
+          </a:p>
+        </p:txBody>
+      </p:sp>
+    </p:spTree>
+  </p:cSld>
+  <p:clrMapOvr>
+    <a:masterClrMapping/>
+  </p:clrMapOvr>
+</p:notes>
+</file>
+
+<file path=ppt/notesSlides/notesSlide46.xml><?xml version="1.0" encoding="utf-8"?>
+<p:notes xmlns:a="http://schemas.openxmlformats.org/drawingml/2006/main" xmlns:r="http://schemas.openxmlformats.org/officeDocument/2006/relationships" xmlns:p="http://schemas.openxmlformats.org/presentationml/2006/main">
+  <p:cSld>
+    <p:spTree>
+      <p:nvGrpSpPr>
+        <p:cNvPr id="1" name=""/>
+        <p:cNvGrpSpPr/>
+        <p:nvPr/>
+      </p:nvGrpSpPr>
+      <p:grpSpPr>
+        <a:xfrm>
+          <a:off x="0" y="0"/>
+          <a:ext cx="0" cy="0"/>
+          <a:chOff x="0" y="0"/>
+          <a:chExt cx="0" cy="0"/>
+        </a:xfrm>
+      </p:grpSpPr>
+      <p:sp>
+        <p:nvSpPr>
+          <p:cNvPr id="986" name="Shape 986"/>
+          <p:cNvSpPr>
+            <a:spLocks noGrp="1" noRot="1" noChangeAspect="1"/>
+          </p:cNvSpPr>
+          <p:nvPr>
+            <p:ph type="sldImg"/>
+          </p:nvPr>
+        </p:nvSpPr>
+        <p:spPr>
+          <a:prstGeom prst="rect">
+            <a:avLst/>
+          </a:prstGeom>
+        </p:spPr>
+        <p:txBody>
+          <a:bodyPr/>
+          <a:lstStyle/>
+          <a:p>
+            <a:endParaRPr/>
+          </a:p>
+        </p:txBody>
+      </p:sp>
+      <p:sp>
+        <p:nvSpPr>
+          <p:cNvPr id="987" name="Shape 987"/>
+          <p:cNvSpPr>
+            <a:spLocks noGrp="1"/>
+          </p:cNvSpPr>
+          <p:nvPr>
+            <p:ph type="body" sz="quarter" idx="1"/>
+          </p:nvPr>
+        </p:nvSpPr>
+        <p:spPr>
+          <a:prstGeom prst="rect">
+            <a:avLst/>
+          </a:prstGeom>
+        </p:spPr>
+        <p:txBody>
+          <a:bodyPr/>
+          <a:lstStyle/>
+          <a:p>
+            <a:r>
+              <a:rPr lang="zh-CN" altLang="en-US" dirty="0"/>
+              <a:t>现在我们把链表拉平，可以看到</a:t>
+            </a:r>
+            <a:r>
+              <a:rPr lang="en-US" altLang="zh-CN" dirty="0"/>
+              <a:t>9</a:t>
+            </a:r>
+            <a:r>
+              <a:rPr lang="zh-CN" altLang="en-US" dirty="0"/>
+              <a:t>已经被移除了。</a:t>
+            </a:r>
+            <a:endParaRPr dirty="0"/>
+          </a:p>
+        </p:txBody>
+      </p:sp>
+    </p:spTree>
+  </p:cSld>
+  <p:clrMapOvr>
+    <a:masterClrMapping/>
+  </p:clrMapOvr>
+</p:notes>
+</file>
+
+<file path=ppt/notesSlides/notesSlide47.xml><?xml version="1.0" encoding="utf-8"?>
+<p:notes xmlns:a="http://schemas.openxmlformats.org/drawingml/2006/main" xmlns:r="http://schemas.openxmlformats.org/officeDocument/2006/relationships" xmlns:p="http://schemas.openxmlformats.org/presentationml/2006/main">
+  <p:cSld>
+    <p:spTree>
+      <p:nvGrpSpPr>
+        <p:cNvPr id="1" name=""/>
+        <p:cNvGrpSpPr/>
+        <p:nvPr/>
+      </p:nvGrpSpPr>
+      <p:grpSpPr>
+        <a:xfrm>
+          <a:off x="0" y="0"/>
+          <a:ext cx="0" cy="0"/>
+          <a:chOff x="0" y="0"/>
+          <a:chExt cx="0" cy="0"/>
+        </a:xfrm>
+      </p:grpSpPr>
+      <p:sp>
+        <p:nvSpPr>
+          <p:cNvPr id="990" name="Shape 990"/>
+          <p:cNvSpPr>
+            <a:spLocks noGrp="1" noRot="1" noChangeAspect="1"/>
+          </p:cNvSpPr>
+          <p:nvPr>
+            <p:ph type="sldImg"/>
+          </p:nvPr>
+        </p:nvSpPr>
+        <p:spPr>
+          <a:prstGeom prst="rect">
+            <a:avLst/>
+          </a:prstGeom>
+        </p:spPr>
+        <p:txBody>
+          <a:bodyPr/>
+          <a:lstStyle/>
+          <a:p>
+            <a:endParaRPr/>
+          </a:p>
+        </p:txBody>
+      </p:sp>
+      <p:sp>
+        <p:nvSpPr>
+          <p:cNvPr id="991" name="Shape 991"/>
+          <p:cNvSpPr>
+            <a:spLocks noGrp="1"/>
+          </p:cNvSpPr>
+          <p:nvPr>
+            <p:ph type="body" sz="quarter" idx="1"/>
+          </p:nvPr>
+        </p:nvSpPr>
+        <p:spPr>
+          <a:prstGeom prst="rect">
+            <a:avLst/>
+          </a:prstGeom>
+        </p:spPr>
+        <p:txBody>
+          <a:bodyPr/>
+          <a:lstStyle/>
+          <a:p>
+            <a:r>
+              <a:rPr lang="en-US" dirty="0" err="1"/>
+              <a:t>下面我们来评估一下链表的算法复杂度</a:t>
+            </a:r>
+            <a:r>
+              <a:rPr lang="zh-CN" altLang="en-US" dirty="0"/>
+              <a:t>。</a:t>
+            </a:r>
+            <a:endParaRPr dirty="0"/>
+          </a:p>
+        </p:txBody>
+      </p:sp>
+    </p:spTree>
+  </p:cSld>
+  <p:clrMapOvr>
+    <a:masterClrMapping/>
+  </p:clrMapOvr>
+</p:notes>
+</file>
+
+<file path=ppt/notesSlides/notesSlide48.xml><?xml version="1.0" encoding="utf-8"?>
+<p:notes xmlns:a="http://schemas.openxmlformats.org/drawingml/2006/main" xmlns:r="http://schemas.openxmlformats.org/officeDocument/2006/relationships" xmlns:p="http://schemas.openxmlformats.org/presentationml/2006/main">
+  <p:cSld>
+    <p:spTree>
+      <p:nvGrpSpPr>
+        <p:cNvPr id="1" name=""/>
+        <p:cNvGrpSpPr/>
+        <p:nvPr/>
+      </p:nvGrpSpPr>
+      <p:grpSpPr>
+        <a:xfrm>
+          <a:off x="0" y="0"/>
+          <a:ext cx="0" cy="0"/>
+          <a:chOff x="0" y="0"/>
+          <a:chExt cx="0" cy="0"/>
+        </a:xfrm>
+      </p:grpSpPr>
+      <p:sp>
+        <p:nvSpPr>
+          <p:cNvPr id="997" name="Shape 997"/>
+          <p:cNvSpPr>
+            <a:spLocks noGrp="1" noRot="1" noChangeAspect="1"/>
+          </p:cNvSpPr>
+          <p:nvPr>
+            <p:ph type="sldImg"/>
+          </p:nvPr>
+        </p:nvSpPr>
+        <p:spPr>
+          <a:prstGeom prst="rect">
+            <a:avLst/>
+          </a:prstGeom>
+        </p:spPr>
+        <p:txBody>
+          <a:bodyPr/>
+          <a:lstStyle/>
+          <a:p>
+            <a:endParaRPr/>
+          </a:p>
+        </p:txBody>
+      </p:sp>
+      <p:sp>
+        <p:nvSpPr>
+          <p:cNvPr id="998" name="Shape 998"/>
+          <p:cNvSpPr>
+            <a:spLocks noGrp="1"/>
+          </p:cNvSpPr>
+          <p:nvPr>
+            <p:ph type="body" sz="quarter" idx="1"/>
+          </p:nvPr>
+        </p:nvSpPr>
+        <p:spPr>
+          <a:prstGeom prst="rect">
+            <a:avLst/>
+          </a:prstGeom>
+        </p:spPr>
+        <p:txBody>
+          <a:bodyPr/>
+          <a:lstStyle/>
+          <a:p>
+            <a:r>
+              <a:rPr lang="en-US" dirty="0"/>
+              <a:t>PPT</a:t>
+            </a:r>
+            <a:r>
+              <a:rPr lang="zh-CN" altLang="en-US" dirty="0"/>
+              <a:t>上左边是单向链表，右边是双向链表。</a:t>
+            </a:r>
+            <a:endParaRPr dirty="0"/>
+          </a:p>
+          <a:p>
+            <a:endParaRPr dirty="0"/>
+          </a:p>
+          <a:p>
+            <a:r>
+              <a:rPr lang="zh-CN" altLang="en-US" dirty="0"/>
+              <a:t>查找的时间复杂度都是线性的，因为在最坏的情况下，我们要查找的元素在链表中并不存在，于是我们需要遍历链表的所有元素。</a:t>
+            </a:r>
+            <a:endParaRPr dirty="0"/>
+          </a:p>
+          <a:p>
+            <a:endParaRPr dirty="0"/>
+          </a:p>
+          <a:p>
+            <a:r>
+              <a:rPr lang="zh-CN" altLang="en-US" dirty="0"/>
+              <a:t>在头部插入节点是常量级的，因为对于链表，我们始终维护一个头指针，所以很容易通过头指针插入节点。尾部插入也是类似的。</a:t>
+            </a:r>
+            <a:endParaRPr dirty="0"/>
+          </a:p>
+        </p:txBody>
+      </p:sp>
+    </p:spTree>
+  </p:cSld>
+  <p:clrMapOvr>
+    <a:masterClrMapping/>
+  </p:clrMapOvr>
+</p:notes>
+</file>
+
+<file path=ppt/notesSlides/notesSlide49.xml><?xml version="1.0" encoding="utf-8"?>
+<p:notes xmlns:a="http://schemas.openxmlformats.org/drawingml/2006/main" xmlns:r="http://schemas.openxmlformats.org/officeDocument/2006/relationships" xmlns:p="http://schemas.openxmlformats.org/presentationml/2006/main">
+  <p:cSld>
+    <p:spTree>
+      <p:nvGrpSpPr>
+        <p:cNvPr id="1" name=""/>
+        <p:cNvGrpSpPr/>
+        <p:nvPr/>
+      </p:nvGrpSpPr>
+      <p:grpSpPr>
+        <a:xfrm>
+          <a:off x="0" y="0"/>
+          <a:ext cx="0" cy="0"/>
+          <a:chOff x="0" y="0"/>
+          <a:chExt cx="0" cy="0"/>
+        </a:xfrm>
+      </p:grpSpPr>
+      <p:sp>
+        <p:nvSpPr>
           <p:cNvPr id="1004" name="Shape 1004"/>
           <p:cNvSpPr>
             <a:spLocks noGrp="1" noRot="1" noChangeAspect="1"/>
@@ -3327,32 +4500,56 @@
           <a:lstStyle/>
           <a:p>
             <a:r>
-              <a:t>To remove the head of linked list takes constant time since again we have a reference to the linked list so we can just remove it.</a:t>
-            </a:r>
-          </a:p>
-          <a:p>
-            <a:endParaRPr/>
-          </a:p>
-          <a:p>
-            <a:r>
-              <a:t>however removing the tail is another story. It takes linear time to remove elements form a SLL, why? Well even if we do have a reference to the tail we cannot go back to the previous node and set the new tail, so we could remove the tail once in constant time but then we would still need to seek to the end of the list to remove the tail the next time around.</a:t>
-            </a:r>
-          </a:p>
-          <a:p>
-            <a:endParaRPr/>
-          </a:p>
-          <a:p>
-            <a:r>
-              <a:t>The doubly linked list however does not have this problem. Since it has a pointer to the previous node it can continually remove nodes form the tail all it likes.</a:t>
-            </a:r>
-          </a:p>
-          <a:p>
-            <a:endParaRPr/>
-          </a:p>
-          <a:p>
-            <a:r>
-              <a:t>And finally removing in the middle takes linear time because in the worse case we need to seek through n-1 elements.</a:t>
-            </a:r>
+              <a:rPr lang="zh-CN" altLang="en-US" dirty="0"/>
+              <a:t>头部移除的复杂度也是线性的，因为我们维护了头部指针。</a:t>
+            </a:r>
+            <a:endParaRPr dirty="0"/>
+          </a:p>
+          <a:p>
+            <a:endParaRPr dirty="0"/>
+          </a:p>
+          <a:p>
+            <a:r>
+              <a:rPr lang="en-US" dirty="0" err="1"/>
+              <a:t>但是移除尾部指针就不太一样</a:t>
+            </a:r>
+            <a:r>
+              <a:rPr lang="zh-CN" altLang="en-US" dirty="0"/>
+              <a:t>，从单向链表中移除元素，所需时间是线性级的，为什么呢？原因在于，即便我们有对尾节点的引用，我们也无法简单回到上一个节点，并设置新的尾节点。所以，我们还是需要每次从头节点开始，依次遍历找到尾部节点的前一个节点，才能移除尾部节点。</a:t>
+            </a:r>
+            <a:endParaRPr lang="en-US" dirty="0"/>
+          </a:p>
+          <a:p>
+            <a:endParaRPr dirty="0"/>
+          </a:p>
+          <a:p>
+            <a:r>
+              <a:rPr lang="en-US" dirty="0" err="1"/>
+              <a:t>双向链表就没有这个问题</a:t>
+            </a:r>
+            <a:r>
+              <a:rPr lang="zh-CN" altLang="en-US" dirty="0"/>
+              <a:t>。因为它的每个节点都具有前向指针，可以很方便移除最后一个节点，所以复杂度是常量级的。</a:t>
+            </a:r>
+            <a:endParaRPr lang="en-US" dirty="0"/>
+          </a:p>
+          <a:p>
+            <a:endParaRPr dirty="0"/>
+          </a:p>
+          <a:p>
+            <a:r>
+              <a:rPr lang="zh-CN" altLang="en-US" dirty="0"/>
+              <a:t>移除中间节点的复杂度都是线性级的，因为在最坏的情况下，我们需要遍历所有</a:t>
+            </a:r>
+            <a:r>
+              <a:rPr lang="en-US" altLang="zh-CN" dirty="0"/>
+              <a:t>n</a:t>
+            </a:r>
+            <a:r>
+              <a:rPr lang="zh-CN" altLang="en-US" dirty="0"/>
+              <a:t>个节点。</a:t>
+            </a:r>
+            <a:endParaRPr dirty="0"/>
           </a:p>
         </p:txBody>
       </p:sp>
@@ -3759,16 +4956,44 @@
           <a:lstStyle/>
           <a:p>
             <a:r>
-              <a:t>Concerning linked lists there are two types of linked lists we usually have, those are singly linked lists which contain only one reference to the next node in the list, and doubly linked lists which contain two pointers, one pointer to the previous node and the other to the next node. This is not to say we cannot create triply or quadruply linked lists, but I wouldn’t know where to place the additional pointers. </a:t>
-            </a:r>
-          </a:p>
-          <a:p>
-            <a:endParaRPr/>
-          </a:p>
-          <a:p>
-            <a:r>
-              <a:t>In both implementations of the singly and the doubly linked lists I recommend you always maintain a reference to the head and the tail so that you can do operations such as adding and removing elements more quickly.</a:t>
-            </a:r>
+              <a:rPr lang="en-US" dirty="0" err="1"/>
+              <a:t>链表通常有两种类型</a:t>
+            </a:r>
+            <a:r>
+              <a:rPr lang="zh-CN" altLang="en-US" dirty="0"/>
+              <a:t>，单向和双向链表。</a:t>
+            </a:r>
+            <a:endParaRPr lang="en-US" altLang="zh-CN" dirty="0"/>
+          </a:p>
+          <a:p>
+            <a:endParaRPr lang="en-US" dirty="0"/>
+          </a:p>
+          <a:p>
+            <a:r>
+              <a:rPr lang="en-US" dirty="0" err="1"/>
+              <a:t>单向链表中的节点</a:t>
+            </a:r>
+            <a:r>
+              <a:rPr lang="zh-CN" altLang="en-US" dirty="0"/>
+              <a:t>，仅具有指向下一个节点的引用。而双向链表中的节点，同时具有指向下一个和前一个节点的引用。</a:t>
+            </a:r>
+            <a:endParaRPr lang="en-US" altLang="zh-CN" dirty="0"/>
+          </a:p>
+          <a:p>
+            <a:endParaRPr lang="en-US" dirty="0"/>
+          </a:p>
+          <a:p>
+            <a:r>
+              <a:rPr lang="zh-CN" altLang="en-US" dirty="0"/>
+              <a:t>在单向和双向链表的实现中，我们通常需要维护对头节点和尾节点的引用，这样可以方便我们从链表中快速添加或者移除节点。</a:t>
+            </a:r>
+            <a:endParaRPr lang="en-US" altLang="zh-CN" dirty="0"/>
+          </a:p>
+          <a:p>
+            <a:endParaRPr lang="en-US" dirty="0"/>
+          </a:p>
+          <a:p>
+            <a:endParaRPr lang="en-US" dirty="0"/>
           </a:p>
         </p:txBody>
       </p:sp>
@@ -3840,40 +5065,110 @@
           <a:lstStyle/>
           <a:p>
             <a:r>
-              <a:t>There are tradeoffs we need to talk about between singly and doubly linked lists. </a:t>
-            </a:r>
-          </a:p>
-          <a:p>
-            <a:endParaRPr/>
-          </a:p>
-          <a:p>
-            <a:r>
-              <a:t>If we look at the singly linked list we observe that it uses less memory, why? Well, pointers to nodes can actually use up a lot of memory if your running on a 64 bit machine, references use 8bytes and on a 32bit machine 4 bytes each. So having a singly linked list means you only need one pointer not two hence twice as much memory is saved.</a:t>
-            </a:r>
-          </a:p>
-          <a:p>
-            <a:endParaRPr/>
-          </a:p>
-          <a:p>
-            <a:r>
-              <a:t>A downside however, is that you cannot access previous elements because you do not have access to them, you would need to start at the head of the list and traverse the whole list until you found the previous element you were looking for.</a:t>
-            </a:r>
-          </a:p>
-          <a:p>
-            <a:endParaRPr/>
-          </a:p>
-          <a:p>
-            <a:r>
-              <a:t>Concerning doubly linked lists, a great pro is that having having access to the tail you can easily traverse the list backwards. Also, if you have a reference to a node you want to remove you can remove it in constant time and patch the hole you just created in your list because you have access to the next and previous nodes. You cannot do this with a singly linked list because removing a node somewhere in the middle severs the list in two. </a:t>
-            </a:r>
-          </a:p>
-          <a:p>
-            <a:endParaRPr/>
-          </a:p>
-          <a:p>
-            <a:r>
-              <a:t>A downside to the doubly linked list however is that is does use up twice the amount of memory because of the two pointers it holds for each node.</a:t>
-            </a:r>
+              <a:rPr lang="zh-CN" altLang="en-US" dirty="0"/>
+              <a:t>单向和双向链表各有利弊。</a:t>
+            </a:r>
+            <a:endParaRPr dirty="0"/>
+          </a:p>
+          <a:p>
+            <a:endParaRPr lang="en-US" dirty="0"/>
+          </a:p>
+          <a:p>
+            <a:r>
+              <a:rPr lang="en-US" dirty="0" err="1"/>
+              <a:t>如果你仔细看一下单向链表</a:t>
+            </a:r>
+            <a:r>
+              <a:rPr lang="zh-CN" altLang="en-US" dirty="0"/>
+              <a:t>，</a:t>
+            </a:r>
+            <a:r>
+              <a:rPr lang="en-US" dirty="0" err="1"/>
+              <a:t>就会发现它占用的内存更少</a:t>
+            </a:r>
+            <a:r>
+              <a:rPr lang="zh-CN" altLang="en-US" dirty="0"/>
+              <a:t>，为什么呢？原因在于指针</a:t>
+            </a:r>
+            <a:r>
+              <a:rPr lang="en-US" altLang="zh-CN" dirty="0"/>
+              <a:t>(</a:t>
+            </a:r>
+            <a:r>
+              <a:rPr lang="zh-CN" altLang="en-US" dirty="0"/>
+              <a:t>或者说引用</a:t>
+            </a:r>
+            <a:r>
+              <a:rPr lang="en-US" altLang="zh-CN" dirty="0"/>
+              <a:t>)</a:t>
+            </a:r>
+            <a:r>
+              <a:rPr lang="zh-CN" altLang="en-US" dirty="0"/>
+              <a:t>是需要占据内存的，在</a:t>
+            </a:r>
+            <a:r>
+              <a:rPr lang="en-US" altLang="zh-CN" dirty="0"/>
+              <a:t>64</a:t>
+            </a:r>
+            <a:r>
+              <a:rPr lang="zh-CN" altLang="en-US" dirty="0"/>
+              <a:t>位机器上，一个引用要占</a:t>
+            </a:r>
+            <a:r>
+              <a:rPr lang="en-US" altLang="zh-CN" dirty="0"/>
+              <a:t>8</a:t>
+            </a:r>
+            <a:r>
+              <a:rPr lang="zh-CN" altLang="en-US" dirty="0"/>
+              <a:t>个字节；在</a:t>
+            </a:r>
+            <a:r>
+              <a:rPr lang="en-US" altLang="zh-CN" dirty="0"/>
+              <a:t>32</a:t>
+            </a:r>
+            <a:r>
+              <a:rPr lang="zh-CN" altLang="en-US" dirty="0"/>
+              <a:t>位机器上，一个引用占</a:t>
+            </a:r>
+            <a:r>
+              <a:rPr lang="en-US" altLang="zh-CN" dirty="0"/>
+              <a:t>4</a:t>
+            </a:r>
+            <a:r>
+              <a:rPr lang="zh-CN" altLang="en-US" dirty="0"/>
+              <a:t>个字节。因为单向链表只有一个指针，而双向链表有两个指针，当然单向链表占用的内存更少。</a:t>
+            </a:r>
+            <a:endParaRPr lang="en-US" dirty="0"/>
+          </a:p>
+          <a:p>
+            <a:endParaRPr lang="en-US" dirty="0"/>
+          </a:p>
+          <a:p>
+            <a:r>
+              <a:rPr lang="zh-CN" altLang="en-US" dirty="0"/>
+              <a:t>单向链表的不足是，你无法简单访问前一个元素。如果要访问前一个元素，你必须用两个指针，从头开始遍历，才能找到某元素的前一个元素。</a:t>
+            </a:r>
+            <a:endParaRPr dirty="0"/>
+          </a:p>
+          <a:p>
+            <a:endParaRPr lang="en-US" dirty="0"/>
+          </a:p>
+          <a:p>
+            <a:r>
+              <a:rPr lang="zh-CN" altLang="en-US" dirty="0"/>
+              <a:t>关于双向链表，它的一个优势在于，通过尾指针，你可以很容易对链表进行反向遍历。另外，如果你要移除链表中的某个节点，只要有对这个节点的引用，你就可以在常量时间内移除这个节点，然后也很容易填补因移除而造成的空洞，因为你可以简单访问被移除节点的前一个和后一个节点。而对于单向链表来说，移除其中的一个节点是相对比较麻烦的。</a:t>
+            </a:r>
+            <a:endParaRPr dirty="0"/>
+          </a:p>
+          <a:p>
+            <a:endParaRPr lang="en-US" dirty="0"/>
+          </a:p>
+          <a:p>
+            <a:r>
+              <a:rPr lang="zh-CN" altLang="en-US" dirty="0"/>
+              <a:t>双向链表的不足是占用内存更多，因为它的每个节点都有两个指针，相当于要占用两倍内存。</a:t>
+            </a:r>
+            <a:endParaRPr dirty="0"/>
           </a:p>
         </p:txBody>
       </p:sp>
@@ -3904,7 +5199,7 @@
       </p:grpSpPr>
       <p:sp>
         <p:nvSpPr>
-          <p:cNvPr id="215" name="Shape 215"/>
+          <p:cNvPr id="2" name="幻灯片图像占位符 1"/>
           <p:cNvSpPr>
             <a:spLocks noGrp="1" noRot="1" noChangeAspect="1"/>
           </p:cNvSpPr>
@@ -3912,45 +5207,36 @@
             <p:ph type="sldImg"/>
           </p:nvPr>
         </p:nvSpPr>
-        <p:spPr>
-          <a:prstGeom prst="rect">
-            <a:avLst/>
-          </a:prstGeom>
-        </p:spPr>
-        <p:txBody>
-          <a:bodyPr/>
-          <a:lstStyle/>
-          <a:p>
-            <a:endParaRPr/>
-          </a:p>
-        </p:txBody>
-      </p:sp>
-      <p:sp>
-        <p:nvSpPr>
-          <p:cNvPr id="216" name="Shape 216"/>
+        <p:spPr/>
+      </p:sp>
+      <p:sp>
+        <p:nvSpPr>
+          <p:cNvPr id="3" name="备注占位符 2"/>
           <p:cNvSpPr>
             <a:spLocks noGrp="1"/>
           </p:cNvSpPr>
           <p:nvPr>
-            <p:ph type="body" sz="quarter" idx="1"/>
+            <p:ph type="body" idx="1"/>
           </p:nvPr>
         </p:nvSpPr>
-        <p:spPr>
-          <a:prstGeom prst="rect">
-            <a:avLst/>
-          </a:prstGeom>
-        </p:spPr>
+        <p:spPr/>
         <p:txBody>
           <a:bodyPr/>
           <a:lstStyle/>
           <a:p>
             <a:r>
-              <a:t>Alright here is a singly linked list.I have outlined where the head and the tail are and now we want to insert 11 at the third node where 7 is at the moment. Let’s walk through an example.</a:t>
+              <a:rPr kumimoji="1" lang="zh-CN" altLang="en-US" dirty="0"/>
+              <a:t>下面我们来看一些实现细节，包括如何创建链表，如何移除元素。</a:t>
             </a:r>
           </a:p>
         </p:txBody>
       </p:sp>
     </p:spTree>
+    <p:extLst>
+      <p:ext uri="{BB962C8B-B14F-4D97-AF65-F5344CB8AC3E}">
+        <p14:creationId xmlns:p14="http://schemas.microsoft.com/office/powerpoint/2010/main" val="48997747"/>
+      </p:ext>
+    </p:extLst>
   </p:cSld>
   <p:clrMapOvr>
     <a:masterClrMapping/>
@@ -5812,7 +7098,7 @@
           </a:ln>
           <a:extLst>
             <a:ext uri="{C572A759-6A51-4108-AA02-DFA0A04FC94B}">
-              <ma14:wrappingTextBoxFlag xmlns="" xmlns:ma14="http://schemas.microsoft.com/office/mac/drawingml/2011/main" val="1"/>
+              <ma14:wrappingTextBoxFlag xmlns:ma14="http://schemas.microsoft.com/office/mac/drawingml/2011/main" xmlns="" val="1"/>
             </a:ext>
           </a:extLst>
         </p:spPr>
@@ -5851,7 +7137,7 @@
           </a:ln>
           <a:extLst>
             <a:ext uri="{C572A759-6A51-4108-AA02-DFA0A04FC94B}">
-              <ma14:wrappingTextBoxFlag xmlns="" xmlns:ma14="http://schemas.microsoft.com/office/mac/drawingml/2011/main" val="1"/>
+              <ma14:wrappingTextBoxFlag xmlns:ma14="http://schemas.microsoft.com/office/mac/drawingml/2011/main" xmlns="" val="1"/>
             </a:ext>
           </a:extLst>
         </p:spPr>
@@ -6948,7 +8234,7 @@
           </a:ln>
           <a:extLst>
             <a:ext uri="{C572A759-6A51-4108-AA02-DFA0A04FC94B}">
-              <ma14:wrappingTextBoxFlag xmlns="" xmlns:ma14="http://schemas.microsoft.com/office/mac/drawingml/2011/main" val="1"/>
+              <ma14:wrappingTextBoxFlag xmlns:ma14="http://schemas.microsoft.com/office/mac/drawingml/2011/main" xmlns="" val="1"/>
             </a:ext>
           </a:extLst>
         </p:spPr>
@@ -6993,7 +8279,7 @@
           </a:ln>
           <a:extLst>
             <a:ext uri="{C572A759-6A51-4108-AA02-DFA0A04FC94B}">
-              <ma14:wrappingTextBoxFlag xmlns="" xmlns:ma14="http://schemas.microsoft.com/office/mac/drawingml/2011/main" val="1"/>
+              <ma14:wrappingTextBoxFlag xmlns:ma14="http://schemas.microsoft.com/office/mac/drawingml/2011/main" xmlns="" val="1"/>
             </a:ext>
           </a:extLst>
         </p:spPr>
@@ -7038,7 +8324,7 @@
           </a:ln>
           <a:extLst>
             <a:ext uri="{C572A759-6A51-4108-AA02-DFA0A04FC94B}">
-              <ma14:wrappingTextBoxFlag xmlns="" xmlns:ma14="http://schemas.microsoft.com/office/mac/drawingml/2011/main" val="1"/>
+              <ma14:wrappingTextBoxFlag xmlns:ma14="http://schemas.microsoft.com/office/mac/drawingml/2011/main" xmlns="" val="1"/>
             </a:ext>
           </a:extLst>
         </p:spPr>
@@ -7083,7 +8369,7 @@
           </a:ln>
           <a:extLst>
             <a:ext uri="{C572A759-6A51-4108-AA02-DFA0A04FC94B}">
-              <ma14:wrappingTextBoxFlag xmlns="" xmlns:ma14="http://schemas.microsoft.com/office/mac/drawingml/2011/main" val="1"/>
+              <ma14:wrappingTextBoxFlag xmlns:ma14="http://schemas.microsoft.com/office/mac/drawingml/2011/main" xmlns="" val="1"/>
             </a:ext>
           </a:extLst>
         </p:spPr>
@@ -7239,7 +8525,7 @@
           </a:ln>
           <a:extLst>
             <a:ext uri="{C572A759-6A51-4108-AA02-DFA0A04FC94B}">
-              <ma14:wrappingTextBoxFlag xmlns="" xmlns:ma14="http://schemas.microsoft.com/office/mac/drawingml/2011/main" val="1"/>
+              <ma14:wrappingTextBoxFlag xmlns:ma14="http://schemas.microsoft.com/office/mac/drawingml/2011/main" xmlns="" val="1"/>
             </a:ext>
           </a:extLst>
         </p:spPr>
@@ -7318,7 +8604,7 @@
           </a:ln>
           <a:extLst>
             <a:ext uri="{C572A759-6A51-4108-AA02-DFA0A04FC94B}">
-              <ma14:wrappingTextBoxFlag xmlns="" xmlns:ma14="http://schemas.microsoft.com/office/mac/drawingml/2011/main" val="1"/>
+              <ma14:wrappingTextBoxFlag xmlns:ma14="http://schemas.microsoft.com/office/mac/drawingml/2011/main" xmlns="" val="1"/>
             </a:ext>
           </a:extLst>
         </p:spPr>
@@ -7403,7 +8689,7 @@
           </a:ln>
           <a:extLst>
             <a:ext uri="{C572A759-6A51-4108-AA02-DFA0A04FC94B}">
-              <ma14:wrappingTextBoxFlag xmlns="" xmlns:ma14="http://schemas.microsoft.com/office/mac/drawingml/2011/main" val="1"/>
+              <ma14:wrappingTextBoxFlag xmlns:ma14="http://schemas.microsoft.com/office/mac/drawingml/2011/main" xmlns="" val="1"/>
             </a:ext>
           </a:extLst>
         </p:spPr>
@@ -7519,7 +8805,7 @@
           </a:ln>
           <a:extLst>
             <a:ext uri="{C572A759-6A51-4108-AA02-DFA0A04FC94B}">
-              <ma14:wrappingTextBoxFlag xmlns="" xmlns:ma14="http://schemas.microsoft.com/office/mac/drawingml/2011/main" val="1"/>
+              <ma14:wrappingTextBoxFlag xmlns:ma14="http://schemas.microsoft.com/office/mac/drawingml/2011/main" xmlns="" val="1"/>
             </a:ext>
           </a:extLst>
         </p:spPr>
@@ -7564,7 +8850,7 @@
           </a:ln>
           <a:extLst>
             <a:ext uri="{C572A759-6A51-4108-AA02-DFA0A04FC94B}">
-              <ma14:wrappingTextBoxFlag xmlns="" xmlns:ma14="http://schemas.microsoft.com/office/mac/drawingml/2011/main" val="1"/>
+              <ma14:wrappingTextBoxFlag xmlns:ma14="http://schemas.microsoft.com/office/mac/drawingml/2011/main" xmlns="" val="1"/>
             </a:ext>
           </a:extLst>
         </p:spPr>
@@ -7609,7 +8895,7 @@
           </a:ln>
           <a:extLst>
             <a:ext uri="{C572A759-6A51-4108-AA02-DFA0A04FC94B}">
-              <ma14:wrappingTextBoxFlag xmlns="" xmlns:ma14="http://schemas.microsoft.com/office/mac/drawingml/2011/main" val="1"/>
+              <ma14:wrappingTextBoxFlag xmlns:ma14="http://schemas.microsoft.com/office/mac/drawingml/2011/main" xmlns="" val="1"/>
             </a:ext>
           </a:extLst>
         </p:spPr>
@@ -7654,7 +8940,7 @@
           </a:ln>
           <a:extLst>
             <a:ext uri="{C572A759-6A51-4108-AA02-DFA0A04FC94B}">
-              <ma14:wrappingTextBoxFlag xmlns="" xmlns:ma14="http://schemas.microsoft.com/office/mac/drawingml/2011/main" val="1"/>
+              <ma14:wrappingTextBoxFlag xmlns:ma14="http://schemas.microsoft.com/office/mac/drawingml/2011/main" xmlns="" val="1"/>
             </a:ext>
           </a:extLst>
         </p:spPr>
@@ -7810,7 +9096,7 @@
           </a:ln>
           <a:extLst>
             <a:ext uri="{C572A759-6A51-4108-AA02-DFA0A04FC94B}">
-              <ma14:wrappingTextBoxFlag xmlns="" xmlns:ma14="http://schemas.microsoft.com/office/mac/drawingml/2011/main" val="1"/>
+              <ma14:wrappingTextBoxFlag xmlns:ma14="http://schemas.microsoft.com/office/mac/drawingml/2011/main" xmlns="" val="1"/>
             </a:ext>
           </a:extLst>
         </p:spPr>
@@ -7889,7 +9175,7 @@
           </a:ln>
           <a:extLst>
             <a:ext uri="{C572A759-6A51-4108-AA02-DFA0A04FC94B}">
-              <ma14:wrappingTextBoxFlag xmlns="" xmlns:ma14="http://schemas.microsoft.com/office/mac/drawingml/2011/main" val="1"/>
+              <ma14:wrappingTextBoxFlag xmlns:ma14="http://schemas.microsoft.com/office/mac/drawingml/2011/main" xmlns="" val="1"/>
             </a:ext>
           </a:extLst>
         </p:spPr>
@@ -7974,7 +9260,7 @@
           </a:ln>
           <a:extLst>
             <a:ext uri="{C572A759-6A51-4108-AA02-DFA0A04FC94B}">
-              <ma14:wrappingTextBoxFlag xmlns="" xmlns:ma14="http://schemas.microsoft.com/office/mac/drawingml/2011/main" val="1"/>
+              <ma14:wrappingTextBoxFlag xmlns:ma14="http://schemas.microsoft.com/office/mac/drawingml/2011/main" xmlns="" val="1"/>
             </a:ext>
           </a:extLst>
         </p:spPr>
@@ -8059,7 +9345,7 @@
           </a:ln>
           <a:extLst>
             <a:ext uri="{C572A759-6A51-4108-AA02-DFA0A04FC94B}">
-              <ma14:wrappingTextBoxFlag xmlns="" xmlns:ma14="http://schemas.microsoft.com/office/mac/drawingml/2011/main" val="1"/>
+              <ma14:wrappingTextBoxFlag xmlns:ma14="http://schemas.microsoft.com/office/mac/drawingml/2011/main" xmlns="" val="1"/>
             </a:ext>
           </a:extLst>
         </p:spPr>
@@ -8163,7 +9449,7 @@
           </a:ln>
           <a:extLst>
             <a:ext uri="{C572A759-6A51-4108-AA02-DFA0A04FC94B}">
-              <ma14:wrappingTextBoxFlag xmlns="" xmlns:ma14="http://schemas.microsoft.com/office/mac/drawingml/2011/main" val="1"/>
+              <ma14:wrappingTextBoxFlag xmlns:ma14="http://schemas.microsoft.com/office/mac/drawingml/2011/main" xmlns="" val="1"/>
             </a:ext>
           </a:extLst>
         </p:spPr>
@@ -8208,7 +9494,7 @@
           </a:ln>
           <a:extLst>
             <a:ext uri="{C572A759-6A51-4108-AA02-DFA0A04FC94B}">
-              <ma14:wrappingTextBoxFlag xmlns="" xmlns:ma14="http://schemas.microsoft.com/office/mac/drawingml/2011/main" val="1"/>
+              <ma14:wrappingTextBoxFlag xmlns:ma14="http://schemas.microsoft.com/office/mac/drawingml/2011/main" xmlns="" val="1"/>
             </a:ext>
           </a:extLst>
         </p:spPr>
@@ -8253,7 +9539,7 @@
           </a:ln>
           <a:extLst>
             <a:ext uri="{C572A759-6A51-4108-AA02-DFA0A04FC94B}">
-              <ma14:wrappingTextBoxFlag xmlns="" xmlns:ma14="http://schemas.microsoft.com/office/mac/drawingml/2011/main" val="1"/>
+              <ma14:wrappingTextBoxFlag xmlns:ma14="http://schemas.microsoft.com/office/mac/drawingml/2011/main" xmlns="" val="1"/>
             </a:ext>
           </a:extLst>
         </p:spPr>
@@ -8298,7 +9584,7 @@
           </a:ln>
           <a:extLst>
             <a:ext uri="{C572A759-6A51-4108-AA02-DFA0A04FC94B}">
-              <ma14:wrappingTextBoxFlag xmlns="" xmlns:ma14="http://schemas.microsoft.com/office/mac/drawingml/2011/main" val="1"/>
+              <ma14:wrappingTextBoxFlag xmlns:ma14="http://schemas.microsoft.com/office/mac/drawingml/2011/main" xmlns="" val="1"/>
             </a:ext>
           </a:extLst>
         </p:spPr>
@@ -8454,7 +9740,7 @@
           </a:ln>
           <a:extLst>
             <a:ext uri="{C572A759-6A51-4108-AA02-DFA0A04FC94B}">
-              <ma14:wrappingTextBoxFlag xmlns="" xmlns:ma14="http://schemas.microsoft.com/office/mac/drawingml/2011/main" val="1"/>
+              <ma14:wrappingTextBoxFlag xmlns:ma14="http://schemas.microsoft.com/office/mac/drawingml/2011/main" xmlns="" val="1"/>
             </a:ext>
           </a:extLst>
         </p:spPr>
@@ -8533,7 +9819,7 @@
           </a:ln>
           <a:extLst>
             <a:ext uri="{C572A759-6A51-4108-AA02-DFA0A04FC94B}">
-              <ma14:wrappingTextBoxFlag xmlns="" xmlns:ma14="http://schemas.microsoft.com/office/mac/drawingml/2011/main" val="1"/>
+              <ma14:wrappingTextBoxFlag xmlns:ma14="http://schemas.microsoft.com/office/mac/drawingml/2011/main" xmlns="" val="1"/>
             </a:ext>
           </a:extLst>
         </p:spPr>
@@ -8618,7 +9904,7 @@
           </a:ln>
           <a:extLst>
             <a:ext uri="{C572A759-6A51-4108-AA02-DFA0A04FC94B}">
-              <ma14:wrappingTextBoxFlag xmlns="" xmlns:ma14="http://schemas.microsoft.com/office/mac/drawingml/2011/main" val="1"/>
+              <ma14:wrappingTextBoxFlag xmlns:ma14="http://schemas.microsoft.com/office/mac/drawingml/2011/main" xmlns="" val="1"/>
             </a:ext>
           </a:extLst>
         </p:spPr>
@@ -8703,7 +9989,7 @@
           </a:ln>
           <a:extLst>
             <a:ext uri="{C572A759-6A51-4108-AA02-DFA0A04FC94B}">
-              <ma14:wrappingTextBoxFlag xmlns="" xmlns:ma14="http://schemas.microsoft.com/office/mac/drawingml/2011/main" val="1"/>
+              <ma14:wrappingTextBoxFlag xmlns:ma14="http://schemas.microsoft.com/office/mac/drawingml/2011/main" xmlns="" val="1"/>
             </a:ext>
           </a:extLst>
         </p:spPr>
@@ -8807,7 +10093,7 @@
           </a:ln>
           <a:extLst>
             <a:ext uri="{C572A759-6A51-4108-AA02-DFA0A04FC94B}">
-              <ma14:wrappingTextBoxFlag xmlns="" xmlns:ma14="http://schemas.microsoft.com/office/mac/drawingml/2011/main" val="1"/>
+              <ma14:wrappingTextBoxFlag xmlns:ma14="http://schemas.microsoft.com/office/mac/drawingml/2011/main" xmlns="" val="1"/>
             </a:ext>
           </a:extLst>
         </p:spPr>
@@ -8852,7 +10138,7 @@
           </a:ln>
           <a:extLst>
             <a:ext uri="{C572A759-6A51-4108-AA02-DFA0A04FC94B}">
-              <ma14:wrappingTextBoxFlag xmlns="" xmlns:ma14="http://schemas.microsoft.com/office/mac/drawingml/2011/main" val="1"/>
+              <ma14:wrappingTextBoxFlag xmlns:ma14="http://schemas.microsoft.com/office/mac/drawingml/2011/main" xmlns="" val="1"/>
             </a:ext>
           </a:extLst>
         </p:spPr>
@@ -8897,7 +10183,7 @@
           </a:ln>
           <a:extLst>
             <a:ext uri="{C572A759-6A51-4108-AA02-DFA0A04FC94B}">
-              <ma14:wrappingTextBoxFlag xmlns="" xmlns:ma14="http://schemas.microsoft.com/office/mac/drawingml/2011/main" val="1"/>
+              <ma14:wrappingTextBoxFlag xmlns:ma14="http://schemas.microsoft.com/office/mac/drawingml/2011/main" xmlns="" val="1"/>
             </a:ext>
           </a:extLst>
         </p:spPr>
@@ -8942,7 +10228,7 @@
           </a:ln>
           <a:extLst>
             <a:ext uri="{C572A759-6A51-4108-AA02-DFA0A04FC94B}">
-              <ma14:wrappingTextBoxFlag xmlns="" xmlns:ma14="http://schemas.microsoft.com/office/mac/drawingml/2011/main" val="1"/>
+              <ma14:wrappingTextBoxFlag xmlns:ma14="http://schemas.microsoft.com/office/mac/drawingml/2011/main" xmlns="" val="1"/>
             </a:ext>
           </a:extLst>
         </p:spPr>
@@ -9098,7 +10384,7 @@
           </a:ln>
           <a:extLst>
             <a:ext uri="{C572A759-6A51-4108-AA02-DFA0A04FC94B}">
-              <ma14:wrappingTextBoxFlag xmlns="" xmlns:ma14="http://schemas.microsoft.com/office/mac/drawingml/2011/main" val="1"/>
+              <ma14:wrappingTextBoxFlag xmlns:ma14="http://schemas.microsoft.com/office/mac/drawingml/2011/main" xmlns="" val="1"/>
             </a:ext>
           </a:extLst>
         </p:spPr>
@@ -9177,7 +10463,7 @@
           </a:ln>
           <a:extLst>
             <a:ext uri="{C572A759-6A51-4108-AA02-DFA0A04FC94B}">
-              <ma14:wrappingTextBoxFlag xmlns="" xmlns:ma14="http://schemas.microsoft.com/office/mac/drawingml/2011/main" val="1"/>
+              <ma14:wrappingTextBoxFlag xmlns:ma14="http://schemas.microsoft.com/office/mac/drawingml/2011/main" xmlns="" val="1"/>
             </a:ext>
           </a:extLst>
         </p:spPr>
@@ -9262,7 +10548,7 @@
           </a:ln>
           <a:extLst>
             <a:ext uri="{C572A759-6A51-4108-AA02-DFA0A04FC94B}">
-              <ma14:wrappingTextBoxFlag xmlns="" xmlns:ma14="http://schemas.microsoft.com/office/mac/drawingml/2011/main" val="1"/>
+              <ma14:wrappingTextBoxFlag xmlns:ma14="http://schemas.microsoft.com/office/mac/drawingml/2011/main" xmlns="" val="1"/>
             </a:ext>
           </a:extLst>
         </p:spPr>
@@ -9347,7 +10633,7 @@
           </a:ln>
           <a:extLst>
             <a:ext uri="{C572A759-6A51-4108-AA02-DFA0A04FC94B}">
-              <ma14:wrappingTextBoxFlag xmlns="" xmlns:ma14="http://schemas.microsoft.com/office/mac/drawingml/2011/main" val="1"/>
+              <ma14:wrappingTextBoxFlag xmlns:ma14="http://schemas.microsoft.com/office/mac/drawingml/2011/main" xmlns="" val="1"/>
             </a:ext>
           </a:extLst>
         </p:spPr>
@@ -9393,7 +10679,7 @@
           </a:ln>
           <a:extLst>
             <a:ext uri="{C572A759-6A51-4108-AA02-DFA0A04FC94B}">
-              <ma14:wrappingTextBoxFlag xmlns="" xmlns:ma14="http://schemas.microsoft.com/office/mac/drawingml/2011/main" val="1"/>
+              <ma14:wrappingTextBoxFlag xmlns:ma14="http://schemas.microsoft.com/office/mac/drawingml/2011/main" xmlns="" val="1"/>
             </a:ext>
           </a:extLst>
         </p:spPr>
@@ -9504,7 +10790,7 @@
           </a:ln>
           <a:extLst>
             <a:ext uri="{C572A759-6A51-4108-AA02-DFA0A04FC94B}">
-              <ma14:wrappingTextBoxFlag xmlns="" xmlns:ma14="http://schemas.microsoft.com/office/mac/drawingml/2011/main" val="1"/>
+              <ma14:wrappingTextBoxFlag xmlns:ma14="http://schemas.microsoft.com/office/mac/drawingml/2011/main" xmlns="" val="1"/>
             </a:ext>
           </a:extLst>
         </p:spPr>
@@ -9549,7 +10835,7 @@
           </a:ln>
           <a:extLst>
             <a:ext uri="{C572A759-6A51-4108-AA02-DFA0A04FC94B}">
-              <ma14:wrappingTextBoxFlag xmlns="" xmlns:ma14="http://schemas.microsoft.com/office/mac/drawingml/2011/main" val="1"/>
+              <ma14:wrappingTextBoxFlag xmlns:ma14="http://schemas.microsoft.com/office/mac/drawingml/2011/main" xmlns="" val="1"/>
             </a:ext>
           </a:extLst>
         </p:spPr>
@@ -9594,7 +10880,7 @@
           </a:ln>
           <a:extLst>
             <a:ext uri="{C572A759-6A51-4108-AA02-DFA0A04FC94B}">
-              <ma14:wrappingTextBoxFlag xmlns="" xmlns:ma14="http://schemas.microsoft.com/office/mac/drawingml/2011/main" val="1"/>
+              <ma14:wrappingTextBoxFlag xmlns:ma14="http://schemas.microsoft.com/office/mac/drawingml/2011/main" xmlns="" val="1"/>
             </a:ext>
           </a:extLst>
         </p:spPr>
@@ -9639,7 +10925,7 @@
           </a:ln>
           <a:extLst>
             <a:ext uri="{C572A759-6A51-4108-AA02-DFA0A04FC94B}">
-              <ma14:wrappingTextBoxFlag xmlns="" xmlns:ma14="http://schemas.microsoft.com/office/mac/drawingml/2011/main" val="1"/>
+              <ma14:wrappingTextBoxFlag xmlns:ma14="http://schemas.microsoft.com/office/mac/drawingml/2011/main" xmlns="" val="1"/>
             </a:ext>
           </a:extLst>
         </p:spPr>
@@ -9795,7 +11081,7 @@
           </a:ln>
           <a:extLst>
             <a:ext uri="{C572A759-6A51-4108-AA02-DFA0A04FC94B}">
-              <ma14:wrappingTextBoxFlag xmlns="" xmlns:ma14="http://schemas.microsoft.com/office/mac/drawingml/2011/main" val="1"/>
+              <ma14:wrappingTextBoxFlag xmlns:ma14="http://schemas.microsoft.com/office/mac/drawingml/2011/main" xmlns="" val="1"/>
             </a:ext>
           </a:extLst>
         </p:spPr>
@@ -9874,7 +11160,7 @@
           </a:ln>
           <a:extLst>
             <a:ext uri="{C572A759-6A51-4108-AA02-DFA0A04FC94B}">
-              <ma14:wrappingTextBoxFlag xmlns="" xmlns:ma14="http://schemas.microsoft.com/office/mac/drawingml/2011/main" val="1"/>
+              <ma14:wrappingTextBoxFlag xmlns:ma14="http://schemas.microsoft.com/office/mac/drawingml/2011/main" xmlns="" val="1"/>
             </a:ext>
           </a:extLst>
         </p:spPr>
@@ -9959,7 +11245,7 @@
           </a:ln>
           <a:extLst>
             <a:ext uri="{C572A759-6A51-4108-AA02-DFA0A04FC94B}">
-              <ma14:wrappingTextBoxFlag xmlns="" xmlns:ma14="http://schemas.microsoft.com/office/mac/drawingml/2011/main" val="1"/>
+              <ma14:wrappingTextBoxFlag xmlns:ma14="http://schemas.microsoft.com/office/mac/drawingml/2011/main" xmlns="" val="1"/>
             </a:ext>
           </a:extLst>
         </p:spPr>
@@ -10044,7 +11330,7 @@
           </a:ln>
           <a:extLst>
             <a:ext uri="{C572A759-6A51-4108-AA02-DFA0A04FC94B}">
-              <ma14:wrappingTextBoxFlag xmlns="" xmlns:ma14="http://schemas.microsoft.com/office/mac/drawingml/2011/main" val="1"/>
+              <ma14:wrappingTextBoxFlag xmlns:ma14="http://schemas.microsoft.com/office/mac/drawingml/2011/main" xmlns="" val="1"/>
             </a:ext>
           </a:extLst>
         </p:spPr>
@@ -10090,7 +11376,7 @@
           </a:ln>
           <a:extLst>
             <a:ext uri="{C572A759-6A51-4108-AA02-DFA0A04FC94B}">
-              <ma14:wrappingTextBoxFlag xmlns="" xmlns:ma14="http://schemas.microsoft.com/office/mac/drawingml/2011/main" val="1"/>
+              <ma14:wrappingTextBoxFlag xmlns:ma14="http://schemas.microsoft.com/office/mac/drawingml/2011/main" xmlns="" val="1"/>
             </a:ext>
           </a:extLst>
         </p:spPr>
@@ -10239,7 +11525,7 @@
           </a:ln>
           <a:extLst>
             <a:ext uri="{C572A759-6A51-4108-AA02-DFA0A04FC94B}">
-              <ma14:wrappingTextBoxFlag xmlns="" xmlns:ma14="http://schemas.microsoft.com/office/mac/drawingml/2011/main" val="1"/>
+              <ma14:wrappingTextBoxFlag xmlns:ma14="http://schemas.microsoft.com/office/mac/drawingml/2011/main" xmlns="" val="1"/>
             </a:ext>
           </a:extLst>
         </p:spPr>
@@ -10284,7 +11570,7 @@
           </a:ln>
           <a:extLst>
             <a:ext uri="{C572A759-6A51-4108-AA02-DFA0A04FC94B}">
-              <ma14:wrappingTextBoxFlag xmlns="" xmlns:ma14="http://schemas.microsoft.com/office/mac/drawingml/2011/main" val="1"/>
+              <ma14:wrappingTextBoxFlag xmlns:ma14="http://schemas.microsoft.com/office/mac/drawingml/2011/main" xmlns="" val="1"/>
             </a:ext>
           </a:extLst>
         </p:spPr>
@@ -10329,7 +11615,7 @@
           </a:ln>
           <a:extLst>
             <a:ext uri="{C572A759-6A51-4108-AA02-DFA0A04FC94B}">
-              <ma14:wrappingTextBoxFlag xmlns="" xmlns:ma14="http://schemas.microsoft.com/office/mac/drawingml/2011/main" val="1"/>
+              <ma14:wrappingTextBoxFlag xmlns:ma14="http://schemas.microsoft.com/office/mac/drawingml/2011/main" xmlns="" val="1"/>
             </a:ext>
           </a:extLst>
         </p:spPr>
@@ -10374,7 +11660,7 @@
           </a:ln>
           <a:extLst>
             <a:ext uri="{C572A759-6A51-4108-AA02-DFA0A04FC94B}">
-              <ma14:wrappingTextBoxFlag xmlns="" xmlns:ma14="http://schemas.microsoft.com/office/mac/drawingml/2011/main" val="1"/>
+              <ma14:wrappingTextBoxFlag xmlns:ma14="http://schemas.microsoft.com/office/mac/drawingml/2011/main" xmlns="" val="1"/>
             </a:ext>
           </a:extLst>
         </p:spPr>
@@ -10530,7 +11816,7 @@
           </a:ln>
           <a:extLst>
             <a:ext uri="{C572A759-6A51-4108-AA02-DFA0A04FC94B}">
-              <ma14:wrappingTextBoxFlag xmlns="" xmlns:ma14="http://schemas.microsoft.com/office/mac/drawingml/2011/main" val="1"/>
+              <ma14:wrappingTextBoxFlag xmlns:ma14="http://schemas.microsoft.com/office/mac/drawingml/2011/main" xmlns="" val="1"/>
             </a:ext>
           </a:extLst>
         </p:spPr>
@@ -10609,7 +11895,7 @@
           </a:ln>
           <a:extLst>
             <a:ext uri="{C572A759-6A51-4108-AA02-DFA0A04FC94B}">
-              <ma14:wrappingTextBoxFlag xmlns="" xmlns:ma14="http://schemas.microsoft.com/office/mac/drawingml/2011/main" val="1"/>
+              <ma14:wrappingTextBoxFlag xmlns:ma14="http://schemas.microsoft.com/office/mac/drawingml/2011/main" xmlns="" val="1"/>
             </a:ext>
           </a:extLst>
         </p:spPr>
@@ -10694,7 +11980,7 @@
           </a:ln>
           <a:extLst>
             <a:ext uri="{C572A759-6A51-4108-AA02-DFA0A04FC94B}">
-              <ma14:wrappingTextBoxFlag xmlns="" xmlns:ma14="http://schemas.microsoft.com/office/mac/drawingml/2011/main" val="1"/>
+              <ma14:wrappingTextBoxFlag xmlns:ma14="http://schemas.microsoft.com/office/mac/drawingml/2011/main" xmlns="" val="1"/>
             </a:ext>
           </a:extLst>
         </p:spPr>
@@ -10779,7 +12065,7 @@
           </a:ln>
           <a:extLst>
             <a:ext uri="{C572A759-6A51-4108-AA02-DFA0A04FC94B}">
-              <ma14:wrappingTextBoxFlag xmlns="" xmlns:ma14="http://schemas.microsoft.com/office/mac/drawingml/2011/main" val="1"/>
+              <ma14:wrappingTextBoxFlag xmlns:ma14="http://schemas.microsoft.com/office/mac/drawingml/2011/main" xmlns="" val="1"/>
             </a:ext>
           </a:extLst>
         </p:spPr>
@@ -10825,7 +12111,7 @@
           </a:ln>
           <a:extLst>
             <a:ext uri="{C572A759-6A51-4108-AA02-DFA0A04FC94B}">
-              <ma14:wrappingTextBoxFlag xmlns="" xmlns:ma14="http://schemas.microsoft.com/office/mac/drawingml/2011/main" val="1"/>
+              <ma14:wrappingTextBoxFlag xmlns:ma14="http://schemas.microsoft.com/office/mac/drawingml/2011/main" xmlns="" val="1"/>
             </a:ext>
           </a:extLst>
         </p:spPr>
@@ -10974,7 +12260,7 @@
           </a:ln>
           <a:extLst>
             <a:ext uri="{C572A759-6A51-4108-AA02-DFA0A04FC94B}">
-              <ma14:wrappingTextBoxFlag xmlns="" xmlns:ma14="http://schemas.microsoft.com/office/mac/drawingml/2011/main" val="1"/>
+              <ma14:wrappingTextBoxFlag xmlns:ma14="http://schemas.microsoft.com/office/mac/drawingml/2011/main" xmlns="" val="1"/>
             </a:ext>
           </a:extLst>
         </p:spPr>
@@ -11019,7 +12305,7 @@
           </a:ln>
           <a:extLst>
             <a:ext uri="{C572A759-6A51-4108-AA02-DFA0A04FC94B}">
-              <ma14:wrappingTextBoxFlag xmlns="" xmlns:ma14="http://schemas.microsoft.com/office/mac/drawingml/2011/main" val="1"/>
+              <ma14:wrappingTextBoxFlag xmlns:ma14="http://schemas.microsoft.com/office/mac/drawingml/2011/main" xmlns="" val="1"/>
             </a:ext>
           </a:extLst>
         </p:spPr>
@@ -11064,7 +12350,7 @@
           </a:ln>
           <a:extLst>
             <a:ext uri="{C572A759-6A51-4108-AA02-DFA0A04FC94B}">
-              <ma14:wrappingTextBoxFlag xmlns="" xmlns:ma14="http://schemas.microsoft.com/office/mac/drawingml/2011/main" val="1"/>
+              <ma14:wrappingTextBoxFlag xmlns:ma14="http://schemas.microsoft.com/office/mac/drawingml/2011/main" xmlns="" val="1"/>
             </a:ext>
           </a:extLst>
         </p:spPr>
@@ -11109,7 +12395,7 @@
           </a:ln>
           <a:extLst>
             <a:ext uri="{C572A759-6A51-4108-AA02-DFA0A04FC94B}">
-              <ma14:wrappingTextBoxFlag xmlns="" xmlns:ma14="http://schemas.microsoft.com/office/mac/drawingml/2011/main" val="1"/>
+              <ma14:wrappingTextBoxFlag xmlns:ma14="http://schemas.microsoft.com/office/mac/drawingml/2011/main" xmlns="" val="1"/>
             </a:ext>
           </a:extLst>
         </p:spPr>
@@ -11227,7 +12513,7 @@
           </a:ln>
           <a:extLst>
             <a:ext uri="{C572A759-6A51-4108-AA02-DFA0A04FC94B}">
-              <ma14:wrappingTextBoxFlag xmlns="" xmlns:ma14="http://schemas.microsoft.com/office/mac/drawingml/2011/main" val="1"/>
+              <ma14:wrappingTextBoxFlag xmlns:ma14="http://schemas.microsoft.com/office/mac/drawingml/2011/main" xmlns="" val="1"/>
             </a:ext>
           </a:extLst>
         </p:spPr>
@@ -11306,7 +12592,7 @@
           </a:ln>
           <a:extLst>
             <a:ext uri="{C572A759-6A51-4108-AA02-DFA0A04FC94B}">
-              <ma14:wrappingTextBoxFlag xmlns="" xmlns:ma14="http://schemas.microsoft.com/office/mac/drawingml/2011/main" val="1"/>
+              <ma14:wrappingTextBoxFlag xmlns:ma14="http://schemas.microsoft.com/office/mac/drawingml/2011/main" xmlns="" val="1"/>
             </a:ext>
           </a:extLst>
         </p:spPr>
@@ -11391,7 +12677,7 @@
           </a:ln>
           <a:extLst>
             <a:ext uri="{C572A759-6A51-4108-AA02-DFA0A04FC94B}">
-              <ma14:wrappingTextBoxFlag xmlns="" xmlns:ma14="http://schemas.microsoft.com/office/mac/drawingml/2011/main" val="1"/>
+              <ma14:wrappingTextBoxFlag xmlns:ma14="http://schemas.microsoft.com/office/mac/drawingml/2011/main" xmlns="" val="1"/>
             </a:ext>
           </a:extLst>
         </p:spPr>
@@ -11476,7 +12762,7 @@
           </a:ln>
           <a:extLst>
             <a:ext uri="{C572A759-6A51-4108-AA02-DFA0A04FC94B}">
-              <ma14:wrappingTextBoxFlag xmlns="" xmlns:ma14="http://schemas.microsoft.com/office/mac/drawingml/2011/main" val="1"/>
+              <ma14:wrappingTextBoxFlag xmlns:ma14="http://schemas.microsoft.com/office/mac/drawingml/2011/main" xmlns="" val="1"/>
             </a:ext>
           </a:extLst>
         </p:spPr>
@@ -11522,7 +12808,7 @@
           </a:ln>
           <a:extLst>
             <a:ext uri="{C572A759-6A51-4108-AA02-DFA0A04FC94B}">
-              <ma14:wrappingTextBoxFlag xmlns="" xmlns:ma14="http://schemas.microsoft.com/office/mac/drawingml/2011/main" val="1"/>
+              <ma14:wrappingTextBoxFlag xmlns:ma14="http://schemas.microsoft.com/office/mac/drawingml/2011/main" xmlns="" val="1"/>
             </a:ext>
           </a:extLst>
         </p:spPr>
@@ -11702,14 +12988,14 @@
             <a:avLst/>
           </a:prstGeom>
           <a:blipFill>
-            <a:blip r:embed="rId2"/>
+            <a:blip r:embed="rId3"/>
           </a:blipFill>
           <a:ln w="12700">
             <a:miter lim="400000"/>
           </a:ln>
           <a:extLst>
             <a:ext uri="{C572A759-6A51-4108-AA02-DFA0A04FC94B}">
-              <ma14:wrappingTextBoxFlag xmlns="" xmlns:ma14="http://schemas.microsoft.com/office/mac/drawingml/2011/main" val="1"/>
+              <ma14:wrappingTextBoxFlag xmlns:ma14="http://schemas.microsoft.com/office/mac/drawingml/2011/main" xmlns="" val="1"/>
             </a:ext>
           </a:extLst>
         </p:spPr>
@@ -11747,14 +13033,14 @@
             <a:avLst/>
           </a:prstGeom>
           <a:blipFill>
-            <a:blip r:embed="rId2"/>
+            <a:blip r:embed="rId3"/>
           </a:blipFill>
           <a:ln w="12700">
             <a:miter lim="400000"/>
           </a:ln>
           <a:extLst>
             <a:ext uri="{C572A759-6A51-4108-AA02-DFA0A04FC94B}">
-              <ma14:wrappingTextBoxFlag xmlns="" xmlns:ma14="http://schemas.microsoft.com/office/mac/drawingml/2011/main" val="1"/>
+              <ma14:wrappingTextBoxFlag xmlns:ma14="http://schemas.microsoft.com/office/mac/drawingml/2011/main" xmlns="" val="1"/>
             </a:ext>
           </a:extLst>
         </p:spPr>
@@ -11792,14 +13078,14 @@
             <a:avLst/>
           </a:prstGeom>
           <a:blipFill>
-            <a:blip r:embed="rId2"/>
+            <a:blip r:embed="rId3"/>
           </a:blipFill>
           <a:ln w="12700">
             <a:miter lim="400000"/>
           </a:ln>
           <a:extLst>
             <a:ext uri="{C572A759-6A51-4108-AA02-DFA0A04FC94B}">
-              <ma14:wrappingTextBoxFlag xmlns="" xmlns:ma14="http://schemas.microsoft.com/office/mac/drawingml/2011/main" val="1"/>
+              <ma14:wrappingTextBoxFlag xmlns:ma14="http://schemas.microsoft.com/office/mac/drawingml/2011/main" xmlns="" val="1"/>
             </a:ext>
           </a:extLst>
         </p:spPr>
@@ -11837,14 +13123,14 @@
             <a:avLst/>
           </a:prstGeom>
           <a:blipFill>
-            <a:blip r:embed="rId2"/>
+            <a:blip r:embed="rId3"/>
           </a:blipFill>
           <a:ln w="12700">
             <a:miter lim="400000"/>
           </a:ln>
           <a:extLst>
             <a:ext uri="{C572A759-6A51-4108-AA02-DFA0A04FC94B}">
-              <ma14:wrappingTextBoxFlag xmlns="" xmlns:ma14="http://schemas.microsoft.com/office/mac/drawingml/2011/main" val="1"/>
+              <ma14:wrappingTextBoxFlag xmlns:ma14="http://schemas.microsoft.com/office/mac/drawingml/2011/main" xmlns="" val="1"/>
             </a:ext>
           </a:extLst>
         </p:spPr>
@@ -11962,7 +13248,7 @@
           </a:ln>
           <a:extLst>
             <a:ext uri="{C572A759-6A51-4108-AA02-DFA0A04FC94B}">
-              <ma14:wrappingTextBoxFlag xmlns="" xmlns:ma14="http://schemas.microsoft.com/office/mac/drawingml/2011/main" val="1"/>
+              <ma14:wrappingTextBoxFlag xmlns:ma14="http://schemas.microsoft.com/office/mac/drawingml/2011/main" xmlns="" val="1"/>
             </a:ext>
           </a:extLst>
         </p:spPr>
@@ -12041,7 +13327,7 @@
           </a:ln>
           <a:extLst>
             <a:ext uri="{C572A759-6A51-4108-AA02-DFA0A04FC94B}">
-              <ma14:wrappingTextBoxFlag xmlns="" xmlns:ma14="http://schemas.microsoft.com/office/mac/drawingml/2011/main" val="1"/>
+              <ma14:wrappingTextBoxFlag xmlns:ma14="http://schemas.microsoft.com/office/mac/drawingml/2011/main" xmlns="" val="1"/>
             </a:ext>
           </a:extLst>
         </p:spPr>
@@ -12126,7 +13412,7 @@
           </a:ln>
           <a:extLst>
             <a:ext uri="{C572A759-6A51-4108-AA02-DFA0A04FC94B}">
-              <ma14:wrappingTextBoxFlag xmlns="" xmlns:ma14="http://schemas.microsoft.com/office/mac/drawingml/2011/main" val="1"/>
+              <ma14:wrappingTextBoxFlag xmlns:ma14="http://schemas.microsoft.com/office/mac/drawingml/2011/main" xmlns="" val="1"/>
             </a:ext>
           </a:extLst>
         </p:spPr>
@@ -12169,14 +13455,14 @@
             <a:avLst/>
           </a:prstGeom>
           <a:blipFill>
-            <a:blip r:embed="rId2"/>
+            <a:blip r:embed="rId3"/>
           </a:blipFill>
           <a:ln w="12700">
             <a:miter lim="400000"/>
           </a:ln>
           <a:extLst>
             <a:ext uri="{C572A759-6A51-4108-AA02-DFA0A04FC94B}">
-              <ma14:wrappingTextBoxFlag xmlns="" xmlns:ma14="http://schemas.microsoft.com/office/mac/drawingml/2011/main" val="1"/>
+              <ma14:wrappingTextBoxFlag xmlns:ma14="http://schemas.microsoft.com/office/mac/drawingml/2011/main" xmlns="" val="1"/>
             </a:ext>
           </a:extLst>
         </p:spPr>
@@ -12361,7 +13647,7 @@
           </a:ln>
           <a:extLst>
             <a:ext uri="{C572A759-6A51-4108-AA02-DFA0A04FC94B}">
-              <ma14:wrappingTextBoxFlag xmlns="" xmlns:ma14="http://schemas.microsoft.com/office/mac/drawingml/2011/main" val="1"/>
+              <ma14:wrappingTextBoxFlag xmlns:ma14="http://schemas.microsoft.com/office/mac/drawingml/2011/main" xmlns="" val="1"/>
             </a:ext>
           </a:extLst>
         </p:spPr>
@@ -12406,7 +13692,7 @@
           </a:ln>
           <a:extLst>
             <a:ext uri="{C572A759-6A51-4108-AA02-DFA0A04FC94B}">
-              <ma14:wrappingTextBoxFlag xmlns="" xmlns:ma14="http://schemas.microsoft.com/office/mac/drawingml/2011/main" val="1"/>
+              <ma14:wrappingTextBoxFlag xmlns:ma14="http://schemas.microsoft.com/office/mac/drawingml/2011/main" xmlns="" val="1"/>
             </a:ext>
           </a:extLst>
         </p:spPr>
@@ -12451,7 +13737,7 @@
           </a:ln>
           <a:extLst>
             <a:ext uri="{C572A759-6A51-4108-AA02-DFA0A04FC94B}">
-              <ma14:wrappingTextBoxFlag xmlns="" xmlns:ma14="http://schemas.microsoft.com/office/mac/drawingml/2011/main" val="1"/>
+              <ma14:wrappingTextBoxFlag xmlns:ma14="http://schemas.microsoft.com/office/mac/drawingml/2011/main" xmlns="" val="1"/>
             </a:ext>
           </a:extLst>
         </p:spPr>
@@ -12496,7 +13782,7 @@
           </a:ln>
           <a:extLst>
             <a:ext uri="{C572A759-6A51-4108-AA02-DFA0A04FC94B}">
-              <ma14:wrappingTextBoxFlag xmlns="" xmlns:ma14="http://schemas.microsoft.com/office/mac/drawingml/2011/main" val="1"/>
+              <ma14:wrappingTextBoxFlag xmlns:ma14="http://schemas.microsoft.com/office/mac/drawingml/2011/main" xmlns="" val="1"/>
             </a:ext>
           </a:extLst>
         </p:spPr>
@@ -12576,7 +13862,7 @@
           </a:ln>
           <a:extLst>
             <a:ext uri="{C572A759-6A51-4108-AA02-DFA0A04FC94B}">
-              <ma14:wrappingTextBoxFlag xmlns="" xmlns:ma14="http://schemas.microsoft.com/office/mac/drawingml/2011/main" val="1"/>
+              <ma14:wrappingTextBoxFlag xmlns:ma14="http://schemas.microsoft.com/office/mac/drawingml/2011/main" xmlns="" val="1"/>
             </a:ext>
           </a:extLst>
         </p:spPr>
@@ -12655,7 +13941,7 @@
           </a:ln>
           <a:extLst>
             <a:ext uri="{C572A759-6A51-4108-AA02-DFA0A04FC94B}">
-              <ma14:wrappingTextBoxFlag xmlns="" xmlns:ma14="http://schemas.microsoft.com/office/mac/drawingml/2011/main" val="1"/>
+              <ma14:wrappingTextBoxFlag xmlns:ma14="http://schemas.microsoft.com/office/mac/drawingml/2011/main" xmlns="" val="1"/>
             </a:ext>
           </a:extLst>
         </p:spPr>
@@ -12740,7 +14026,7 @@
           </a:ln>
           <a:extLst>
             <a:ext uri="{C572A759-6A51-4108-AA02-DFA0A04FC94B}">
-              <ma14:wrappingTextBoxFlag xmlns="" xmlns:ma14="http://schemas.microsoft.com/office/mac/drawingml/2011/main" val="1"/>
+              <ma14:wrappingTextBoxFlag xmlns:ma14="http://schemas.microsoft.com/office/mac/drawingml/2011/main" xmlns="" val="1"/>
             </a:ext>
           </a:extLst>
         </p:spPr>
@@ -13044,7 +14330,7 @@
           </a:ln>
           <a:extLst>
             <a:ext uri="{C572A759-6A51-4108-AA02-DFA0A04FC94B}">
-              <ma14:wrappingTextBoxFlag xmlns="" xmlns:ma14="http://schemas.microsoft.com/office/mac/drawingml/2011/main" val="1"/>
+              <ma14:wrappingTextBoxFlag xmlns:ma14="http://schemas.microsoft.com/office/mac/drawingml/2011/main" xmlns="" val="1"/>
             </a:ext>
           </a:extLst>
         </p:spPr>
@@ -13089,7 +14375,7 @@
           </a:ln>
           <a:extLst>
             <a:ext uri="{C572A759-6A51-4108-AA02-DFA0A04FC94B}">
-              <ma14:wrappingTextBoxFlag xmlns="" xmlns:ma14="http://schemas.microsoft.com/office/mac/drawingml/2011/main" val="1"/>
+              <ma14:wrappingTextBoxFlag xmlns:ma14="http://schemas.microsoft.com/office/mac/drawingml/2011/main" xmlns="" val="1"/>
             </a:ext>
           </a:extLst>
         </p:spPr>
@@ -13134,7 +14420,7 @@
           </a:ln>
           <a:extLst>
             <a:ext uri="{C572A759-6A51-4108-AA02-DFA0A04FC94B}">
-              <ma14:wrappingTextBoxFlag xmlns="" xmlns:ma14="http://schemas.microsoft.com/office/mac/drawingml/2011/main" val="1"/>
+              <ma14:wrappingTextBoxFlag xmlns:ma14="http://schemas.microsoft.com/office/mac/drawingml/2011/main" xmlns="" val="1"/>
             </a:ext>
           </a:extLst>
         </p:spPr>
@@ -13179,7 +14465,7 @@
           </a:ln>
           <a:extLst>
             <a:ext uri="{C572A759-6A51-4108-AA02-DFA0A04FC94B}">
-              <ma14:wrappingTextBoxFlag xmlns="" xmlns:ma14="http://schemas.microsoft.com/office/mac/drawingml/2011/main" val="1"/>
+              <ma14:wrappingTextBoxFlag xmlns:ma14="http://schemas.microsoft.com/office/mac/drawingml/2011/main" xmlns="" val="1"/>
             </a:ext>
           </a:extLst>
         </p:spPr>
@@ -13259,7 +14545,7 @@
           </a:ln>
           <a:extLst>
             <a:ext uri="{C572A759-6A51-4108-AA02-DFA0A04FC94B}">
-              <ma14:wrappingTextBoxFlag xmlns="" xmlns:ma14="http://schemas.microsoft.com/office/mac/drawingml/2011/main" val="1"/>
+              <ma14:wrappingTextBoxFlag xmlns:ma14="http://schemas.microsoft.com/office/mac/drawingml/2011/main" xmlns="" val="1"/>
             </a:ext>
           </a:extLst>
         </p:spPr>
@@ -13338,7 +14624,7 @@
           </a:ln>
           <a:extLst>
             <a:ext uri="{C572A759-6A51-4108-AA02-DFA0A04FC94B}">
-              <ma14:wrappingTextBoxFlag xmlns="" xmlns:ma14="http://schemas.microsoft.com/office/mac/drawingml/2011/main" val="1"/>
+              <ma14:wrappingTextBoxFlag xmlns:ma14="http://schemas.microsoft.com/office/mac/drawingml/2011/main" xmlns="" val="1"/>
             </a:ext>
           </a:extLst>
         </p:spPr>
@@ -13423,7 +14709,7 @@
           </a:ln>
           <a:extLst>
             <a:ext uri="{C572A759-6A51-4108-AA02-DFA0A04FC94B}">
-              <ma14:wrappingTextBoxFlag xmlns="" xmlns:ma14="http://schemas.microsoft.com/office/mac/drawingml/2011/main" val="1"/>
+              <ma14:wrappingTextBoxFlag xmlns:ma14="http://schemas.microsoft.com/office/mac/drawingml/2011/main" xmlns="" val="1"/>
             </a:ext>
           </a:extLst>
         </p:spPr>
@@ -13698,7 +14984,7 @@
           </a:ln>
           <a:extLst>
             <a:ext uri="{C572A759-6A51-4108-AA02-DFA0A04FC94B}">
-              <ma14:wrappingTextBoxFlag xmlns="" xmlns:ma14="http://schemas.microsoft.com/office/mac/drawingml/2011/main" val="1"/>
+              <ma14:wrappingTextBoxFlag xmlns:ma14="http://schemas.microsoft.com/office/mac/drawingml/2011/main" xmlns="" val="1"/>
             </a:ext>
           </a:extLst>
         </p:spPr>
@@ -14029,7 +15315,7 @@
           </a:ln>
           <a:extLst>
             <a:ext uri="{C572A759-6A51-4108-AA02-DFA0A04FC94B}">
-              <ma14:wrappingTextBoxFlag xmlns="" xmlns:ma14="http://schemas.microsoft.com/office/mac/drawingml/2011/main" val="1"/>
+              <ma14:wrappingTextBoxFlag xmlns:ma14="http://schemas.microsoft.com/office/mac/drawingml/2011/main" xmlns="" val="1"/>
             </a:ext>
           </a:extLst>
         </p:spPr>
@@ -14074,7 +15360,7 @@
           </a:ln>
           <a:extLst>
             <a:ext uri="{C572A759-6A51-4108-AA02-DFA0A04FC94B}">
-              <ma14:wrappingTextBoxFlag xmlns="" xmlns:ma14="http://schemas.microsoft.com/office/mac/drawingml/2011/main" val="1"/>
+              <ma14:wrappingTextBoxFlag xmlns:ma14="http://schemas.microsoft.com/office/mac/drawingml/2011/main" xmlns="" val="1"/>
             </a:ext>
           </a:extLst>
         </p:spPr>
@@ -14119,7 +15405,7 @@
           </a:ln>
           <a:extLst>
             <a:ext uri="{C572A759-6A51-4108-AA02-DFA0A04FC94B}">
-              <ma14:wrappingTextBoxFlag xmlns="" xmlns:ma14="http://schemas.microsoft.com/office/mac/drawingml/2011/main" val="1"/>
+              <ma14:wrappingTextBoxFlag xmlns:ma14="http://schemas.microsoft.com/office/mac/drawingml/2011/main" xmlns="" val="1"/>
             </a:ext>
           </a:extLst>
         </p:spPr>
@@ -14164,7 +15450,7 @@
           </a:ln>
           <a:extLst>
             <a:ext uri="{C572A759-6A51-4108-AA02-DFA0A04FC94B}">
-              <ma14:wrappingTextBoxFlag xmlns="" xmlns:ma14="http://schemas.microsoft.com/office/mac/drawingml/2011/main" val="1"/>
+              <ma14:wrappingTextBoxFlag xmlns:ma14="http://schemas.microsoft.com/office/mac/drawingml/2011/main" xmlns="" val="1"/>
             </a:ext>
           </a:extLst>
         </p:spPr>
@@ -14244,7 +15530,7 @@
           </a:ln>
           <a:extLst>
             <a:ext uri="{C572A759-6A51-4108-AA02-DFA0A04FC94B}">
-              <ma14:wrappingTextBoxFlag xmlns="" xmlns:ma14="http://schemas.microsoft.com/office/mac/drawingml/2011/main" val="1"/>
+              <ma14:wrappingTextBoxFlag xmlns:ma14="http://schemas.microsoft.com/office/mac/drawingml/2011/main" xmlns="" val="1"/>
             </a:ext>
           </a:extLst>
         </p:spPr>
@@ -14323,7 +15609,7 @@
           </a:ln>
           <a:extLst>
             <a:ext uri="{C572A759-6A51-4108-AA02-DFA0A04FC94B}">
-              <ma14:wrappingTextBoxFlag xmlns="" xmlns:ma14="http://schemas.microsoft.com/office/mac/drawingml/2011/main" val="1"/>
+              <ma14:wrappingTextBoxFlag xmlns:ma14="http://schemas.microsoft.com/office/mac/drawingml/2011/main" xmlns="" val="1"/>
             </a:ext>
           </a:extLst>
         </p:spPr>
@@ -14408,7 +15694,7 @@
           </a:ln>
           <a:extLst>
             <a:ext uri="{C572A759-6A51-4108-AA02-DFA0A04FC94B}">
-              <ma14:wrappingTextBoxFlag xmlns="" xmlns:ma14="http://schemas.microsoft.com/office/mac/drawingml/2011/main" val="1"/>
+              <ma14:wrappingTextBoxFlag xmlns:ma14="http://schemas.microsoft.com/office/mac/drawingml/2011/main" xmlns="" val="1"/>
             </a:ext>
           </a:extLst>
         </p:spPr>
@@ -14683,7 +15969,7 @@
           </a:ln>
           <a:extLst>
             <a:ext uri="{C572A759-6A51-4108-AA02-DFA0A04FC94B}">
-              <ma14:wrappingTextBoxFlag xmlns="" xmlns:ma14="http://schemas.microsoft.com/office/mac/drawingml/2011/main" val="1"/>
+              <ma14:wrappingTextBoxFlag xmlns:ma14="http://schemas.microsoft.com/office/mac/drawingml/2011/main" xmlns="" val="1"/>
             </a:ext>
           </a:extLst>
         </p:spPr>
@@ -14785,7 +16071,7 @@
           </a:ln>
           <a:extLst>
             <a:ext uri="{C572A759-6A51-4108-AA02-DFA0A04FC94B}">
-              <ma14:wrappingTextBoxFlag xmlns="" xmlns:ma14="http://schemas.microsoft.com/office/mac/drawingml/2011/main" val="1"/>
+              <ma14:wrappingTextBoxFlag xmlns:ma14="http://schemas.microsoft.com/office/mac/drawingml/2011/main" xmlns="" val="1"/>
             </a:ext>
           </a:extLst>
         </p:spPr>
@@ -14830,7 +16116,7 @@
           </a:ln>
           <a:extLst>
             <a:ext uri="{C572A759-6A51-4108-AA02-DFA0A04FC94B}">
-              <ma14:wrappingTextBoxFlag xmlns="" xmlns:ma14="http://schemas.microsoft.com/office/mac/drawingml/2011/main" val="1"/>
+              <ma14:wrappingTextBoxFlag xmlns:ma14="http://schemas.microsoft.com/office/mac/drawingml/2011/main" xmlns="" val="1"/>
             </a:ext>
           </a:extLst>
         </p:spPr>
@@ -14875,7 +16161,7 @@
           </a:ln>
           <a:extLst>
             <a:ext uri="{C572A759-6A51-4108-AA02-DFA0A04FC94B}">
-              <ma14:wrappingTextBoxFlag xmlns="" xmlns:ma14="http://schemas.microsoft.com/office/mac/drawingml/2011/main" val="1"/>
+              <ma14:wrappingTextBoxFlag xmlns:ma14="http://schemas.microsoft.com/office/mac/drawingml/2011/main" xmlns="" val="1"/>
             </a:ext>
           </a:extLst>
         </p:spPr>
@@ -14920,7 +16206,7 @@
           </a:ln>
           <a:extLst>
             <a:ext uri="{C572A759-6A51-4108-AA02-DFA0A04FC94B}">
-              <ma14:wrappingTextBoxFlag xmlns="" xmlns:ma14="http://schemas.microsoft.com/office/mac/drawingml/2011/main" val="1"/>
+              <ma14:wrappingTextBoxFlag xmlns:ma14="http://schemas.microsoft.com/office/mac/drawingml/2011/main" xmlns="" val="1"/>
             </a:ext>
           </a:extLst>
         </p:spPr>
@@ -15000,7 +16286,7 @@
           </a:ln>
           <a:extLst>
             <a:ext uri="{C572A759-6A51-4108-AA02-DFA0A04FC94B}">
-              <ma14:wrappingTextBoxFlag xmlns="" xmlns:ma14="http://schemas.microsoft.com/office/mac/drawingml/2011/main" val="1"/>
+              <ma14:wrappingTextBoxFlag xmlns:ma14="http://schemas.microsoft.com/office/mac/drawingml/2011/main" xmlns="" val="1"/>
             </a:ext>
           </a:extLst>
         </p:spPr>
@@ -15079,7 +16365,7 @@
           </a:ln>
           <a:extLst>
             <a:ext uri="{C572A759-6A51-4108-AA02-DFA0A04FC94B}">
-              <ma14:wrappingTextBoxFlag xmlns="" xmlns:ma14="http://schemas.microsoft.com/office/mac/drawingml/2011/main" val="1"/>
+              <ma14:wrappingTextBoxFlag xmlns:ma14="http://schemas.microsoft.com/office/mac/drawingml/2011/main" xmlns="" val="1"/>
             </a:ext>
           </a:extLst>
         </p:spPr>
@@ -15164,7 +16450,7 @@
           </a:ln>
           <a:extLst>
             <a:ext uri="{C572A759-6A51-4108-AA02-DFA0A04FC94B}">
-              <ma14:wrappingTextBoxFlag xmlns="" xmlns:ma14="http://schemas.microsoft.com/office/mac/drawingml/2011/main" val="1"/>
+              <ma14:wrappingTextBoxFlag xmlns:ma14="http://schemas.microsoft.com/office/mac/drawingml/2011/main" xmlns="" val="1"/>
             </a:ext>
           </a:extLst>
         </p:spPr>
@@ -15439,7 +16725,7 @@
           </a:ln>
           <a:extLst>
             <a:ext uri="{C572A759-6A51-4108-AA02-DFA0A04FC94B}">
-              <ma14:wrappingTextBoxFlag xmlns="" xmlns:ma14="http://schemas.microsoft.com/office/mac/drawingml/2011/main" val="1"/>
+              <ma14:wrappingTextBoxFlag xmlns:ma14="http://schemas.microsoft.com/office/mac/drawingml/2011/main" xmlns="" val="1"/>
             </a:ext>
           </a:extLst>
         </p:spPr>
@@ -15485,7 +16771,7 @@
           </a:ln>
           <a:extLst>
             <a:ext uri="{C572A759-6A51-4108-AA02-DFA0A04FC94B}">
-              <ma14:wrappingTextBoxFlag xmlns="" xmlns:ma14="http://schemas.microsoft.com/office/mac/drawingml/2011/main" val="1"/>
+              <ma14:wrappingTextBoxFlag xmlns:ma14="http://schemas.microsoft.com/office/mac/drawingml/2011/main" xmlns="" val="1"/>
             </a:ext>
           </a:extLst>
         </p:spPr>
@@ -15594,7 +16880,7 @@
           </a:ln>
           <a:extLst>
             <a:ext uri="{C572A759-6A51-4108-AA02-DFA0A04FC94B}">
-              <ma14:wrappingTextBoxFlag xmlns="" xmlns:ma14="http://schemas.microsoft.com/office/mac/drawingml/2011/main" val="1"/>
+              <ma14:wrappingTextBoxFlag xmlns:ma14="http://schemas.microsoft.com/office/mac/drawingml/2011/main" xmlns="" val="1"/>
             </a:ext>
           </a:extLst>
         </p:spPr>
@@ -15639,7 +16925,7 @@
           </a:ln>
           <a:extLst>
             <a:ext uri="{C572A759-6A51-4108-AA02-DFA0A04FC94B}">
-              <ma14:wrappingTextBoxFlag xmlns="" xmlns:ma14="http://schemas.microsoft.com/office/mac/drawingml/2011/main" val="1"/>
+              <ma14:wrappingTextBoxFlag xmlns:ma14="http://schemas.microsoft.com/office/mac/drawingml/2011/main" xmlns="" val="1"/>
             </a:ext>
           </a:extLst>
         </p:spPr>
@@ -15684,7 +16970,7 @@
           </a:ln>
           <a:extLst>
             <a:ext uri="{C572A759-6A51-4108-AA02-DFA0A04FC94B}">
-              <ma14:wrappingTextBoxFlag xmlns="" xmlns:ma14="http://schemas.microsoft.com/office/mac/drawingml/2011/main" val="1"/>
+              <ma14:wrappingTextBoxFlag xmlns:ma14="http://schemas.microsoft.com/office/mac/drawingml/2011/main" xmlns="" val="1"/>
             </a:ext>
           </a:extLst>
         </p:spPr>
@@ -15729,7 +17015,7 @@
           </a:ln>
           <a:extLst>
             <a:ext uri="{C572A759-6A51-4108-AA02-DFA0A04FC94B}">
-              <ma14:wrappingTextBoxFlag xmlns="" xmlns:ma14="http://schemas.microsoft.com/office/mac/drawingml/2011/main" val="1"/>
+              <ma14:wrappingTextBoxFlag xmlns:ma14="http://schemas.microsoft.com/office/mac/drawingml/2011/main" xmlns="" val="1"/>
             </a:ext>
           </a:extLst>
         </p:spPr>
@@ -15809,7 +17095,7 @@
           </a:ln>
           <a:extLst>
             <a:ext uri="{C572A759-6A51-4108-AA02-DFA0A04FC94B}">
-              <ma14:wrappingTextBoxFlag xmlns="" xmlns:ma14="http://schemas.microsoft.com/office/mac/drawingml/2011/main" val="1"/>
+              <ma14:wrappingTextBoxFlag xmlns:ma14="http://schemas.microsoft.com/office/mac/drawingml/2011/main" xmlns="" val="1"/>
             </a:ext>
           </a:extLst>
         </p:spPr>
@@ -15888,7 +17174,7 @@
           </a:ln>
           <a:extLst>
             <a:ext uri="{C572A759-6A51-4108-AA02-DFA0A04FC94B}">
-              <ma14:wrappingTextBoxFlag xmlns="" xmlns:ma14="http://schemas.microsoft.com/office/mac/drawingml/2011/main" val="1"/>
+              <ma14:wrappingTextBoxFlag xmlns:ma14="http://schemas.microsoft.com/office/mac/drawingml/2011/main" xmlns="" val="1"/>
             </a:ext>
           </a:extLst>
         </p:spPr>
@@ -15973,7 +17259,7 @@
           </a:ln>
           <a:extLst>
             <a:ext uri="{C572A759-6A51-4108-AA02-DFA0A04FC94B}">
-              <ma14:wrappingTextBoxFlag xmlns="" xmlns:ma14="http://schemas.microsoft.com/office/mac/drawingml/2011/main" val="1"/>
+              <ma14:wrappingTextBoxFlag xmlns:ma14="http://schemas.microsoft.com/office/mac/drawingml/2011/main" xmlns="" val="1"/>
             </a:ext>
           </a:extLst>
         </p:spPr>
@@ -16248,7 +17534,7 @@
           </a:ln>
           <a:extLst>
             <a:ext uri="{C572A759-6A51-4108-AA02-DFA0A04FC94B}">
-              <ma14:wrappingTextBoxFlag xmlns="" xmlns:ma14="http://schemas.microsoft.com/office/mac/drawingml/2011/main" val="1"/>
+              <ma14:wrappingTextBoxFlag xmlns:ma14="http://schemas.microsoft.com/office/mac/drawingml/2011/main" xmlns="" val="1"/>
             </a:ext>
           </a:extLst>
         </p:spPr>
@@ -16294,7 +17580,7 @@
           </a:ln>
           <a:extLst>
             <a:ext uri="{C572A759-6A51-4108-AA02-DFA0A04FC94B}">
-              <ma14:wrappingTextBoxFlag xmlns="" xmlns:ma14="http://schemas.microsoft.com/office/mac/drawingml/2011/main" val="1"/>
+              <ma14:wrappingTextBoxFlag xmlns:ma14="http://schemas.microsoft.com/office/mac/drawingml/2011/main" xmlns="" val="1"/>
             </a:ext>
           </a:extLst>
         </p:spPr>
@@ -16441,7 +17727,7 @@
           </a:ln>
           <a:extLst>
             <a:ext uri="{C572A759-6A51-4108-AA02-DFA0A04FC94B}">
-              <ma14:wrappingTextBoxFlag xmlns="" xmlns:ma14="http://schemas.microsoft.com/office/mac/drawingml/2011/main" val="1"/>
+              <ma14:wrappingTextBoxFlag xmlns:ma14="http://schemas.microsoft.com/office/mac/drawingml/2011/main" xmlns="" val="1"/>
             </a:ext>
           </a:extLst>
         </p:spPr>
@@ -16486,7 +17772,7 @@
           </a:ln>
           <a:extLst>
             <a:ext uri="{C572A759-6A51-4108-AA02-DFA0A04FC94B}">
-              <ma14:wrappingTextBoxFlag xmlns="" xmlns:ma14="http://schemas.microsoft.com/office/mac/drawingml/2011/main" val="1"/>
+              <ma14:wrappingTextBoxFlag xmlns:ma14="http://schemas.microsoft.com/office/mac/drawingml/2011/main" xmlns="" val="1"/>
             </a:ext>
           </a:extLst>
         </p:spPr>
@@ -16531,7 +17817,7 @@
           </a:ln>
           <a:extLst>
             <a:ext uri="{C572A759-6A51-4108-AA02-DFA0A04FC94B}">
-              <ma14:wrappingTextBoxFlag xmlns="" xmlns:ma14="http://schemas.microsoft.com/office/mac/drawingml/2011/main" val="1"/>
+              <ma14:wrappingTextBoxFlag xmlns:ma14="http://schemas.microsoft.com/office/mac/drawingml/2011/main" xmlns="" val="1"/>
             </a:ext>
           </a:extLst>
         </p:spPr>
@@ -16576,7 +17862,7 @@
           </a:ln>
           <a:extLst>
             <a:ext uri="{C572A759-6A51-4108-AA02-DFA0A04FC94B}">
-              <ma14:wrappingTextBoxFlag xmlns="" xmlns:ma14="http://schemas.microsoft.com/office/mac/drawingml/2011/main" val="1"/>
+              <ma14:wrappingTextBoxFlag xmlns:ma14="http://schemas.microsoft.com/office/mac/drawingml/2011/main" xmlns="" val="1"/>
             </a:ext>
           </a:extLst>
         </p:spPr>
@@ -16656,7 +17942,7 @@
           </a:ln>
           <a:extLst>
             <a:ext uri="{C572A759-6A51-4108-AA02-DFA0A04FC94B}">
-              <ma14:wrappingTextBoxFlag xmlns="" xmlns:ma14="http://schemas.microsoft.com/office/mac/drawingml/2011/main" val="1"/>
+              <ma14:wrappingTextBoxFlag xmlns:ma14="http://schemas.microsoft.com/office/mac/drawingml/2011/main" xmlns="" val="1"/>
             </a:ext>
           </a:extLst>
         </p:spPr>
@@ -16735,7 +18021,7 @@
           </a:ln>
           <a:extLst>
             <a:ext uri="{C572A759-6A51-4108-AA02-DFA0A04FC94B}">
-              <ma14:wrappingTextBoxFlag xmlns="" xmlns:ma14="http://schemas.microsoft.com/office/mac/drawingml/2011/main" val="1"/>
+              <ma14:wrappingTextBoxFlag xmlns:ma14="http://schemas.microsoft.com/office/mac/drawingml/2011/main" xmlns="" val="1"/>
             </a:ext>
           </a:extLst>
         </p:spPr>
@@ -16820,7 +18106,7 @@
           </a:ln>
           <a:extLst>
             <a:ext uri="{C572A759-6A51-4108-AA02-DFA0A04FC94B}">
-              <ma14:wrappingTextBoxFlag xmlns="" xmlns:ma14="http://schemas.microsoft.com/office/mac/drawingml/2011/main" val="1"/>
+              <ma14:wrappingTextBoxFlag xmlns:ma14="http://schemas.microsoft.com/office/mac/drawingml/2011/main" xmlns="" val="1"/>
             </a:ext>
           </a:extLst>
         </p:spPr>
@@ -17095,7 +18381,7 @@
           </a:ln>
           <a:extLst>
             <a:ext uri="{C572A759-6A51-4108-AA02-DFA0A04FC94B}">
-              <ma14:wrappingTextBoxFlag xmlns="" xmlns:ma14="http://schemas.microsoft.com/office/mac/drawingml/2011/main" val="1"/>
+              <ma14:wrappingTextBoxFlag xmlns:ma14="http://schemas.microsoft.com/office/mac/drawingml/2011/main" xmlns="" val="1"/>
             </a:ext>
           </a:extLst>
         </p:spPr>
@@ -17141,7 +18427,7 @@
           </a:ln>
           <a:extLst>
             <a:ext uri="{C572A759-6A51-4108-AA02-DFA0A04FC94B}">
-              <ma14:wrappingTextBoxFlag xmlns="" xmlns:ma14="http://schemas.microsoft.com/office/mac/drawingml/2011/main" val="1"/>
+              <ma14:wrappingTextBoxFlag xmlns:ma14="http://schemas.microsoft.com/office/mac/drawingml/2011/main" xmlns="" val="1"/>
             </a:ext>
           </a:extLst>
         </p:spPr>
@@ -17326,7 +18612,7 @@
           </a:ln>
           <a:extLst>
             <a:ext uri="{C572A759-6A51-4108-AA02-DFA0A04FC94B}">
-              <ma14:wrappingTextBoxFlag xmlns="" xmlns:ma14="http://schemas.microsoft.com/office/mac/drawingml/2011/main" val="1"/>
+              <ma14:wrappingTextBoxFlag xmlns:ma14="http://schemas.microsoft.com/office/mac/drawingml/2011/main" xmlns="" val="1"/>
             </a:ext>
           </a:extLst>
         </p:spPr>
@@ -17371,7 +18657,7 @@
           </a:ln>
           <a:extLst>
             <a:ext uri="{C572A759-6A51-4108-AA02-DFA0A04FC94B}">
-              <ma14:wrappingTextBoxFlag xmlns="" xmlns:ma14="http://schemas.microsoft.com/office/mac/drawingml/2011/main" val="1"/>
+              <ma14:wrappingTextBoxFlag xmlns:ma14="http://schemas.microsoft.com/office/mac/drawingml/2011/main" xmlns="" val="1"/>
             </a:ext>
           </a:extLst>
         </p:spPr>
@@ -17416,7 +18702,7 @@
           </a:ln>
           <a:extLst>
             <a:ext uri="{C572A759-6A51-4108-AA02-DFA0A04FC94B}">
-              <ma14:wrappingTextBoxFlag xmlns="" xmlns:ma14="http://schemas.microsoft.com/office/mac/drawingml/2011/main" val="1"/>
+              <ma14:wrappingTextBoxFlag xmlns:ma14="http://schemas.microsoft.com/office/mac/drawingml/2011/main" xmlns="" val="1"/>
             </a:ext>
           </a:extLst>
         </p:spPr>
@@ -17461,7 +18747,7 @@
           </a:ln>
           <a:extLst>
             <a:ext uri="{C572A759-6A51-4108-AA02-DFA0A04FC94B}">
-              <ma14:wrappingTextBoxFlag xmlns="" xmlns:ma14="http://schemas.microsoft.com/office/mac/drawingml/2011/main" val="1"/>
+              <ma14:wrappingTextBoxFlag xmlns:ma14="http://schemas.microsoft.com/office/mac/drawingml/2011/main" xmlns="" val="1"/>
             </a:ext>
           </a:extLst>
         </p:spPr>
@@ -17541,7 +18827,7 @@
           </a:ln>
           <a:extLst>
             <a:ext uri="{C572A759-6A51-4108-AA02-DFA0A04FC94B}">
-              <ma14:wrappingTextBoxFlag xmlns="" xmlns:ma14="http://schemas.microsoft.com/office/mac/drawingml/2011/main" val="1"/>
+              <ma14:wrappingTextBoxFlag xmlns:ma14="http://schemas.microsoft.com/office/mac/drawingml/2011/main" xmlns="" val="1"/>
             </a:ext>
           </a:extLst>
         </p:spPr>
@@ -17620,7 +18906,7 @@
           </a:ln>
           <a:extLst>
             <a:ext uri="{C572A759-6A51-4108-AA02-DFA0A04FC94B}">
-              <ma14:wrappingTextBoxFlag xmlns="" xmlns:ma14="http://schemas.microsoft.com/office/mac/drawingml/2011/main" val="1"/>
+              <ma14:wrappingTextBoxFlag xmlns:ma14="http://schemas.microsoft.com/office/mac/drawingml/2011/main" xmlns="" val="1"/>
             </a:ext>
           </a:extLst>
         </p:spPr>
@@ -17705,7 +18991,7 @@
           </a:ln>
           <a:extLst>
             <a:ext uri="{C572A759-6A51-4108-AA02-DFA0A04FC94B}">
-              <ma14:wrappingTextBoxFlag xmlns="" xmlns:ma14="http://schemas.microsoft.com/office/mac/drawingml/2011/main" val="1"/>
+              <ma14:wrappingTextBoxFlag xmlns:ma14="http://schemas.microsoft.com/office/mac/drawingml/2011/main" xmlns="" val="1"/>
             </a:ext>
           </a:extLst>
         </p:spPr>
@@ -17980,7 +19266,7 @@
           </a:ln>
           <a:extLst>
             <a:ext uri="{C572A759-6A51-4108-AA02-DFA0A04FC94B}">
-              <ma14:wrappingTextBoxFlag xmlns="" xmlns:ma14="http://schemas.microsoft.com/office/mac/drawingml/2011/main" val="1"/>
+              <ma14:wrappingTextBoxFlag xmlns:ma14="http://schemas.microsoft.com/office/mac/drawingml/2011/main" xmlns="" val="1"/>
             </a:ext>
           </a:extLst>
         </p:spPr>
@@ -18026,7 +19312,7 @@
           </a:ln>
           <a:extLst>
             <a:ext uri="{C572A759-6A51-4108-AA02-DFA0A04FC94B}">
-              <ma14:wrappingTextBoxFlag xmlns="" xmlns:ma14="http://schemas.microsoft.com/office/mac/drawingml/2011/main" val="1"/>
+              <ma14:wrappingTextBoxFlag xmlns:ma14="http://schemas.microsoft.com/office/mac/drawingml/2011/main" xmlns="" val="1"/>
             </a:ext>
           </a:extLst>
         </p:spPr>
@@ -18211,7 +19497,7 @@
           </a:ln>
           <a:extLst>
             <a:ext uri="{C572A759-6A51-4108-AA02-DFA0A04FC94B}">
-              <ma14:wrappingTextBoxFlag xmlns="" xmlns:ma14="http://schemas.microsoft.com/office/mac/drawingml/2011/main" val="1"/>
+              <ma14:wrappingTextBoxFlag xmlns:ma14="http://schemas.microsoft.com/office/mac/drawingml/2011/main" xmlns="" val="1"/>
             </a:ext>
           </a:extLst>
         </p:spPr>
@@ -18256,7 +19542,7 @@
           </a:ln>
           <a:extLst>
             <a:ext uri="{C572A759-6A51-4108-AA02-DFA0A04FC94B}">
-              <ma14:wrappingTextBoxFlag xmlns="" xmlns:ma14="http://schemas.microsoft.com/office/mac/drawingml/2011/main" val="1"/>
+              <ma14:wrappingTextBoxFlag xmlns:ma14="http://schemas.microsoft.com/office/mac/drawingml/2011/main" xmlns="" val="1"/>
             </a:ext>
           </a:extLst>
         </p:spPr>
@@ -18301,7 +19587,7 @@
           </a:ln>
           <a:extLst>
             <a:ext uri="{C572A759-6A51-4108-AA02-DFA0A04FC94B}">
-              <ma14:wrappingTextBoxFlag xmlns="" xmlns:ma14="http://schemas.microsoft.com/office/mac/drawingml/2011/main" val="1"/>
+              <ma14:wrappingTextBoxFlag xmlns:ma14="http://schemas.microsoft.com/office/mac/drawingml/2011/main" xmlns="" val="1"/>
             </a:ext>
           </a:extLst>
         </p:spPr>
@@ -18346,7 +19632,7 @@
           </a:ln>
           <a:extLst>
             <a:ext uri="{C572A759-6A51-4108-AA02-DFA0A04FC94B}">
-              <ma14:wrappingTextBoxFlag xmlns="" xmlns:ma14="http://schemas.microsoft.com/office/mac/drawingml/2011/main" val="1"/>
+              <ma14:wrappingTextBoxFlag xmlns:ma14="http://schemas.microsoft.com/office/mac/drawingml/2011/main" xmlns="" val="1"/>
             </a:ext>
           </a:extLst>
         </p:spPr>
@@ -18426,7 +19712,7 @@
           </a:ln>
           <a:extLst>
             <a:ext uri="{C572A759-6A51-4108-AA02-DFA0A04FC94B}">
-              <ma14:wrappingTextBoxFlag xmlns="" xmlns:ma14="http://schemas.microsoft.com/office/mac/drawingml/2011/main" val="1"/>
+              <ma14:wrappingTextBoxFlag xmlns:ma14="http://schemas.microsoft.com/office/mac/drawingml/2011/main" xmlns="" val="1"/>
             </a:ext>
           </a:extLst>
         </p:spPr>
@@ -18505,7 +19791,7 @@
           </a:ln>
           <a:extLst>
             <a:ext uri="{C572A759-6A51-4108-AA02-DFA0A04FC94B}">
-              <ma14:wrappingTextBoxFlag xmlns="" xmlns:ma14="http://schemas.microsoft.com/office/mac/drawingml/2011/main" val="1"/>
+              <ma14:wrappingTextBoxFlag xmlns:ma14="http://schemas.microsoft.com/office/mac/drawingml/2011/main" xmlns="" val="1"/>
             </a:ext>
           </a:extLst>
         </p:spPr>
@@ -18590,7 +19876,7 @@
           </a:ln>
           <a:extLst>
             <a:ext uri="{C572A759-6A51-4108-AA02-DFA0A04FC94B}">
-              <ma14:wrappingTextBoxFlag xmlns="" xmlns:ma14="http://schemas.microsoft.com/office/mac/drawingml/2011/main" val="1"/>
+              <ma14:wrappingTextBoxFlag xmlns:ma14="http://schemas.microsoft.com/office/mac/drawingml/2011/main" xmlns="" val="1"/>
             </a:ext>
           </a:extLst>
         </p:spPr>
@@ -18865,7 +20151,7 @@
           </a:ln>
           <a:extLst>
             <a:ext uri="{C572A759-6A51-4108-AA02-DFA0A04FC94B}">
-              <ma14:wrappingTextBoxFlag xmlns="" xmlns:ma14="http://schemas.microsoft.com/office/mac/drawingml/2011/main" val="1"/>
+              <ma14:wrappingTextBoxFlag xmlns:ma14="http://schemas.microsoft.com/office/mac/drawingml/2011/main" xmlns="" val="1"/>
             </a:ext>
           </a:extLst>
         </p:spPr>
@@ -18911,7 +20197,7 @@
           </a:ln>
           <a:extLst>
             <a:ext uri="{C572A759-6A51-4108-AA02-DFA0A04FC94B}">
-              <ma14:wrappingTextBoxFlag xmlns="" xmlns:ma14="http://schemas.microsoft.com/office/mac/drawingml/2011/main" val="1"/>
+              <ma14:wrappingTextBoxFlag xmlns:ma14="http://schemas.microsoft.com/office/mac/drawingml/2011/main" xmlns="" val="1"/>
             </a:ext>
           </a:extLst>
         </p:spPr>
@@ -19096,7 +20382,7 @@
           </a:ln>
           <a:extLst>
             <a:ext uri="{C572A759-6A51-4108-AA02-DFA0A04FC94B}">
-              <ma14:wrappingTextBoxFlag xmlns="" xmlns:ma14="http://schemas.microsoft.com/office/mac/drawingml/2011/main" val="1"/>
+              <ma14:wrappingTextBoxFlag xmlns:ma14="http://schemas.microsoft.com/office/mac/drawingml/2011/main" xmlns="" val="1"/>
             </a:ext>
           </a:extLst>
         </p:spPr>
@@ -19141,7 +20427,7 @@
           </a:ln>
           <a:extLst>
             <a:ext uri="{C572A759-6A51-4108-AA02-DFA0A04FC94B}">
-              <ma14:wrappingTextBoxFlag xmlns="" xmlns:ma14="http://schemas.microsoft.com/office/mac/drawingml/2011/main" val="1"/>
+              <ma14:wrappingTextBoxFlag xmlns:ma14="http://schemas.microsoft.com/office/mac/drawingml/2011/main" xmlns="" val="1"/>
             </a:ext>
           </a:extLst>
         </p:spPr>
@@ -19183,7 +20469,7 @@
           </a:ln>
           <a:extLst>
             <a:ext uri="{C572A759-6A51-4108-AA02-DFA0A04FC94B}">
-              <ma14:wrappingTextBoxFlag xmlns="" xmlns:ma14="http://schemas.microsoft.com/office/mac/drawingml/2011/main" val="1"/>
+              <ma14:wrappingTextBoxFlag xmlns:ma14="http://schemas.microsoft.com/office/mac/drawingml/2011/main" xmlns="" val="1"/>
             </a:ext>
           </a:extLst>
         </p:spPr>
@@ -19262,7 +20548,7 @@
           </a:ln>
           <a:extLst>
             <a:ext uri="{C572A759-6A51-4108-AA02-DFA0A04FC94B}">
-              <ma14:wrappingTextBoxFlag xmlns="" xmlns:ma14="http://schemas.microsoft.com/office/mac/drawingml/2011/main" val="1"/>
+              <ma14:wrappingTextBoxFlag xmlns:ma14="http://schemas.microsoft.com/office/mac/drawingml/2011/main" xmlns="" val="1"/>
             </a:ext>
           </a:extLst>
         </p:spPr>
@@ -19423,7 +20709,7 @@
           </a:ln>
           <a:extLst>
             <a:ext uri="{C572A759-6A51-4108-AA02-DFA0A04FC94B}">
-              <ma14:wrappingTextBoxFlag xmlns="" xmlns:ma14="http://schemas.microsoft.com/office/mac/drawingml/2011/main" val="1"/>
+              <ma14:wrappingTextBoxFlag xmlns:ma14="http://schemas.microsoft.com/office/mac/drawingml/2011/main" xmlns="" val="1"/>
             </a:ext>
           </a:extLst>
         </p:spPr>
@@ -19469,7 +20755,7 @@
           </a:ln>
           <a:extLst>
             <a:ext uri="{C572A759-6A51-4108-AA02-DFA0A04FC94B}">
-              <ma14:wrappingTextBoxFlag xmlns="" xmlns:ma14="http://schemas.microsoft.com/office/mac/drawingml/2011/main" val="1"/>
+              <ma14:wrappingTextBoxFlag xmlns:ma14="http://schemas.microsoft.com/office/mac/drawingml/2011/main" xmlns="" val="1"/>
             </a:ext>
           </a:extLst>
         </p:spPr>
@@ -19514,7 +20800,7 @@
           </a:ln>
           <a:extLst>
             <a:ext uri="{C572A759-6A51-4108-AA02-DFA0A04FC94B}">
-              <ma14:wrappingTextBoxFlag xmlns="" xmlns:ma14="http://schemas.microsoft.com/office/mac/drawingml/2011/main" val="1"/>
+              <ma14:wrappingTextBoxFlag xmlns:ma14="http://schemas.microsoft.com/office/mac/drawingml/2011/main" xmlns="" val="1"/>
             </a:ext>
           </a:extLst>
         </p:spPr>
@@ -19559,7 +20845,7 @@
           </a:ln>
           <a:extLst>
             <a:ext uri="{C572A759-6A51-4108-AA02-DFA0A04FC94B}">
-              <ma14:wrappingTextBoxFlag xmlns="" xmlns:ma14="http://schemas.microsoft.com/office/mac/drawingml/2011/main" val="1"/>
+              <ma14:wrappingTextBoxFlag xmlns:ma14="http://schemas.microsoft.com/office/mac/drawingml/2011/main" xmlns="" val="1"/>
             </a:ext>
           </a:extLst>
         </p:spPr>
@@ -19867,7 +21153,7 @@
           </a:ln>
           <a:extLst>
             <a:ext uri="{C572A759-6A51-4108-AA02-DFA0A04FC94B}">
-              <ma14:wrappingTextBoxFlag xmlns="" xmlns:ma14="http://schemas.microsoft.com/office/mac/drawingml/2011/main" val="1"/>
+              <ma14:wrappingTextBoxFlag xmlns:ma14="http://schemas.microsoft.com/office/mac/drawingml/2011/main" xmlns="" val="1"/>
             </a:ext>
           </a:extLst>
         </p:spPr>
@@ -19974,14 +21260,14 @@
             <a:avLst/>
           </a:prstGeom>
           <a:blipFill>
-            <a:blip r:embed="rId2"/>
+            <a:blip r:embed="rId3"/>
           </a:blipFill>
           <a:ln w="12700">
             <a:miter lim="400000"/>
           </a:ln>
           <a:extLst>
             <a:ext uri="{C572A759-6A51-4108-AA02-DFA0A04FC94B}">
-              <ma14:wrappingTextBoxFlag xmlns="" xmlns:ma14="http://schemas.microsoft.com/office/mac/drawingml/2011/main" val="1"/>
+              <ma14:wrappingTextBoxFlag xmlns:ma14="http://schemas.microsoft.com/office/mac/drawingml/2011/main" xmlns="" val="1"/>
             </a:ext>
           </a:extLst>
         </p:spPr>
@@ -20019,14 +21305,14 @@
             <a:avLst/>
           </a:prstGeom>
           <a:blipFill>
-            <a:blip r:embed="rId2"/>
+            <a:blip r:embed="rId3"/>
           </a:blipFill>
           <a:ln w="12700">
             <a:miter lim="400000"/>
           </a:ln>
           <a:extLst>
             <a:ext uri="{C572A759-6A51-4108-AA02-DFA0A04FC94B}">
-              <ma14:wrappingTextBoxFlag xmlns="" xmlns:ma14="http://schemas.microsoft.com/office/mac/drawingml/2011/main" val="1"/>
+              <ma14:wrappingTextBoxFlag xmlns:ma14="http://schemas.microsoft.com/office/mac/drawingml/2011/main" xmlns="" val="1"/>
             </a:ext>
           </a:extLst>
         </p:spPr>
@@ -20068,7 +21354,7 @@
           </a:ln>
           <a:extLst>
             <a:ext uri="{C572A759-6A51-4108-AA02-DFA0A04FC94B}">
-              <ma14:wrappingTextBoxFlag xmlns="" xmlns:ma14="http://schemas.microsoft.com/office/mac/drawingml/2011/main" val="1"/>
+              <ma14:wrappingTextBoxFlag xmlns:ma14="http://schemas.microsoft.com/office/mac/drawingml/2011/main" xmlns="" val="1"/>
             </a:ext>
           </a:extLst>
         </p:spPr>
@@ -20147,7 +21433,7 @@
           </a:ln>
           <a:extLst>
             <a:ext uri="{C572A759-6A51-4108-AA02-DFA0A04FC94B}">
-              <ma14:wrappingTextBoxFlag xmlns="" xmlns:ma14="http://schemas.microsoft.com/office/mac/drawingml/2011/main" val="1"/>
+              <ma14:wrappingTextBoxFlag xmlns:ma14="http://schemas.microsoft.com/office/mac/drawingml/2011/main" xmlns="" val="1"/>
             </a:ext>
           </a:extLst>
         </p:spPr>
@@ -20266,14 +21552,14 @@
             <a:avLst/>
           </a:prstGeom>
           <a:blipFill>
-            <a:blip r:embed="rId2"/>
+            <a:blip r:embed="rId3"/>
           </a:blipFill>
           <a:ln w="12700">
             <a:miter lim="400000"/>
           </a:ln>
           <a:extLst>
             <a:ext uri="{C572A759-6A51-4108-AA02-DFA0A04FC94B}">
-              <ma14:wrappingTextBoxFlag xmlns="" xmlns:ma14="http://schemas.microsoft.com/office/mac/drawingml/2011/main" val="1"/>
+              <ma14:wrappingTextBoxFlag xmlns:ma14="http://schemas.microsoft.com/office/mac/drawingml/2011/main" xmlns="" val="1"/>
             </a:ext>
           </a:extLst>
         </p:spPr>
@@ -20311,14 +21597,14 @@
             <a:avLst/>
           </a:prstGeom>
           <a:blipFill>
-            <a:blip r:embed="rId2"/>
+            <a:blip r:embed="rId3"/>
           </a:blipFill>
           <a:ln w="12700">
             <a:miter lim="400000"/>
           </a:ln>
           <a:extLst>
             <a:ext uri="{C572A759-6A51-4108-AA02-DFA0A04FC94B}">
-              <ma14:wrappingTextBoxFlag xmlns="" xmlns:ma14="http://schemas.microsoft.com/office/mac/drawingml/2011/main" val="1"/>
+              <ma14:wrappingTextBoxFlag xmlns:ma14="http://schemas.microsoft.com/office/mac/drawingml/2011/main" xmlns="" val="1"/>
             </a:ext>
           </a:extLst>
         </p:spPr>
@@ -20356,14 +21642,14 @@
             <a:avLst/>
           </a:prstGeom>
           <a:blipFill>
-            <a:blip r:embed="rId2"/>
+            <a:blip r:embed="rId3"/>
           </a:blipFill>
           <a:ln w="12700">
             <a:miter lim="400000"/>
           </a:ln>
           <a:extLst>
             <a:ext uri="{C572A759-6A51-4108-AA02-DFA0A04FC94B}">
-              <ma14:wrappingTextBoxFlag xmlns="" xmlns:ma14="http://schemas.microsoft.com/office/mac/drawingml/2011/main" val="1"/>
+              <ma14:wrappingTextBoxFlag xmlns:ma14="http://schemas.microsoft.com/office/mac/drawingml/2011/main" xmlns="" val="1"/>
             </a:ext>
           </a:extLst>
         </p:spPr>
@@ -20671,7 +21957,7 @@
           </a:ln>
           <a:extLst>
             <a:ext uri="{C572A759-6A51-4108-AA02-DFA0A04FC94B}">
-              <ma14:wrappingTextBoxFlag xmlns="" xmlns:ma14="http://schemas.microsoft.com/office/mac/drawingml/2011/main" val="1"/>
+              <ma14:wrappingTextBoxFlag xmlns:ma14="http://schemas.microsoft.com/office/mac/drawingml/2011/main" xmlns="" val="1"/>
             </a:ext>
           </a:extLst>
         </p:spPr>
@@ -20771,8 +22057,8 @@
         </p:nvSpPr>
         <p:spPr>
           <a:xfrm>
-            <a:off x="2178757" y="2670763"/>
-            <a:ext cx="8647287" cy="622301"/>
+            <a:off x="3773288" y="2653619"/>
+            <a:ext cx="5458224" cy="656590"/>
           </a:xfrm>
           <a:prstGeom prst="rect">
             <a:avLst/>
@@ -20782,7 +22068,7 @@
           </a:ln>
           <a:extLst>
             <a:ext uri="{C572A759-6A51-4108-AA02-DFA0A04FC94B}">
-              <ma14:wrappingTextBoxFlag xmlns="" xmlns:ma14="http://schemas.microsoft.com/office/mac/drawingml/2011/main" val="1"/>
+              <ma14:wrappingTextBoxFlag xmlns:ma14="http://schemas.microsoft.com/office/mac/drawingml/2011/main" xmlns="" val="1"/>
             </a:ext>
           </a:extLst>
         </p:spPr>
@@ -20793,9 +22079,14 @@
           <a:lstStyle/>
           <a:p>
             <a:r>
-              <a:rPr dirty="0"/>
-              <a:t>Remove 9 from the following SLL</a:t>
-            </a:r>
+              <a:rPr lang="zh-CN" altLang="en-US" dirty="0"/>
+              <a:t>从下面的单向链表中移除</a:t>
+            </a:r>
+            <a:r>
+              <a:rPr lang="en-US" altLang="zh-CN" dirty="0"/>
+              <a:t>9</a:t>
+            </a:r>
+            <a:endParaRPr lang="zh-CN" altLang="en-US" dirty="0"/>
           </a:p>
         </p:txBody>
       </p:sp>
@@ -20821,7 +22112,7 @@
           </a:ln>
           <a:extLst>
             <a:ext uri="{C572A759-6A51-4108-AA02-DFA0A04FC94B}">
-              <ma14:wrappingTextBoxFlag xmlns="" xmlns:ma14="http://schemas.microsoft.com/office/mac/drawingml/2011/main" val="1"/>
+              <ma14:wrappingTextBoxFlag xmlns:ma14="http://schemas.microsoft.com/office/mac/drawingml/2011/main" xmlns="" val="1"/>
             </a:ext>
           </a:extLst>
         </p:spPr>
@@ -20866,7 +22157,7 @@
           </a:ln>
           <a:extLst>
             <a:ext uri="{C572A759-6A51-4108-AA02-DFA0A04FC94B}">
-              <ma14:wrappingTextBoxFlag xmlns="" xmlns:ma14="http://schemas.microsoft.com/office/mac/drawingml/2011/main" val="1"/>
+              <ma14:wrappingTextBoxFlag xmlns:ma14="http://schemas.microsoft.com/office/mac/drawingml/2011/main" xmlns="" val="1"/>
             </a:ext>
           </a:extLst>
         </p:spPr>
@@ -20946,7 +22237,7 @@
           </a:ln>
           <a:extLst>
             <a:ext uri="{C572A759-6A51-4108-AA02-DFA0A04FC94B}">
-              <ma14:wrappingTextBoxFlag xmlns="" xmlns:ma14="http://schemas.microsoft.com/office/mac/drawingml/2011/main" val="1"/>
+              <ma14:wrappingTextBoxFlag xmlns:ma14="http://schemas.microsoft.com/office/mac/drawingml/2011/main" xmlns="" val="1"/>
             </a:ext>
           </a:extLst>
         </p:spPr>
@@ -21034,7 +22325,7 @@
           </a:ln>
           <a:extLst>
             <a:ext uri="{C572A759-6A51-4108-AA02-DFA0A04FC94B}">
-              <ma14:wrappingTextBoxFlag xmlns="" xmlns:ma14="http://schemas.microsoft.com/office/mac/drawingml/2011/main" val="1"/>
+              <ma14:wrappingTextBoxFlag xmlns:ma14="http://schemas.microsoft.com/office/mac/drawingml/2011/main" xmlns="" val="1"/>
             </a:ext>
           </a:extLst>
         </p:spPr>
@@ -21079,7 +22370,7 @@
           </a:ln>
           <a:extLst>
             <a:ext uri="{C572A759-6A51-4108-AA02-DFA0A04FC94B}">
-              <ma14:wrappingTextBoxFlag xmlns="" xmlns:ma14="http://schemas.microsoft.com/office/mac/drawingml/2011/main" val="1"/>
+              <ma14:wrappingTextBoxFlag xmlns:ma14="http://schemas.microsoft.com/office/mac/drawingml/2011/main" xmlns="" val="1"/>
             </a:ext>
           </a:extLst>
         </p:spPr>
@@ -21124,7 +22415,7 @@
           </a:ln>
           <a:extLst>
             <a:ext uri="{C572A759-6A51-4108-AA02-DFA0A04FC94B}">
-              <ma14:wrappingTextBoxFlag xmlns="" xmlns:ma14="http://schemas.microsoft.com/office/mac/drawingml/2011/main" val="1"/>
+              <ma14:wrappingTextBoxFlag xmlns:ma14="http://schemas.microsoft.com/office/mac/drawingml/2011/main" xmlns="" val="1"/>
             </a:ext>
           </a:extLst>
         </p:spPr>
@@ -21318,7 +22609,7 @@
           </a:ln>
           <a:extLst>
             <a:ext uri="{C572A759-6A51-4108-AA02-DFA0A04FC94B}">
-              <ma14:wrappingTextBoxFlag xmlns="" xmlns:ma14="http://schemas.microsoft.com/office/mac/drawingml/2011/main" val="1"/>
+              <ma14:wrappingTextBoxFlag xmlns:ma14="http://schemas.microsoft.com/office/mac/drawingml/2011/main" xmlns="" val="1"/>
             </a:ext>
           </a:extLst>
         </p:spPr>
@@ -21429,7 +22720,7 @@
           </a:ln>
           <a:extLst>
             <a:ext uri="{C572A759-6A51-4108-AA02-DFA0A04FC94B}">
-              <ma14:wrappingTextBoxFlag xmlns="" xmlns:ma14="http://schemas.microsoft.com/office/mac/drawingml/2011/main" val="1"/>
+              <ma14:wrappingTextBoxFlag xmlns:ma14="http://schemas.microsoft.com/office/mac/drawingml/2011/main" xmlns="" val="1"/>
             </a:ext>
           </a:extLst>
         </p:spPr>
@@ -21473,7 +22764,7 @@
           </a:ln>
           <a:extLst>
             <a:ext uri="{C572A759-6A51-4108-AA02-DFA0A04FC94B}">
-              <ma14:wrappingTextBoxFlag xmlns="" xmlns:ma14="http://schemas.microsoft.com/office/mac/drawingml/2011/main" val="1"/>
+              <ma14:wrappingTextBoxFlag xmlns:ma14="http://schemas.microsoft.com/office/mac/drawingml/2011/main" xmlns="" val="1"/>
             </a:ext>
           </a:extLst>
         </p:spPr>
@@ -21518,7 +22809,7 @@
           </a:ln>
           <a:extLst>
             <a:ext uri="{C572A759-6A51-4108-AA02-DFA0A04FC94B}">
-              <ma14:wrappingTextBoxFlag xmlns="" xmlns:ma14="http://schemas.microsoft.com/office/mac/drawingml/2011/main" val="1"/>
+              <ma14:wrappingTextBoxFlag xmlns:ma14="http://schemas.microsoft.com/office/mac/drawingml/2011/main" xmlns="" val="1"/>
             </a:ext>
           </a:extLst>
         </p:spPr>
@@ -21598,7 +22889,7 @@
           </a:ln>
           <a:extLst>
             <a:ext uri="{C572A759-6A51-4108-AA02-DFA0A04FC94B}">
-              <ma14:wrappingTextBoxFlag xmlns="" xmlns:ma14="http://schemas.microsoft.com/office/mac/drawingml/2011/main" val="1"/>
+              <ma14:wrappingTextBoxFlag xmlns:ma14="http://schemas.microsoft.com/office/mac/drawingml/2011/main" xmlns="" val="1"/>
             </a:ext>
           </a:extLst>
         </p:spPr>
@@ -21686,7 +22977,7 @@
           </a:ln>
           <a:extLst>
             <a:ext uri="{C572A759-6A51-4108-AA02-DFA0A04FC94B}">
-              <ma14:wrappingTextBoxFlag xmlns="" xmlns:ma14="http://schemas.microsoft.com/office/mac/drawingml/2011/main" val="1"/>
+              <ma14:wrappingTextBoxFlag xmlns:ma14="http://schemas.microsoft.com/office/mac/drawingml/2011/main" xmlns="" val="1"/>
             </a:ext>
           </a:extLst>
         </p:spPr>
@@ -21731,7 +23022,7 @@
           </a:ln>
           <a:extLst>
             <a:ext uri="{C572A759-6A51-4108-AA02-DFA0A04FC94B}">
-              <ma14:wrappingTextBoxFlag xmlns="" xmlns:ma14="http://schemas.microsoft.com/office/mac/drawingml/2011/main" val="1"/>
+              <ma14:wrappingTextBoxFlag xmlns:ma14="http://schemas.microsoft.com/office/mac/drawingml/2011/main" xmlns="" val="1"/>
             </a:ext>
           </a:extLst>
         </p:spPr>
@@ -21776,7 +23067,7 @@
           </a:ln>
           <a:extLst>
             <a:ext uri="{C572A759-6A51-4108-AA02-DFA0A04FC94B}">
-              <ma14:wrappingTextBoxFlag xmlns="" xmlns:ma14="http://schemas.microsoft.com/office/mac/drawingml/2011/main" val="1"/>
+              <ma14:wrappingTextBoxFlag xmlns:ma14="http://schemas.microsoft.com/office/mac/drawingml/2011/main" xmlns="" val="1"/>
             </a:ext>
           </a:extLst>
         </p:spPr>
@@ -21970,7 +23261,7 @@
           </a:ln>
           <a:extLst>
             <a:ext uri="{C572A759-6A51-4108-AA02-DFA0A04FC94B}">
-              <ma14:wrappingTextBoxFlag xmlns="" xmlns:ma14="http://schemas.microsoft.com/office/mac/drawingml/2011/main" val="1"/>
+              <ma14:wrappingTextBoxFlag xmlns:ma14="http://schemas.microsoft.com/office/mac/drawingml/2011/main" xmlns="" val="1"/>
             </a:ext>
           </a:extLst>
         </p:spPr>
@@ -22093,7 +23384,7 @@
           </a:ln>
           <a:extLst>
             <a:ext uri="{C572A759-6A51-4108-AA02-DFA0A04FC94B}">
-              <ma14:wrappingTextBoxFlag xmlns="" xmlns:ma14="http://schemas.microsoft.com/office/mac/drawingml/2011/main" val="1"/>
+              <ma14:wrappingTextBoxFlag xmlns:ma14="http://schemas.microsoft.com/office/mac/drawingml/2011/main" xmlns="" val="1"/>
             </a:ext>
           </a:extLst>
         </p:spPr>
@@ -22132,7 +23423,7 @@
           </a:ln>
           <a:extLst>
             <a:ext uri="{C572A759-6A51-4108-AA02-DFA0A04FC94B}">
-              <ma14:wrappingTextBoxFlag xmlns="" xmlns:ma14="http://schemas.microsoft.com/office/mac/drawingml/2011/main" val="1"/>
+              <ma14:wrappingTextBoxFlag xmlns:ma14="http://schemas.microsoft.com/office/mac/drawingml/2011/main" xmlns="" val="1"/>
             </a:ext>
           </a:extLst>
         </p:spPr>
@@ -22296,7 +23587,7 @@
           </a:ln>
           <a:extLst>
             <a:ext uri="{C572A759-6A51-4108-AA02-DFA0A04FC94B}">
-              <ma14:wrappingTextBoxFlag xmlns="" xmlns:ma14="http://schemas.microsoft.com/office/mac/drawingml/2011/main" val="1"/>
+              <ma14:wrappingTextBoxFlag xmlns:ma14="http://schemas.microsoft.com/office/mac/drawingml/2011/main" xmlns="" val="1"/>
             </a:ext>
           </a:extLst>
         </p:spPr>
@@ -22333,14 +23624,14 @@
             <a:avLst/>
           </a:prstGeom>
           <a:blipFill>
-            <a:blip r:embed="rId2"/>
+            <a:blip r:embed="rId3"/>
           </a:blipFill>
           <a:ln w="12700">
             <a:miter lim="400000"/>
           </a:ln>
           <a:extLst>
             <a:ext uri="{C572A759-6A51-4108-AA02-DFA0A04FC94B}">
-              <ma14:wrappingTextBoxFlag xmlns="" xmlns:ma14="http://schemas.microsoft.com/office/mac/drawingml/2011/main" val="1"/>
+              <ma14:wrappingTextBoxFlag xmlns:ma14="http://schemas.microsoft.com/office/mac/drawingml/2011/main" xmlns="" val="1"/>
             </a:ext>
           </a:extLst>
         </p:spPr>
@@ -22378,14 +23669,14 @@
             <a:avLst/>
           </a:prstGeom>
           <a:blipFill>
-            <a:blip r:embed="rId3"/>
+            <a:blip r:embed="rId4"/>
           </a:blipFill>
           <a:ln w="12700">
             <a:miter lim="400000"/>
           </a:ln>
           <a:extLst>
             <a:ext uri="{C572A759-6A51-4108-AA02-DFA0A04FC94B}">
-              <ma14:wrappingTextBoxFlag xmlns="" xmlns:ma14="http://schemas.microsoft.com/office/mac/drawingml/2011/main" val="1"/>
+              <ma14:wrappingTextBoxFlag xmlns:ma14="http://schemas.microsoft.com/office/mac/drawingml/2011/main" xmlns="" val="1"/>
             </a:ext>
           </a:extLst>
         </p:spPr>
@@ -22465,7 +23756,7 @@
           </a:ln>
           <a:extLst>
             <a:ext uri="{C572A759-6A51-4108-AA02-DFA0A04FC94B}">
-              <ma14:wrappingTextBoxFlag xmlns="" xmlns:ma14="http://schemas.microsoft.com/office/mac/drawingml/2011/main" val="1"/>
+              <ma14:wrappingTextBoxFlag xmlns:ma14="http://schemas.microsoft.com/office/mac/drawingml/2011/main" xmlns="" val="1"/>
             </a:ext>
           </a:extLst>
         </p:spPr>
@@ -22546,14 +23837,14 @@
             <a:avLst/>
           </a:prstGeom>
           <a:blipFill>
-            <a:blip r:embed="rId3"/>
+            <a:blip r:embed="rId4"/>
           </a:blipFill>
           <a:ln w="12700">
             <a:miter lim="400000"/>
           </a:ln>
           <a:extLst>
             <a:ext uri="{C572A759-6A51-4108-AA02-DFA0A04FC94B}">
-              <ma14:wrappingTextBoxFlag xmlns="" xmlns:ma14="http://schemas.microsoft.com/office/mac/drawingml/2011/main" val="1"/>
+              <ma14:wrappingTextBoxFlag xmlns:ma14="http://schemas.microsoft.com/office/mac/drawingml/2011/main" xmlns="" val="1"/>
             </a:ext>
           </a:extLst>
         </p:spPr>
@@ -22591,14 +23882,14 @@
             <a:avLst/>
           </a:prstGeom>
           <a:blipFill>
-            <a:blip r:embed="rId2"/>
+            <a:blip r:embed="rId3"/>
           </a:blipFill>
           <a:ln w="12700">
             <a:miter lim="400000"/>
           </a:ln>
           <a:extLst>
             <a:ext uri="{C572A759-6A51-4108-AA02-DFA0A04FC94B}">
-              <ma14:wrappingTextBoxFlag xmlns="" xmlns:ma14="http://schemas.microsoft.com/office/mac/drawingml/2011/main" val="1"/>
+              <ma14:wrappingTextBoxFlag xmlns:ma14="http://schemas.microsoft.com/office/mac/drawingml/2011/main" xmlns="" val="1"/>
             </a:ext>
           </a:extLst>
         </p:spPr>
@@ -22636,14 +23927,14 @@
             <a:avLst/>
           </a:prstGeom>
           <a:blipFill>
-            <a:blip r:embed="rId2"/>
+            <a:blip r:embed="rId3"/>
           </a:blipFill>
           <a:ln w="12700">
             <a:miter lim="400000"/>
           </a:ln>
           <a:extLst>
             <a:ext uri="{C572A759-6A51-4108-AA02-DFA0A04FC94B}">
-              <ma14:wrappingTextBoxFlag xmlns="" xmlns:ma14="http://schemas.microsoft.com/office/mac/drawingml/2011/main" val="1"/>
+              <ma14:wrappingTextBoxFlag xmlns:ma14="http://schemas.microsoft.com/office/mac/drawingml/2011/main" xmlns="" val="1"/>
             </a:ext>
           </a:extLst>
         </p:spPr>
@@ -22837,7 +24128,7 @@
           </a:ln>
           <a:extLst>
             <a:ext uri="{C572A759-6A51-4108-AA02-DFA0A04FC94B}">
-              <ma14:wrappingTextBoxFlag xmlns="" xmlns:ma14="http://schemas.microsoft.com/office/mac/drawingml/2011/main" val="1"/>
+              <ma14:wrappingTextBoxFlag xmlns:ma14="http://schemas.microsoft.com/office/mac/drawingml/2011/main" xmlns="" val="1"/>
             </a:ext>
           </a:extLst>
         </p:spPr>
@@ -22960,7 +24251,7 @@
           </a:ln>
           <a:extLst>
             <a:ext uri="{C572A759-6A51-4108-AA02-DFA0A04FC94B}">
-              <ma14:wrappingTextBoxFlag xmlns="" xmlns:ma14="http://schemas.microsoft.com/office/mac/drawingml/2011/main" val="1"/>
+              <ma14:wrappingTextBoxFlag xmlns:ma14="http://schemas.microsoft.com/office/mac/drawingml/2011/main" xmlns="" val="1"/>
             </a:ext>
           </a:extLst>
         </p:spPr>
@@ -22999,7 +24290,7 @@
           </a:ln>
           <a:extLst>
             <a:ext uri="{C572A759-6A51-4108-AA02-DFA0A04FC94B}">
-              <ma14:wrappingTextBoxFlag xmlns="" xmlns:ma14="http://schemas.microsoft.com/office/mac/drawingml/2011/main" val="1"/>
+              <ma14:wrappingTextBoxFlag xmlns:ma14="http://schemas.microsoft.com/office/mac/drawingml/2011/main" xmlns="" val="1"/>
             </a:ext>
           </a:extLst>
         </p:spPr>
@@ -23102,7 +24393,7 @@
           </a:ln>
           <a:extLst>
             <a:ext uri="{C572A759-6A51-4108-AA02-DFA0A04FC94B}">
-              <ma14:wrappingTextBoxFlag xmlns="" xmlns:ma14="http://schemas.microsoft.com/office/mac/drawingml/2011/main" val="1"/>
+              <ma14:wrappingTextBoxFlag xmlns:ma14="http://schemas.microsoft.com/office/mac/drawingml/2011/main" xmlns="" val="1"/>
             </a:ext>
           </a:extLst>
         </p:spPr>
@@ -23146,7 +24437,7 @@
           </a:ln>
           <a:extLst>
             <a:ext uri="{C572A759-6A51-4108-AA02-DFA0A04FC94B}">
-              <ma14:wrappingTextBoxFlag xmlns="" xmlns:ma14="http://schemas.microsoft.com/office/mac/drawingml/2011/main" val="1"/>
+              <ma14:wrappingTextBoxFlag xmlns:ma14="http://schemas.microsoft.com/office/mac/drawingml/2011/main" xmlns="" val="1"/>
             </a:ext>
           </a:extLst>
         </p:spPr>
@@ -23191,7 +24482,7 @@
           </a:ln>
           <a:extLst>
             <a:ext uri="{C572A759-6A51-4108-AA02-DFA0A04FC94B}">
-              <ma14:wrappingTextBoxFlag xmlns="" xmlns:ma14="http://schemas.microsoft.com/office/mac/drawingml/2011/main" val="1"/>
+              <ma14:wrappingTextBoxFlag xmlns:ma14="http://schemas.microsoft.com/office/mac/drawingml/2011/main" xmlns="" val="1"/>
             </a:ext>
           </a:extLst>
         </p:spPr>
@@ -23271,7 +24562,7 @@
           </a:ln>
           <a:extLst>
             <a:ext uri="{C572A759-6A51-4108-AA02-DFA0A04FC94B}">
-              <ma14:wrappingTextBoxFlag xmlns="" xmlns:ma14="http://schemas.microsoft.com/office/mac/drawingml/2011/main" val="1"/>
+              <ma14:wrappingTextBoxFlag xmlns:ma14="http://schemas.microsoft.com/office/mac/drawingml/2011/main" xmlns="" val="1"/>
             </a:ext>
           </a:extLst>
         </p:spPr>
@@ -23359,7 +24650,7 @@
           </a:ln>
           <a:extLst>
             <a:ext uri="{C572A759-6A51-4108-AA02-DFA0A04FC94B}">
-              <ma14:wrappingTextBoxFlag xmlns="" xmlns:ma14="http://schemas.microsoft.com/office/mac/drawingml/2011/main" val="1"/>
+              <ma14:wrappingTextBoxFlag xmlns:ma14="http://schemas.microsoft.com/office/mac/drawingml/2011/main" xmlns="" val="1"/>
             </a:ext>
           </a:extLst>
         </p:spPr>
@@ -23404,7 +24695,7 @@
           </a:ln>
           <a:extLst>
             <a:ext uri="{C572A759-6A51-4108-AA02-DFA0A04FC94B}">
-              <ma14:wrappingTextBoxFlag xmlns="" xmlns:ma14="http://schemas.microsoft.com/office/mac/drawingml/2011/main" val="1"/>
+              <ma14:wrappingTextBoxFlag xmlns:ma14="http://schemas.microsoft.com/office/mac/drawingml/2011/main" xmlns="" val="1"/>
             </a:ext>
           </a:extLst>
         </p:spPr>
@@ -23449,7 +24740,7 @@
           </a:ln>
           <a:extLst>
             <a:ext uri="{C572A759-6A51-4108-AA02-DFA0A04FC94B}">
-              <ma14:wrappingTextBoxFlag xmlns="" xmlns:ma14="http://schemas.microsoft.com/office/mac/drawingml/2011/main" val="1"/>
+              <ma14:wrappingTextBoxFlag xmlns:ma14="http://schemas.microsoft.com/office/mac/drawingml/2011/main" xmlns="" val="1"/>
             </a:ext>
           </a:extLst>
         </p:spPr>
@@ -23643,7 +24934,7 @@
           </a:ln>
           <a:extLst>
             <a:ext uri="{C572A759-6A51-4108-AA02-DFA0A04FC94B}">
-              <ma14:wrappingTextBoxFlag xmlns="" xmlns:ma14="http://schemas.microsoft.com/office/mac/drawingml/2011/main" val="1"/>
+              <ma14:wrappingTextBoxFlag xmlns:ma14="http://schemas.microsoft.com/office/mac/drawingml/2011/main" xmlns="" val="1"/>
             </a:ext>
           </a:extLst>
         </p:spPr>
@@ -23766,7 +25057,7 @@
           </a:ln>
           <a:extLst>
             <a:ext uri="{C572A759-6A51-4108-AA02-DFA0A04FC94B}">
-              <ma14:wrappingTextBoxFlag xmlns="" xmlns:ma14="http://schemas.microsoft.com/office/mac/drawingml/2011/main" val="1"/>
+              <ma14:wrappingTextBoxFlag xmlns:ma14="http://schemas.microsoft.com/office/mac/drawingml/2011/main" xmlns="" val="1"/>
             </a:ext>
           </a:extLst>
         </p:spPr>
@@ -23805,7 +25096,7 @@
           </a:ln>
           <a:extLst>
             <a:ext uri="{C572A759-6A51-4108-AA02-DFA0A04FC94B}">
-              <ma14:wrappingTextBoxFlag xmlns="" xmlns:ma14="http://schemas.microsoft.com/office/mac/drawingml/2011/main" val="1"/>
+              <ma14:wrappingTextBoxFlag xmlns:ma14="http://schemas.microsoft.com/office/mac/drawingml/2011/main" xmlns="" val="1"/>
             </a:ext>
           </a:extLst>
         </p:spPr>
@@ -23908,7 +25199,7 @@
           </a:ln>
           <a:extLst>
             <a:ext uri="{C572A759-6A51-4108-AA02-DFA0A04FC94B}">
-              <ma14:wrappingTextBoxFlag xmlns="" xmlns:ma14="http://schemas.microsoft.com/office/mac/drawingml/2011/main" val="1"/>
+              <ma14:wrappingTextBoxFlag xmlns:ma14="http://schemas.microsoft.com/office/mac/drawingml/2011/main" xmlns="" val="1"/>
             </a:ext>
           </a:extLst>
         </p:spPr>
@@ -23952,7 +25243,7 @@
           </a:ln>
           <a:extLst>
             <a:ext uri="{C572A759-6A51-4108-AA02-DFA0A04FC94B}">
-              <ma14:wrappingTextBoxFlag xmlns="" xmlns:ma14="http://schemas.microsoft.com/office/mac/drawingml/2011/main" val="1"/>
+              <ma14:wrappingTextBoxFlag xmlns:ma14="http://schemas.microsoft.com/office/mac/drawingml/2011/main" xmlns="" val="1"/>
             </a:ext>
           </a:extLst>
         </p:spPr>
@@ -23997,7 +25288,7 @@
           </a:ln>
           <a:extLst>
             <a:ext uri="{C572A759-6A51-4108-AA02-DFA0A04FC94B}">
-              <ma14:wrappingTextBoxFlag xmlns="" xmlns:ma14="http://schemas.microsoft.com/office/mac/drawingml/2011/main" val="1"/>
+              <ma14:wrappingTextBoxFlag xmlns:ma14="http://schemas.microsoft.com/office/mac/drawingml/2011/main" xmlns="" val="1"/>
             </a:ext>
           </a:extLst>
         </p:spPr>
@@ -24077,7 +25368,7 @@
           </a:ln>
           <a:extLst>
             <a:ext uri="{C572A759-6A51-4108-AA02-DFA0A04FC94B}">
-              <ma14:wrappingTextBoxFlag xmlns="" xmlns:ma14="http://schemas.microsoft.com/office/mac/drawingml/2011/main" val="1"/>
+              <ma14:wrappingTextBoxFlag xmlns:ma14="http://schemas.microsoft.com/office/mac/drawingml/2011/main" xmlns="" val="1"/>
             </a:ext>
           </a:extLst>
         </p:spPr>
@@ -24165,7 +25456,7 @@
           </a:ln>
           <a:extLst>
             <a:ext uri="{C572A759-6A51-4108-AA02-DFA0A04FC94B}">
-              <ma14:wrappingTextBoxFlag xmlns="" xmlns:ma14="http://schemas.microsoft.com/office/mac/drawingml/2011/main" val="1"/>
+              <ma14:wrappingTextBoxFlag xmlns:ma14="http://schemas.microsoft.com/office/mac/drawingml/2011/main" xmlns="" val="1"/>
             </a:ext>
           </a:extLst>
         </p:spPr>
@@ -24210,7 +25501,7 @@
           </a:ln>
           <a:extLst>
             <a:ext uri="{C572A759-6A51-4108-AA02-DFA0A04FC94B}">
-              <ma14:wrappingTextBoxFlag xmlns="" xmlns:ma14="http://schemas.microsoft.com/office/mac/drawingml/2011/main" val="1"/>
+              <ma14:wrappingTextBoxFlag xmlns:ma14="http://schemas.microsoft.com/office/mac/drawingml/2011/main" xmlns="" val="1"/>
             </a:ext>
           </a:extLst>
         </p:spPr>
@@ -24255,7 +25546,7 @@
           </a:ln>
           <a:extLst>
             <a:ext uri="{C572A759-6A51-4108-AA02-DFA0A04FC94B}">
-              <ma14:wrappingTextBoxFlag xmlns="" xmlns:ma14="http://schemas.microsoft.com/office/mac/drawingml/2011/main" val="1"/>
+              <ma14:wrappingTextBoxFlag xmlns:ma14="http://schemas.microsoft.com/office/mac/drawingml/2011/main" xmlns="" val="1"/>
             </a:ext>
           </a:extLst>
         </p:spPr>
@@ -24449,7 +25740,7 @@
           </a:ln>
           <a:extLst>
             <a:ext uri="{C572A759-6A51-4108-AA02-DFA0A04FC94B}">
-              <ma14:wrappingTextBoxFlag xmlns="" xmlns:ma14="http://schemas.microsoft.com/office/mac/drawingml/2011/main" val="1"/>
+              <ma14:wrappingTextBoxFlag xmlns:ma14="http://schemas.microsoft.com/office/mac/drawingml/2011/main" xmlns="" val="1"/>
             </a:ext>
           </a:extLst>
         </p:spPr>
@@ -24572,7 +25863,7 @@
           </a:ln>
           <a:extLst>
             <a:ext uri="{C572A759-6A51-4108-AA02-DFA0A04FC94B}">
-              <ma14:wrappingTextBoxFlag xmlns="" xmlns:ma14="http://schemas.microsoft.com/office/mac/drawingml/2011/main" val="1"/>
+              <ma14:wrappingTextBoxFlag xmlns:ma14="http://schemas.microsoft.com/office/mac/drawingml/2011/main" xmlns="" val="1"/>
             </a:ext>
           </a:extLst>
         </p:spPr>
@@ -24611,7 +25902,7 @@
           </a:ln>
           <a:extLst>
             <a:ext uri="{C572A759-6A51-4108-AA02-DFA0A04FC94B}">
-              <ma14:wrappingTextBoxFlag xmlns="" xmlns:ma14="http://schemas.microsoft.com/office/mac/drawingml/2011/main" val="1"/>
+              <ma14:wrappingTextBoxFlag xmlns:ma14="http://schemas.microsoft.com/office/mac/drawingml/2011/main" xmlns="" val="1"/>
             </a:ext>
           </a:extLst>
         </p:spPr>
@@ -24688,7 +25979,7 @@
           </a:ln>
           <a:extLst>
             <a:ext uri="{C572A759-6A51-4108-AA02-DFA0A04FC94B}">
-              <ma14:wrappingTextBoxFlag xmlns="" xmlns:ma14="http://schemas.microsoft.com/office/mac/drawingml/2011/main" val="1"/>
+              <ma14:wrappingTextBoxFlag xmlns:ma14="http://schemas.microsoft.com/office/mac/drawingml/2011/main" xmlns="" val="1"/>
             </a:ext>
           </a:extLst>
         </p:spPr>
@@ -24791,7 +26082,7 @@
           </a:ln>
           <a:extLst>
             <a:ext uri="{C572A759-6A51-4108-AA02-DFA0A04FC94B}">
-              <ma14:wrappingTextBoxFlag xmlns="" xmlns:ma14="http://schemas.microsoft.com/office/mac/drawingml/2011/main" val="1"/>
+              <ma14:wrappingTextBoxFlag xmlns:ma14="http://schemas.microsoft.com/office/mac/drawingml/2011/main" xmlns="" val="1"/>
             </a:ext>
           </a:extLst>
         </p:spPr>
@@ -24835,7 +26126,7 @@
           </a:ln>
           <a:extLst>
             <a:ext uri="{C572A759-6A51-4108-AA02-DFA0A04FC94B}">
-              <ma14:wrappingTextBoxFlag xmlns="" xmlns:ma14="http://schemas.microsoft.com/office/mac/drawingml/2011/main" val="1"/>
+              <ma14:wrappingTextBoxFlag xmlns:ma14="http://schemas.microsoft.com/office/mac/drawingml/2011/main" xmlns="" val="1"/>
             </a:ext>
           </a:extLst>
         </p:spPr>
@@ -24880,7 +26171,7 @@
           </a:ln>
           <a:extLst>
             <a:ext uri="{C572A759-6A51-4108-AA02-DFA0A04FC94B}">
-              <ma14:wrappingTextBoxFlag xmlns="" xmlns:ma14="http://schemas.microsoft.com/office/mac/drawingml/2011/main" val="1"/>
+              <ma14:wrappingTextBoxFlag xmlns:ma14="http://schemas.microsoft.com/office/mac/drawingml/2011/main" xmlns="" val="1"/>
             </a:ext>
           </a:extLst>
         </p:spPr>
@@ -24960,7 +26251,7 @@
           </a:ln>
           <a:extLst>
             <a:ext uri="{C572A759-6A51-4108-AA02-DFA0A04FC94B}">
-              <ma14:wrappingTextBoxFlag xmlns="" xmlns:ma14="http://schemas.microsoft.com/office/mac/drawingml/2011/main" val="1"/>
+              <ma14:wrappingTextBoxFlag xmlns:ma14="http://schemas.microsoft.com/office/mac/drawingml/2011/main" xmlns="" val="1"/>
             </a:ext>
           </a:extLst>
         </p:spPr>
@@ -25048,7 +26339,7 @@
           </a:ln>
           <a:extLst>
             <a:ext uri="{C572A759-6A51-4108-AA02-DFA0A04FC94B}">
-              <ma14:wrappingTextBoxFlag xmlns="" xmlns:ma14="http://schemas.microsoft.com/office/mac/drawingml/2011/main" val="1"/>
+              <ma14:wrappingTextBoxFlag xmlns:ma14="http://schemas.microsoft.com/office/mac/drawingml/2011/main" xmlns="" val="1"/>
             </a:ext>
           </a:extLst>
         </p:spPr>
@@ -25093,7 +26384,7 @@
           </a:ln>
           <a:extLst>
             <a:ext uri="{C572A759-6A51-4108-AA02-DFA0A04FC94B}">
-              <ma14:wrappingTextBoxFlag xmlns="" xmlns:ma14="http://schemas.microsoft.com/office/mac/drawingml/2011/main" val="1"/>
+              <ma14:wrappingTextBoxFlag xmlns:ma14="http://schemas.microsoft.com/office/mac/drawingml/2011/main" xmlns="" val="1"/>
             </a:ext>
           </a:extLst>
         </p:spPr>
@@ -25138,7 +26429,7 @@
           </a:ln>
           <a:extLst>
             <a:ext uri="{C572A759-6A51-4108-AA02-DFA0A04FC94B}">
-              <ma14:wrappingTextBoxFlag xmlns="" xmlns:ma14="http://schemas.microsoft.com/office/mac/drawingml/2011/main" val="1"/>
+              <ma14:wrappingTextBoxFlag xmlns:ma14="http://schemas.microsoft.com/office/mac/drawingml/2011/main" xmlns="" val="1"/>
             </a:ext>
           </a:extLst>
         </p:spPr>
@@ -25332,7 +26623,7 @@
           </a:ln>
           <a:extLst>
             <a:ext uri="{C572A759-6A51-4108-AA02-DFA0A04FC94B}">
-              <ma14:wrappingTextBoxFlag xmlns="" xmlns:ma14="http://schemas.microsoft.com/office/mac/drawingml/2011/main" val="1"/>
+              <ma14:wrappingTextBoxFlag xmlns:ma14="http://schemas.microsoft.com/office/mac/drawingml/2011/main" xmlns="" val="1"/>
             </a:ext>
           </a:extLst>
         </p:spPr>
@@ -25455,7 +26746,7 @@
           </a:ln>
           <a:extLst>
             <a:ext uri="{C572A759-6A51-4108-AA02-DFA0A04FC94B}">
-              <ma14:wrappingTextBoxFlag xmlns="" xmlns:ma14="http://schemas.microsoft.com/office/mac/drawingml/2011/main" val="1"/>
+              <ma14:wrappingTextBoxFlag xmlns:ma14="http://schemas.microsoft.com/office/mac/drawingml/2011/main" xmlns="" val="1"/>
             </a:ext>
           </a:extLst>
         </p:spPr>
@@ -25494,7 +26785,7 @@
           </a:ln>
           <a:extLst>
             <a:ext uri="{C572A759-6A51-4108-AA02-DFA0A04FC94B}">
-              <ma14:wrappingTextBoxFlag xmlns="" xmlns:ma14="http://schemas.microsoft.com/office/mac/drawingml/2011/main" val="1"/>
+              <ma14:wrappingTextBoxFlag xmlns:ma14="http://schemas.microsoft.com/office/mac/drawingml/2011/main" xmlns="" val="1"/>
             </a:ext>
           </a:extLst>
         </p:spPr>
@@ -25571,7 +26862,7 @@
           </a:ln>
           <a:extLst>
             <a:ext uri="{C572A759-6A51-4108-AA02-DFA0A04FC94B}">
-              <ma14:wrappingTextBoxFlag xmlns="" xmlns:ma14="http://schemas.microsoft.com/office/mac/drawingml/2011/main" val="1"/>
+              <ma14:wrappingTextBoxFlag xmlns:ma14="http://schemas.microsoft.com/office/mac/drawingml/2011/main" xmlns="" val="1"/>
             </a:ext>
           </a:extLst>
         </p:spPr>
@@ -25674,7 +26965,7 @@
           </a:ln>
           <a:extLst>
             <a:ext uri="{C572A759-6A51-4108-AA02-DFA0A04FC94B}">
-              <ma14:wrappingTextBoxFlag xmlns="" xmlns:ma14="http://schemas.microsoft.com/office/mac/drawingml/2011/main" val="1"/>
+              <ma14:wrappingTextBoxFlag xmlns:ma14="http://schemas.microsoft.com/office/mac/drawingml/2011/main" xmlns="" val="1"/>
             </a:ext>
           </a:extLst>
         </p:spPr>
@@ -25718,7 +27009,7 @@
           </a:ln>
           <a:extLst>
             <a:ext uri="{C572A759-6A51-4108-AA02-DFA0A04FC94B}">
-              <ma14:wrappingTextBoxFlag xmlns="" xmlns:ma14="http://schemas.microsoft.com/office/mac/drawingml/2011/main" val="1"/>
+              <ma14:wrappingTextBoxFlag xmlns:ma14="http://schemas.microsoft.com/office/mac/drawingml/2011/main" xmlns="" val="1"/>
             </a:ext>
           </a:extLst>
         </p:spPr>
@@ -25763,7 +27054,7 @@
           </a:ln>
           <a:extLst>
             <a:ext uri="{C572A759-6A51-4108-AA02-DFA0A04FC94B}">
-              <ma14:wrappingTextBoxFlag xmlns="" xmlns:ma14="http://schemas.microsoft.com/office/mac/drawingml/2011/main" val="1"/>
+              <ma14:wrappingTextBoxFlag xmlns:ma14="http://schemas.microsoft.com/office/mac/drawingml/2011/main" xmlns="" val="1"/>
             </a:ext>
           </a:extLst>
         </p:spPr>
@@ -25843,7 +27134,7 @@
           </a:ln>
           <a:extLst>
             <a:ext uri="{C572A759-6A51-4108-AA02-DFA0A04FC94B}">
-              <ma14:wrappingTextBoxFlag xmlns="" xmlns:ma14="http://schemas.microsoft.com/office/mac/drawingml/2011/main" val="1"/>
+              <ma14:wrappingTextBoxFlag xmlns:ma14="http://schemas.microsoft.com/office/mac/drawingml/2011/main" xmlns="" val="1"/>
             </a:ext>
           </a:extLst>
         </p:spPr>
@@ -25931,7 +27222,7 @@
           </a:ln>
           <a:extLst>
             <a:ext uri="{C572A759-6A51-4108-AA02-DFA0A04FC94B}">
-              <ma14:wrappingTextBoxFlag xmlns="" xmlns:ma14="http://schemas.microsoft.com/office/mac/drawingml/2011/main" val="1"/>
+              <ma14:wrappingTextBoxFlag xmlns:ma14="http://schemas.microsoft.com/office/mac/drawingml/2011/main" xmlns="" val="1"/>
             </a:ext>
           </a:extLst>
         </p:spPr>
@@ -25976,7 +27267,7 @@
           </a:ln>
           <a:extLst>
             <a:ext uri="{C572A759-6A51-4108-AA02-DFA0A04FC94B}">
-              <ma14:wrappingTextBoxFlag xmlns="" xmlns:ma14="http://schemas.microsoft.com/office/mac/drawingml/2011/main" val="1"/>
+              <ma14:wrappingTextBoxFlag xmlns:ma14="http://schemas.microsoft.com/office/mac/drawingml/2011/main" xmlns="" val="1"/>
             </a:ext>
           </a:extLst>
         </p:spPr>
@@ -26021,7 +27312,7 @@
           </a:ln>
           <a:extLst>
             <a:ext uri="{C572A759-6A51-4108-AA02-DFA0A04FC94B}">
-              <ma14:wrappingTextBoxFlag xmlns="" xmlns:ma14="http://schemas.microsoft.com/office/mac/drawingml/2011/main" val="1"/>
+              <ma14:wrappingTextBoxFlag xmlns:ma14="http://schemas.microsoft.com/office/mac/drawingml/2011/main" xmlns="" val="1"/>
             </a:ext>
           </a:extLst>
         </p:spPr>
@@ -26177,7 +27468,7 @@
           </a:ln>
           <a:extLst>
             <a:ext uri="{C572A759-6A51-4108-AA02-DFA0A04FC94B}">
-              <ma14:wrappingTextBoxFlag xmlns="" xmlns:ma14="http://schemas.microsoft.com/office/mac/drawingml/2011/main" val="1"/>
+              <ma14:wrappingTextBoxFlag xmlns:ma14="http://schemas.microsoft.com/office/mac/drawingml/2011/main" xmlns="" val="1"/>
             </a:ext>
           </a:extLst>
         </p:spPr>
@@ -26300,7 +27591,7 @@
           </a:ln>
           <a:extLst>
             <a:ext uri="{C572A759-6A51-4108-AA02-DFA0A04FC94B}">
-              <ma14:wrappingTextBoxFlag xmlns="" xmlns:ma14="http://schemas.microsoft.com/office/mac/drawingml/2011/main" val="1"/>
+              <ma14:wrappingTextBoxFlag xmlns:ma14="http://schemas.microsoft.com/office/mac/drawingml/2011/main" xmlns="" val="1"/>
             </a:ext>
           </a:extLst>
         </p:spPr>
@@ -26339,7 +27630,7 @@
           </a:ln>
           <a:extLst>
             <a:ext uri="{C572A759-6A51-4108-AA02-DFA0A04FC94B}">
-              <ma14:wrappingTextBoxFlag xmlns="" xmlns:ma14="http://schemas.microsoft.com/office/mac/drawingml/2011/main" val="1"/>
+              <ma14:wrappingTextBoxFlag xmlns:ma14="http://schemas.microsoft.com/office/mac/drawingml/2011/main" xmlns="" val="1"/>
             </a:ext>
           </a:extLst>
         </p:spPr>
@@ -26416,7 +27707,7 @@
           </a:ln>
           <a:extLst>
             <a:ext uri="{C572A759-6A51-4108-AA02-DFA0A04FC94B}">
-              <ma14:wrappingTextBoxFlag xmlns="" xmlns:ma14="http://schemas.microsoft.com/office/mac/drawingml/2011/main" val="1"/>
+              <ma14:wrappingTextBoxFlag xmlns:ma14="http://schemas.microsoft.com/office/mac/drawingml/2011/main" xmlns="" val="1"/>
             </a:ext>
           </a:extLst>
         </p:spPr>
@@ -26615,7 +27906,7 @@
           </a:ln>
           <a:extLst>
             <a:ext uri="{C572A759-6A51-4108-AA02-DFA0A04FC94B}">
-              <ma14:wrappingTextBoxFlag xmlns="" xmlns:ma14="http://schemas.microsoft.com/office/mac/drawingml/2011/main" val="1"/>
+              <ma14:wrappingTextBoxFlag xmlns:ma14="http://schemas.microsoft.com/office/mac/drawingml/2011/main" xmlns="" val="1"/>
             </a:ext>
           </a:extLst>
         </p:spPr>
@@ -26659,7 +27950,7 @@
           </a:ln>
           <a:extLst>
             <a:ext uri="{C572A759-6A51-4108-AA02-DFA0A04FC94B}">
-              <ma14:wrappingTextBoxFlag xmlns="" xmlns:ma14="http://schemas.microsoft.com/office/mac/drawingml/2011/main" val="1"/>
+              <ma14:wrappingTextBoxFlag xmlns:ma14="http://schemas.microsoft.com/office/mac/drawingml/2011/main" xmlns="" val="1"/>
             </a:ext>
           </a:extLst>
         </p:spPr>
@@ -26704,7 +27995,7 @@
           </a:ln>
           <a:extLst>
             <a:ext uri="{C572A759-6A51-4108-AA02-DFA0A04FC94B}">
-              <ma14:wrappingTextBoxFlag xmlns="" xmlns:ma14="http://schemas.microsoft.com/office/mac/drawingml/2011/main" val="1"/>
+              <ma14:wrappingTextBoxFlag xmlns:ma14="http://schemas.microsoft.com/office/mac/drawingml/2011/main" xmlns="" val="1"/>
             </a:ext>
           </a:extLst>
         </p:spPr>
@@ -26784,7 +28075,7 @@
           </a:ln>
           <a:extLst>
             <a:ext uri="{C572A759-6A51-4108-AA02-DFA0A04FC94B}">
-              <ma14:wrappingTextBoxFlag xmlns="" xmlns:ma14="http://schemas.microsoft.com/office/mac/drawingml/2011/main" val="1"/>
+              <ma14:wrappingTextBoxFlag xmlns:ma14="http://schemas.microsoft.com/office/mac/drawingml/2011/main" xmlns="" val="1"/>
             </a:ext>
           </a:extLst>
         </p:spPr>
@@ -26872,7 +28163,7 @@
           </a:ln>
           <a:extLst>
             <a:ext uri="{C572A759-6A51-4108-AA02-DFA0A04FC94B}">
-              <ma14:wrappingTextBoxFlag xmlns="" xmlns:ma14="http://schemas.microsoft.com/office/mac/drawingml/2011/main" val="1"/>
+              <ma14:wrappingTextBoxFlag xmlns:ma14="http://schemas.microsoft.com/office/mac/drawingml/2011/main" xmlns="" val="1"/>
             </a:ext>
           </a:extLst>
         </p:spPr>
@@ -26917,7 +28208,7 @@
           </a:ln>
           <a:extLst>
             <a:ext uri="{C572A759-6A51-4108-AA02-DFA0A04FC94B}">
-              <ma14:wrappingTextBoxFlag xmlns="" xmlns:ma14="http://schemas.microsoft.com/office/mac/drawingml/2011/main" val="1"/>
+              <ma14:wrappingTextBoxFlag xmlns:ma14="http://schemas.microsoft.com/office/mac/drawingml/2011/main" xmlns="" val="1"/>
             </a:ext>
           </a:extLst>
         </p:spPr>
@@ -27035,7 +28326,7 @@
           </a:ln>
           <a:extLst>
             <a:ext uri="{C572A759-6A51-4108-AA02-DFA0A04FC94B}">
-              <ma14:wrappingTextBoxFlag xmlns="" xmlns:ma14="http://schemas.microsoft.com/office/mac/drawingml/2011/main" val="1"/>
+              <ma14:wrappingTextBoxFlag xmlns:ma14="http://schemas.microsoft.com/office/mac/drawingml/2011/main" xmlns="" val="1"/>
             </a:ext>
           </a:extLst>
         </p:spPr>
@@ -27158,7 +28449,7 @@
           </a:ln>
           <a:extLst>
             <a:ext uri="{C572A759-6A51-4108-AA02-DFA0A04FC94B}">
-              <ma14:wrappingTextBoxFlag xmlns="" xmlns:ma14="http://schemas.microsoft.com/office/mac/drawingml/2011/main" val="1"/>
+              <ma14:wrappingTextBoxFlag xmlns:ma14="http://schemas.microsoft.com/office/mac/drawingml/2011/main" xmlns="" val="1"/>
             </a:ext>
           </a:extLst>
         </p:spPr>
@@ -27197,7 +28488,7 @@
           </a:ln>
           <a:extLst>
             <a:ext uri="{C572A759-6A51-4108-AA02-DFA0A04FC94B}">
-              <ma14:wrappingTextBoxFlag xmlns="" xmlns:ma14="http://schemas.microsoft.com/office/mac/drawingml/2011/main" val="1"/>
+              <ma14:wrappingTextBoxFlag xmlns:ma14="http://schemas.microsoft.com/office/mac/drawingml/2011/main" xmlns="" val="1"/>
             </a:ext>
           </a:extLst>
         </p:spPr>
@@ -27396,7 +28687,7 @@
           </a:ln>
           <a:extLst>
             <a:ext uri="{C572A759-6A51-4108-AA02-DFA0A04FC94B}">
-              <ma14:wrappingTextBoxFlag xmlns="" xmlns:ma14="http://schemas.microsoft.com/office/mac/drawingml/2011/main" val="1"/>
+              <ma14:wrappingTextBoxFlag xmlns:ma14="http://schemas.microsoft.com/office/mac/drawingml/2011/main" xmlns="" val="1"/>
             </a:ext>
           </a:extLst>
         </p:spPr>
@@ -27440,7 +28731,7 @@
           </a:ln>
           <a:extLst>
             <a:ext uri="{C572A759-6A51-4108-AA02-DFA0A04FC94B}">
-              <ma14:wrappingTextBoxFlag xmlns="" xmlns:ma14="http://schemas.microsoft.com/office/mac/drawingml/2011/main" val="1"/>
+              <ma14:wrappingTextBoxFlag xmlns:ma14="http://schemas.microsoft.com/office/mac/drawingml/2011/main" xmlns="" val="1"/>
             </a:ext>
           </a:extLst>
         </p:spPr>
@@ -27485,7 +28776,7 @@
           </a:ln>
           <a:extLst>
             <a:ext uri="{C572A759-6A51-4108-AA02-DFA0A04FC94B}">
-              <ma14:wrappingTextBoxFlag xmlns="" xmlns:ma14="http://schemas.microsoft.com/office/mac/drawingml/2011/main" val="1"/>
+              <ma14:wrappingTextBoxFlag xmlns:ma14="http://schemas.microsoft.com/office/mac/drawingml/2011/main" xmlns="" val="1"/>
             </a:ext>
           </a:extLst>
         </p:spPr>
@@ -27565,7 +28856,7 @@
           </a:ln>
           <a:extLst>
             <a:ext uri="{C572A759-6A51-4108-AA02-DFA0A04FC94B}">
-              <ma14:wrappingTextBoxFlag xmlns="" xmlns:ma14="http://schemas.microsoft.com/office/mac/drawingml/2011/main" val="1"/>
+              <ma14:wrappingTextBoxFlag xmlns:ma14="http://schemas.microsoft.com/office/mac/drawingml/2011/main" xmlns="" val="1"/>
             </a:ext>
           </a:extLst>
         </p:spPr>
@@ -27653,7 +28944,7 @@
           </a:ln>
           <a:extLst>
             <a:ext uri="{C572A759-6A51-4108-AA02-DFA0A04FC94B}">
-              <ma14:wrappingTextBoxFlag xmlns="" xmlns:ma14="http://schemas.microsoft.com/office/mac/drawingml/2011/main" val="1"/>
+              <ma14:wrappingTextBoxFlag xmlns:ma14="http://schemas.microsoft.com/office/mac/drawingml/2011/main" xmlns="" val="1"/>
             </a:ext>
           </a:extLst>
         </p:spPr>
@@ -27698,7 +28989,7 @@
           </a:ln>
           <a:extLst>
             <a:ext uri="{C572A759-6A51-4108-AA02-DFA0A04FC94B}">
-              <ma14:wrappingTextBoxFlag xmlns="" xmlns:ma14="http://schemas.microsoft.com/office/mac/drawingml/2011/main" val="1"/>
+              <ma14:wrappingTextBoxFlag xmlns:ma14="http://schemas.microsoft.com/office/mac/drawingml/2011/main" xmlns="" val="1"/>
             </a:ext>
           </a:extLst>
         </p:spPr>
@@ -27816,7 +29107,7 @@
           </a:ln>
           <a:extLst>
             <a:ext uri="{C572A759-6A51-4108-AA02-DFA0A04FC94B}">
-              <ma14:wrappingTextBoxFlag xmlns="" xmlns:ma14="http://schemas.microsoft.com/office/mac/drawingml/2011/main" val="1"/>
+              <ma14:wrappingTextBoxFlag xmlns:ma14="http://schemas.microsoft.com/office/mac/drawingml/2011/main" xmlns="" val="1"/>
             </a:ext>
           </a:extLst>
         </p:spPr>
@@ -27901,7 +29192,7 @@
           </a:ln>
           <a:extLst>
             <a:ext uri="{C572A759-6A51-4108-AA02-DFA0A04FC94B}">
-              <ma14:wrappingTextBoxFlag xmlns="" xmlns:ma14="http://schemas.microsoft.com/office/mac/drawingml/2011/main" val="1"/>
+              <ma14:wrappingTextBoxFlag xmlns:ma14="http://schemas.microsoft.com/office/mac/drawingml/2011/main" xmlns="" val="1"/>
             </a:ext>
           </a:extLst>
         </p:spPr>
@@ -28016,7 +29307,7 @@
           </a:ln>
           <a:extLst>
             <a:ext uri="{C572A759-6A51-4108-AA02-DFA0A04FC94B}">
-              <ma14:wrappingTextBoxFlag xmlns="" xmlns:ma14="http://schemas.microsoft.com/office/mac/drawingml/2011/main" val="1"/>
+              <ma14:wrappingTextBoxFlag xmlns:ma14="http://schemas.microsoft.com/office/mac/drawingml/2011/main" xmlns="" val="1"/>
             </a:ext>
           </a:extLst>
         </p:spPr>
@@ -28119,7 +29410,7 @@
           </a:ln>
           <a:extLst>
             <a:ext uri="{C572A759-6A51-4108-AA02-DFA0A04FC94B}">
-              <ma14:wrappingTextBoxFlag xmlns="" xmlns:ma14="http://schemas.microsoft.com/office/mac/drawingml/2011/main" val="1"/>
+              <ma14:wrappingTextBoxFlag xmlns:ma14="http://schemas.microsoft.com/office/mac/drawingml/2011/main" xmlns="" val="1"/>
             </a:ext>
           </a:extLst>
         </p:spPr>
@@ -28156,14 +29447,14 @@
             <a:avLst/>
           </a:prstGeom>
           <a:blipFill>
-            <a:blip r:embed="rId2"/>
+            <a:blip r:embed="rId3"/>
           </a:blipFill>
           <a:ln w="12700">
             <a:miter lim="400000"/>
           </a:ln>
           <a:extLst>
             <a:ext uri="{C572A759-6A51-4108-AA02-DFA0A04FC94B}">
-              <ma14:wrappingTextBoxFlag xmlns="" xmlns:ma14="http://schemas.microsoft.com/office/mac/drawingml/2011/main" val="1"/>
+              <ma14:wrappingTextBoxFlag xmlns:ma14="http://schemas.microsoft.com/office/mac/drawingml/2011/main" xmlns="" val="1"/>
             </a:ext>
           </a:extLst>
         </p:spPr>
@@ -28201,14 +29492,14 @@
             <a:avLst/>
           </a:prstGeom>
           <a:blipFill>
-            <a:blip r:embed="rId2"/>
+            <a:blip r:embed="rId3"/>
           </a:blipFill>
           <a:ln w="12700">
             <a:miter lim="400000"/>
           </a:ln>
           <a:extLst>
             <a:ext uri="{C572A759-6A51-4108-AA02-DFA0A04FC94B}">
-              <ma14:wrappingTextBoxFlag xmlns="" xmlns:ma14="http://schemas.microsoft.com/office/mac/drawingml/2011/main" val="1"/>
+              <ma14:wrappingTextBoxFlag xmlns:ma14="http://schemas.microsoft.com/office/mac/drawingml/2011/main" xmlns="" val="1"/>
             </a:ext>
           </a:extLst>
         </p:spPr>
@@ -28288,7 +29579,7 @@
           </a:ln>
           <a:extLst>
             <a:ext uri="{C572A759-6A51-4108-AA02-DFA0A04FC94B}">
-              <ma14:wrappingTextBoxFlag xmlns="" xmlns:ma14="http://schemas.microsoft.com/office/mac/drawingml/2011/main" val="1"/>
+              <ma14:wrappingTextBoxFlag xmlns:ma14="http://schemas.microsoft.com/office/mac/drawingml/2011/main" xmlns="" val="1"/>
             </a:ext>
           </a:extLst>
         </p:spPr>
@@ -28369,14 +29660,14 @@
             <a:avLst/>
           </a:prstGeom>
           <a:blipFill>
-            <a:blip r:embed="rId2"/>
+            <a:blip r:embed="rId3"/>
           </a:blipFill>
           <a:ln w="12700">
             <a:miter lim="400000"/>
           </a:ln>
           <a:extLst>
             <a:ext uri="{C572A759-6A51-4108-AA02-DFA0A04FC94B}">
-              <ma14:wrappingTextBoxFlag xmlns="" xmlns:ma14="http://schemas.microsoft.com/office/mac/drawingml/2011/main" val="1"/>
+              <ma14:wrappingTextBoxFlag xmlns:ma14="http://schemas.microsoft.com/office/mac/drawingml/2011/main" xmlns="" val="1"/>
             </a:ext>
           </a:extLst>
         </p:spPr>
@@ -28414,14 +29705,14 @@
             <a:avLst/>
           </a:prstGeom>
           <a:blipFill>
-            <a:blip r:embed="rId2"/>
+            <a:blip r:embed="rId3"/>
           </a:blipFill>
           <a:ln w="12700">
             <a:miter lim="400000"/>
           </a:ln>
           <a:extLst>
             <a:ext uri="{C572A759-6A51-4108-AA02-DFA0A04FC94B}">
-              <ma14:wrappingTextBoxFlag xmlns="" xmlns:ma14="http://schemas.microsoft.com/office/mac/drawingml/2011/main" val="1"/>
+              <ma14:wrappingTextBoxFlag xmlns:ma14="http://schemas.microsoft.com/office/mac/drawingml/2011/main" xmlns="" val="1"/>
             </a:ext>
           </a:extLst>
         </p:spPr>
@@ -28539,7 +29830,7 @@
           </a:ln>
           <a:extLst>
             <a:ext uri="{C572A759-6A51-4108-AA02-DFA0A04FC94B}">
-              <ma14:wrappingTextBoxFlag xmlns="" xmlns:ma14="http://schemas.microsoft.com/office/mac/drawingml/2011/main" val="1"/>
+              <ma14:wrappingTextBoxFlag xmlns:ma14="http://schemas.microsoft.com/office/mac/drawingml/2011/main" xmlns="" val="1"/>
             </a:ext>
           </a:extLst>
         </p:spPr>
@@ -28688,7 +29979,7 @@
           </a:ln>
           <a:extLst>
             <a:ext uri="{C572A759-6A51-4108-AA02-DFA0A04FC94B}">
-              <ma14:wrappingTextBoxFlag xmlns="" xmlns:ma14="http://schemas.microsoft.com/office/mac/drawingml/2011/main" val="1"/>
+              <ma14:wrappingTextBoxFlag xmlns:ma14="http://schemas.microsoft.com/office/mac/drawingml/2011/main" xmlns="" val="1"/>
             </a:ext>
           </a:extLst>
         </p:spPr>
@@ -28732,7 +30023,7 @@
           </a:ln>
           <a:extLst>
             <a:ext uri="{C572A759-6A51-4108-AA02-DFA0A04FC94B}">
-              <ma14:wrappingTextBoxFlag xmlns="" xmlns:ma14="http://schemas.microsoft.com/office/mac/drawingml/2011/main" val="1"/>
+              <ma14:wrappingTextBoxFlag xmlns:ma14="http://schemas.microsoft.com/office/mac/drawingml/2011/main" xmlns="" val="1"/>
             </a:ext>
           </a:extLst>
         </p:spPr>
@@ -28777,7 +30068,7 @@
           </a:ln>
           <a:extLst>
             <a:ext uri="{C572A759-6A51-4108-AA02-DFA0A04FC94B}">
-              <ma14:wrappingTextBoxFlag xmlns="" xmlns:ma14="http://schemas.microsoft.com/office/mac/drawingml/2011/main" val="1"/>
+              <ma14:wrappingTextBoxFlag xmlns:ma14="http://schemas.microsoft.com/office/mac/drawingml/2011/main" xmlns="" val="1"/>
             </a:ext>
           </a:extLst>
         </p:spPr>
@@ -28857,7 +30148,7 @@
           </a:ln>
           <a:extLst>
             <a:ext uri="{C572A759-6A51-4108-AA02-DFA0A04FC94B}">
-              <ma14:wrappingTextBoxFlag xmlns="" xmlns:ma14="http://schemas.microsoft.com/office/mac/drawingml/2011/main" val="1"/>
+              <ma14:wrappingTextBoxFlag xmlns:ma14="http://schemas.microsoft.com/office/mac/drawingml/2011/main" xmlns="" val="1"/>
             </a:ext>
           </a:extLst>
         </p:spPr>
@@ -28945,7 +30236,7 @@
           </a:ln>
           <a:extLst>
             <a:ext uri="{C572A759-6A51-4108-AA02-DFA0A04FC94B}">
-              <ma14:wrappingTextBoxFlag xmlns="" xmlns:ma14="http://schemas.microsoft.com/office/mac/drawingml/2011/main" val="1"/>
+              <ma14:wrappingTextBoxFlag xmlns:ma14="http://schemas.microsoft.com/office/mac/drawingml/2011/main" xmlns="" val="1"/>
             </a:ext>
           </a:extLst>
         </p:spPr>
@@ -28990,7 +30281,7 @@
           </a:ln>
           <a:extLst>
             <a:ext uri="{C572A759-6A51-4108-AA02-DFA0A04FC94B}">
-              <ma14:wrappingTextBoxFlag xmlns="" xmlns:ma14="http://schemas.microsoft.com/office/mac/drawingml/2011/main" val="1"/>
+              <ma14:wrappingTextBoxFlag xmlns:ma14="http://schemas.microsoft.com/office/mac/drawingml/2011/main" xmlns="" val="1"/>
             </a:ext>
           </a:extLst>
         </p:spPr>
@@ -29035,7 +30326,7 @@
           </a:ln>
           <a:extLst>
             <a:ext uri="{C572A759-6A51-4108-AA02-DFA0A04FC94B}">
-              <ma14:wrappingTextBoxFlag xmlns="" xmlns:ma14="http://schemas.microsoft.com/office/mac/drawingml/2011/main" val="1"/>
+              <ma14:wrappingTextBoxFlag xmlns:ma14="http://schemas.microsoft.com/office/mac/drawingml/2011/main" xmlns="" val="1"/>
             </a:ext>
           </a:extLst>
         </p:spPr>
@@ -29115,7 +30406,7 @@
           </a:ln>
           <a:extLst>
             <a:ext uri="{C572A759-6A51-4108-AA02-DFA0A04FC94B}">
-              <ma14:wrappingTextBoxFlag xmlns="" xmlns:ma14="http://schemas.microsoft.com/office/mac/drawingml/2011/main" val="1"/>
+              <ma14:wrappingTextBoxFlag xmlns:ma14="http://schemas.microsoft.com/office/mac/drawingml/2011/main" xmlns="" val="1"/>
             </a:ext>
           </a:extLst>
         </p:spPr>
@@ -29492,7 +30783,7 @@
           </a:ln>
           <a:extLst>
             <a:ext uri="{C572A759-6A51-4108-AA02-DFA0A04FC94B}">
-              <ma14:wrappingTextBoxFlag xmlns="" xmlns:ma14="http://schemas.microsoft.com/office/mac/drawingml/2011/main" val="1"/>
+              <ma14:wrappingTextBoxFlag xmlns:ma14="http://schemas.microsoft.com/office/mac/drawingml/2011/main" xmlns="" val="1"/>
             </a:ext>
           </a:extLst>
         </p:spPr>
@@ -29536,7 +30827,7 @@
           </a:ln>
           <a:extLst>
             <a:ext uri="{C572A759-6A51-4108-AA02-DFA0A04FC94B}">
-              <ma14:wrappingTextBoxFlag xmlns="" xmlns:ma14="http://schemas.microsoft.com/office/mac/drawingml/2011/main" val="1"/>
+              <ma14:wrappingTextBoxFlag xmlns:ma14="http://schemas.microsoft.com/office/mac/drawingml/2011/main" xmlns="" val="1"/>
             </a:ext>
           </a:extLst>
         </p:spPr>
@@ -29581,7 +30872,7 @@
           </a:ln>
           <a:extLst>
             <a:ext uri="{C572A759-6A51-4108-AA02-DFA0A04FC94B}">
-              <ma14:wrappingTextBoxFlag xmlns="" xmlns:ma14="http://schemas.microsoft.com/office/mac/drawingml/2011/main" val="1"/>
+              <ma14:wrappingTextBoxFlag xmlns:ma14="http://schemas.microsoft.com/office/mac/drawingml/2011/main" xmlns="" val="1"/>
             </a:ext>
           </a:extLst>
         </p:spPr>
@@ -29661,7 +30952,7 @@
           </a:ln>
           <a:extLst>
             <a:ext uri="{C572A759-6A51-4108-AA02-DFA0A04FC94B}">
-              <ma14:wrappingTextBoxFlag xmlns="" xmlns:ma14="http://schemas.microsoft.com/office/mac/drawingml/2011/main" val="1"/>
+              <ma14:wrappingTextBoxFlag xmlns:ma14="http://schemas.microsoft.com/office/mac/drawingml/2011/main" xmlns="" val="1"/>
             </a:ext>
           </a:extLst>
         </p:spPr>
@@ -29749,7 +31040,7 @@
           </a:ln>
           <a:extLst>
             <a:ext uri="{C572A759-6A51-4108-AA02-DFA0A04FC94B}">
-              <ma14:wrappingTextBoxFlag xmlns="" xmlns:ma14="http://schemas.microsoft.com/office/mac/drawingml/2011/main" val="1"/>
+              <ma14:wrappingTextBoxFlag xmlns:ma14="http://schemas.microsoft.com/office/mac/drawingml/2011/main" xmlns="" val="1"/>
             </a:ext>
           </a:extLst>
         </p:spPr>
@@ -29794,7 +31085,7 @@
           </a:ln>
           <a:extLst>
             <a:ext uri="{C572A759-6A51-4108-AA02-DFA0A04FC94B}">
-              <ma14:wrappingTextBoxFlag xmlns="" xmlns:ma14="http://schemas.microsoft.com/office/mac/drawingml/2011/main" val="1"/>
+              <ma14:wrappingTextBoxFlag xmlns:ma14="http://schemas.microsoft.com/office/mac/drawingml/2011/main" xmlns="" val="1"/>
             </a:ext>
           </a:extLst>
         </p:spPr>
@@ -29839,7 +31130,7 @@
           </a:ln>
           <a:extLst>
             <a:ext uri="{C572A759-6A51-4108-AA02-DFA0A04FC94B}">
-              <ma14:wrappingTextBoxFlag xmlns="" xmlns:ma14="http://schemas.microsoft.com/office/mac/drawingml/2011/main" val="1"/>
+              <ma14:wrappingTextBoxFlag xmlns:ma14="http://schemas.microsoft.com/office/mac/drawingml/2011/main" xmlns="" val="1"/>
             </a:ext>
           </a:extLst>
         </p:spPr>
@@ -29919,7 +31210,7 @@
           </a:ln>
           <a:extLst>
             <a:ext uri="{C572A759-6A51-4108-AA02-DFA0A04FC94B}">
-              <ma14:wrappingTextBoxFlag xmlns="" xmlns:ma14="http://schemas.microsoft.com/office/mac/drawingml/2011/main" val="1"/>
+              <ma14:wrappingTextBoxFlag xmlns:ma14="http://schemas.microsoft.com/office/mac/drawingml/2011/main" xmlns="" val="1"/>
             </a:ext>
           </a:extLst>
         </p:spPr>
@@ -30270,7 +31561,7 @@
           </a:ln>
           <a:extLst>
             <a:ext uri="{C572A759-6A51-4108-AA02-DFA0A04FC94B}">
-              <ma14:wrappingTextBoxFlag xmlns="" xmlns:ma14="http://schemas.microsoft.com/office/mac/drawingml/2011/main" val="1"/>
+              <ma14:wrappingTextBoxFlag xmlns:ma14="http://schemas.microsoft.com/office/mac/drawingml/2011/main" xmlns="" val="1"/>
             </a:ext>
           </a:extLst>
         </p:spPr>
@@ -30366,7 +31657,7 @@
           </a:ln>
           <a:extLst>
             <a:ext uri="{C572A759-6A51-4108-AA02-DFA0A04FC94B}">
-              <ma14:wrappingTextBoxFlag xmlns="" xmlns:ma14="http://schemas.microsoft.com/office/mac/drawingml/2011/main" val="1"/>
+              <ma14:wrappingTextBoxFlag xmlns:ma14="http://schemas.microsoft.com/office/mac/drawingml/2011/main" xmlns="" val="1"/>
             </a:ext>
           </a:extLst>
         </p:spPr>
@@ -30414,7 +31705,7 @@
           </a:ln>
           <a:extLst>
             <a:ext uri="{C572A759-6A51-4108-AA02-DFA0A04FC94B}">
-              <ma14:wrappingTextBoxFlag xmlns="" xmlns:ma14="http://schemas.microsoft.com/office/mac/drawingml/2011/main" val="1"/>
+              <ma14:wrappingTextBoxFlag xmlns:ma14="http://schemas.microsoft.com/office/mac/drawingml/2011/main" xmlns="" val="1"/>
             </a:ext>
           </a:extLst>
         </p:spPr>
@@ -30459,7 +31750,7 @@
           </a:ln>
           <a:extLst>
             <a:ext uri="{C572A759-6A51-4108-AA02-DFA0A04FC94B}">
-              <ma14:wrappingTextBoxFlag xmlns="" xmlns:ma14="http://schemas.microsoft.com/office/mac/drawingml/2011/main" val="1"/>
+              <ma14:wrappingTextBoxFlag xmlns:ma14="http://schemas.microsoft.com/office/mac/drawingml/2011/main" xmlns="" val="1"/>
             </a:ext>
           </a:extLst>
         </p:spPr>
@@ -30504,7 +31795,7 @@
           </a:ln>
           <a:extLst>
             <a:ext uri="{C572A759-6A51-4108-AA02-DFA0A04FC94B}">
-              <ma14:wrappingTextBoxFlag xmlns="" xmlns:ma14="http://schemas.microsoft.com/office/mac/drawingml/2011/main" val="1"/>
+              <ma14:wrappingTextBoxFlag xmlns:ma14="http://schemas.microsoft.com/office/mac/drawingml/2011/main" xmlns="" val="1"/>
             </a:ext>
           </a:extLst>
         </p:spPr>
@@ -30549,7 +31840,7 @@
           </a:ln>
           <a:extLst>
             <a:ext uri="{C572A759-6A51-4108-AA02-DFA0A04FC94B}">
-              <ma14:wrappingTextBoxFlag xmlns="" xmlns:ma14="http://schemas.microsoft.com/office/mac/drawingml/2011/main" val="1"/>
+              <ma14:wrappingTextBoxFlag xmlns:ma14="http://schemas.microsoft.com/office/mac/drawingml/2011/main" xmlns="" val="1"/>
             </a:ext>
           </a:extLst>
         </p:spPr>
@@ -30716,7 +32007,7 @@
           </a:ln>
           <a:extLst>
             <a:ext uri="{C572A759-6A51-4108-AA02-DFA0A04FC94B}">
-              <ma14:wrappingTextBoxFlag xmlns="" xmlns:ma14="http://schemas.microsoft.com/office/mac/drawingml/2011/main" val="1"/>
+              <ma14:wrappingTextBoxFlag xmlns:ma14="http://schemas.microsoft.com/office/mac/drawingml/2011/main" xmlns="" val="1"/>
             </a:ext>
           </a:extLst>
         </p:spPr>
@@ -30860,7 +32151,7 @@
           </a:ln>
           <a:extLst>
             <a:ext uri="{C572A759-6A51-4108-AA02-DFA0A04FC94B}">
-              <ma14:wrappingTextBoxFlag xmlns="" xmlns:ma14="http://schemas.microsoft.com/office/mac/drawingml/2011/main" val="1"/>
+              <ma14:wrappingTextBoxFlag xmlns:ma14="http://schemas.microsoft.com/office/mac/drawingml/2011/main" xmlns="" val="1"/>
             </a:ext>
           </a:extLst>
         </p:spPr>
@@ -30897,14 +32188,14 @@
             <a:avLst/>
           </a:prstGeom>
           <a:blipFill>
-            <a:blip r:embed="rId2"/>
+            <a:blip r:embed="rId3"/>
           </a:blipFill>
           <a:ln w="12700">
             <a:miter lim="400000"/>
           </a:ln>
           <a:extLst>
             <a:ext uri="{C572A759-6A51-4108-AA02-DFA0A04FC94B}">
-              <ma14:wrappingTextBoxFlag xmlns="" xmlns:ma14="http://schemas.microsoft.com/office/mac/drawingml/2011/main" val="1"/>
+              <ma14:wrappingTextBoxFlag xmlns:ma14="http://schemas.microsoft.com/office/mac/drawingml/2011/main" xmlns="" val="1"/>
             </a:ext>
           </a:extLst>
         </p:spPr>
@@ -30942,14 +32233,14 @@
             <a:avLst/>
           </a:prstGeom>
           <a:blipFill>
-            <a:blip r:embed="rId3"/>
+            <a:blip r:embed="rId4"/>
           </a:blipFill>
           <a:ln w="12700">
             <a:miter lim="400000"/>
           </a:ln>
           <a:extLst>
             <a:ext uri="{C572A759-6A51-4108-AA02-DFA0A04FC94B}">
-              <ma14:wrappingTextBoxFlag xmlns="" xmlns:ma14="http://schemas.microsoft.com/office/mac/drawingml/2011/main" val="1"/>
+              <ma14:wrappingTextBoxFlag xmlns:ma14="http://schemas.microsoft.com/office/mac/drawingml/2011/main" xmlns="" val="1"/>
             </a:ext>
           </a:extLst>
         </p:spPr>
@@ -31029,7 +32320,7 @@
           </a:ln>
           <a:extLst>
             <a:ext uri="{C572A759-6A51-4108-AA02-DFA0A04FC94B}">
-              <ma14:wrappingTextBoxFlag xmlns="" xmlns:ma14="http://schemas.microsoft.com/office/mac/drawingml/2011/main" val="1"/>
+              <ma14:wrappingTextBoxFlag xmlns:ma14="http://schemas.microsoft.com/office/mac/drawingml/2011/main" xmlns="" val="1"/>
             </a:ext>
           </a:extLst>
         </p:spPr>
@@ -31110,14 +32401,14 @@
             <a:avLst/>
           </a:prstGeom>
           <a:blipFill>
-            <a:blip r:embed="rId2"/>
+            <a:blip r:embed="rId3"/>
           </a:blipFill>
           <a:ln w="12700">
             <a:miter lim="400000"/>
           </a:ln>
           <a:extLst>
             <a:ext uri="{C572A759-6A51-4108-AA02-DFA0A04FC94B}">
-              <ma14:wrappingTextBoxFlag xmlns="" xmlns:ma14="http://schemas.microsoft.com/office/mac/drawingml/2011/main" val="1"/>
+              <ma14:wrappingTextBoxFlag xmlns:ma14="http://schemas.microsoft.com/office/mac/drawingml/2011/main" xmlns="" val="1"/>
             </a:ext>
           </a:extLst>
         </p:spPr>
@@ -31155,14 +32446,14 @@
             <a:avLst/>
           </a:prstGeom>
           <a:blipFill>
-            <a:blip r:embed="rId2"/>
+            <a:blip r:embed="rId3"/>
           </a:blipFill>
           <a:ln w="12700">
             <a:miter lim="400000"/>
           </a:ln>
           <a:extLst>
             <a:ext uri="{C572A759-6A51-4108-AA02-DFA0A04FC94B}">
-              <ma14:wrappingTextBoxFlag xmlns="" xmlns:ma14="http://schemas.microsoft.com/office/mac/drawingml/2011/main" val="1"/>
+              <ma14:wrappingTextBoxFlag xmlns:ma14="http://schemas.microsoft.com/office/mac/drawingml/2011/main" xmlns="" val="1"/>
             </a:ext>
           </a:extLst>
         </p:spPr>
@@ -31200,14 +32491,14 @@
             <a:avLst/>
           </a:prstGeom>
           <a:blipFill>
-            <a:blip r:embed="rId2"/>
+            <a:blip r:embed="rId3"/>
           </a:blipFill>
           <a:ln w="12700">
             <a:miter lim="400000"/>
           </a:ln>
           <a:extLst>
             <a:ext uri="{C572A759-6A51-4108-AA02-DFA0A04FC94B}">
-              <ma14:wrappingTextBoxFlag xmlns="" xmlns:ma14="http://schemas.microsoft.com/office/mac/drawingml/2011/main" val="1"/>
+              <ma14:wrappingTextBoxFlag xmlns:ma14="http://schemas.microsoft.com/office/mac/drawingml/2011/main" xmlns="" val="1"/>
             </a:ext>
           </a:extLst>
         </p:spPr>
@@ -31287,7 +32578,7 @@
           </a:ln>
           <a:extLst>
             <a:ext uri="{C572A759-6A51-4108-AA02-DFA0A04FC94B}">
-              <ma14:wrappingTextBoxFlag xmlns="" xmlns:ma14="http://schemas.microsoft.com/office/mac/drawingml/2011/main" val="1"/>
+              <ma14:wrappingTextBoxFlag xmlns:ma14="http://schemas.microsoft.com/office/mac/drawingml/2011/main" xmlns="" val="1"/>
             </a:ext>
           </a:extLst>
         </p:spPr>
@@ -31638,7 +32929,7 @@
           </a:ln>
           <a:extLst>
             <a:ext uri="{C572A759-6A51-4108-AA02-DFA0A04FC94B}">
-              <ma14:wrappingTextBoxFlag xmlns="" xmlns:ma14="http://schemas.microsoft.com/office/mac/drawingml/2011/main" val="1"/>
+              <ma14:wrappingTextBoxFlag xmlns:ma14="http://schemas.microsoft.com/office/mac/drawingml/2011/main" xmlns="" val="1"/>
             </a:ext>
           </a:extLst>
         </p:spPr>
@@ -31737,7 +33028,7 @@
           </a:ln>
           <a:extLst>
             <a:ext uri="{C572A759-6A51-4108-AA02-DFA0A04FC94B}">
-              <ma14:wrappingTextBoxFlag xmlns="" xmlns:ma14="http://schemas.microsoft.com/office/mac/drawingml/2011/main" val="1"/>
+              <ma14:wrappingTextBoxFlag xmlns:ma14="http://schemas.microsoft.com/office/mac/drawingml/2011/main" xmlns="" val="1"/>
             </a:ext>
           </a:extLst>
         </p:spPr>
@@ -31774,14 +33065,14 @@
             <a:avLst/>
           </a:prstGeom>
           <a:blipFill>
-            <a:blip r:embed="rId2"/>
+            <a:blip r:embed="rId3"/>
           </a:blipFill>
           <a:ln w="12700">
             <a:miter lim="400000"/>
           </a:ln>
           <a:extLst>
             <a:ext uri="{C572A759-6A51-4108-AA02-DFA0A04FC94B}">
-              <ma14:wrappingTextBoxFlag xmlns="" xmlns:ma14="http://schemas.microsoft.com/office/mac/drawingml/2011/main" val="1"/>
+              <ma14:wrappingTextBoxFlag xmlns:ma14="http://schemas.microsoft.com/office/mac/drawingml/2011/main" xmlns="" val="1"/>
             </a:ext>
           </a:extLst>
         </p:spPr>
@@ -31819,14 +33110,14 @@
             <a:avLst/>
           </a:prstGeom>
           <a:blipFill>
-            <a:blip r:embed="rId2"/>
+            <a:blip r:embed="rId3"/>
           </a:blipFill>
           <a:ln w="12700">
             <a:miter lim="400000"/>
           </a:ln>
           <a:extLst>
             <a:ext uri="{C572A759-6A51-4108-AA02-DFA0A04FC94B}">
-              <ma14:wrappingTextBoxFlag xmlns="" xmlns:ma14="http://schemas.microsoft.com/office/mac/drawingml/2011/main" val="1"/>
+              <ma14:wrappingTextBoxFlag xmlns:ma14="http://schemas.microsoft.com/office/mac/drawingml/2011/main" xmlns="" val="1"/>
             </a:ext>
           </a:extLst>
         </p:spPr>
@@ -31906,7 +33197,7 @@
           </a:ln>
           <a:extLst>
             <a:ext uri="{C572A759-6A51-4108-AA02-DFA0A04FC94B}">
-              <ma14:wrappingTextBoxFlag xmlns="" xmlns:ma14="http://schemas.microsoft.com/office/mac/drawingml/2011/main" val="1"/>
+              <ma14:wrappingTextBoxFlag xmlns:ma14="http://schemas.microsoft.com/office/mac/drawingml/2011/main" xmlns="" val="1"/>
             </a:ext>
           </a:extLst>
         </p:spPr>
@@ -31987,14 +33278,14 @@
             <a:avLst/>
           </a:prstGeom>
           <a:blipFill>
-            <a:blip r:embed="rId3"/>
+            <a:blip r:embed="rId4"/>
           </a:blipFill>
           <a:ln w="12700">
             <a:miter lim="400000"/>
           </a:ln>
           <a:extLst>
             <a:ext uri="{C572A759-6A51-4108-AA02-DFA0A04FC94B}">
-              <ma14:wrappingTextBoxFlag xmlns="" xmlns:ma14="http://schemas.microsoft.com/office/mac/drawingml/2011/main" val="1"/>
+              <ma14:wrappingTextBoxFlag xmlns:ma14="http://schemas.microsoft.com/office/mac/drawingml/2011/main" xmlns="" val="1"/>
             </a:ext>
           </a:extLst>
         </p:spPr>
@@ -32032,14 +33323,14 @@
             <a:avLst/>
           </a:prstGeom>
           <a:blipFill>
-            <a:blip r:embed="rId2"/>
+            <a:blip r:embed="rId3"/>
           </a:blipFill>
           <a:ln w="12700">
             <a:miter lim="400000"/>
           </a:ln>
           <a:extLst>
             <a:ext uri="{C572A759-6A51-4108-AA02-DFA0A04FC94B}">
-              <ma14:wrappingTextBoxFlag xmlns="" xmlns:ma14="http://schemas.microsoft.com/office/mac/drawingml/2011/main" val="1"/>
+              <ma14:wrappingTextBoxFlag xmlns:ma14="http://schemas.microsoft.com/office/mac/drawingml/2011/main" xmlns="" val="1"/>
             </a:ext>
           </a:extLst>
         </p:spPr>
@@ -32077,14 +33368,14 @@
             <a:avLst/>
           </a:prstGeom>
           <a:blipFill>
-            <a:blip r:embed="rId2"/>
+            <a:blip r:embed="rId3"/>
           </a:blipFill>
           <a:ln w="12700">
             <a:miter lim="400000"/>
           </a:ln>
           <a:extLst>
             <a:ext uri="{C572A759-6A51-4108-AA02-DFA0A04FC94B}">
-              <ma14:wrappingTextBoxFlag xmlns="" xmlns:ma14="http://schemas.microsoft.com/office/mac/drawingml/2011/main" val="1"/>
+              <ma14:wrappingTextBoxFlag xmlns:ma14="http://schemas.microsoft.com/office/mac/drawingml/2011/main" xmlns="" val="1"/>
             </a:ext>
           </a:extLst>
         </p:spPr>
@@ -32164,7 +33455,7 @@
           </a:ln>
           <a:extLst>
             <a:ext uri="{C572A759-6A51-4108-AA02-DFA0A04FC94B}">
-              <ma14:wrappingTextBoxFlag xmlns="" xmlns:ma14="http://schemas.microsoft.com/office/mac/drawingml/2011/main" val="1"/>
+              <ma14:wrappingTextBoxFlag xmlns:ma14="http://schemas.microsoft.com/office/mac/drawingml/2011/main" xmlns="" val="1"/>
             </a:ext>
           </a:extLst>
         </p:spPr>
@@ -32515,7 +33806,7 @@
           </a:ln>
           <a:extLst>
             <a:ext uri="{C572A759-6A51-4108-AA02-DFA0A04FC94B}">
-              <ma14:wrappingTextBoxFlag xmlns="" xmlns:ma14="http://schemas.microsoft.com/office/mac/drawingml/2011/main" val="1"/>
+              <ma14:wrappingTextBoxFlag xmlns:ma14="http://schemas.microsoft.com/office/mac/drawingml/2011/main" xmlns="" val="1"/>
             </a:ext>
           </a:extLst>
         </p:spPr>
@@ -32614,7 +33905,7 @@
           </a:ln>
           <a:extLst>
             <a:ext uri="{C572A759-6A51-4108-AA02-DFA0A04FC94B}">
-              <ma14:wrappingTextBoxFlag xmlns="" xmlns:ma14="http://schemas.microsoft.com/office/mac/drawingml/2011/main" val="1"/>
+              <ma14:wrappingTextBoxFlag xmlns:ma14="http://schemas.microsoft.com/office/mac/drawingml/2011/main" xmlns="" val="1"/>
             </a:ext>
           </a:extLst>
         </p:spPr>
@@ -32658,7 +33949,7 @@
           </a:ln>
           <a:extLst>
             <a:ext uri="{C572A759-6A51-4108-AA02-DFA0A04FC94B}">
-              <ma14:wrappingTextBoxFlag xmlns="" xmlns:ma14="http://schemas.microsoft.com/office/mac/drawingml/2011/main" val="1"/>
+              <ma14:wrappingTextBoxFlag xmlns:ma14="http://schemas.microsoft.com/office/mac/drawingml/2011/main" xmlns="" val="1"/>
             </a:ext>
           </a:extLst>
         </p:spPr>
@@ -32703,7 +33994,7 @@
           </a:ln>
           <a:extLst>
             <a:ext uri="{C572A759-6A51-4108-AA02-DFA0A04FC94B}">
-              <ma14:wrappingTextBoxFlag xmlns="" xmlns:ma14="http://schemas.microsoft.com/office/mac/drawingml/2011/main" val="1"/>
+              <ma14:wrappingTextBoxFlag xmlns:ma14="http://schemas.microsoft.com/office/mac/drawingml/2011/main" xmlns="" val="1"/>
             </a:ext>
           </a:extLst>
         </p:spPr>
@@ -32783,7 +34074,7 @@
           </a:ln>
           <a:extLst>
             <a:ext uri="{C572A759-6A51-4108-AA02-DFA0A04FC94B}">
-              <ma14:wrappingTextBoxFlag xmlns="" xmlns:ma14="http://schemas.microsoft.com/office/mac/drawingml/2011/main" val="1"/>
+              <ma14:wrappingTextBoxFlag xmlns:ma14="http://schemas.microsoft.com/office/mac/drawingml/2011/main" xmlns="" val="1"/>
             </a:ext>
           </a:extLst>
         </p:spPr>
@@ -32871,7 +34162,7 @@
           </a:ln>
           <a:extLst>
             <a:ext uri="{C572A759-6A51-4108-AA02-DFA0A04FC94B}">
-              <ma14:wrappingTextBoxFlag xmlns="" xmlns:ma14="http://schemas.microsoft.com/office/mac/drawingml/2011/main" val="1"/>
+              <ma14:wrappingTextBoxFlag xmlns:ma14="http://schemas.microsoft.com/office/mac/drawingml/2011/main" xmlns="" val="1"/>
             </a:ext>
           </a:extLst>
         </p:spPr>
@@ -32916,7 +34207,7 @@
           </a:ln>
           <a:extLst>
             <a:ext uri="{C572A759-6A51-4108-AA02-DFA0A04FC94B}">
-              <ma14:wrappingTextBoxFlag xmlns="" xmlns:ma14="http://schemas.microsoft.com/office/mac/drawingml/2011/main" val="1"/>
+              <ma14:wrappingTextBoxFlag xmlns:ma14="http://schemas.microsoft.com/office/mac/drawingml/2011/main" xmlns="" val="1"/>
             </a:ext>
           </a:extLst>
         </p:spPr>
@@ -32961,7 +34252,7 @@
           </a:ln>
           <a:extLst>
             <a:ext uri="{C572A759-6A51-4108-AA02-DFA0A04FC94B}">
-              <ma14:wrappingTextBoxFlag xmlns="" xmlns:ma14="http://schemas.microsoft.com/office/mac/drawingml/2011/main" val="1"/>
+              <ma14:wrappingTextBoxFlag xmlns:ma14="http://schemas.microsoft.com/office/mac/drawingml/2011/main" xmlns="" val="1"/>
             </a:ext>
           </a:extLst>
         </p:spPr>
@@ -33041,7 +34332,7 @@
           </a:ln>
           <a:extLst>
             <a:ext uri="{C572A759-6A51-4108-AA02-DFA0A04FC94B}">
-              <ma14:wrappingTextBoxFlag xmlns="" xmlns:ma14="http://schemas.microsoft.com/office/mac/drawingml/2011/main" val="1"/>
+              <ma14:wrappingTextBoxFlag xmlns:ma14="http://schemas.microsoft.com/office/mac/drawingml/2011/main" xmlns="" val="1"/>
             </a:ext>
           </a:extLst>
         </p:spPr>
@@ -33392,7 +34683,7 @@
           </a:ln>
           <a:extLst>
             <a:ext uri="{C572A759-6A51-4108-AA02-DFA0A04FC94B}">
-              <ma14:wrappingTextBoxFlag xmlns="" xmlns:ma14="http://schemas.microsoft.com/office/mac/drawingml/2011/main" val="1"/>
+              <ma14:wrappingTextBoxFlag xmlns:ma14="http://schemas.microsoft.com/office/mac/drawingml/2011/main" xmlns="" val="1"/>
             </a:ext>
           </a:extLst>
         </p:spPr>
@@ -33491,7 +34782,7 @@
           </a:ln>
           <a:extLst>
             <a:ext uri="{C572A759-6A51-4108-AA02-DFA0A04FC94B}">
-              <ma14:wrappingTextBoxFlag xmlns="" xmlns:ma14="http://schemas.microsoft.com/office/mac/drawingml/2011/main" val="1"/>
+              <ma14:wrappingTextBoxFlag xmlns:ma14="http://schemas.microsoft.com/office/mac/drawingml/2011/main" xmlns="" val="1"/>
             </a:ext>
           </a:extLst>
         </p:spPr>
@@ -33535,7 +34826,7 @@
           </a:ln>
           <a:extLst>
             <a:ext uri="{C572A759-6A51-4108-AA02-DFA0A04FC94B}">
-              <ma14:wrappingTextBoxFlag xmlns="" xmlns:ma14="http://schemas.microsoft.com/office/mac/drawingml/2011/main" val="1"/>
+              <ma14:wrappingTextBoxFlag xmlns:ma14="http://schemas.microsoft.com/office/mac/drawingml/2011/main" xmlns="" val="1"/>
             </a:ext>
           </a:extLst>
         </p:spPr>
@@ -33580,7 +34871,7 @@
           </a:ln>
           <a:extLst>
             <a:ext uri="{C572A759-6A51-4108-AA02-DFA0A04FC94B}">
-              <ma14:wrappingTextBoxFlag xmlns="" xmlns:ma14="http://schemas.microsoft.com/office/mac/drawingml/2011/main" val="1"/>
+              <ma14:wrappingTextBoxFlag xmlns:ma14="http://schemas.microsoft.com/office/mac/drawingml/2011/main" xmlns="" val="1"/>
             </a:ext>
           </a:extLst>
         </p:spPr>
@@ -33660,7 +34951,7 @@
           </a:ln>
           <a:extLst>
             <a:ext uri="{C572A759-6A51-4108-AA02-DFA0A04FC94B}">
-              <ma14:wrappingTextBoxFlag xmlns="" xmlns:ma14="http://schemas.microsoft.com/office/mac/drawingml/2011/main" val="1"/>
+              <ma14:wrappingTextBoxFlag xmlns:ma14="http://schemas.microsoft.com/office/mac/drawingml/2011/main" xmlns="" val="1"/>
             </a:ext>
           </a:extLst>
         </p:spPr>
@@ -33748,7 +35039,7 @@
           </a:ln>
           <a:extLst>
             <a:ext uri="{C572A759-6A51-4108-AA02-DFA0A04FC94B}">
-              <ma14:wrappingTextBoxFlag xmlns="" xmlns:ma14="http://schemas.microsoft.com/office/mac/drawingml/2011/main" val="1"/>
+              <ma14:wrappingTextBoxFlag xmlns:ma14="http://schemas.microsoft.com/office/mac/drawingml/2011/main" xmlns="" val="1"/>
             </a:ext>
           </a:extLst>
         </p:spPr>
@@ -33793,7 +35084,7 @@
           </a:ln>
           <a:extLst>
             <a:ext uri="{C572A759-6A51-4108-AA02-DFA0A04FC94B}">
-              <ma14:wrappingTextBoxFlag xmlns="" xmlns:ma14="http://schemas.microsoft.com/office/mac/drawingml/2011/main" val="1"/>
+              <ma14:wrappingTextBoxFlag xmlns:ma14="http://schemas.microsoft.com/office/mac/drawingml/2011/main" xmlns="" val="1"/>
             </a:ext>
           </a:extLst>
         </p:spPr>
@@ -33838,7 +35129,7 @@
           </a:ln>
           <a:extLst>
             <a:ext uri="{C572A759-6A51-4108-AA02-DFA0A04FC94B}">
-              <ma14:wrappingTextBoxFlag xmlns="" xmlns:ma14="http://schemas.microsoft.com/office/mac/drawingml/2011/main" val="1"/>
+              <ma14:wrappingTextBoxFlag xmlns:ma14="http://schemas.microsoft.com/office/mac/drawingml/2011/main" xmlns="" val="1"/>
             </a:ext>
           </a:extLst>
         </p:spPr>
@@ -33918,7 +35209,7 @@
           </a:ln>
           <a:extLst>
             <a:ext uri="{C572A759-6A51-4108-AA02-DFA0A04FC94B}">
-              <ma14:wrappingTextBoxFlag xmlns="" xmlns:ma14="http://schemas.microsoft.com/office/mac/drawingml/2011/main" val="1"/>
+              <ma14:wrappingTextBoxFlag xmlns:ma14="http://schemas.microsoft.com/office/mac/drawingml/2011/main" xmlns="" val="1"/>
             </a:ext>
           </a:extLst>
         </p:spPr>
@@ -34231,7 +35522,7 @@
           </a:ln>
           <a:extLst>
             <a:ext uri="{C572A759-6A51-4108-AA02-DFA0A04FC94B}">
-              <ma14:wrappingTextBoxFlag xmlns="" xmlns:ma14="http://schemas.microsoft.com/office/mac/drawingml/2011/main" val="1"/>
+              <ma14:wrappingTextBoxFlag xmlns:ma14="http://schemas.microsoft.com/office/mac/drawingml/2011/main" xmlns="" val="1"/>
             </a:ext>
           </a:extLst>
         </p:spPr>
@@ -34426,7 +35717,7 @@
           </a:ln>
           <a:extLst>
             <a:ext uri="{C572A759-6A51-4108-AA02-DFA0A04FC94B}">
-              <ma14:wrappingTextBoxFlag xmlns="" xmlns:ma14="http://schemas.microsoft.com/office/mac/drawingml/2011/main" val="1"/>
+              <ma14:wrappingTextBoxFlag xmlns:ma14="http://schemas.microsoft.com/office/mac/drawingml/2011/main" xmlns="" val="1"/>
             </a:ext>
           </a:extLst>
         </p:spPr>
@@ -34470,7 +35761,7 @@
           </a:ln>
           <a:extLst>
             <a:ext uri="{C572A759-6A51-4108-AA02-DFA0A04FC94B}">
-              <ma14:wrappingTextBoxFlag xmlns="" xmlns:ma14="http://schemas.microsoft.com/office/mac/drawingml/2011/main" val="1"/>
+              <ma14:wrappingTextBoxFlag xmlns:ma14="http://schemas.microsoft.com/office/mac/drawingml/2011/main" xmlns="" val="1"/>
             </a:ext>
           </a:extLst>
         </p:spPr>
@@ -34515,7 +35806,7 @@
           </a:ln>
           <a:extLst>
             <a:ext uri="{C572A759-6A51-4108-AA02-DFA0A04FC94B}">
-              <ma14:wrappingTextBoxFlag xmlns="" xmlns:ma14="http://schemas.microsoft.com/office/mac/drawingml/2011/main" val="1"/>
+              <ma14:wrappingTextBoxFlag xmlns:ma14="http://schemas.microsoft.com/office/mac/drawingml/2011/main" xmlns="" val="1"/>
             </a:ext>
           </a:extLst>
         </p:spPr>
@@ -34595,7 +35886,7 @@
           </a:ln>
           <a:extLst>
             <a:ext uri="{C572A759-6A51-4108-AA02-DFA0A04FC94B}">
-              <ma14:wrappingTextBoxFlag xmlns="" xmlns:ma14="http://schemas.microsoft.com/office/mac/drawingml/2011/main" val="1"/>
+              <ma14:wrappingTextBoxFlag xmlns:ma14="http://schemas.microsoft.com/office/mac/drawingml/2011/main" xmlns="" val="1"/>
             </a:ext>
           </a:extLst>
         </p:spPr>
@@ -34683,7 +35974,7 @@
           </a:ln>
           <a:extLst>
             <a:ext uri="{C572A759-6A51-4108-AA02-DFA0A04FC94B}">
-              <ma14:wrappingTextBoxFlag xmlns="" xmlns:ma14="http://schemas.microsoft.com/office/mac/drawingml/2011/main" val="1"/>
+              <ma14:wrappingTextBoxFlag xmlns:ma14="http://schemas.microsoft.com/office/mac/drawingml/2011/main" xmlns="" val="1"/>
             </a:ext>
           </a:extLst>
         </p:spPr>
@@ -34728,7 +36019,7 @@
           </a:ln>
           <a:extLst>
             <a:ext uri="{C572A759-6A51-4108-AA02-DFA0A04FC94B}">
-              <ma14:wrappingTextBoxFlag xmlns="" xmlns:ma14="http://schemas.microsoft.com/office/mac/drawingml/2011/main" val="1"/>
+              <ma14:wrappingTextBoxFlag xmlns:ma14="http://schemas.microsoft.com/office/mac/drawingml/2011/main" xmlns="" val="1"/>
             </a:ext>
           </a:extLst>
         </p:spPr>
@@ -34773,7 +36064,7 @@
           </a:ln>
           <a:extLst>
             <a:ext uri="{C572A759-6A51-4108-AA02-DFA0A04FC94B}">
-              <ma14:wrappingTextBoxFlag xmlns="" xmlns:ma14="http://schemas.microsoft.com/office/mac/drawingml/2011/main" val="1"/>
+              <ma14:wrappingTextBoxFlag xmlns:ma14="http://schemas.microsoft.com/office/mac/drawingml/2011/main" xmlns="" val="1"/>
             </a:ext>
           </a:extLst>
         </p:spPr>
@@ -34853,7 +36144,7 @@
           </a:ln>
           <a:extLst>
             <a:ext uri="{C572A759-6A51-4108-AA02-DFA0A04FC94B}">
-              <ma14:wrappingTextBoxFlag xmlns="" xmlns:ma14="http://schemas.microsoft.com/office/mac/drawingml/2011/main" val="1"/>
+              <ma14:wrappingTextBoxFlag xmlns:ma14="http://schemas.microsoft.com/office/mac/drawingml/2011/main" xmlns="" val="1"/>
             </a:ext>
           </a:extLst>
         </p:spPr>
@@ -35166,7 +36457,7 @@
           </a:ln>
           <a:extLst>
             <a:ext uri="{C572A759-6A51-4108-AA02-DFA0A04FC94B}">
-              <ma14:wrappingTextBoxFlag xmlns="" xmlns:ma14="http://schemas.microsoft.com/office/mac/drawingml/2011/main" val="1"/>
+              <ma14:wrappingTextBoxFlag xmlns:ma14="http://schemas.microsoft.com/office/mac/drawingml/2011/main" xmlns="" val="1"/>
             </a:ext>
           </a:extLst>
         </p:spPr>
@@ -35361,7 +36652,7 @@
           </a:ln>
           <a:extLst>
             <a:ext uri="{C572A759-6A51-4108-AA02-DFA0A04FC94B}">
-              <ma14:wrappingTextBoxFlag xmlns="" xmlns:ma14="http://schemas.microsoft.com/office/mac/drawingml/2011/main" val="1"/>
+              <ma14:wrappingTextBoxFlag xmlns:ma14="http://schemas.microsoft.com/office/mac/drawingml/2011/main" xmlns="" val="1"/>
             </a:ext>
           </a:extLst>
         </p:spPr>
@@ -35405,7 +36696,7 @@
           </a:ln>
           <a:extLst>
             <a:ext uri="{C572A759-6A51-4108-AA02-DFA0A04FC94B}">
-              <ma14:wrappingTextBoxFlag xmlns="" xmlns:ma14="http://schemas.microsoft.com/office/mac/drawingml/2011/main" val="1"/>
+              <ma14:wrappingTextBoxFlag xmlns:ma14="http://schemas.microsoft.com/office/mac/drawingml/2011/main" xmlns="" val="1"/>
             </a:ext>
           </a:extLst>
         </p:spPr>
@@ -35450,7 +36741,7 @@
           </a:ln>
           <a:extLst>
             <a:ext uri="{C572A759-6A51-4108-AA02-DFA0A04FC94B}">
-              <ma14:wrappingTextBoxFlag xmlns="" xmlns:ma14="http://schemas.microsoft.com/office/mac/drawingml/2011/main" val="1"/>
+              <ma14:wrappingTextBoxFlag xmlns:ma14="http://schemas.microsoft.com/office/mac/drawingml/2011/main" xmlns="" val="1"/>
             </a:ext>
           </a:extLst>
         </p:spPr>
@@ -35530,7 +36821,7 @@
           </a:ln>
           <a:extLst>
             <a:ext uri="{C572A759-6A51-4108-AA02-DFA0A04FC94B}">
-              <ma14:wrappingTextBoxFlag xmlns="" xmlns:ma14="http://schemas.microsoft.com/office/mac/drawingml/2011/main" val="1"/>
+              <ma14:wrappingTextBoxFlag xmlns:ma14="http://schemas.microsoft.com/office/mac/drawingml/2011/main" xmlns="" val="1"/>
             </a:ext>
           </a:extLst>
         </p:spPr>
@@ -35618,7 +36909,7 @@
           </a:ln>
           <a:extLst>
             <a:ext uri="{C572A759-6A51-4108-AA02-DFA0A04FC94B}">
-              <ma14:wrappingTextBoxFlag xmlns="" xmlns:ma14="http://schemas.microsoft.com/office/mac/drawingml/2011/main" val="1"/>
+              <ma14:wrappingTextBoxFlag xmlns:ma14="http://schemas.microsoft.com/office/mac/drawingml/2011/main" xmlns="" val="1"/>
             </a:ext>
           </a:extLst>
         </p:spPr>
@@ -35663,7 +36954,7 @@
           </a:ln>
           <a:extLst>
             <a:ext uri="{C572A759-6A51-4108-AA02-DFA0A04FC94B}">
-              <ma14:wrappingTextBoxFlag xmlns="" xmlns:ma14="http://schemas.microsoft.com/office/mac/drawingml/2011/main" val="1"/>
+              <ma14:wrappingTextBoxFlag xmlns:ma14="http://schemas.microsoft.com/office/mac/drawingml/2011/main" xmlns="" val="1"/>
             </a:ext>
           </a:extLst>
         </p:spPr>
@@ -35743,7 +37034,7 @@
           </a:ln>
           <a:extLst>
             <a:ext uri="{C572A759-6A51-4108-AA02-DFA0A04FC94B}">
-              <ma14:wrappingTextBoxFlag xmlns="" xmlns:ma14="http://schemas.microsoft.com/office/mac/drawingml/2011/main" val="1"/>
+              <ma14:wrappingTextBoxFlag xmlns:ma14="http://schemas.microsoft.com/office/mac/drawingml/2011/main" xmlns="" val="1"/>
             </a:ext>
           </a:extLst>
         </p:spPr>
@@ -36102,7 +37393,7 @@
           </a:ln>
           <a:extLst>
             <a:ext uri="{C572A759-6A51-4108-AA02-DFA0A04FC94B}">
-              <ma14:wrappingTextBoxFlag xmlns="" xmlns:ma14="http://schemas.microsoft.com/office/mac/drawingml/2011/main" val="1"/>
+              <ma14:wrappingTextBoxFlag xmlns:ma14="http://schemas.microsoft.com/office/mac/drawingml/2011/main" xmlns="" val="1"/>
             </a:ext>
           </a:extLst>
         </p:spPr>
@@ -36146,7 +37437,7 @@
           </a:ln>
           <a:extLst>
             <a:ext uri="{C572A759-6A51-4108-AA02-DFA0A04FC94B}">
-              <ma14:wrappingTextBoxFlag xmlns="" xmlns:ma14="http://schemas.microsoft.com/office/mac/drawingml/2011/main" val="1"/>
+              <ma14:wrappingTextBoxFlag xmlns:ma14="http://schemas.microsoft.com/office/mac/drawingml/2011/main" xmlns="" val="1"/>
             </a:ext>
           </a:extLst>
         </p:spPr>
@@ -36191,7 +37482,7 @@
           </a:ln>
           <a:extLst>
             <a:ext uri="{C572A759-6A51-4108-AA02-DFA0A04FC94B}">
-              <ma14:wrappingTextBoxFlag xmlns="" xmlns:ma14="http://schemas.microsoft.com/office/mac/drawingml/2011/main" val="1"/>
+              <ma14:wrappingTextBoxFlag xmlns:ma14="http://schemas.microsoft.com/office/mac/drawingml/2011/main" xmlns="" val="1"/>
             </a:ext>
           </a:extLst>
         </p:spPr>
@@ -36271,7 +37562,7 @@
           </a:ln>
           <a:extLst>
             <a:ext uri="{C572A759-6A51-4108-AA02-DFA0A04FC94B}">
-              <ma14:wrappingTextBoxFlag xmlns="" xmlns:ma14="http://schemas.microsoft.com/office/mac/drawingml/2011/main" val="1"/>
+              <ma14:wrappingTextBoxFlag xmlns:ma14="http://schemas.microsoft.com/office/mac/drawingml/2011/main" xmlns="" val="1"/>
             </a:ext>
           </a:extLst>
         </p:spPr>
@@ -36359,7 +37650,7 @@
           </a:ln>
           <a:extLst>
             <a:ext uri="{C572A759-6A51-4108-AA02-DFA0A04FC94B}">
-              <ma14:wrappingTextBoxFlag xmlns="" xmlns:ma14="http://schemas.microsoft.com/office/mac/drawingml/2011/main" val="1"/>
+              <ma14:wrappingTextBoxFlag xmlns:ma14="http://schemas.microsoft.com/office/mac/drawingml/2011/main" xmlns="" val="1"/>
             </a:ext>
           </a:extLst>
         </p:spPr>
@@ -36404,7 +37695,7 @@
           </a:ln>
           <a:extLst>
             <a:ext uri="{C572A759-6A51-4108-AA02-DFA0A04FC94B}">
-              <ma14:wrappingTextBoxFlag xmlns="" xmlns:ma14="http://schemas.microsoft.com/office/mac/drawingml/2011/main" val="1"/>
+              <ma14:wrappingTextBoxFlag xmlns:ma14="http://schemas.microsoft.com/office/mac/drawingml/2011/main" xmlns="" val="1"/>
             </a:ext>
           </a:extLst>
         </p:spPr>
@@ -36484,7 +37775,7 @@
           </a:ln>
           <a:extLst>
             <a:ext uri="{C572A759-6A51-4108-AA02-DFA0A04FC94B}">
-              <ma14:wrappingTextBoxFlag xmlns="" xmlns:ma14="http://schemas.microsoft.com/office/mac/drawingml/2011/main" val="1"/>
+              <ma14:wrappingTextBoxFlag xmlns:ma14="http://schemas.microsoft.com/office/mac/drawingml/2011/main" xmlns="" val="1"/>
             </a:ext>
           </a:extLst>
         </p:spPr>
@@ -37291,7 +38582,7 @@
           </a:ln>
           <a:extLst>
             <a:ext uri="{C572A759-6A51-4108-AA02-DFA0A04FC94B}">
-              <ma14:wrappingTextBoxFlag xmlns="" xmlns:ma14="http://schemas.microsoft.com/office/mac/drawingml/2011/main" val="1"/>
+              <ma14:wrappingTextBoxFlag xmlns:ma14="http://schemas.microsoft.com/office/mac/drawingml/2011/main" xmlns="" val="1"/>
             </a:ext>
           </a:extLst>
         </p:spPr>
@@ -37332,7 +38623,7 @@
           </a:ln>
           <a:extLst>
             <a:ext uri="{C572A759-6A51-4108-AA02-DFA0A04FC94B}">
-              <ma14:wrappingTextBoxFlag xmlns="" xmlns:ma14="http://schemas.microsoft.com/office/mac/drawingml/2011/main" val="1"/>
+              <ma14:wrappingTextBoxFlag xmlns:ma14="http://schemas.microsoft.com/office/mac/drawingml/2011/main" xmlns="" val="1"/>
             </a:ext>
           </a:extLst>
         </p:spPr>
@@ -37852,7 +39143,7 @@
           </a:ln>
           <a:extLst>
             <a:ext uri="{C572A759-6A51-4108-AA02-DFA0A04FC94B}">
-              <ma14:wrappingTextBoxFlag xmlns="" xmlns:ma14="http://schemas.microsoft.com/office/mac/drawingml/2011/main" val="1"/>
+              <ma14:wrappingTextBoxFlag xmlns:ma14="http://schemas.microsoft.com/office/mac/drawingml/2011/main" xmlns="" val="1"/>
             </a:ext>
           </a:extLst>
         </p:spPr>
@@ -37893,7 +39184,7 @@
           </a:ln>
           <a:extLst>
             <a:ext uri="{C572A759-6A51-4108-AA02-DFA0A04FC94B}">
-              <ma14:wrappingTextBoxFlag xmlns="" xmlns:ma14="http://schemas.microsoft.com/office/mac/drawingml/2011/main" val="1"/>
+              <ma14:wrappingTextBoxFlag xmlns:ma14="http://schemas.microsoft.com/office/mac/drawingml/2011/main" xmlns="" val="1"/>
             </a:ext>
           </a:extLst>
         </p:spPr>
@@ -38024,7 +39315,7 @@
           </a:ln>
           <a:extLst>
             <a:ext uri="{C572A759-6A51-4108-AA02-DFA0A04FC94B}">
-              <ma14:wrappingTextBoxFlag xmlns="" xmlns:ma14="http://schemas.microsoft.com/office/mac/drawingml/2011/main" val="1"/>
+              <ma14:wrappingTextBoxFlag xmlns:ma14="http://schemas.microsoft.com/office/mac/drawingml/2011/main" xmlns="" val="1"/>
             </a:ext>
           </a:extLst>
         </p:spPr>
@@ -38268,7 +39559,7 @@
           </a:ln>
           <a:extLst>
             <a:ext uri="{C572A759-6A51-4108-AA02-DFA0A04FC94B}">
-              <ma14:wrappingTextBoxFlag xmlns="" xmlns:ma14="http://schemas.microsoft.com/office/mac/drawingml/2011/main" val="1"/>
+              <ma14:wrappingTextBoxFlag xmlns:ma14="http://schemas.microsoft.com/office/mac/drawingml/2011/main" xmlns="" val="1"/>
             </a:ext>
           </a:extLst>
         </p:spPr>
@@ -38324,7 +39615,7 @@
           </a:ln>
           <a:extLst>
             <a:ext uri="{C572A759-6A51-4108-AA02-DFA0A04FC94B}">
-              <ma14:wrappingTextBoxFlag xmlns="" xmlns:ma14="http://schemas.microsoft.com/office/mac/drawingml/2011/main" val="1"/>
+              <ma14:wrappingTextBoxFlag xmlns:ma14="http://schemas.microsoft.com/office/mac/drawingml/2011/main" xmlns="" val="1"/>
             </a:ext>
           </a:extLst>
         </p:spPr>
@@ -38407,7 +39698,7 @@
           </a:ln>
           <a:extLst>
             <a:ext uri="{C572A759-6A51-4108-AA02-DFA0A04FC94B}">
-              <ma14:wrappingTextBoxFlag xmlns="" xmlns:ma14="http://schemas.microsoft.com/office/mac/drawingml/2011/main" val="1"/>
+              <ma14:wrappingTextBoxFlag xmlns:ma14="http://schemas.microsoft.com/office/mac/drawingml/2011/main" xmlns="" val="1"/>
             </a:ext>
           </a:extLst>
         </p:spPr>
@@ -38458,7 +39749,7 @@
           </a:ln>
           <a:extLst>
             <a:ext uri="{C572A759-6A51-4108-AA02-DFA0A04FC94B}">
-              <ma14:wrappingTextBoxFlag xmlns="" xmlns:ma14="http://schemas.microsoft.com/office/mac/drawingml/2011/main" val="1"/>
+              <ma14:wrappingTextBoxFlag xmlns:ma14="http://schemas.microsoft.com/office/mac/drawingml/2011/main" xmlns="" val="1"/>
             </a:ext>
           </a:extLst>
         </p:spPr>
@@ -38509,7 +39800,7 @@
           </a:ln>
           <a:extLst>
             <a:ext uri="{C572A759-6A51-4108-AA02-DFA0A04FC94B}">
-              <ma14:wrappingTextBoxFlag xmlns="" xmlns:ma14="http://schemas.microsoft.com/office/mac/drawingml/2011/main" val="1"/>
+              <ma14:wrappingTextBoxFlag xmlns:ma14="http://schemas.microsoft.com/office/mac/drawingml/2011/main" xmlns="" val="1"/>
             </a:ext>
           </a:extLst>
         </p:spPr>
@@ -38675,7 +39966,7 @@
           </a:ln>
           <a:extLst>
             <a:ext uri="{C572A759-6A51-4108-AA02-DFA0A04FC94B}">
-              <ma14:wrappingTextBoxFlag xmlns="" xmlns:ma14="http://schemas.microsoft.com/office/mac/drawingml/2011/main" val="1"/>
+              <ma14:wrappingTextBoxFlag xmlns:ma14="http://schemas.microsoft.com/office/mac/drawingml/2011/main" xmlns="" val="1"/>
             </a:ext>
           </a:extLst>
         </p:spPr>
@@ -38719,7 +40010,7 @@
           </a:ln>
           <a:extLst>
             <a:ext uri="{C572A759-6A51-4108-AA02-DFA0A04FC94B}">
-              <ma14:wrappingTextBoxFlag xmlns="" xmlns:ma14="http://schemas.microsoft.com/office/mac/drawingml/2011/main" val="1"/>
+              <ma14:wrappingTextBoxFlag xmlns:ma14="http://schemas.microsoft.com/office/mac/drawingml/2011/main" xmlns="" val="1"/>
             </a:ext>
           </a:extLst>
         </p:spPr>
@@ -38809,7 +40100,7 @@
           </a:ln>
           <a:extLst>
             <a:ext uri="{C572A759-6A51-4108-AA02-DFA0A04FC94B}">
-              <ma14:wrappingTextBoxFlag xmlns="" xmlns:ma14="http://schemas.microsoft.com/office/mac/drawingml/2011/main" val="1"/>
+              <ma14:wrappingTextBoxFlag xmlns:ma14="http://schemas.microsoft.com/office/mac/drawingml/2011/main" xmlns="" val="1"/>
             </a:ext>
           </a:extLst>
         </p:spPr>
@@ -38981,7 +40272,7 @@
           </a:ln>
           <a:extLst>
             <a:ext uri="{C572A759-6A51-4108-AA02-DFA0A04FC94B}">
-              <ma14:wrappingTextBoxFlag xmlns="" xmlns:ma14="http://schemas.microsoft.com/office/mac/drawingml/2011/main" val="1"/>
+              <ma14:wrappingTextBoxFlag xmlns:ma14="http://schemas.microsoft.com/office/mac/drawingml/2011/main" xmlns="" val="1"/>
             </a:ext>
           </a:extLst>
         </p:spPr>
@@ -39075,7 +40366,7 @@
           </a:ln>
           <a:extLst>
             <a:ext uri="{C572A759-6A51-4108-AA02-DFA0A04FC94B}">
-              <ma14:wrappingTextBoxFlag xmlns="" xmlns:ma14="http://schemas.microsoft.com/office/mac/drawingml/2011/main" val="1"/>
+              <ma14:wrappingTextBoxFlag xmlns:ma14="http://schemas.microsoft.com/office/mac/drawingml/2011/main" xmlns="" val="1"/>
             </a:ext>
           </a:extLst>
         </p:spPr>
@@ -39557,7 +40848,7 @@
           </a:ln>
           <a:extLst>
             <a:ext uri="{C572A759-6A51-4108-AA02-DFA0A04FC94B}">
-              <ma14:wrappingTextBoxFlag xmlns="" xmlns:ma14="http://schemas.microsoft.com/office/mac/drawingml/2011/main" val="1"/>
+              <ma14:wrappingTextBoxFlag xmlns:ma14="http://schemas.microsoft.com/office/mac/drawingml/2011/main" xmlns="" val="1"/>
             </a:ext>
           </a:extLst>
         </p:spPr>
@@ -39603,7 +40894,7 @@
           </a:ln>
           <a:extLst>
             <a:ext uri="{C572A759-6A51-4108-AA02-DFA0A04FC94B}">
-              <ma14:wrappingTextBoxFlag xmlns="" xmlns:ma14="http://schemas.microsoft.com/office/mac/drawingml/2011/main" val="1"/>
+              <ma14:wrappingTextBoxFlag xmlns:ma14="http://schemas.microsoft.com/office/mac/drawingml/2011/main" xmlns="" val="1"/>
             </a:ext>
           </a:extLst>
         </p:spPr>
@@ -39649,7 +40940,7 @@
           </a:ln>
           <a:extLst>
             <a:ext uri="{C572A759-6A51-4108-AA02-DFA0A04FC94B}">
-              <ma14:wrappingTextBoxFlag xmlns="" xmlns:ma14="http://schemas.microsoft.com/office/mac/drawingml/2011/main" val="1"/>
+              <ma14:wrappingTextBoxFlag xmlns:ma14="http://schemas.microsoft.com/office/mac/drawingml/2011/main" xmlns="" val="1"/>
             </a:ext>
           </a:extLst>
         </p:spPr>
@@ -39709,7 +41000,7 @@
           </a:ln>
           <a:extLst>
             <a:ext uri="{C572A759-6A51-4108-AA02-DFA0A04FC94B}">
-              <ma14:wrappingTextBoxFlag xmlns="" xmlns:ma14="http://schemas.microsoft.com/office/mac/drawingml/2011/main" val="1"/>
+              <ma14:wrappingTextBoxFlag xmlns:ma14="http://schemas.microsoft.com/office/mac/drawingml/2011/main" xmlns="" val="1"/>
             </a:ext>
           </a:extLst>
         </p:spPr>

--- a/slides/datastructures/linked_list/LinkedLists.pptx
+++ b/slides/datastructures/linked_list/LinkedLists.pptx
@@ -614,7 +614,7 @@
             </a:r>
             <a:r>
               <a:rPr lang="zh-CN" altLang="en-US" dirty="0"/>
-              <a:t>，今天我们来学习单向和双向链表，两种非常有用的数据结构。本节课的内容会分成两部分，这是第一部分，在第二部分，我们会通过代码来实现一个双向链表。</a:t>
+              <a:t>，今天我们来学习单向和双向链表，它们是两种非常有用的数据结构。本节课的内容会分成两部分，这是第一部分，在第二部分，我们会通过代码来实现一个双向链表。</a:t>
             </a:r>
             <a:endParaRPr dirty="0"/>
           </a:p>
@@ -911,7 +911,23 @@
             </a:r>
             <a:r>
               <a:rPr lang="zh-CN" altLang="en-US" dirty="0"/>
-              <a:t>所在的节点。现在，我们已经准备就绪，可以插入元素</a:t>
+              <a:t>所在的节点。因为</a:t>
+            </a:r>
+            <a:r>
+              <a:rPr lang="en-US" altLang="zh-CN" dirty="0"/>
+              <a:t>23</a:t>
+            </a:r>
+            <a:r>
+              <a:rPr lang="zh-CN" altLang="en-US" dirty="0"/>
+              <a:t>在</a:t>
+            </a:r>
+            <a:r>
+              <a:rPr lang="en-US" altLang="zh-CN" dirty="0"/>
+              <a:t>7</a:t>
+            </a:r>
+            <a:r>
+              <a:rPr lang="zh-CN" altLang="en-US" dirty="0"/>
+              <a:t>的前面，所以现在，我们已经准备就绪，可以插入元素</a:t>
             </a:r>
             <a:r>
               <a:rPr lang="en-US" altLang="zh-CN" dirty="0"/>
@@ -1351,7 +1367,7 @@
           <a:p>
             <a:r>
               <a:rPr kumimoji="1" lang="zh-CN" altLang="en-US" dirty="0"/>
-              <a:t>好，到这边我们就完整演示了了单向链表的插入。</a:t>
+              <a:t>好，到这边我们就完整演示了如何在单向链表中插入一个节点。</a:t>
             </a:r>
           </a:p>
         </p:txBody>
@@ -2111,7 +2127,7 @@
             </a:r>
             <a:r>
               <a:rPr lang="zh-CN" altLang="en-US" dirty="0"/>
-              <a:t>向后遍历到元素</a:t>
+              <a:t>向前遍历到元素</a:t>
             </a:r>
             <a:r>
               <a:rPr lang="en-US" altLang="zh-CN" dirty="0"/>
@@ -2327,7 +2343,7 @@
             </a:r>
             <a:r>
               <a:rPr lang="zh-CN" altLang="en-US" dirty="0"/>
-              <a:t>处在正确的位置。</a:t>
+              <a:t>已经处在正确的位置。</a:t>
             </a:r>
             <a:endParaRPr dirty="0"/>
           </a:p>
@@ -2387,7 +2403,7 @@
           <a:p>
             <a:r>
               <a:rPr kumimoji="1" lang="zh-CN" altLang="en-US" dirty="0"/>
-              <a:t>到这边，我们就完整演示了双向链表的插入。</a:t>
+              <a:t>到这边，我们就完整演示了如何在双向链表中插入节点。</a:t>
             </a:r>
           </a:p>
         </p:txBody>
@@ -2990,7 +3006,7 @@
             </a:r>
             <a:r>
               <a:rPr lang="zh-CN" altLang="en-US" dirty="0"/>
-              <a:t>再向后移动一个位置。注意，元素</a:t>
+              <a:t>再向后移动一个位置。注意，现在元素</a:t>
             </a:r>
             <a:r>
               <a:rPr lang="en-US" altLang="zh-CN" dirty="0"/>
@@ -2998,7 +3014,7 @@
             </a:r>
             <a:r>
               <a:rPr lang="zh-CN" altLang="en-US" dirty="0"/>
-              <a:t>所在节点被标记为红色，现在其实我们已经可以移除</a:t>
+              <a:t>所在节点被标记为红色了，也就是说现在我们可以开始移除</a:t>
             </a:r>
             <a:r>
               <a:rPr lang="en-US" altLang="zh-CN" dirty="0"/>
@@ -3006,7 +3022,7 @@
             </a:r>
             <a:r>
               <a:rPr lang="zh-CN" altLang="en-US" dirty="0"/>
-              <a:t>了，但是为了演示，我们先留着它。</a:t>
+              <a:t>了。</a:t>
             </a:r>
             <a:endParaRPr dirty="0"/>
           </a:p>
@@ -3089,7 +3105,7 @@
             </a:r>
             <a:r>
               <a:rPr lang="zh-CN" altLang="en-US" dirty="0"/>
-              <a:t>指向节点的下一个节点指针指向元素</a:t>
+              <a:t>指向节点的下一个指针指向元素</a:t>
             </a:r>
             <a:r>
               <a:rPr lang="en-US" altLang="zh-CN" dirty="0"/>
@@ -3105,7 +3121,7 @@
             </a:r>
             <a:r>
               <a:rPr lang="zh-CN" altLang="en-US" dirty="0"/>
-              <a:t>了，因为它已经没有用处。</a:t>
+              <a:t>了，因为它已经没有用处了。</a:t>
             </a:r>
             <a:endParaRPr dirty="0"/>
           </a:p>
@@ -3348,7 +3364,7 @@
             </a:pPr>
             <a:r>
               <a:rPr kumimoji="1" lang="zh-CN" altLang="en-US" dirty="0"/>
-              <a:t>到这边，我们就完整演示了单向链表的移除操作。</a:t>
+              <a:t>到这边，我们就完整演示了如何从单向链表中移除一个节点。</a:t>
             </a:r>
           </a:p>
           <a:p>
@@ -3430,7 +3446,7 @@
           <a:p>
             <a:r>
               <a:rPr lang="zh-CN" altLang="en-US" dirty="0"/>
-              <a:t>好的，现在我们来看如何在双向链表中移除节点。对比单向链表的移除，在双向链表中移除会更简单。基本算法思想是类似的，我们先要找到要移除的节点，但是这次我们只需要一个指针，因为双向链表中的每一个节点，都有前向和后向两个指针。</a:t>
+              <a:t>好的，现在我们来看如何在双向链表中移除节点。对比单向链表的移除，在双向链表中移除节点会更简单。两者的基本算法思想是类似的，我们先要找到要移除的节点，但是这次我们只需要一个指针，因为双向链表中的每一个节点，都有前向和后向两个指针。</a:t>
             </a:r>
             <a:endParaRPr dirty="0"/>
           </a:p>
@@ -3935,7 +3951,7 @@
             </a:r>
             <a:r>
               <a:rPr lang="zh-CN" altLang="en-US" dirty="0"/>
-              <a:t>的下一个节点指针指向元素</a:t>
+              <a:t>的下一个指针指向元素</a:t>
             </a:r>
             <a:r>
               <a:rPr lang="en-US" altLang="zh-CN" dirty="0"/>
@@ -4066,7 +4082,7 @@
             </a:r>
             <a:r>
               <a:rPr lang="zh-CN" altLang="en-US" dirty="0"/>
-              <a:t>的前一个节点指针，指向元素</a:t>
+              <a:t>的前一个指针，指向元素</a:t>
             </a:r>
             <a:r>
               <a:rPr lang="en-US" altLang="zh-CN" dirty="0"/>
@@ -4416,7 +4432,7 @@
           <a:p>
             <a:r>
               <a:rPr lang="zh-CN" altLang="en-US" dirty="0"/>
-              <a:t>查找的时间复杂度都是线性的，因为在最坏的情况下，我们要查找的元素在链表中并不存在，于是我们需要遍历链表的所有元素。</a:t>
+              <a:t>查找的时间复杂度都是线性的，因为在最坏的情况下，我们要查找的元素在链表中并不存在，于是我们需要遍历链表中的所有元素。</a:t>
             </a:r>
             <a:endParaRPr dirty="0"/>
           </a:p>
@@ -4515,7 +4531,7 @@
             </a:r>
             <a:r>
               <a:rPr lang="zh-CN" altLang="en-US" dirty="0"/>
-              <a:t>，从单向链表中移除元素，所需时间是线性级的，为什么呢？原因在于，即便我们有对尾节点的引用，我们也无法简单回到上一个节点，并设置新的尾节点。所以，我们还是需要每次从头节点开始，依次遍历找到尾部节点的前一个节点，才能移除尾部节点。</a:t>
+              <a:t>，从单向链表中移除元素，所需时间是线性级的，为什么呢？原因在于，即便我们有对尾节点的引用，我们也无法简单回到上一个节点，然后设置新的尾节点。所以，我们还是需要每次从头节点开始，依次遍历找到尾部节点的前一个节点，才能移除尾部节点。</a:t>
             </a:r>
             <a:endParaRPr lang="en-US" dirty="0"/>
           </a:p>
@@ -4529,7 +4545,7 @@
             </a:r>
             <a:r>
               <a:rPr lang="zh-CN" altLang="en-US" dirty="0"/>
-              <a:t>。因为它的每个节点都具有前向指针，可以很方便移除最后一个节点，所以复杂度是常量级的。</a:t>
+              <a:t>。因为它的每个节点都具有前向指针，可以很方便移除最后一个节点，所以说复杂度是常量级的。</a:t>
             </a:r>
             <a:endParaRPr lang="en-US" dirty="0"/>
           </a:p>
@@ -4549,6 +4565,26 @@
               <a:rPr lang="zh-CN" altLang="en-US" dirty="0"/>
               <a:t>个节点。</a:t>
             </a:r>
+            <a:endParaRPr lang="en-US" altLang="zh-CN" dirty="0"/>
+          </a:p>
+          <a:p>
+            <a:endParaRPr lang="en-US" dirty="0"/>
+          </a:p>
+          <a:p>
+            <a:r>
+              <a:rPr lang="zh-CN" altLang="en-US" dirty="0"/>
+              <a:t>好的，关于单向和双向链表的内容，我就先介绍到这里。在下节课中，我会以现场编程方式，来展示如何实现一个双向链表，好，我们下</a:t>
+            </a:r>
+            <a:r>
+              <a:rPr lang="zh-CN" altLang="en-US"/>
+              <a:t>节课再见！</a:t>
+            </a:r>
+            <a:endParaRPr lang="en-US" altLang="zh-CN" dirty="0"/>
+          </a:p>
+          <a:p>
+            <a:endParaRPr lang="en-US" dirty="0"/>
+          </a:p>
+          <a:p>
             <a:endParaRPr dirty="0"/>
           </a:p>
         </p:txBody>
@@ -4622,7 +4658,7 @@
           <a:p>
             <a:r>
               <a:rPr lang="zh-CN" altLang="en-US" dirty="0"/>
-              <a:t>既然已经知道了什么是链表，下面我来说明数组的使用场景。</a:t>
+              <a:t>既然已经知道了什么是链表，下面我来介绍数组的使用场景。</a:t>
             </a:r>
             <a:endParaRPr dirty="0"/>
           </a:p>
@@ -4722,7 +4758,7 @@
             </a:r>
             <a:r>
               <a:rPr lang="zh-CN" altLang="en-US" dirty="0"/>
-              <a:t>，在哈希表的中，经常用链表来实现所谓分离链表法</a:t>
+              <a:t>，在哈希表的实现中，经常用链表来实现所谓分离链表法</a:t>
             </a:r>
             <a:r>
               <a:rPr lang="en-US" altLang="zh-CN" dirty="0"/>
@@ -4730,7 +4766,17 @@
             </a:r>
             <a:r>
               <a:rPr lang="zh-CN" altLang="en-US" dirty="0"/>
-              <a:t>，目的是为了解决哈希冲突问题。另外，链表也可以用于实现图的邻接表，关于图和邻接表相关内容，我们在后续视频中会讲解。</a:t>
+              <a:t>，目的是为了解决哈希冲突问题。</a:t>
+            </a:r>
+            <a:endParaRPr lang="en-US" altLang="zh-CN" dirty="0"/>
+          </a:p>
+          <a:p>
+            <a:endParaRPr lang="en-US" altLang="zh-CN" dirty="0"/>
+          </a:p>
+          <a:p>
+            <a:r>
+              <a:rPr lang="zh-CN" altLang="en-US" dirty="0"/>
+              <a:t>另外，链表也可以用于实现图的邻接表。关于哈希表、图和邻接表等相关内容，我们在后续视频中会讲解。</a:t>
             </a:r>
             <a:endParaRPr lang="en-US" dirty="0"/>
           </a:p>
@@ -4860,7 +4906,17 @@
             </a:r>
             <a:r>
               <a:rPr lang="zh-CN" altLang="en-US" dirty="0"/>
-              <a:t>。链表中的节点一般都包含数据，还有指向下一个节点的指针或者引用，这个我们之前已经讲过。根据具体的编程语言，节点可以用结构体</a:t>
+              <a:t>。链表中的节点一般都包含数据，还有指向下一个节点的指针或者引用，这个我们之前已经讲过。</a:t>
+            </a:r>
+            <a:endParaRPr lang="en-US" altLang="zh-CN" dirty="0"/>
+          </a:p>
+          <a:p>
+            <a:endParaRPr lang="en-US" altLang="zh-CN" dirty="0"/>
+          </a:p>
+          <a:p>
+            <a:r>
+              <a:rPr lang="zh-CN" altLang="en-US" dirty="0"/>
+              <a:t>根据具体的编程语言的不同，节点可以用结构体</a:t>
             </a:r>
             <a:r>
               <a:rPr lang="en-US" altLang="zh-CN" dirty="0"/>
@@ -4868,7 +4924,7 @@
             </a:r>
             <a:r>
               <a:rPr lang="zh-CN" altLang="en-US" dirty="0"/>
-              <a:t>来表示，也可以用</a:t>
+              <a:t>来表示，也可以用类</a:t>
             </a:r>
             <a:r>
               <a:rPr lang="en-US" altLang="zh-CN" dirty="0"/>
@@ -4876,7 +4932,7 @@
             </a:r>
             <a:r>
               <a:rPr lang="zh-CN" altLang="en-US" dirty="0"/>
-              <a:t>类来表示，具体实现细节我们后面会看源代码。</a:t>
+              <a:t>来表示，关于具体实现细节我们后面会看源代码。</a:t>
             </a:r>
             <a:endParaRPr lang="en-US" dirty="0"/>
           </a:p>
@@ -5156,7 +5212,7 @@
           <a:p>
             <a:r>
               <a:rPr lang="zh-CN" altLang="en-US" dirty="0"/>
-              <a:t>关于双向链表，它的一个优势在于，通过尾指针，你可以很容易对链表进行反向遍历。另外，如果你要移除链表中的某个节点，只要有对这个节点的引用，你就可以在常量时间内移除这个节点，然后也很容易填补因移除而造成的空洞，因为你可以简单访问被移除节点的前一个和后一个节点。而对于单向链表来说，移除其中的一个节点是相对比较麻烦的。</a:t>
+              <a:t>关于双向链表，它的一个优势在于，通过尾指针，你可以很容易对链表进行反向遍历。另外，如果你要移除链表中的某个节点，只要有对这个节点的引用，你就可以在常量时间内移除这个节点，然后也很容易填补因移除而造成的空洞，因为你可以简单访问被移除节点的前一个和后一个节点。但是对于单向链表来说，移除其中的一个节点是相对比较麻烦的。</a:t>
             </a:r>
             <a:endParaRPr dirty="0"/>
           </a:p>
@@ -7098,7 +7154,7 @@
           </a:ln>
           <a:extLst>
             <a:ext uri="{C572A759-6A51-4108-AA02-DFA0A04FC94B}">
-              <ma14:wrappingTextBoxFlag xmlns:ma14="http://schemas.microsoft.com/office/mac/drawingml/2011/main" xmlns="" val="1"/>
+              <ma14:wrappingTextBoxFlag xmlns="" xmlns:ma14="http://schemas.microsoft.com/office/mac/drawingml/2011/main" val="1"/>
             </a:ext>
           </a:extLst>
         </p:spPr>
@@ -7137,7 +7193,7 @@
           </a:ln>
           <a:extLst>
             <a:ext uri="{C572A759-6A51-4108-AA02-DFA0A04FC94B}">
-              <ma14:wrappingTextBoxFlag xmlns:ma14="http://schemas.microsoft.com/office/mac/drawingml/2011/main" xmlns="" val="1"/>
+              <ma14:wrappingTextBoxFlag xmlns="" xmlns:ma14="http://schemas.microsoft.com/office/mac/drawingml/2011/main" val="1"/>
             </a:ext>
           </a:extLst>
         </p:spPr>
@@ -8234,7 +8290,7 @@
           </a:ln>
           <a:extLst>
             <a:ext uri="{C572A759-6A51-4108-AA02-DFA0A04FC94B}">
-              <ma14:wrappingTextBoxFlag xmlns:ma14="http://schemas.microsoft.com/office/mac/drawingml/2011/main" xmlns="" val="1"/>
+              <ma14:wrappingTextBoxFlag xmlns="" xmlns:ma14="http://schemas.microsoft.com/office/mac/drawingml/2011/main" val="1"/>
             </a:ext>
           </a:extLst>
         </p:spPr>
@@ -8279,7 +8335,7 @@
           </a:ln>
           <a:extLst>
             <a:ext uri="{C572A759-6A51-4108-AA02-DFA0A04FC94B}">
-              <ma14:wrappingTextBoxFlag xmlns:ma14="http://schemas.microsoft.com/office/mac/drawingml/2011/main" xmlns="" val="1"/>
+              <ma14:wrappingTextBoxFlag xmlns="" xmlns:ma14="http://schemas.microsoft.com/office/mac/drawingml/2011/main" val="1"/>
             </a:ext>
           </a:extLst>
         </p:spPr>
@@ -8324,7 +8380,7 @@
           </a:ln>
           <a:extLst>
             <a:ext uri="{C572A759-6A51-4108-AA02-DFA0A04FC94B}">
-              <ma14:wrappingTextBoxFlag xmlns:ma14="http://schemas.microsoft.com/office/mac/drawingml/2011/main" xmlns="" val="1"/>
+              <ma14:wrappingTextBoxFlag xmlns="" xmlns:ma14="http://schemas.microsoft.com/office/mac/drawingml/2011/main" val="1"/>
             </a:ext>
           </a:extLst>
         </p:spPr>
@@ -8369,7 +8425,7 @@
           </a:ln>
           <a:extLst>
             <a:ext uri="{C572A759-6A51-4108-AA02-DFA0A04FC94B}">
-              <ma14:wrappingTextBoxFlag xmlns:ma14="http://schemas.microsoft.com/office/mac/drawingml/2011/main" xmlns="" val="1"/>
+              <ma14:wrappingTextBoxFlag xmlns="" xmlns:ma14="http://schemas.microsoft.com/office/mac/drawingml/2011/main" val="1"/>
             </a:ext>
           </a:extLst>
         </p:spPr>
@@ -8525,7 +8581,7 @@
           </a:ln>
           <a:extLst>
             <a:ext uri="{C572A759-6A51-4108-AA02-DFA0A04FC94B}">
-              <ma14:wrappingTextBoxFlag xmlns:ma14="http://schemas.microsoft.com/office/mac/drawingml/2011/main" xmlns="" val="1"/>
+              <ma14:wrappingTextBoxFlag xmlns="" xmlns:ma14="http://schemas.microsoft.com/office/mac/drawingml/2011/main" val="1"/>
             </a:ext>
           </a:extLst>
         </p:spPr>
@@ -8604,7 +8660,7 @@
           </a:ln>
           <a:extLst>
             <a:ext uri="{C572A759-6A51-4108-AA02-DFA0A04FC94B}">
-              <ma14:wrappingTextBoxFlag xmlns:ma14="http://schemas.microsoft.com/office/mac/drawingml/2011/main" xmlns="" val="1"/>
+              <ma14:wrappingTextBoxFlag xmlns="" xmlns:ma14="http://schemas.microsoft.com/office/mac/drawingml/2011/main" val="1"/>
             </a:ext>
           </a:extLst>
         </p:spPr>
@@ -8689,7 +8745,7 @@
           </a:ln>
           <a:extLst>
             <a:ext uri="{C572A759-6A51-4108-AA02-DFA0A04FC94B}">
-              <ma14:wrappingTextBoxFlag xmlns:ma14="http://schemas.microsoft.com/office/mac/drawingml/2011/main" xmlns="" val="1"/>
+              <ma14:wrappingTextBoxFlag xmlns="" xmlns:ma14="http://schemas.microsoft.com/office/mac/drawingml/2011/main" val="1"/>
             </a:ext>
           </a:extLst>
         </p:spPr>
@@ -8805,7 +8861,7 @@
           </a:ln>
           <a:extLst>
             <a:ext uri="{C572A759-6A51-4108-AA02-DFA0A04FC94B}">
-              <ma14:wrappingTextBoxFlag xmlns:ma14="http://schemas.microsoft.com/office/mac/drawingml/2011/main" xmlns="" val="1"/>
+              <ma14:wrappingTextBoxFlag xmlns="" xmlns:ma14="http://schemas.microsoft.com/office/mac/drawingml/2011/main" val="1"/>
             </a:ext>
           </a:extLst>
         </p:spPr>
@@ -8850,7 +8906,7 @@
           </a:ln>
           <a:extLst>
             <a:ext uri="{C572A759-6A51-4108-AA02-DFA0A04FC94B}">
-              <ma14:wrappingTextBoxFlag xmlns:ma14="http://schemas.microsoft.com/office/mac/drawingml/2011/main" xmlns="" val="1"/>
+              <ma14:wrappingTextBoxFlag xmlns="" xmlns:ma14="http://schemas.microsoft.com/office/mac/drawingml/2011/main" val="1"/>
             </a:ext>
           </a:extLst>
         </p:spPr>
@@ -8895,7 +8951,7 @@
           </a:ln>
           <a:extLst>
             <a:ext uri="{C572A759-6A51-4108-AA02-DFA0A04FC94B}">
-              <ma14:wrappingTextBoxFlag xmlns:ma14="http://schemas.microsoft.com/office/mac/drawingml/2011/main" xmlns="" val="1"/>
+              <ma14:wrappingTextBoxFlag xmlns="" xmlns:ma14="http://schemas.microsoft.com/office/mac/drawingml/2011/main" val="1"/>
             </a:ext>
           </a:extLst>
         </p:spPr>
@@ -8940,7 +8996,7 @@
           </a:ln>
           <a:extLst>
             <a:ext uri="{C572A759-6A51-4108-AA02-DFA0A04FC94B}">
-              <ma14:wrappingTextBoxFlag xmlns:ma14="http://schemas.microsoft.com/office/mac/drawingml/2011/main" xmlns="" val="1"/>
+              <ma14:wrappingTextBoxFlag xmlns="" xmlns:ma14="http://schemas.microsoft.com/office/mac/drawingml/2011/main" val="1"/>
             </a:ext>
           </a:extLst>
         </p:spPr>
@@ -9096,7 +9152,7 @@
           </a:ln>
           <a:extLst>
             <a:ext uri="{C572A759-6A51-4108-AA02-DFA0A04FC94B}">
-              <ma14:wrappingTextBoxFlag xmlns:ma14="http://schemas.microsoft.com/office/mac/drawingml/2011/main" xmlns="" val="1"/>
+              <ma14:wrappingTextBoxFlag xmlns="" xmlns:ma14="http://schemas.microsoft.com/office/mac/drawingml/2011/main" val="1"/>
             </a:ext>
           </a:extLst>
         </p:spPr>
@@ -9175,7 +9231,7 @@
           </a:ln>
           <a:extLst>
             <a:ext uri="{C572A759-6A51-4108-AA02-DFA0A04FC94B}">
-              <ma14:wrappingTextBoxFlag xmlns:ma14="http://schemas.microsoft.com/office/mac/drawingml/2011/main" xmlns="" val="1"/>
+              <ma14:wrappingTextBoxFlag xmlns="" xmlns:ma14="http://schemas.microsoft.com/office/mac/drawingml/2011/main" val="1"/>
             </a:ext>
           </a:extLst>
         </p:spPr>
@@ -9260,7 +9316,7 @@
           </a:ln>
           <a:extLst>
             <a:ext uri="{C572A759-6A51-4108-AA02-DFA0A04FC94B}">
-              <ma14:wrappingTextBoxFlag xmlns:ma14="http://schemas.microsoft.com/office/mac/drawingml/2011/main" xmlns="" val="1"/>
+              <ma14:wrappingTextBoxFlag xmlns="" xmlns:ma14="http://schemas.microsoft.com/office/mac/drawingml/2011/main" val="1"/>
             </a:ext>
           </a:extLst>
         </p:spPr>
@@ -9345,7 +9401,7 @@
           </a:ln>
           <a:extLst>
             <a:ext uri="{C572A759-6A51-4108-AA02-DFA0A04FC94B}">
-              <ma14:wrappingTextBoxFlag xmlns:ma14="http://schemas.microsoft.com/office/mac/drawingml/2011/main" xmlns="" val="1"/>
+              <ma14:wrappingTextBoxFlag xmlns="" xmlns:ma14="http://schemas.microsoft.com/office/mac/drawingml/2011/main" val="1"/>
             </a:ext>
           </a:extLst>
         </p:spPr>
@@ -9449,7 +9505,7 @@
           </a:ln>
           <a:extLst>
             <a:ext uri="{C572A759-6A51-4108-AA02-DFA0A04FC94B}">
-              <ma14:wrappingTextBoxFlag xmlns:ma14="http://schemas.microsoft.com/office/mac/drawingml/2011/main" xmlns="" val="1"/>
+              <ma14:wrappingTextBoxFlag xmlns="" xmlns:ma14="http://schemas.microsoft.com/office/mac/drawingml/2011/main" val="1"/>
             </a:ext>
           </a:extLst>
         </p:spPr>
@@ -9494,7 +9550,7 @@
           </a:ln>
           <a:extLst>
             <a:ext uri="{C572A759-6A51-4108-AA02-DFA0A04FC94B}">
-              <ma14:wrappingTextBoxFlag xmlns:ma14="http://schemas.microsoft.com/office/mac/drawingml/2011/main" xmlns="" val="1"/>
+              <ma14:wrappingTextBoxFlag xmlns="" xmlns:ma14="http://schemas.microsoft.com/office/mac/drawingml/2011/main" val="1"/>
             </a:ext>
           </a:extLst>
         </p:spPr>
@@ -9539,7 +9595,7 @@
           </a:ln>
           <a:extLst>
             <a:ext uri="{C572A759-6A51-4108-AA02-DFA0A04FC94B}">
-              <ma14:wrappingTextBoxFlag xmlns:ma14="http://schemas.microsoft.com/office/mac/drawingml/2011/main" xmlns="" val="1"/>
+              <ma14:wrappingTextBoxFlag xmlns="" xmlns:ma14="http://schemas.microsoft.com/office/mac/drawingml/2011/main" val="1"/>
             </a:ext>
           </a:extLst>
         </p:spPr>
@@ -9584,7 +9640,7 @@
           </a:ln>
           <a:extLst>
             <a:ext uri="{C572A759-6A51-4108-AA02-DFA0A04FC94B}">
-              <ma14:wrappingTextBoxFlag xmlns:ma14="http://schemas.microsoft.com/office/mac/drawingml/2011/main" xmlns="" val="1"/>
+              <ma14:wrappingTextBoxFlag xmlns="" xmlns:ma14="http://schemas.microsoft.com/office/mac/drawingml/2011/main" val="1"/>
             </a:ext>
           </a:extLst>
         </p:spPr>
@@ -9740,7 +9796,7 @@
           </a:ln>
           <a:extLst>
             <a:ext uri="{C572A759-6A51-4108-AA02-DFA0A04FC94B}">
-              <ma14:wrappingTextBoxFlag xmlns:ma14="http://schemas.microsoft.com/office/mac/drawingml/2011/main" xmlns="" val="1"/>
+              <ma14:wrappingTextBoxFlag xmlns="" xmlns:ma14="http://schemas.microsoft.com/office/mac/drawingml/2011/main" val="1"/>
             </a:ext>
           </a:extLst>
         </p:spPr>
@@ -9819,7 +9875,7 @@
           </a:ln>
           <a:extLst>
             <a:ext uri="{C572A759-6A51-4108-AA02-DFA0A04FC94B}">
-              <ma14:wrappingTextBoxFlag xmlns:ma14="http://schemas.microsoft.com/office/mac/drawingml/2011/main" xmlns="" val="1"/>
+              <ma14:wrappingTextBoxFlag xmlns="" xmlns:ma14="http://schemas.microsoft.com/office/mac/drawingml/2011/main" val="1"/>
             </a:ext>
           </a:extLst>
         </p:spPr>
@@ -9904,7 +9960,7 @@
           </a:ln>
           <a:extLst>
             <a:ext uri="{C572A759-6A51-4108-AA02-DFA0A04FC94B}">
-              <ma14:wrappingTextBoxFlag xmlns:ma14="http://schemas.microsoft.com/office/mac/drawingml/2011/main" xmlns="" val="1"/>
+              <ma14:wrappingTextBoxFlag xmlns="" xmlns:ma14="http://schemas.microsoft.com/office/mac/drawingml/2011/main" val="1"/>
             </a:ext>
           </a:extLst>
         </p:spPr>
@@ -9989,7 +10045,7 @@
           </a:ln>
           <a:extLst>
             <a:ext uri="{C572A759-6A51-4108-AA02-DFA0A04FC94B}">
-              <ma14:wrappingTextBoxFlag xmlns:ma14="http://schemas.microsoft.com/office/mac/drawingml/2011/main" xmlns="" val="1"/>
+              <ma14:wrappingTextBoxFlag xmlns="" xmlns:ma14="http://schemas.microsoft.com/office/mac/drawingml/2011/main" val="1"/>
             </a:ext>
           </a:extLst>
         </p:spPr>
@@ -10093,7 +10149,7 @@
           </a:ln>
           <a:extLst>
             <a:ext uri="{C572A759-6A51-4108-AA02-DFA0A04FC94B}">
-              <ma14:wrappingTextBoxFlag xmlns:ma14="http://schemas.microsoft.com/office/mac/drawingml/2011/main" xmlns="" val="1"/>
+              <ma14:wrappingTextBoxFlag xmlns="" xmlns:ma14="http://schemas.microsoft.com/office/mac/drawingml/2011/main" val="1"/>
             </a:ext>
           </a:extLst>
         </p:spPr>
@@ -10138,7 +10194,7 @@
           </a:ln>
           <a:extLst>
             <a:ext uri="{C572A759-6A51-4108-AA02-DFA0A04FC94B}">
-              <ma14:wrappingTextBoxFlag xmlns:ma14="http://schemas.microsoft.com/office/mac/drawingml/2011/main" xmlns="" val="1"/>
+              <ma14:wrappingTextBoxFlag xmlns="" xmlns:ma14="http://schemas.microsoft.com/office/mac/drawingml/2011/main" val="1"/>
             </a:ext>
           </a:extLst>
         </p:spPr>
@@ -10183,7 +10239,7 @@
           </a:ln>
           <a:extLst>
             <a:ext uri="{C572A759-6A51-4108-AA02-DFA0A04FC94B}">
-              <ma14:wrappingTextBoxFlag xmlns:ma14="http://schemas.microsoft.com/office/mac/drawingml/2011/main" xmlns="" val="1"/>
+              <ma14:wrappingTextBoxFlag xmlns="" xmlns:ma14="http://schemas.microsoft.com/office/mac/drawingml/2011/main" val="1"/>
             </a:ext>
           </a:extLst>
         </p:spPr>
@@ -10228,7 +10284,7 @@
           </a:ln>
           <a:extLst>
             <a:ext uri="{C572A759-6A51-4108-AA02-DFA0A04FC94B}">
-              <ma14:wrappingTextBoxFlag xmlns:ma14="http://schemas.microsoft.com/office/mac/drawingml/2011/main" xmlns="" val="1"/>
+              <ma14:wrappingTextBoxFlag xmlns="" xmlns:ma14="http://schemas.microsoft.com/office/mac/drawingml/2011/main" val="1"/>
             </a:ext>
           </a:extLst>
         </p:spPr>
@@ -10384,7 +10440,7 @@
           </a:ln>
           <a:extLst>
             <a:ext uri="{C572A759-6A51-4108-AA02-DFA0A04FC94B}">
-              <ma14:wrappingTextBoxFlag xmlns:ma14="http://schemas.microsoft.com/office/mac/drawingml/2011/main" xmlns="" val="1"/>
+              <ma14:wrappingTextBoxFlag xmlns="" xmlns:ma14="http://schemas.microsoft.com/office/mac/drawingml/2011/main" val="1"/>
             </a:ext>
           </a:extLst>
         </p:spPr>
@@ -10463,7 +10519,7 @@
           </a:ln>
           <a:extLst>
             <a:ext uri="{C572A759-6A51-4108-AA02-DFA0A04FC94B}">
-              <ma14:wrappingTextBoxFlag xmlns:ma14="http://schemas.microsoft.com/office/mac/drawingml/2011/main" xmlns="" val="1"/>
+              <ma14:wrappingTextBoxFlag xmlns="" xmlns:ma14="http://schemas.microsoft.com/office/mac/drawingml/2011/main" val="1"/>
             </a:ext>
           </a:extLst>
         </p:spPr>
@@ -10548,7 +10604,7 @@
           </a:ln>
           <a:extLst>
             <a:ext uri="{C572A759-6A51-4108-AA02-DFA0A04FC94B}">
-              <ma14:wrappingTextBoxFlag xmlns:ma14="http://schemas.microsoft.com/office/mac/drawingml/2011/main" xmlns="" val="1"/>
+              <ma14:wrappingTextBoxFlag xmlns="" xmlns:ma14="http://schemas.microsoft.com/office/mac/drawingml/2011/main" val="1"/>
             </a:ext>
           </a:extLst>
         </p:spPr>
@@ -10633,7 +10689,7 @@
           </a:ln>
           <a:extLst>
             <a:ext uri="{C572A759-6A51-4108-AA02-DFA0A04FC94B}">
-              <ma14:wrappingTextBoxFlag xmlns:ma14="http://schemas.microsoft.com/office/mac/drawingml/2011/main" xmlns="" val="1"/>
+              <ma14:wrappingTextBoxFlag xmlns="" xmlns:ma14="http://schemas.microsoft.com/office/mac/drawingml/2011/main" val="1"/>
             </a:ext>
           </a:extLst>
         </p:spPr>
@@ -10679,7 +10735,7 @@
           </a:ln>
           <a:extLst>
             <a:ext uri="{C572A759-6A51-4108-AA02-DFA0A04FC94B}">
-              <ma14:wrappingTextBoxFlag xmlns:ma14="http://schemas.microsoft.com/office/mac/drawingml/2011/main" xmlns="" val="1"/>
+              <ma14:wrappingTextBoxFlag xmlns="" xmlns:ma14="http://schemas.microsoft.com/office/mac/drawingml/2011/main" val="1"/>
             </a:ext>
           </a:extLst>
         </p:spPr>
@@ -10790,7 +10846,7 @@
           </a:ln>
           <a:extLst>
             <a:ext uri="{C572A759-6A51-4108-AA02-DFA0A04FC94B}">
-              <ma14:wrappingTextBoxFlag xmlns:ma14="http://schemas.microsoft.com/office/mac/drawingml/2011/main" xmlns="" val="1"/>
+              <ma14:wrappingTextBoxFlag xmlns="" xmlns:ma14="http://schemas.microsoft.com/office/mac/drawingml/2011/main" val="1"/>
             </a:ext>
           </a:extLst>
         </p:spPr>
@@ -10835,7 +10891,7 @@
           </a:ln>
           <a:extLst>
             <a:ext uri="{C572A759-6A51-4108-AA02-DFA0A04FC94B}">
-              <ma14:wrappingTextBoxFlag xmlns:ma14="http://schemas.microsoft.com/office/mac/drawingml/2011/main" xmlns="" val="1"/>
+              <ma14:wrappingTextBoxFlag xmlns="" xmlns:ma14="http://schemas.microsoft.com/office/mac/drawingml/2011/main" val="1"/>
             </a:ext>
           </a:extLst>
         </p:spPr>
@@ -10880,7 +10936,7 @@
           </a:ln>
           <a:extLst>
             <a:ext uri="{C572A759-6A51-4108-AA02-DFA0A04FC94B}">
-              <ma14:wrappingTextBoxFlag xmlns:ma14="http://schemas.microsoft.com/office/mac/drawingml/2011/main" xmlns="" val="1"/>
+              <ma14:wrappingTextBoxFlag xmlns="" xmlns:ma14="http://schemas.microsoft.com/office/mac/drawingml/2011/main" val="1"/>
             </a:ext>
           </a:extLst>
         </p:spPr>
@@ -10925,7 +10981,7 @@
           </a:ln>
           <a:extLst>
             <a:ext uri="{C572A759-6A51-4108-AA02-DFA0A04FC94B}">
-              <ma14:wrappingTextBoxFlag xmlns:ma14="http://schemas.microsoft.com/office/mac/drawingml/2011/main" xmlns="" val="1"/>
+              <ma14:wrappingTextBoxFlag xmlns="" xmlns:ma14="http://schemas.microsoft.com/office/mac/drawingml/2011/main" val="1"/>
             </a:ext>
           </a:extLst>
         </p:spPr>
@@ -11081,7 +11137,7 @@
           </a:ln>
           <a:extLst>
             <a:ext uri="{C572A759-6A51-4108-AA02-DFA0A04FC94B}">
-              <ma14:wrappingTextBoxFlag xmlns:ma14="http://schemas.microsoft.com/office/mac/drawingml/2011/main" xmlns="" val="1"/>
+              <ma14:wrappingTextBoxFlag xmlns="" xmlns:ma14="http://schemas.microsoft.com/office/mac/drawingml/2011/main" val="1"/>
             </a:ext>
           </a:extLst>
         </p:spPr>
@@ -11160,7 +11216,7 @@
           </a:ln>
           <a:extLst>
             <a:ext uri="{C572A759-6A51-4108-AA02-DFA0A04FC94B}">
-              <ma14:wrappingTextBoxFlag xmlns:ma14="http://schemas.microsoft.com/office/mac/drawingml/2011/main" xmlns="" val="1"/>
+              <ma14:wrappingTextBoxFlag xmlns="" xmlns:ma14="http://schemas.microsoft.com/office/mac/drawingml/2011/main" val="1"/>
             </a:ext>
           </a:extLst>
         </p:spPr>
@@ -11245,7 +11301,7 @@
           </a:ln>
           <a:extLst>
             <a:ext uri="{C572A759-6A51-4108-AA02-DFA0A04FC94B}">
-              <ma14:wrappingTextBoxFlag xmlns:ma14="http://schemas.microsoft.com/office/mac/drawingml/2011/main" xmlns="" val="1"/>
+              <ma14:wrappingTextBoxFlag xmlns="" xmlns:ma14="http://schemas.microsoft.com/office/mac/drawingml/2011/main" val="1"/>
             </a:ext>
           </a:extLst>
         </p:spPr>
@@ -11330,7 +11386,7 @@
           </a:ln>
           <a:extLst>
             <a:ext uri="{C572A759-6A51-4108-AA02-DFA0A04FC94B}">
-              <ma14:wrappingTextBoxFlag xmlns:ma14="http://schemas.microsoft.com/office/mac/drawingml/2011/main" xmlns="" val="1"/>
+              <ma14:wrappingTextBoxFlag xmlns="" xmlns:ma14="http://schemas.microsoft.com/office/mac/drawingml/2011/main" val="1"/>
             </a:ext>
           </a:extLst>
         </p:spPr>
@@ -11376,7 +11432,7 @@
           </a:ln>
           <a:extLst>
             <a:ext uri="{C572A759-6A51-4108-AA02-DFA0A04FC94B}">
-              <ma14:wrappingTextBoxFlag xmlns:ma14="http://schemas.microsoft.com/office/mac/drawingml/2011/main" xmlns="" val="1"/>
+              <ma14:wrappingTextBoxFlag xmlns="" xmlns:ma14="http://schemas.microsoft.com/office/mac/drawingml/2011/main" val="1"/>
             </a:ext>
           </a:extLst>
         </p:spPr>
@@ -11525,7 +11581,7 @@
           </a:ln>
           <a:extLst>
             <a:ext uri="{C572A759-6A51-4108-AA02-DFA0A04FC94B}">
-              <ma14:wrappingTextBoxFlag xmlns:ma14="http://schemas.microsoft.com/office/mac/drawingml/2011/main" xmlns="" val="1"/>
+              <ma14:wrappingTextBoxFlag xmlns="" xmlns:ma14="http://schemas.microsoft.com/office/mac/drawingml/2011/main" val="1"/>
             </a:ext>
           </a:extLst>
         </p:spPr>
@@ -11570,7 +11626,7 @@
           </a:ln>
           <a:extLst>
             <a:ext uri="{C572A759-6A51-4108-AA02-DFA0A04FC94B}">
-              <ma14:wrappingTextBoxFlag xmlns:ma14="http://schemas.microsoft.com/office/mac/drawingml/2011/main" xmlns="" val="1"/>
+              <ma14:wrappingTextBoxFlag xmlns="" xmlns:ma14="http://schemas.microsoft.com/office/mac/drawingml/2011/main" val="1"/>
             </a:ext>
           </a:extLst>
         </p:spPr>
@@ -11615,7 +11671,7 @@
           </a:ln>
           <a:extLst>
             <a:ext uri="{C572A759-6A51-4108-AA02-DFA0A04FC94B}">
-              <ma14:wrappingTextBoxFlag xmlns:ma14="http://schemas.microsoft.com/office/mac/drawingml/2011/main" xmlns="" val="1"/>
+              <ma14:wrappingTextBoxFlag xmlns="" xmlns:ma14="http://schemas.microsoft.com/office/mac/drawingml/2011/main" val="1"/>
             </a:ext>
           </a:extLst>
         </p:spPr>
@@ -11660,7 +11716,7 @@
           </a:ln>
           <a:extLst>
             <a:ext uri="{C572A759-6A51-4108-AA02-DFA0A04FC94B}">
-              <ma14:wrappingTextBoxFlag xmlns:ma14="http://schemas.microsoft.com/office/mac/drawingml/2011/main" xmlns="" val="1"/>
+              <ma14:wrappingTextBoxFlag xmlns="" xmlns:ma14="http://schemas.microsoft.com/office/mac/drawingml/2011/main" val="1"/>
             </a:ext>
           </a:extLst>
         </p:spPr>
@@ -11816,7 +11872,7 @@
           </a:ln>
           <a:extLst>
             <a:ext uri="{C572A759-6A51-4108-AA02-DFA0A04FC94B}">
-              <ma14:wrappingTextBoxFlag xmlns:ma14="http://schemas.microsoft.com/office/mac/drawingml/2011/main" xmlns="" val="1"/>
+              <ma14:wrappingTextBoxFlag xmlns="" xmlns:ma14="http://schemas.microsoft.com/office/mac/drawingml/2011/main" val="1"/>
             </a:ext>
           </a:extLst>
         </p:spPr>
@@ -11895,7 +11951,7 @@
           </a:ln>
           <a:extLst>
             <a:ext uri="{C572A759-6A51-4108-AA02-DFA0A04FC94B}">
-              <ma14:wrappingTextBoxFlag xmlns:ma14="http://schemas.microsoft.com/office/mac/drawingml/2011/main" xmlns="" val="1"/>
+              <ma14:wrappingTextBoxFlag xmlns="" xmlns:ma14="http://schemas.microsoft.com/office/mac/drawingml/2011/main" val="1"/>
             </a:ext>
           </a:extLst>
         </p:spPr>
@@ -11980,7 +12036,7 @@
           </a:ln>
           <a:extLst>
             <a:ext uri="{C572A759-6A51-4108-AA02-DFA0A04FC94B}">
-              <ma14:wrappingTextBoxFlag xmlns:ma14="http://schemas.microsoft.com/office/mac/drawingml/2011/main" xmlns="" val="1"/>
+              <ma14:wrappingTextBoxFlag xmlns="" xmlns:ma14="http://schemas.microsoft.com/office/mac/drawingml/2011/main" val="1"/>
             </a:ext>
           </a:extLst>
         </p:spPr>
@@ -12065,7 +12121,7 @@
           </a:ln>
           <a:extLst>
             <a:ext uri="{C572A759-6A51-4108-AA02-DFA0A04FC94B}">
-              <ma14:wrappingTextBoxFlag xmlns:ma14="http://schemas.microsoft.com/office/mac/drawingml/2011/main" xmlns="" val="1"/>
+              <ma14:wrappingTextBoxFlag xmlns="" xmlns:ma14="http://schemas.microsoft.com/office/mac/drawingml/2011/main" val="1"/>
             </a:ext>
           </a:extLst>
         </p:spPr>
@@ -12111,7 +12167,7 @@
           </a:ln>
           <a:extLst>
             <a:ext uri="{C572A759-6A51-4108-AA02-DFA0A04FC94B}">
-              <ma14:wrappingTextBoxFlag xmlns:ma14="http://schemas.microsoft.com/office/mac/drawingml/2011/main" xmlns="" val="1"/>
+              <ma14:wrappingTextBoxFlag xmlns="" xmlns:ma14="http://schemas.microsoft.com/office/mac/drawingml/2011/main" val="1"/>
             </a:ext>
           </a:extLst>
         </p:spPr>
@@ -12260,7 +12316,7 @@
           </a:ln>
           <a:extLst>
             <a:ext uri="{C572A759-6A51-4108-AA02-DFA0A04FC94B}">
-              <ma14:wrappingTextBoxFlag xmlns:ma14="http://schemas.microsoft.com/office/mac/drawingml/2011/main" xmlns="" val="1"/>
+              <ma14:wrappingTextBoxFlag xmlns="" xmlns:ma14="http://schemas.microsoft.com/office/mac/drawingml/2011/main" val="1"/>
             </a:ext>
           </a:extLst>
         </p:spPr>
@@ -12305,7 +12361,7 @@
           </a:ln>
           <a:extLst>
             <a:ext uri="{C572A759-6A51-4108-AA02-DFA0A04FC94B}">
-              <ma14:wrappingTextBoxFlag xmlns:ma14="http://schemas.microsoft.com/office/mac/drawingml/2011/main" xmlns="" val="1"/>
+              <ma14:wrappingTextBoxFlag xmlns="" xmlns:ma14="http://schemas.microsoft.com/office/mac/drawingml/2011/main" val="1"/>
             </a:ext>
           </a:extLst>
         </p:spPr>
@@ -12350,7 +12406,7 @@
           </a:ln>
           <a:extLst>
             <a:ext uri="{C572A759-6A51-4108-AA02-DFA0A04FC94B}">
-              <ma14:wrappingTextBoxFlag xmlns:ma14="http://schemas.microsoft.com/office/mac/drawingml/2011/main" xmlns="" val="1"/>
+              <ma14:wrappingTextBoxFlag xmlns="" xmlns:ma14="http://schemas.microsoft.com/office/mac/drawingml/2011/main" val="1"/>
             </a:ext>
           </a:extLst>
         </p:spPr>
@@ -12395,7 +12451,7 @@
           </a:ln>
           <a:extLst>
             <a:ext uri="{C572A759-6A51-4108-AA02-DFA0A04FC94B}">
-              <ma14:wrappingTextBoxFlag xmlns:ma14="http://schemas.microsoft.com/office/mac/drawingml/2011/main" xmlns="" val="1"/>
+              <ma14:wrappingTextBoxFlag xmlns="" xmlns:ma14="http://schemas.microsoft.com/office/mac/drawingml/2011/main" val="1"/>
             </a:ext>
           </a:extLst>
         </p:spPr>
@@ -12513,7 +12569,7 @@
           </a:ln>
           <a:extLst>
             <a:ext uri="{C572A759-6A51-4108-AA02-DFA0A04FC94B}">
-              <ma14:wrappingTextBoxFlag xmlns:ma14="http://schemas.microsoft.com/office/mac/drawingml/2011/main" xmlns="" val="1"/>
+              <ma14:wrappingTextBoxFlag xmlns="" xmlns:ma14="http://schemas.microsoft.com/office/mac/drawingml/2011/main" val="1"/>
             </a:ext>
           </a:extLst>
         </p:spPr>
@@ -12592,7 +12648,7 @@
           </a:ln>
           <a:extLst>
             <a:ext uri="{C572A759-6A51-4108-AA02-DFA0A04FC94B}">
-              <ma14:wrappingTextBoxFlag xmlns:ma14="http://schemas.microsoft.com/office/mac/drawingml/2011/main" xmlns="" val="1"/>
+              <ma14:wrappingTextBoxFlag xmlns="" xmlns:ma14="http://schemas.microsoft.com/office/mac/drawingml/2011/main" val="1"/>
             </a:ext>
           </a:extLst>
         </p:spPr>
@@ -12677,7 +12733,7 @@
           </a:ln>
           <a:extLst>
             <a:ext uri="{C572A759-6A51-4108-AA02-DFA0A04FC94B}">
-              <ma14:wrappingTextBoxFlag xmlns:ma14="http://schemas.microsoft.com/office/mac/drawingml/2011/main" xmlns="" val="1"/>
+              <ma14:wrappingTextBoxFlag xmlns="" xmlns:ma14="http://schemas.microsoft.com/office/mac/drawingml/2011/main" val="1"/>
             </a:ext>
           </a:extLst>
         </p:spPr>
@@ -12762,7 +12818,7 @@
           </a:ln>
           <a:extLst>
             <a:ext uri="{C572A759-6A51-4108-AA02-DFA0A04FC94B}">
-              <ma14:wrappingTextBoxFlag xmlns:ma14="http://schemas.microsoft.com/office/mac/drawingml/2011/main" xmlns="" val="1"/>
+              <ma14:wrappingTextBoxFlag xmlns="" xmlns:ma14="http://schemas.microsoft.com/office/mac/drawingml/2011/main" val="1"/>
             </a:ext>
           </a:extLst>
         </p:spPr>
@@ -12808,7 +12864,7 @@
           </a:ln>
           <a:extLst>
             <a:ext uri="{C572A759-6A51-4108-AA02-DFA0A04FC94B}">
-              <ma14:wrappingTextBoxFlag xmlns:ma14="http://schemas.microsoft.com/office/mac/drawingml/2011/main" xmlns="" val="1"/>
+              <ma14:wrappingTextBoxFlag xmlns="" xmlns:ma14="http://schemas.microsoft.com/office/mac/drawingml/2011/main" val="1"/>
             </a:ext>
           </a:extLst>
         </p:spPr>
@@ -12995,7 +13051,7 @@
           </a:ln>
           <a:extLst>
             <a:ext uri="{C572A759-6A51-4108-AA02-DFA0A04FC94B}">
-              <ma14:wrappingTextBoxFlag xmlns:ma14="http://schemas.microsoft.com/office/mac/drawingml/2011/main" xmlns="" val="1"/>
+              <ma14:wrappingTextBoxFlag xmlns="" xmlns:ma14="http://schemas.microsoft.com/office/mac/drawingml/2011/main" val="1"/>
             </a:ext>
           </a:extLst>
         </p:spPr>
@@ -13040,7 +13096,7 @@
           </a:ln>
           <a:extLst>
             <a:ext uri="{C572A759-6A51-4108-AA02-DFA0A04FC94B}">
-              <ma14:wrappingTextBoxFlag xmlns:ma14="http://schemas.microsoft.com/office/mac/drawingml/2011/main" xmlns="" val="1"/>
+              <ma14:wrappingTextBoxFlag xmlns="" xmlns:ma14="http://schemas.microsoft.com/office/mac/drawingml/2011/main" val="1"/>
             </a:ext>
           </a:extLst>
         </p:spPr>
@@ -13085,7 +13141,7 @@
           </a:ln>
           <a:extLst>
             <a:ext uri="{C572A759-6A51-4108-AA02-DFA0A04FC94B}">
-              <ma14:wrappingTextBoxFlag xmlns:ma14="http://schemas.microsoft.com/office/mac/drawingml/2011/main" xmlns="" val="1"/>
+              <ma14:wrappingTextBoxFlag xmlns="" xmlns:ma14="http://schemas.microsoft.com/office/mac/drawingml/2011/main" val="1"/>
             </a:ext>
           </a:extLst>
         </p:spPr>
@@ -13130,7 +13186,7 @@
           </a:ln>
           <a:extLst>
             <a:ext uri="{C572A759-6A51-4108-AA02-DFA0A04FC94B}">
-              <ma14:wrappingTextBoxFlag xmlns:ma14="http://schemas.microsoft.com/office/mac/drawingml/2011/main" xmlns="" val="1"/>
+              <ma14:wrappingTextBoxFlag xmlns="" xmlns:ma14="http://schemas.microsoft.com/office/mac/drawingml/2011/main" val="1"/>
             </a:ext>
           </a:extLst>
         </p:spPr>
@@ -13248,7 +13304,7 @@
           </a:ln>
           <a:extLst>
             <a:ext uri="{C572A759-6A51-4108-AA02-DFA0A04FC94B}">
-              <ma14:wrappingTextBoxFlag xmlns:ma14="http://schemas.microsoft.com/office/mac/drawingml/2011/main" xmlns="" val="1"/>
+              <ma14:wrappingTextBoxFlag xmlns="" xmlns:ma14="http://schemas.microsoft.com/office/mac/drawingml/2011/main" val="1"/>
             </a:ext>
           </a:extLst>
         </p:spPr>
@@ -13327,7 +13383,7 @@
           </a:ln>
           <a:extLst>
             <a:ext uri="{C572A759-6A51-4108-AA02-DFA0A04FC94B}">
-              <ma14:wrappingTextBoxFlag xmlns:ma14="http://schemas.microsoft.com/office/mac/drawingml/2011/main" xmlns="" val="1"/>
+              <ma14:wrappingTextBoxFlag xmlns="" xmlns:ma14="http://schemas.microsoft.com/office/mac/drawingml/2011/main" val="1"/>
             </a:ext>
           </a:extLst>
         </p:spPr>
@@ -13412,7 +13468,7 @@
           </a:ln>
           <a:extLst>
             <a:ext uri="{C572A759-6A51-4108-AA02-DFA0A04FC94B}">
-              <ma14:wrappingTextBoxFlag xmlns:ma14="http://schemas.microsoft.com/office/mac/drawingml/2011/main" xmlns="" val="1"/>
+              <ma14:wrappingTextBoxFlag xmlns="" xmlns:ma14="http://schemas.microsoft.com/office/mac/drawingml/2011/main" val="1"/>
             </a:ext>
           </a:extLst>
         </p:spPr>
@@ -13462,7 +13518,7 @@
           </a:ln>
           <a:extLst>
             <a:ext uri="{C572A759-6A51-4108-AA02-DFA0A04FC94B}">
-              <ma14:wrappingTextBoxFlag xmlns:ma14="http://schemas.microsoft.com/office/mac/drawingml/2011/main" xmlns="" val="1"/>
+              <ma14:wrappingTextBoxFlag xmlns="" xmlns:ma14="http://schemas.microsoft.com/office/mac/drawingml/2011/main" val="1"/>
             </a:ext>
           </a:extLst>
         </p:spPr>
@@ -13647,7 +13703,7 @@
           </a:ln>
           <a:extLst>
             <a:ext uri="{C572A759-6A51-4108-AA02-DFA0A04FC94B}">
-              <ma14:wrappingTextBoxFlag xmlns:ma14="http://schemas.microsoft.com/office/mac/drawingml/2011/main" xmlns="" val="1"/>
+              <ma14:wrappingTextBoxFlag xmlns="" xmlns:ma14="http://schemas.microsoft.com/office/mac/drawingml/2011/main" val="1"/>
             </a:ext>
           </a:extLst>
         </p:spPr>
@@ -13692,7 +13748,7 @@
           </a:ln>
           <a:extLst>
             <a:ext uri="{C572A759-6A51-4108-AA02-DFA0A04FC94B}">
-              <ma14:wrappingTextBoxFlag xmlns:ma14="http://schemas.microsoft.com/office/mac/drawingml/2011/main" xmlns="" val="1"/>
+              <ma14:wrappingTextBoxFlag xmlns="" xmlns:ma14="http://schemas.microsoft.com/office/mac/drawingml/2011/main" val="1"/>
             </a:ext>
           </a:extLst>
         </p:spPr>
@@ -13737,7 +13793,7 @@
           </a:ln>
           <a:extLst>
             <a:ext uri="{C572A759-6A51-4108-AA02-DFA0A04FC94B}">
-              <ma14:wrappingTextBoxFlag xmlns:ma14="http://schemas.microsoft.com/office/mac/drawingml/2011/main" xmlns="" val="1"/>
+              <ma14:wrappingTextBoxFlag xmlns="" xmlns:ma14="http://schemas.microsoft.com/office/mac/drawingml/2011/main" val="1"/>
             </a:ext>
           </a:extLst>
         </p:spPr>
@@ -13782,7 +13838,7 @@
           </a:ln>
           <a:extLst>
             <a:ext uri="{C572A759-6A51-4108-AA02-DFA0A04FC94B}">
-              <ma14:wrappingTextBoxFlag xmlns:ma14="http://schemas.microsoft.com/office/mac/drawingml/2011/main" xmlns="" val="1"/>
+              <ma14:wrappingTextBoxFlag xmlns="" xmlns:ma14="http://schemas.microsoft.com/office/mac/drawingml/2011/main" val="1"/>
             </a:ext>
           </a:extLst>
         </p:spPr>
@@ -13862,7 +13918,7 @@
           </a:ln>
           <a:extLst>
             <a:ext uri="{C572A759-6A51-4108-AA02-DFA0A04FC94B}">
-              <ma14:wrappingTextBoxFlag xmlns:ma14="http://schemas.microsoft.com/office/mac/drawingml/2011/main" xmlns="" val="1"/>
+              <ma14:wrappingTextBoxFlag xmlns="" xmlns:ma14="http://schemas.microsoft.com/office/mac/drawingml/2011/main" val="1"/>
             </a:ext>
           </a:extLst>
         </p:spPr>
@@ -13941,7 +13997,7 @@
           </a:ln>
           <a:extLst>
             <a:ext uri="{C572A759-6A51-4108-AA02-DFA0A04FC94B}">
-              <ma14:wrappingTextBoxFlag xmlns:ma14="http://schemas.microsoft.com/office/mac/drawingml/2011/main" xmlns="" val="1"/>
+              <ma14:wrappingTextBoxFlag xmlns="" xmlns:ma14="http://schemas.microsoft.com/office/mac/drawingml/2011/main" val="1"/>
             </a:ext>
           </a:extLst>
         </p:spPr>
@@ -14026,7 +14082,7 @@
           </a:ln>
           <a:extLst>
             <a:ext uri="{C572A759-6A51-4108-AA02-DFA0A04FC94B}">
-              <ma14:wrappingTextBoxFlag xmlns:ma14="http://schemas.microsoft.com/office/mac/drawingml/2011/main" xmlns="" val="1"/>
+              <ma14:wrappingTextBoxFlag xmlns="" xmlns:ma14="http://schemas.microsoft.com/office/mac/drawingml/2011/main" val="1"/>
             </a:ext>
           </a:extLst>
         </p:spPr>
@@ -14330,7 +14386,7 @@
           </a:ln>
           <a:extLst>
             <a:ext uri="{C572A759-6A51-4108-AA02-DFA0A04FC94B}">
-              <ma14:wrappingTextBoxFlag xmlns:ma14="http://schemas.microsoft.com/office/mac/drawingml/2011/main" xmlns="" val="1"/>
+              <ma14:wrappingTextBoxFlag xmlns="" xmlns:ma14="http://schemas.microsoft.com/office/mac/drawingml/2011/main" val="1"/>
             </a:ext>
           </a:extLst>
         </p:spPr>
@@ -14375,7 +14431,7 @@
           </a:ln>
           <a:extLst>
             <a:ext uri="{C572A759-6A51-4108-AA02-DFA0A04FC94B}">
-              <ma14:wrappingTextBoxFlag xmlns:ma14="http://schemas.microsoft.com/office/mac/drawingml/2011/main" xmlns="" val="1"/>
+              <ma14:wrappingTextBoxFlag xmlns="" xmlns:ma14="http://schemas.microsoft.com/office/mac/drawingml/2011/main" val="1"/>
             </a:ext>
           </a:extLst>
         </p:spPr>
@@ -14420,7 +14476,7 @@
           </a:ln>
           <a:extLst>
             <a:ext uri="{C572A759-6A51-4108-AA02-DFA0A04FC94B}">
-              <ma14:wrappingTextBoxFlag xmlns:ma14="http://schemas.microsoft.com/office/mac/drawingml/2011/main" xmlns="" val="1"/>
+              <ma14:wrappingTextBoxFlag xmlns="" xmlns:ma14="http://schemas.microsoft.com/office/mac/drawingml/2011/main" val="1"/>
             </a:ext>
           </a:extLst>
         </p:spPr>
@@ -14465,7 +14521,7 @@
           </a:ln>
           <a:extLst>
             <a:ext uri="{C572A759-6A51-4108-AA02-DFA0A04FC94B}">
-              <ma14:wrappingTextBoxFlag xmlns:ma14="http://schemas.microsoft.com/office/mac/drawingml/2011/main" xmlns="" val="1"/>
+              <ma14:wrappingTextBoxFlag xmlns="" xmlns:ma14="http://schemas.microsoft.com/office/mac/drawingml/2011/main" val="1"/>
             </a:ext>
           </a:extLst>
         </p:spPr>
@@ -14545,7 +14601,7 @@
           </a:ln>
           <a:extLst>
             <a:ext uri="{C572A759-6A51-4108-AA02-DFA0A04FC94B}">
-              <ma14:wrappingTextBoxFlag xmlns:ma14="http://schemas.microsoft.com/office/mac/drawingml/2011/main" xmlns="" val="1"/>
+              <ma14:wrappingTextBoxFlag xmlns="" xmlns:ma14="http://schemas.microsoft.com/office/mac/drawingml/2011/main" val="1"/>
             </a:ext>
           </a:extLst>
         </p:spPr>
@@ -14624,7 +14680,7 @@
           </a:ln>
           <a:extLst>
             <a:ext uri="{C572A759-6A51-4108-AA02-DFA0A04FC94B}">
-              <ma14:wrappingTextBoxFlag xmlns:ma14="http://schemas.microsoft.com/office/mac/drawingml/2011/main" xmlns="" val="1"/>
+              <ma14:wrappingTextBoxFlag xmlns="" xmlns:ma14="http://schemas.microsoft.com/office/mac/drawingml/2011/main" val="1"/>
             </a:ext>
           </a:extLst>
         </p:spPr>
@@ -14709,7 +14765,7 @@
           </a:ln>
           <a:extLst>
             <a:ext uri="{C572A759-6A51-4108-AA02-DFA0A04FC94B}">
-              <ma14:wrappingTextBoxFlag xmlns:ma14="http://schemas.microsoft.com/office/mac/drawingml/2011/main" xmlns="" val="1"/>
+              <ma14:wrappingTextBoxFlag xmlns="" xmlns:ma14="http://schemas.microsoft.com/office/mac/drawingml/2011/main" val="1"/>
             </a:ext>
           </a:extLst>
         </p:spPr>
@@ -14984,7 +15040,7 @@
           </a:ln>
           <a:extLst>
             <a:ext uri="{C572A759-6A51-4108-AA02-DFA0A04FC94B}">
-              <ma14:wrappingTextBoxFlag xmlns:ma14="http://schemas.microsoft.com/office/mac/drawingml/2011/main" xmlns="" val="1"/>
+              <ma14:wrappingTextBoxFlag xmlns="" xmlns:ma14="http://schemas.microsoft.com/office/mac/drawingml/2011/main" val="1"/>
             </a:ext>
           </a:extLst>
         </p:spPr>
@@ -15315,7 +15371,7 @@
           </a:ln>
           <a:extLst>
             <a:ext uri="{C572A759-6A51-4108-AA02-DFA0A04FC94B}">
-              <ma14:wrappingTextBoxFlag xmlns:ma14="http://schemas.microsoft.com/office/mac/drawingml/2011/main" xmlns="" val="1"/>
+              <ma14:wrappingTextBoxFlag xmlns="" xmlns:ma14="http://schemas.microsoft.com/office/mac/drawingml/2011/main" val="1"/>
             </a:ext>
           </a:extLst>
         </p:spPr>
@@ -15360,7 +15416,7 @@
           </a:ln>
           <a:extLst>
             <a:ext uri="{C572A759-6A51-4108-AA02-DFA0A04FC94B}">
-              <ma14:wrappingTextBoxFlag xmlns:ma14="http://schemas.microsoft.com/office/mac/drawingml/2011/main" xmlns="" val="1"/>
+              <ma14:wrappingTextBoxFlag xmlns="" xmlns:ma14="http://schemas.microsoft.com/office/mac/drawingml/2011/main" val="1"/>
             </a:ext>
           </a:extLst>
         </p:spPr>
@@ -15405,7 +15461,7 @@
           </a:ln>
           <a:extLst>
             <a:ext uri="{C572A759-6A51-4108-AA02-DFA0A04FC94B}">
-              <ma14:wrappingTextBoxFlag xmlns:ma14="http://schemas.microsoft.com/office/mac/drawingml/2011/main" xmlns="" val="1"/>
+              <ma14:wrappingTextBoxFlag xmlns="" xmlns:ma14="http://schemas.microsoft.com/office/mac/drawingml/2011/main" val="1"/>
             </a:ext>
           </a:extLst>
         </p:spPr>
@@ -15450,7 +15506,7 @@
           </a:ln>
           <a:extLst>
             <a:ext uri="{C572A759-6A51-4108-AA02-DFA0A04FC94B}">
-              <ma14:wrappingTextBoxFlag xmlns:ma14="http://schemas.microsoft.com/office/mac/drawingml/2011/main" xmlns="" val="1"/>
+              <ma14:wrappingTextBoxFlag xmlns="" xmlns:ma14="http://schemas.microsoft.com/office/mac/drawingml/2011/main" val="1"/>
             </a:ext>
           </a:extLst>
         </p:spPr>
@@ -15530,7 +15586,7 @@
           </a:ln>
           <a:extLst>
             <a:ext uri="{C572A759-6A51-4108-AA02-DFA0A04FC94B}">
-              <ma14:wrappingTextBoxFlag xmlns:ma14="http://schemas.microsoft.com/office/mac/drawingml/2011/main" xmlns="" val="1"/>
+              <ma14:wrappingTextBoxFlag xmlns="" xmlns:ma14="http://schemas.microsoft.com/office/mac/drawingml/2011/main" val="1"/>
             </a:ext>
           </a:extLst>
         </p:spPr>
@@ -15609,7 +15665,7 @@
           </a:ln>
           <a:extLst>
             <a:ext uri="{C572A759-6A51-4108-AA02-DFA0A04FC94B}">
-              <ma14:wrappingTextBoxFlag xmlns:ma14="http://schemas.microsoft.com/office/mac/drawingml/2011/main" xmlns="" val="1"/>
+              <ma14:wrappingTextBoxFlag xmlns="" xmlns:ma14="http://schemas.microsoft.com/office/mac/drawingml/2011/main" val="1"/>
             </a:ext>
           </a:extLst>
         </p:spPr>
@@ -15694,7 +15750,7 @@
           </a:ln>
           <a:extLst>
             <a:ext uri="{C572A759-6A51-4108-AA02-DFA0A04FC94B}">
-              <ma14:wrappingTextBoxFlag xmlns:ma14="http://schemas.microsoft.com/office/mac/drawingml/2011/main" xmlns="" val="1"/>
+              <ma14:wrappingTextBoxFlag xmlns="" xmlns:ma14="http://schemas.microsoft.com/office/mac/drawingml/2011/main" val="1"/>
             </a:ext>
           </a:extLst>
         </p:spPr>
@@ -15969,7 +16025,7 @@
           </a:ln>
           <a:extLst>
             <a:ext uri="{C572A759-6A51-4108-AA02-DFA0A04FC94B}">
-              <ma14:wrappingTextBoxFlag xmlns:ma14="http://schemas.microsoft.com/office/mac/drawingml/2011/main" xmlns="" val="1"/>
+              <ma14:wrappingTextBoxFlag xmlns="" xmlns:ma14="http://schemas.microsoft.com/office/mac/drawingml/2011/main" val="1"/>
             </a:ext>
           </a:extLst>
         </p:spPr>
@@ -16071,7 +16127,7 @@
           </a:ln>
           <a:extLst>
             <a:ext uri="{C572A759-6A51-4108-AA02-DFA0A04FC94B}">
-              <ma14:wrappingTextBoxFlag xmlns:ma14="http://schemas.microsoft.com/office/mac/drawingml/2011/main" xmlns="" val="1"/>
+              <ma14:wrappingTextBoxFlag xmlns="" xmlns:ma14="http://schemas.microsoft.com/office/mac/drawingml/2011/main" val="1"/>
             </a:ext>
           </a:extLst>
         </p:spPr>
@@ -16116,7 +16172,7 @@
           </a:ln>
           <a:extLst>
             <a:ext uri="{C572A759-6A51-4108-AA02-DFA0A04FC94B}">
-              <ma14:wrappingTextBoxFlag xmlns:ma14="http://schemas.microsoft.com/office/mac/drawingml/2011/main" xmlns="" val="1"/>
+              <ma14:wrappingTextBoxFlag xmlns="" xmlns:ma14="http://schemas.microsoft.com/office/mac/drawingml/2011/main" val="1"/>
             </a:ext>
           </a:extLst>
         </p:spPr>
@@ -16161,7 +16217,7 @@
           </a:ln>
           <a:extLst>
             <a:ext uri="{C572A759-6A51-4108-AA02-DFA0A04FC94B}">
-              <ma14:wrappingTextBoxFlag xmlns:ma14="http://schemas.microsoft.com/office/mac/drawingml/2011/main" xmlns="" val="1"/>
+              <ma14:wrappingTextBoxFlag xmlns="" xmlns:ma14="http://schemas.microsoft.com/office/mac/drawingml/2011/main" val="1"/>
             </a:ext>
           </a:extLst>
         </p:spPr>
@@ -16206,7 +16262,7 @@
           </a:ln>
           <a:extLst>
             <a:ext uri="{C572A759-6A51-4108-AA02-DFA0A04FC94B}">
-              <ma14:wrappingTextBoxFlag xmlns:ma14="http://schemas.microsoft.com/office/mac/drawingml/2011/main" xmlns="" val="1"/>
+              <ma14:wrappingTextBoxFlag xmlns="" xmlns:ma14="http://schemas.microsoft.com/office/mac/drawingml/2011/main" val="1"/>
             </a:ext>
           </a:extLst>
         </p:spPr>
@@ -16286,7 +16342,7 @@
           </a:ln>
           <a:extLst>
             <a:ext uri="{C572A759-6A51-4108-AA02-DFA0A04FC94B}">
-              <ma14:wrappingTextBoxFlag xmlns:ma14="http://schemas.microsoft.com/office/mac/drawingml/2011/main" xmlns="" val="1"/>
+              <ma14:wrappingTextBoxFlag xmlns="" xmlns:ma14="http://schemas.microsoft.com/office/mac/drawingml/2011/main" val="1"/>
             </a:ext>
           </a:extLst>
         </p:spPr>
@@ -16365,7 +16421,7 @@
           </a:ln>
           <a:extLst>
             <a:ext uri="{C572A759-6A51-4108-AA02-DFA0A04FC94B}">
-              <ma14:wrappingTextBoxFlag xmlns:ma14="http://schemas.microsoft.com/office/mac/drawingml/2011/main" xmlns="" val="1"/>
+              <ma14:wrappingTextBoxFlag xmlns="" xmlns:ma14="http://schemas.microsoft.com/office/mac/drawingml/2011/main" val="1"/>
             </a:ext>
           </a:extLst>
         </p:spPr>
@@ -16450,7 +16506,7 @@
           </a:ln>
           <a:extLst>
             <a:ext uri="{C572A759-6A51-4108-AA02-DFA0A04FC94B}">
-              <ma14:wrappingTextBoxFlag xmlns:ma14="http://schemas.microsoft.com/office/mac/drawingml/2011/main" xmlns="" val="1"/>
+              <ma14:wrappingTextBoxFlag xmlns="" xmlns:ma14="http://schemas.microsoft.com/office/mac/drawingml/2011/main" val="1"/>
             </a:ext>
           </a:extLst>
         </p:spPr>
@@ -16725,7 +16781,7 @@
           </a:ln>
           <a:extLst>
             <a:ext uri="{C572A759-6A51-4108-AA02-DFA0A04FC94B}">
-              <ma14:wrappingTextBoxFlag xmlns:ma14="http://schemas.microsoft.com/office/mac/drawingml/2011/main" xmlns="" val="1"/>
+              <ma14:wrappingTextBoxFlag xmlns="" xmlns:ma14="http://schemas.microsoft.com/office/mac/drawingml/2011/main" val="1"/>
             </a:ext>
           </a:extLst>
         </p:spPr>
@@ -16771,7 +16827,7 @@
           </a:ln>
           <a:extLst>
             <a:ext uri="{C572A759-6A51-4108-AA02-DFA0A04FC94B}">
-              <ma14:wrappingTextBoxFlag xmlns:ma14="http://schemas.microsoft.com/office/mac/drawingml/2011/main" xmlns="" val="1"/>
+              <ma14:wrappingTextBoxFlag xmlns="" xmlns:ma14="http://schemas.microsoft.com/office/mac/drawingml/2011/main" val="1"/>
             </a:ext>
           </a:extLst>
         </p:spPr>
@@ -16880,7 +16936,7 @@
           </a:ln>
           <a:extLst>
             <a:ext uri="{C572A759-6A51-4108-AA02-DFA0A04FC94B}">
-              <ma14:wrappingTextBoxFlag xmlns:ma14="http://schemas.microsoft.com/office/mac/drawingml/2011/main" xmlns="" val="1"/>
+              <ma14:wrappingTextBoxFlag xmlns="" xmlns:ma14="http://schemas.microsoft.com/office/mac/drawingml/2011/main" val="1"/>
             </a:ext>
           </a:extLst>
         </p:spPr>
@@ -16925,7 +16981,7 @@
           </a:ln>
           <a:extLst>
             <a:ext uri="{C572A759-6A51-4108-AA02-DFA0A04FC94B}">
-              <ma14:wrappingTextBoxFlag xmlns:ma14="http://schemas.microsoft.com/office/mac/drawingml/2011/main" xmlns="" val="1"/>
+              <ma14:wrappingTextBoxFlag xmlns="" xmlns:ma14="http://schemas.microsoft.com/office/mac/drawingml/2011/main" val="1"/>
             </a:ext>
           </a:extLst>
         </p:spPr>
@@ -16970,7 +17026,7 @@
           </a:ln>
           <a:extLst>
             <a:ext uri="{C572A759-6A51-4108-AA02-DFA0A04FC94B}">
-              <ma14:wrappingTextBoxFlag xmlns:ma14="http://schemas.microsoft.com/office/mac/drawingml/2011/main" xmlns="" val="1"/>
+              <ma14:wrappingTextBoxFlag xmlns="" xmlns:ma14="http://schemas.microsoft.com/office/mac/drawingml/2011/main" val="1"/>
             </a:ext>
           </a:extLst>
         </p:spPr>
@@ -17015,7 +17071,7 @@
           </a:ln>
           <a:extLst>
             <a:ext uri="{C572A759-6A51-4108-AA02-DFA0A04FC94B}">
-              <ma14:wrappingTextBoxFlag xmlns:ma14="http://schemas.microsoft.com/office/mac/drawingml/2011/main" xmlns="" val="1"/>
+              <ma14:wrappingTextBoxFlag xmlns="" xmlns:ma14="http://schemas.microsoft.com/office/mac/drawingml/2011/main" val="1"/>
             </a:ext>
           </a:extLst>
         </p:spPr>
@@ -17095,7 +17151,7 @@
           </a:ln>
           <a:extLst>
             <a:ext uri="{C572A759-6A51-4108-AA02-DFA0A04FC94B}">
-              <ma14:wrappingTextBoxFlag xmlns:ma14="http://schemas.microsoft.com/office/mac/drawingml/2011/main" xmlns="" val="1"/>
+              <ma14:wrappingTextBoxFlag xmlns="" xmlns:ma14="http://schemas.microsoft.com/office/mac/drawingml/2011/main" val="1"/>
             </a:ext>
           </a:extLst>
         </p:spPr>
@@ -17174,7 +17230,7 @@
           </a:ln>
           <a:extLst>
             <a:ext uri="{C572A759-6A51-4108-AA02-DFA0A04FC94B}">
-              <ma14:wrappingTextBoxFlag xmlns:ma14="http://schemas.microsoft.com/office/mac/drawingml/2011/main" xmlns="" val="1"/>
+              <ma14:wrappingTextBoxFlag xmlns="" xmlns:ma14="http://schemas.microsoft.com/office/mac/drawingml/2011/main" val="1"/>
             </a:ext>
           </a:extLst>
         </p:spPr>
@@ -17259,7 +17315,7 @@
           </a:ln>
           <a:extLst>
             <a:ext uri="{C572A759-6A51-4108-AA02-DFA0A04FC94B}">
-              <ma14:wrappingTextBoxFlag xmlns:ma14="http://schemas.microsoft.com/office/mac/drawingml/2011/main" xmlns="" val="1"/>
+              <ma14:wrappingTextBoxFlag xmlns="" xmlns:ma14="http://schemas.microsoft.com/office/mac/drawingml/2011/main" val="1"/>
             </a:ext>
           </a:extLst>
         </p:spPr>
@@ -17534,7 +17590,7 @@
           </a:ln>
           <a:extLst>
             <a:ext uri="{C572A759-6A51-4108-AA02-DFA0A04FC94B}">
-              <ma14:wrappingTextBoxFlag xmlns:ma14="http://schemas.microsoft.com/office/mac/drawingml/2011/main" xmlns="" val="1"/>
+              <ma14:wrappingTextBoxFlag xmlns="" xmlns:ma14="http://schemas.microsoft.com/office/mac/drawingml/2011/main" val="1"/>
             </a:ext>
           </a:extLst>
         </p:spPr>
@@ -17580,7 +17636,7 @@
           </a:ln>
           <a:extLst>
             <a:ext uri="{C572A759-6A51-4108-AA02-DFA0A04FC94B}">
-              <ma14:wrappingTextBoxFlag xmlns:ma14="http://schemas.microsoft.com/office/mac/drawingml/2011/main" xmlns="" val="1"/>
+              <ma14:wrappingTextBoxFlag xmlns="" xmlns:ma14="http://schemas.microsoft.com/office/mac/drawingml/2011/main" val="1"/>
             </a:ext>
           </a:extLst>
         </p:spPr>
@@ -17727,7 +17783,7 @@
           </a:ln>
           <a:extLst>
             <a:ext uri="{C572A759-6A51-4108-AA02-DFA0A04FC94B}">
-              <ma14:wrappingTextBoxFlag xmlns:ma14="http://schemas.microsoft.com/office/mac/drawingml/2011/main" xmlns="" val="1"/>
+              <ma14:wrappingTextBoxFlag xmlns="" xmlns:ma14="http://schemas.microsoft.com/office/mac/drawingml/2011/main" val="1"/>
             </a:ext>
           </a:extLst>
         </p:spPr>
@@ -17772,7 +17828,7 @@
           </a:ln>
           <a:extLst>
             <a:ext uri="{C572A759-6A51-4108-AA02-DFA0A04FC94B}">
-              <ma14:wrappingTextBoxFlag xmlns:ma14="http://schemas.microsoft.com/office/mac/drawingml/2011/main" xmlns="" val="1"/>
+              <ma14:wrappingTextBoxFlag xmlns="" xmlns:ma14="http://schemas.microsoft.com/office/mac/drawingml/2011/main" val="1"/>
             </a:ext>
           </a:extLst>
         </p:spPr>
@@ -17817,7 +17873,7 @@
           </a:ln>
           <a:extLst>
             <a:ext uri="{C572A759-6A51-4108-AA02-DFA0A04FC94B}">
-              <ma14:wrappingTextBoxFlag xmlns:ma14="http://schemas.microsoft.com/office/mac/drawingml/2011/main" xmlns="" val="1"/>
+              <ma14:wrappingTextBoxFlag xmlns="" xmlns:ma14="http://schemas.microsoft.com/office/mac/drawingml/2011/main" val="1"/>
             </a:ext>
           </a:extLst>
         </p:spPr>
@@ -17862,7 +17918,7 @@
           </a:ln>
           <a:extLst>
             <a:ext uri="{C572A759-6A51-4108-AA02-DFA0A04FC94B}">
-              <ma14:wrappingTextBoxFlag xmlns:ma14="http://schemas.microsoft.com/office/mac/drawingml/2011/main" xmlns="" val="1"/>
+              <ma14:wrappingTextBoxFlag xmlns="" xmlns:ma14="http://schemas.microsoft.com/office/mac/drawingml/2011/main" val="1"/>
             </a:ext>
           </a:extLst>
         </p:spPr>
@@ -17942,7 +17998,7 @@
           </a:ln>
           <a:extLst>
             <a:ext uri="{C572A759-6A51-4108-AA02-DFA0A04FC94B}">
-              <ma14:wrappingTextBoxFlag xmlns:ma14="http://schemas.microsoft.com/office/mac/drawingml/2011/main" xmlns="" val="1"/>
+              <ma14:wrappingTextBoxFlag xmlns="" xmlns:ma14="http://schemas.microsoft.com/office/mac/drawingml/2011/main" val="1"/>
             </a:ext>
           </a:extLst>
         </p:spPr>
@@ -18021,7 +18077,7 @@
           </a:ln>
           <a:extLst>
             <a:ext uri="{C572A759-6A51-4108-AA02-DFA0A04FC94B}">
-              <ma14:wrappingTextBoxFlag xmlns:ma14="http://schemas.microsoft.com/office/mac/drawingml/2011/main" xmlns="" val="1"/>
+              <ma14:wrappingTextBoxFlag xmlns="" xmlns:ma14="http://schemas.microsoft.com/office/mac/drawingml/2011/main" val="1"/>
             </a:ext>
           </a:extLst>
         </p:spPr>
@@ -18106,7 +18162,7 @@
           </a:ln>
           <a:extLst>
             <a:ext uri="{C572A759-6A51-4108-AA02-DFA0A04FC94B}">
-              <ma14:wrappingTextBoxFlag xmlns:ma14="http://schemas.microsoft.com/office/mac/drawingml/2011/main" xmlns="" val="1"/>
+              <ma14:wrappingTextBoxFlag xmlns="" xmlns:ma14="http://schemas.microsoft.com/office/mac/drawingml/2011/main" val="1"/>
             </a:ext>
           </a:extLst>
         </p:spPr>
@@ -18381,7 +18437,7 @@
           </a:ln>
           <a:extLst>
             <a:ext uri="{C572A759-6A51-4108-AA02-DFA0A04FC94B}">
-              <ma14:wrappingTextBoxFlag xmlns:ma14="http://schemas.microsoft.com/office/mac/drawingml/2011/main" xmlns="" val="1"/>
+              <ma14:wrappingTextBoxFlag xmlns="" xmlns:ma14="http://schemas.microsoft.com/office/mac/drawingml/2011/main" val="1"/>
             </a:ext>
           </a:extLst>
         </p:spPr>
@@ -18427,7 +18483,7 @@
           </a:ln>
           <a:extLst>
             <a:ext uri="{C572A759-6A51-4108-AA02-DFA0A04FC94B}">
-              <ma14:wrappingTextBoxFlag xmlns:ma14="http://schemas.microsoft.com/office/mac/drawingml/2011/main" xmlns="" val="1"/>
+              <ma14:wrappingTextBoxFlag xmlns="" xmlns:ma14="http://schemas.microsoft.com/office/mac/drawingml/2011/main" val="1"/>
             </a:ext>
           </a:extLst>
         </p:spPr>
@@ -18612,7 +18668,7 @@
           </a:ln>
           <a:extLst>
             <a:ext uri="{C572A759-6A51-4108-AA02-DFA0A04FC94B}">
-              <ma14:wrappingTextBoxFlag xmlns:ma14="http://schemas.microsoft.com/office/mac/drawingml/2011/main" xmlns="" val="1"/>
+              <ma14:wrappingTextBoxFlag xmlns="" xmlns:ma14="http://schemas.microsoft.com/office/mac/drawingml/2011/main" val="1"/>
             </a:ext>
           </a:extLst>
         </p:spPr>
@@ -18657,7 +18713,7 @@
           </a:ln>
           <a:extLst>
             <a:ext uri="{C572A759-6A51-4108-AA02-DFA0A04FC94B}">
-              <ma14:wrappingTextBoxFlag xmlns:ma14="http://schemas.microsoft.com/office/mac/drawingml/2011/main" xmlns="" val="1"/>
+              <ma14:wrappingTextBoxFlag xmlns="" xmlns:ma14="http://schemas.microsoft.com/office/mac/drawingml/2011/main" val="1"/>
             </a:ext>
           </a:extLst>
         </p:spPr>
@@ -18702,7 +18758,7 @@
           </a:ln>
           <a:extLst>
             <a:ext uri="{C572A759-6A51-4108-AA02-DFA0A04FC94B}">
-              <ma14:wrappingTextBoxFlag xmlns:ma14="http://schemas.microsoft.com/office/mac/drawingml/2011/main" xmlns="" val="1"/>
+              <ma14:wrappingTextBoxFlag xmlns="" xmlns:ma14="http://schemas.microsoft.com/office/mac/drawingml/2011/main" val="1"/>
             </a:ext>
           </a:extLst>
         </p:spPr>
@@ -18747,7 +18803,7 @@
           </a:ln>
           <a:extLst>
             <a:ext uri="{C572A759-6A51-4108-AA02-DFA0A04FC94B}">
-              <ma14:wrappingTextBoxFlag xmlns:ma14="http://schemas.microsoft.com/office/mac/drawingml/2011/main" xmlns="" val="1"/>
+              <ma14:wrappingTextBoxFlag xmlns="" xmlns:ma14="http://schemas.microsoft.com/office/mac/drawingml/2011/main" val="1"/>
             </a:ext>
           </a:extLst>
         </p:spPr>
@@ -18827,7 +18883,7 @@
           </a:ln>
           <a:extLst>
             <a:ext uri="{C572A759-6A51-4108-AA02-DFA0A04FC94B}">
-              <ma14:wrappingTextBoxFlag xmlns:ma14="http://schemas.microsoft.com/office/mac/drawingml/2011/main" xmlns="" val="1"/>
+              <ma14:wrappingTextBoxFlag xmlns="" xmlns:ma14="http://schemas.microsoft.com/office/mac/drawingml/2011/main" val="1"/>
             </a:ext>
           </a:extLst>
         </p:spPr>
@@ -18906,7 +18962,7 @@
           </a:ln>
           <a:extLst>
             <a:ext uri="{C572A759-6A51-4108-AA02-DFA0A04FC94B}">
-              <ma14:wrappingTextBoxFlag xmlns:ma14="http://schemas.microsoft.com/office/mac/drawingml/2011/main" xmlns="" val="1"/>
+              <ma14:wrappingTextBoxFlag xmlns="" xmlns:ma14="http://schemas.microsoft.com/office/mac/drawingml/2011/main" val="1"/>
             </a:ext>
           </a:extLst>
         </p:spPr>
@@ -18991,7 +19047,7 @@
           </a:ln>
           <a:extLst>
             <a:ext uri="{C572A759-6A51-4108-AA02-DFA0A04FC94B}">
-              <ma14:wrappingTextBoxFlag xmlns:ma14="http://schemas.microsoft.com/office/mac/drawingml/2011/main" xmlns="" val="1"/>
+              <ma14:wrappingTextBoxFlag xmlns="" xmlns:ma14="http://schemas.microsoft.com/office/mac/drawingml/2011/main" val="1"/>
             </a:ext>
           </a:extLst>
         </p:spPr>
@@ -19266,7 +19322,7 @@
           </a:ln>
           <a:extLst>
             <a:ext uri="{C572A759-6A51-4108-AA02-DFA0A04FC94B}">
-              <ma14:wrappingTextBoxFlag xmlns:ma14="http://schemas.microsoft.com/office/mac/drawingml/2011/main" xmlns="" val="1"/>
+              <ma14:wrappingTextBoxFlag xmlns="" xmlns:ma14="http://schemas.microsoft.com/office/mac/drawingml/2011/main" val="1"/>
             </a:ext>
           </a:extLst>
         </p:spPr>
@@ -19312,7 +19368,7 @@
           </a:ln>
           <a:extLst>
             <a:ext uri="{C572A759-6A51-4108-AA02-DFA0A04FC94B}">
-              <ma14:wrappingTextBoxFlag xmlns:ma14="http://schemas.microsoft.com/office/mac/drawingml/2011/main" xmlns="" val="1"/>
+              <ma14:wrappingTextBoxFlag xmlns="" xmlns:ma14="http://schemas.microsoft.com/office/mac/drawingml/2011/main" val="1"/>
             </a:ext>
           </a:extLst>
         </p:spPr>
@@ -19497,7 +19553,7 @@
           </a:ln>
           <a:extLst>
             <a:ext uri="{C572A759-6A51-4108-AA02-DFA0A04FC94B}">
-              <ma14:wrappingTextBoxFlag xmlns:ma14="http://schemas.microsoft.com/office/mac/drawingml/2011/main" xmlns="" val="1"/>
+              <ma14:wrappingTextBoxFlag xmlns="" xmlns:ma14="http://schemas.microsoft.com/office/mac/drawingml/2011/main" val="1"/>
             </a:ext>
           </a:extLst>
         </p:spPr>
@@ -19542,7 +19598,7 @@
           </a:ln>
           <a:extLst>
             <a:ext uri="{C572A759-6A51-4108-AA02-DFA0A04FC94B}">
-              <ma14:wrappingTextBoxFlag xmlns:ma14="http://schemas.microsoft.com/office/mac/drawingml/2011/main" xmlns="" val="1"/>
+              <ma14:wrappingTextBoxFlag xmlns="" xmlns:ma14="http://schemas.microsoft.com/office/mac/drawingml/2011/main" val="1"/>
             </a:ext>
           </a:extLst>
         </p:spPr>
@@ -19587,7 +19643,7 @@
           </a:ln>
           <a:extLst>
             <a:ext uri="{C572A759-6A51-4108-AA02-DFA0A04FC94B}">
-              <ma14:wrappingTextBoxFlag xmlns:ma14="http://schemas.microsoft.com/office/mac/drawingml/2011/main" xmlns="" val="1"/>
+              <ma14:wrappingTextBoxFlag xmlns="" xmlns:ma14="http://schemas.microsoft.com/office/mac/drawingml/2011/main" val="1"/>
             </a:ext>
           </a:extLst>
         </p:spPr>
@@ -19632,7 +19688,7 @@
           </a:ln>
           <a:extLst>
             <a:ext uri="{C572A759-6A51-4108-AA02-DFA0A04FC94B}">
-              <ma14:wrappingTextBoxFlag xmlns:ma14="http://schemas.microsoft.com/office/mac/drawingml/2011/main" xmlns="" val="1"/>
+              <ma14:wrappingTextBoxFlag xmlns="" xmlns:ma14="http://schemas.microsoft.com/office/mac/drawingml/2011/main" val="1"/>
             </a:ext>
           </a:extLst>
         </p:spPr>
@@ -19712,7 +19768,7 @@
           </a:ln>
           <a:extLst>
             <a:ext uri="{C572A759-6A51-4108-AA02-DFA0A04FC94B}">
-              <ma14:wrappingTextBoxFlag xmlns:ma14="http://schemas.microsoft.com/office/mac/drawingml/2011/main" xmlns="" val="1"/>
+              <ma14:wrappingTextBoxFlag xmlns="" xmlns:ma14="http://schemas.microsoft.com/office/mac/drawingml/2011/main" val="1"/>
             </a:ext>
           </a:extLst>
         </p:spPr>
@@ -19791,7 +19847,7 @@
           </a:ln>
           <a:extLst>
             <a:ext uri="{C572A759-6A51-4108-AA02-DFA0A04FC94B}">
-              <ma14:wrappingTextBoxFlag xmlns:ma14="http://schemas.microsoft.com/office/mac/drawingml/2011/main" xmlns="" val="1"/>
+              <ma14:wrappingTextBoxFlag xmlns="" xmlns:ma14="http://schemas.microsoft.com/office/mac/drawingml/2011/main" val="1"/>
             </a:ext>
           </a:extLst>
         </p:spPr>
@@ -19876,7 +19932,7 @@
           </a:ln>
           <a:extLst>
             <a:ext uri="{C572A759-6A51-4108-AA02-DFA0A04FC94B}">
-              <ma14:wrappingTextBoxFlag xmlns:ma14="http://schemas.microsoft.com/office/mac/drawingml/2011/main" xmlns="" val="1"/>
+              <ma14:wrappingTextBoxFlag xmlns="" xmlns:ma14="http://schemas.microsoft.com/office/mac/drawingml/2011/main" val="1"/>
             </a:ext>
           </a:extLst>
         </p:spPr>
@@ -20151,7 +20207,7 @@
           </a:ln>
           <a:extLst>
             <a:ext uri="{C572A759-6A51-4108-AA02-DFA0A04FC94B}">
-              <ma14:wrappingTextBoxFlag xmlns:ma14="http://schemas.microsoft.com/office/mac/drawingml/2011/main" xmlns="" val="1"/>
+              <ma14:wrappingTextBoxFlag xmlns="" xmlns:ma14="http://schemas.microsoft.com/office/mac/drawingml/2011/main" val="1"/>
             </a:ext>
           </a:extLst>
         </p:spPr>
@@ -20197,7 +20253,7 @@
           </a:ln>
           <a:extLst>
             <a:ext uri="{C572A759-6A51-4108-AA02-DFA0A04FC94B}">
-              <ma14:wrappingTextBoxFlag xmlns:ma14="http://schemas.microsoft.com/office/mac/drawingml/2011/main" xmlns="" val="1"/>
+              <ma14:wrappingTextBoxFlag xmlns="" xmlns:ma14="http://schemas.microsoft.com/office/mac/drawingml/2011/main" val="1"/>
             </a:ext>
           </a:extLst>
         </p:spPr>
@@ -20382,7 +20438,7 @@
           </a:ln>
           <a:extLst>
             <a:ext uri="{C572A759-6A51-4108-AA02-DFA0A04FC94B}">
-              <ma14:wrappingTextBoxFlag xmlns:ma14="http://schemas.microsoft.com/office/mac/drawingml/2011/main" xmlns="" val="1"/>
+              <ma14:wrappingTextBoxFlag xmlns="" xmlns:ma14="http://schemas.microsoft.com/office/mac/drawingml/2011/main" val="1"/>
             </a:ext>
           </a:extLst>
         </p:spPr>
@@ -20427,7 +20483,7 @@
           </a:ln>
           <a:extLst>
             <a:ext uri="{C572A759-6A51-4108-AA02-DFA0A04FC94B}">
-              <ma14:wrappingTextBoxFlag xmlns:ma14="http://schemas.microsoft.com/office/mac/drawingml/2011/main" xmlns="" val="1"/>
+              <ma14:wrappingTextBoxFlag xmlns="" xmlns:ma14="http://schemas.microsoft.com/office/mac/drawingml/2011/main" val="1"/>
             </a:ext>
           </a:extLst>
         </p:spPr>
@@ -20469,7 +20525,7 @@
           </a:ln>
           <a:extLst>
             <a:ext uri="{C572A759-6A51-4108-AA02-DFA0A04FC94B}">
-              <ma14:wrappingTextBoxFlag xmlns:ma14="http://schemas.microsoft.com/office/mac/drawingml/2011/main" xmlns="" val="1"/>
+              <ma14:wrappingTextBoxFlag xmlns="" xmlns:ma14="http://schemas.microsoft.com/office/mac/drawingml/2011/main" val="1"/>
             </a:ext>
           </a:extLst>
         </p:spPr>
@@ -20548,7 +20604,7 @@
           </a:ln>
           <a:extLst>
             <a:ext uri="{C572A759-6A51-4108-AA02-DFA0A04FC94B}">
-              <ma14:wrappingTextBoxFlag xmlns:ma14="http://schemas.microsoft.com/office/mac/drawingml/2011/main" xmlns="" val="1"/>
+              <ma14:wrappingTextBoxFlag xmlns="" xmlns:ma14="http://schemas.microsoft.com/office/mac/drawingml/2011/main" val="1"/>
             </a:ext>
           </a:extLst>
         </p:spPr>
@@ -20709,7 +20765,7 @@
           </a:ln>
           <a:extLst>
             <a:ext uri="{C572A759-6A51-4108-AA02-DFA0A04FC94B}">
-              <ma14:wrappingTextBoxFlag xmlns:ma14="http://schemas.microsoft.com/office/mac/drawingml/2011/main" xmlns="" val="1"/>
+              <ma14:wrappingTextBoxFlag xmlns="" xmlns:ma14="http://schemas.microsoft.com/office/mac/drawingml/2011/main" val="1"/>
             </a:ext>
           </a:extLst>
         </p:spPr>
@@ -20755,7 +20811,7 @@
           </a:ln>
           <a:extLst>
             <a:ext uri="{C572A759-6A51-4108-AA02-DFA0A04FC94B}">
-              <ma14:wrappingTextBoxFlag xmlns:ma14="http://schemas.microsoft.com/office/mac/drawingml/2011/main" xmlns="" val="1"/>
+              <ma14:wrappingTextBoxFlag xmlns="" xmlns:ma14="http://schemas.microsoft.com/office/mac/drawingml/2011/main" val="1"/>
             </a:ext>
           </a:extLst>
         </p:spPr>
@@ -20800,7 +20856,7 @@
           </a:ln>
           <a:extLst>
             <a:ext uri="{C572A759-6A51-4108-AA02-DFA0A04FC94B}">
-              <ma14:wrappingTextBoxFlag xmlns:ma14="http://schemas.microsoft.com/office/mac/drawingml/2011/main" xmlns="" val="1"/>
+              <ma14:wrappingTextBoxFlag xmlns="" xmlns:ma14="http://schemas.microsoft.com/office/mac/drawingml/2011/main" val="1"/>
             </a:ext>
           </a:extLst>
         </p:spPr>
@@ -20845,7 +20901,7 @@
           </a:ln>
           <a:extLst>
             <a:ext uri="{C572A759-6A51-4108-AA02-DFA0A04FC94B}">
-              <ma14:wrappingTextBoxFlag xmlns:ma14="http://schemas.microsoft.com/office/mac/drawingml/2011/main" xmlns="" val="1"/>
+              <ma14:wrappingTextBoxFlag xmlns="" xmlns:ma14="http://schemas.microsoft.com/office/mac/drawingml/2011/main" val="1"/>
             </a:ext>
           </a:extLst>
         </p:spPr>
@@ -21153,7 +21209,7 @@
           </a:ln>
           <a:extLst>
             <a:ext uri="{C572A759-6A51-4108-AA02-DFA0A04FC94B}">
-              <ma14:wrappingTextBoxFlag xmlns:ma14="http://schemas.microsoft.com/office/mac/drawingml/2011/main" xmlns="" val="1"/>
+              <ma14:wrappingTextBoxFlag xmlns="" xmlns:ma14="http://schemas.microsoft.com/office/mac/drawingml/2011/main" val="1"/>
             </a:ext>
           </a:extLst>
         </p:spPr>
@@ -21267,7 +21323,7 @@
           </a:ln>
           <a:extLst>
             <a:ext uri="{C572A759-6A51-4108-AA02-DFA0A04FC94B}">
-              <ma14:wrappingTextBoxFlag xmlns:ma14="http://schemas.microsoft.com/office/mac/drawingml/2011/main" xmlns="" val="1"/>
+              <ma14:wrappingTextBoxFlag xmlns="" xmlns:ma14="http://schemas.microsoft.com/office/mac/drawingml/2011/main" val="1"/>
             </a:ext>
           </a:extLst>
         </p:spPr>
@@ -21312,7 +21368,7 @@
           </a:ln>
           <a:extLst>
             <a:ext uri="{C572A759-6A51-4108-AA02-DFA0A04FC94B}">
-              <ma14:wrappingTextBoxFlag xmlns:ma14="http://schemas.microsoft.com/office/mac/drawingml/2011/main" xmlns="" val="1"/>
+              <ma14:wrappingTextBoxFlag xmlns="" xmlns:ma14="http://schemas.microsoft.com/office/mac/drawingml/2011/main" val="1"/>
             </a:ext>
           </a:extLst>
         </p:spPr>
@@ -21354,7 +21410,7 @@
           </a:ln>
           <a:extLst>
             <a:ext uri="{C572A759-6A51-4108-AA02-DFA0A04FC94B}">
-              <ma14:wrappingTextBoxFlag xmlns:ma14="http://schemas.microsoft.com/office/mac/drawingml/2011/main" xmlns="" val="1"/>
+              <ma14:wrappingTextBoxFlag xmlns="" xmlns:ma14="http://schemas.microsoft.com/office/mac/drawingml/2011/main" val="1"/>
             </a:ext>
           </a:extLst>
         </p:spPr>
@@ -21433,7 +21489,7 @@
           </a:ln>
           <a:extLst>
             <a:ext uri="{C572A759-6A51-4108-AA02-DFA0A04FC94B}">
-              <ma14:wrappingTextBoxFlag xmlns:ma14="http://schemas.microsoft.com/office/mac/drawingml/2011/main" xmlns="" val="1"/>
+              <ma14:wrappingTextBoxFlag xmlns="" xmlns:ma14="http://schemas.microsoft.com/office/mac/drawingml/2011/main" val="1"/>
             </a:ext>
           </a:extLst>
         </p:spPr>
@@ -21559,7 +21615,7 @@
           </a:ln>
           <a:extLst>
             <a:ext uri="{C572A759-6A51-4108-AA02-DFA0A04FC94B}">
-              <ma14:wrappingTextBoxFlag xmlns:ma14="http://schemas.microsoft.com/office/mac/drawingml/2011/main" xmlns="" val="1"/>
+              <ma14:wrappingTextBoxFlag xmlns="" xmlns:ma14="http://schemas.microsoft.com/office/mac/drawingml/2011/main" val="1"/>
             </a:ext>
           </a:extLst>
         </p:spPr>
@@ -21604,7 +21660,7 @@
           </a:ln>
           <a:extLst>
             <a:ext uri="{C572A759-6A51-4108-AA02-DFA0A04FC94B}">
-              <ma14:wrappingTextBoxFlag xmlns:ma14="http://schemas.microsoft.com/office/mac/drawingml/2011/main" xmlns="" val="1"/>
+              <ma14:wrappingTextBoxFlag xmlns="" xmlns:ma14="http://schemas.microsoft.com/office/mac/drawingml/2011/main" val="1"/>
             </a:ext>
           </a:extLst>
         </p:spPr>
@@ -21649,7 +21705,7 @@
           </a:ln>
           <a:extLst>
             <a:ext uri="{C572A759-6A51-4108-AA02-DFA0A04FC94B}">
-              <ma14:wrappingTextBoxFlag xmlns:ma14="http://schemas.microsoft.com/office/mac/drawingml/2011/main" xmlns="" val="1"/>
+              <ma14:wrappingTextBoxFlag xmlns="" xmlns:ma14="http://schemas.microsoft.com/office/mac/drawingml/2011/main" val="1"/>
             </a:ext>
           </a:extLst>
         </p:spPr>
@@ -21957,7 +22013,7 @@
           </a:ln>
           <a:extLst>
             <a:ext uri="{C572A759-6A51-4108-AA02-DFA0A04FC94B}">
-              <ma14:wrappingTextBoxFlag xmlns:ma14="http://schemas.microsoft.com/office/mac/drawingml/2011/main" xmlns="" val="1"/>
+              <ma14:wrappingTextBoxFlag xmlns="" xmlns:ma14="http://schemas.microsoft.com/office/mac/drawingml/2011/main" val="1"/>
             </a:ext>
           </a:extLst>
         </p:spPr>
@@ -22068,7 +22124,7 @@
           </a:ln>
           <a:extLst>
             <a:ext uri="{C572A759-6A51-4108-AA02-DFA0A04FC94B}">
-              <ma14:wrappingTextBoxFlag xmlns:ma14="http://schemas.microsoft.com/office/mac/drawingml/2011/main" xmlns="" val="1"/>
+              <ma14:wrappingTextBoxFlag xmlns="" xmlns:ma14="http://schemas.microsoft.com/office/mac/drawingml/2011/main" val="1"/>
             </a:ext>
           </a:extLst>
         </p:spPr>
@@ -22112,7 +22168,7 @@
           </a:ln>
           <a:extLst>
             <a:ext uri="{C572A759-6A51-4108-AA02-DFA0A04FC94B}">
-              <ma14:wrappingTextBoxFlag xmlns:ma14="http://schemas.microsoft.com/office/mac/drawingml/2011/main" xmlns="" val="1"/>
+              <ma14:wrappingTextBoxFlag xmlns="" xmlns:ma14="http://schemas.microsoft.com/office/mac/drawingml/2011/main" val="1"/>
             </a:ext>
           </a:extLst>
         </p:spPr>
@@ -22157,7 +22213,7 @@
           </a:ln>
           <a:extLst>
             <a:ext uri="{C572A759-6A51-4108-AA02-DFA0A04FC94B}">
-              <ma14:wrappingTextBoxFlag xmlns:ma14="http://schemas.microsoft.com/office/mac/drawingml/2011/main" xmlns="" val="1"/>
+              <ma14:wrappingTextBoxFlag xmlns="" xmlns:ma14="http://schemas.microsoft.com/office/mac/drawingml/2011/main" val="1"/>
             </a:ext>
           </a:extLst>
         </p:spPr>
@@ -22237,7 +22293,7 @@
           </a:ln>
           <a:extLst>
             <a:ext uri="{C572A759-6A51-4108-AA02-DFA0A04FC94B}">
-              <ma14:wrappingTextBoxFlag xmlns:ma14="http://schemas.microsoft.com/office/mac/drawingml/2011/main" xmlns="" val="1"/>
+              <ma14:wrappingTextBoxFlag xmlns="" xmlns:ma14="http://schemas.microsoft.com/office/mac/drawingml/2011/main" val="1"/>
             </a:ext>
           </a:extLst>
         </p:spPr>
@@ -22325,7 +22381,7 @@
           </a:ln>
           <a:extLst>
             <a:ext uri="{C572A759-6A51-4108-AA02-DFA0A04FC94B}">
-              <ma14:wrappingTextBoxFlag xmlns:ma14="http://schemas.microsoft.com/office/mac/drawingml/2011/main" xmlns="" val="1"/>
+              <ma14:wrappingTextBoxFlag xmlns="" xmlns:ma14="http://schemas.microsoft.com/office/mac/drawingml/2011/main" val="1"/>
             </a:ext>
           </a:extLst>
         </p:spPr>
@@ -22370,7 +22426,7 @@
           </a:ln>
           <a:extLst>
             <a:ext uri="{C572A759-6A51-4108-AA02-DFA0A04FC94B}">
-              <ma14:wrappingTextBoxFlag xmlns:ma14="http://schemas.microsoft.com/office/mac/drawingml/2011/main" xmlns="" val="1"/>
+              <ma14:wrappingTextBoxFlag xmlns="" xmlns:ma14="http://schemas.microsoft.com/office/mac/drawingml/2011/main" val="1"/>
             </a:ext>
           </a:extLst>
         </p:spPr>
@@ -22415,7 +22471,7 @@
           </a:ln>
           <a:extLst>
             <a:ext uri="{C572A759-6A51-4108-AA02-DFA0A04FC94B}">
-              <ma14:wrappingTextBoxFlag xmlns:ma14="http://schemas.microsoft.com/office/mac/drawingml/2011/main" xmlns="" val="1"/>
+              <ma14:wrappingTextBoxFlag xmlns="" xmlns:ma14="http://schemas.microsoft.com/office/mac/drawingml/2011/main" val="1"/>
             </a:ext>
           </a:extLst>
         </p:spPr>
@@ -22609,7 +22665,7 @@
           </a:ln>
           <a:extLst>
             <a:ext uri="{C572A759-6A51-4108-AA02-DFA0A04FC94B}">
-              <ma14:wrappingTextBoxFlag xmlns:ma14="http://schemas.microsoft.com/office/mac/drawingml/2011/main" xmlns="" val="1"/>
+              <ma14:wrappingTextBoxFlag xmlns="" xmlns:ma14="http://schemas.microsoft.com/office/mac/drawingml/2011/main" val="1"/>
             </a:ext>
           </a:extLst>
         </p:spPr>
@@ -22720,7 +22776,7 @@
           </a:ln>
           <a:extLst>
             <a:ext uri="{C572A759-6A51-4108-AA02-DFA0A04FC94B}">
-              <ma14:wrappingTextBoxFlag xmlns:ma14="http://schemas.microsoft.com/office/mac/drawingml/2011/main" xmlns="" val="1"/>
+              <ma14:wrappingTextBoxFlag xmlns="" xmlns:ma14="http://schemas.microsoft.com/office/mac/drawingml/2011/main" val="1"/>
             </a:ext>
           </a:extLst>
         </p:spPr>
@@ -22764,7 +22820,7 @@
           </a:ln>
           <a:extLst>
             <a:ext uri="{C572A759-6A51-4108-AA02-DFA0A04FC94B}">
-              <ma14:wrappingTextBoxFlag xmlns:ma14="http://schemas.microsoft.com/office/mac/drawingml/2011/main" xmlns="" val="1"/>
+              <ma14:wrappingTextBoxFlag xmlns="" xmlns:ma14="http://schemas.microsoft.com/office/mac/drawingml/2011/main" val="1"/>
             </a:ext>
           </a:extLst>
         </p:spPr>
@@ -22809,7 +22865,7 @@
           </a:ln>
           <a:extLst>
             <a:ext uri="{C572A759-6A51-4108-AA02-DFA0A04FC94B}">
-              <ma14:wrappingTextBoxFlag xmlns:ma14="http://schemas.microsoft.com/office/mac/drawingml/2011/main" xmlns="" val="1"/>
+              <ma14:wrappingTextBoxFlag xmlns="" xmlns:ma14="http://schemas.microsoft.com/office/mac/drawingml/2011/main" val="1"/>
             </a:ext>
           </a:extLst>
         </p:spPr>
@@ -22889,7 +22945,7 @@
           </a:ln>
           <a:extLst>
             <a:ext uri="{C572A759-6A51-4108-AA02-DFA0A04FC94B}">
-              <ma14:wrappingTextBoxFlag xmlns:ma14="http://schemas.microsoft.com/office/mac/drawingml/2011/main" xmlns="" val="1"/>
+              <ma14:wrappingTextBoxFlag xmlns="" xmlns:ma14="http://schemas.microsoft.com/office/mac/drawingml/2011/main" val="1"/>
             </a:ext>
           </a:extLst>
         </p:spPr>
@@ -22977,7 +23033,7 @@
           </a:ln>
           <a:extLst>
             <a:ext uri="{C572A759-6A51-4108-AA02-DFA0A04FC94B}">
-              <ma14:wrappingTextBoxFlag xmlns:ma14="http://schemas.microsoft.com/office/mac/drawingml/2011/main" xmlns="" val="1"/>
+              <ma14:wrappingTextBoxFlag xmlns="" xmlns:ma14="http://schemas.microsoft.com/office/mac/drawingml/2011/main" val="1"/>
             </a:ext>
           </a:extLst>
         </p:spPr>
@@ -23022,7 +23078,7 @@
           </a:ln>
           <a:extLst>
             <a:ext uri="{C572A759-6A51-4108-AA02-DFA0A04FC94B}">
-              <ma14:wrappingTextBoxFlag xmlns:ma14="http://schemas.microsoft.com/office/mac/drawingml/2011/main" xmlns="" val="1"/>
+              <ma14:wrappingTextBoxFlag xmlns="" xmlns:ma14="http://schemas.microsoft.com/office/mac/drawingml/2011/main" val="1"/>
             </a:ext>
           </a:extLst>
         </p:spPr>
@@ -23067,7 +23123,7 @@
           </a:ln>
           <a:extLst>
             <a:ext uri="{C572A759-6A51-4108-AA02-DFA0A04FC94B}">
-              <ma14:wrappingTextBoxFlag xmlns:ma14="http://schemas.microsoft.com/office/mac/drawingml/2011/main" xmlns="" val="1"/>
+              <ma14:wrappingTextBoxFlag xmlns="" xmlns:ma14="http://schemas.microsoft.com/office/mac/drawingml/2011/main" val="1"/>
             </a:ext>
           </a:extLst>
         </p:spPr>
@@ -23261,7 +23317,7 @@
           </a:ln>
           <a:extLst>
             <a:ext uri="{C572A759-6A51-4108-AA02-DFA0A04FC94B}">
-              <ma14:wrappingTextBoxFlag xmlns:ma14="http://schemas.microsoft.com/office/mac/drawingml/2011/main" xmlns="" val="1"/>
+              <ma14:wrappingTextBoxFlag xmlns="" xmlns:ma14="http://schemas.microsoft.com/office/mac/drawingml/2011/main" val="1"/>
             </a:ext>
           </a:extLst>
         </p:spPr>
@@ -23384,7 +23440,7 @@
           </a:ln>
           <a:extLst>
             <a:ext uri="{C572A759-6A51-4108-AA02-DFA0A04FC94B}">
-              <ma14:wrappingTextBoxFlag xmlns:ma14="http://schemas.microsoft.com/office/mac/drawingml/2011/main" xmlns="" val="1"/>
+              <ma14:wrappingTextBoxFlag xmlns="" xmlns:ma14="http://schemas.microsoft.com/office/mac/drawingml/2011/main" val="1"/>
             </a:ext>
           </a:extLst>
         </p:spPr>
@@ -23423,7 +23479,7 @@
           </a:ln>
           <a:extLst>
             <a:ext uri="{C572A759-6A51-4108-AA02-DFA0A04FC94B}">
-              <ma14:wrappingTextBoxFlag xmlns:ma14="http://schemas.microsoft.com/office/mac/drawingml/2011/main" xmlns="" val="1"/>
+              <ma14:wrappingTextBoxFlag xmlns="" xmlns:ma14="http://schemas.microsoft.com/office/mac/drawingml/2011/main" val="1"/>
             </a:ext>
           </a:extLst>
         </p:spPr>
@@ -23587,7 +23643,7 @@
           </a:ln>
           <a:extLst>
             <a:ext uri="{C572A759-6A51-4108-AA02-DFA0A04FC94B}">
-              <ma14:wrappingTextBoxFlag xmlns:ma14="http://schemas.microsoft.com/office/mac/drawingml/2011/main" xmlns="" val="1"/>
+              <ma14:wrappingTextBoxFlag xmlns="" xmlns:ma14="http://schemas.microsoft.com/office/mac/drawingml/2011/main" val="1"/>
             </a:ext>
           </a:extLst>
         </p:spPr>
@@ -23631,7 +23687,7 @@
           </a:ln>
           <a:extLst>
             <a:ext uri="{C572A759-6A51-4108-AA02-DFA0A04FC94B}">
-              <ma14:wrappingTextBoxFlag xmlns:ma14="http://schemas.microsoft.com/office/mac/drawingml/2011/main" xmlns="" val="1"/>
+              <ma14:wrappingTextBoxFlag xmlns="" xmlns:ma14="http://schemas.microsoft.com/office/mac/drawingml/2011/main" val="1"/>
             </a:ext>
           </a:extLst>
         </p:spPr>
@@ -23676,7 +23732,7 @@
           </a:ln>
           <a:extLst>
             <a:ext uri="{C572A759-6A51-4108-AA02-DFA0A04FC94B}">
-              <ma14:wrappingTextBoxFlag xmlns:ma14="http://schemas.microsoft.com/office/mac/drawingml/2011/main" xmlns="" val="1"/>
+              <ma14:wrappingTextBoxFlag xmlns="" xmlns:ma14="http://schemas.microsoft.com/office/mac/drawingml/2011/main" val="1"/>
             </a:ext>
           </a:extLst>
         </p:spPr>
@@ -23756,7 +23812,7 @@
           </a:ln>
           <a:extLst>
             <a:ext uri="{C572A759-6A51-4108-AA02-DFA0A04FC94B}">
-              <ma14:wrappingTextBoxFlag xmlns:ma14="http://schemas.microsoft.com/office/mac/drawingml/2011/main" xmlns="" val="1"/>
+              <ma14:wrappingTextBoxFlag xmlns="" xmlns:ma14="http://schemas.microsoft.com/office/mac/drawingml/2011/main" val="1"/>
             </a:ext>
           </a:extLst>
         </p:spPr>
@@ -23844,7 +23900,7 @@
           </a:ln>
           <a:extLst>
             <a:ext uri="{C572A759-6A51-4108-AA02-DFA0A04FC94B}">
-              <ma14:wrappingTextBoxFlag xmlns:ma14="http://schemas.microsoft.com/office/mac/drawingml/2011/main" xmlns="" val="1"/>
+              <ma14:wrappingTextBoxFlag xmlns="" xmlns:ma14="http://schemas.microsoft.com/office/mac/drawingml/2011/main" val="1"/>
             </a:ext>
           </a:extLst>
         </p:spPr>
@@ -23889,7 +23945,7 @@
           </a:ln>
           <a:extLst>
             <a:ext uri="{C572A759-6A51-4108-AA02-DFA0A04FC94B}">
-              <ma14:wrappingTextBoxFlag xmlns:ma14="http://schemas.microsoft.com/office/mac/drawingml/2011/main" xmlns="" val="1"/>
+              <ma14:wrappingTextBoxFlag xmlns="" xmlns:ma14="http://schemas.microsoft.com/office/mac/drawingml/2011/main" val="1"/>
             </a:ext>
           </a:extLst>
         </p:spPr>
@@ -23934,7 +23990,7 @@
           </a:ln>
           <a:extLst>
             <a:ext uri="{C572A759-6A51-4108-AA02-DFA0A04FC94B}">
-              <ma14:wrappingTextBoxFlag xmlns:ma14="http://schemas.microsoft.com/office/mac/drawingml/2011/main" xmlns="" val="1"/>
+              <ma14:wrappingTextBoxFlag xmlns="" xmlns:ma14="http://schemas.microsoft.com/office/mac/drawingml/2011/main" val="1"/>
             </a:ext>
           </a:extLst>
         </p:spPr>
@@ -24128,7 +24184,7 @@
           </a:ln>
           <a:extLst>
             <a:ext uri="{C572A759-6A51-4108-AA02-DFA0A04FC94B}">
-              <ma14:wrappingTextBoxFlag xmlns:ma14="http://schemas.microsoft.com/office/mac/drawingml/2011/main" xmlns="" val="1"/>
+              <ma14:wrappingTextBoxFlag xmlns="" xmlns:ma14="http://schemas.microsoft.com/office/mac/drawingml/2011/main" val="1"/>
             </a:ext>
           </a:extLst>
         </p:spPr>
@@ -24251,7 +24307,7 @@
           </a:ln>
           <a:extLst>
             <a:ext uri="{C572A759-6A51-4108-AA02-DFA0A04FC94B}">
-              <ma14:wrappingTextBoxFlag xmlns:ma14="http://schemas.microsoft.com/office/mac/drawingml/2011/main" xmlns="" val="1"/>
+              <ma14:wrappingTextBoxFlag xmlns="" xmlns:ma14="http://schemas.microsoft.com/office/mac/drawingml/2011/main" val="1"/>
             </a:ext>
           </a:extLst>
         </p:spPr>
@@ -24290,7 +24346,7 @@
           </a:ln>
           <a:extLst>
             <a:ext uri="{C572A759-6A51-4108-AA02-DFA0A04FC94B}">
-              <ma14:wrappingTextBoxFlag xmlns:ma14="http://schemas.microsoft.com/office/mac/drawingml/2011/main" xmlns="" val="1"/>
+              <ma14:wrappingTextBoxFlag xmlns="" xmlns:ma14="http://schemas.microsoft.com/office/mac/drawingml/2011/main" val="1"/>
             </a:ext>
           </a:extLst>
         </p:spPr>
@@ -24393,7 +24449,7 @@
           </a:ln>
           <a:extLst>
             <a:ext uri="{C572A759-6A51-4108-AA02-DFA0A04FC94B}">
-              <ma14:wrappingTextBoxFlag xmlns:ma14="http://schemas.microsoft.com/office/mac/drawingml/2011/main" xmlns="" val="1"/>
+              <ma14:wrappingTextBoxFlag xmlns="" xmlns:ma14="http://schemas.microsoft.com/office/mac/drawingml/2011/main" val="1"/>
             </a:ext>
           </a:extLst>
         </p:spPr>
@@ -24437,7 +24493,7 @@
           </a:ln>
           <a:extLst>
             <a:ext uri="{C572A759-6A51-4108-AA02-DFA0A04FC94B}">
-              <ma14:wrappingTextBoxFlag xmlns:ma14="http://schemas.microsoft.com/office/mac/drawingml/2011/main" xmlns="" val="1"/>
+              <ma14:wrappingTextBoxFlag xmlns="" xmlns:ma14="http://schemas.microsoft.com/office/mac/drawingml/2011/main" val="1"/>
             </a:ext>
           </a:extLst>
         </p:spPr>
@@ -24482,7 +24538,7 @@
           </a:ln>
           <a:extLst>
             <a:ext uri="{C572A759-6A51-4108-AA02-DFA0A04FC94B}">
-              <ma14:wrappingTextBoxFlag xmlns:ma14="http://schemas.microsoft.com/office/mac/drawingml/2011/main" xmlns="" val="1"/>
+              <ma14:wrappingTextBoxFlag xmlns="" xmlns:ma14="http://schemas.microsoft.com/office/mac/drawingml/2011/main" val="1"/>
             </a:ext>
           </a:extLst>
         </p:spPr>
@@ -24562,7 +24618,7 @@
           </a:ln>
           <a:extLst>
             <a:ext uri="{C572A759-6A51-4108-AA02-DFA0A04FC94B}">
-              <ma14:wrappingTextBoxFlag xmlns:ma14="http://schemas.microsoft.com/office/mac/drawingml/2011/main" xmlns="" val="1"/>
+              <ma14:wrappingTextBoxFlag xmlns="" xmlns:ma14="http://schemas.microsoft.com/office/mac/drawingml/2011/main" val="1"/>
             </a:ext>
           </a:extLst>
         </p:spPr>
@@ -24650,7 +24706,7 @@
           </a:ln>
           <a:extLst>
             <a:ext uri="{C572A759-6A51-4108-AA02-DFA0A04FC94B}">
-              <ma14:wrappingTextBoxFlag xmlns:ma14="http://schemas.microsoft.com/office/mac/drawingml/2011/main" xmlns="" val="1"/>
+              <ma14:wrappingTextBoxFlag xmlns="" xmlns:ma14="http://schemas.microsoft.com/office/mac/drawingml/2011/main" val="1"/>
             </a:ext>
           </a:extLst>
         </p:spPr>
@@ -24695,7 +24751,7 @@
           </a:ln>
           <a:extLst>
             <a:ext uri="{C572A759-6A51-4108-AA02-DFA0A04FC94B}">
-              <ma14:wrappingTextBoxFlag xmlns:ma14="http://schemas.microsoft.com/office/mac/drawingml/2011/main" xmlns="" val="1"/>
+              <ma14:wrappingTextBoxFlag xmlns="" xmlns:ma14="http://schemas.microsoft.com/office/mac/drawingml/2011/main" val="1"/>
             </a:ext>
           </a:extLst>
         </p:spPr>
@@ -24740,7 +24796,7 @@
           </a:ln>
           <a:extLst>
             <a:ext uri="{C572A759-6A51-4108-AA02-DFA0A04FC94B}">
-              <ma14:wrappingTextBoxFlag xmlns:ma14="http://schemas.microsoft.com/office/mac/drawingml/2011/main" xmlns="" val="1"/>
+              <ma14:wrappingTextBoxFlag xmlns="" xmlns:ma14="http://schemas.microsoft.com/office/mac/drawingml/2011/main" val="1"/>
             </a:ext>
           </a:extLst>
         </p:spPr>
@@ -24934,7 +24990,7 @@
           </a:ln>
           <a:extLst>
             <a:ext uri="{C572A759-6A51-4108-AA02-DFA0A04FC94B}">
-              <ma14:wrappingTextBoxFlag xmlns:ma14="http://schemas.microsoft.com/office/mac/drawingml/2011/main" xmlns="" val="1"/>
+              <ma14:wrappingTextBoxFlag xmlns="" xmlns:ma14="http://schemas.microsoft.com/office/mac/drawingml/2011/main" val="1"/>
             </a:ext>
           </a:extLst>
         </p:spPr>
@@ -25057,7 +25113,7 @@
           </a:ln>
           <a:extLst>
             <a:ext uri="{C572A759-6A51-4108-AA02-DFA0A04FC94B}">
-              <ma14:wrappingTextBoxFlag xmlns:ma14="http://schemas.microsoft.com/office/mac/drawingml/2011/main" xmlns="" val="1"/>
+              <ma14:wrappingTextBoxFlag xmlns="" xmlns:ma14="http://schemas.microsoft.com/office/mac/drawingml/2011/main" val="1"/>
             </a:ext>
           </a:extLst>
         </p:spPr>
@@ -25096,7 +25152,7 @@
           </a:ln>
           <a:extLst>
             <a:ext uri="{C572A759-6A51-4108-AA02-DFA0A04FC94B}">
-              <ma14:wrappingTextBoxFlag xmlns:ma14="http://schemas.microsoft.com/office/mac/drawingml/2011/main" xmlns="" val="1"/>
+              <ma14:wrappingTextBoxFlag xmlns="" xmlns:ma14="http://schemas.microsoft.com/office/mac/drawingml/2011/main" val="1"/>
             </a:ext>
           </a:extLst>
         </p:spPr>
@@ -25199,7 +25255,7 @@
           </a:ln>
           <a:extLst>
             <a:ext uri="{C572A759-6A51-4108-AA02-DFA0A04FC94B}">
-              <ma14:wrappingTextBoxFlag xmlns:ma14="http://schemas.microsoft.com/office/mac/drawingml/2011/main" xmlns="" val="1"/>
+              <ma14:wrappingTextBoxFlag xmlns="" xmlns:ma14="http://schemas.microsoft.com/office/mac/drawingml/2011/main" val="1"/>
             </a:ext>
           </a:extLst>
         </p:spPr>
@@ -25243,7 +25299,7 @@
           </a:ln>
           <a:extLst>
             <a:ext uri="{C572A759-6A51-4108-AA02-DFA0A04FC94B}">
-              <ma14:wrappingTextBoxFlag xmlns:ma14="http://schemas.microsoft.com/office/mac/drawingml/2011/main" xmlns="" val="1"/>
+              <ma14:wrappingTextBoxFlag xmlns="" xmlns:ma14="http://schemas.microsoft.com/office/mac/drawingml/2011/main" val="1"/>
             </a:ext>
           </a:extLst>
         </p:spPr>
@@ -25288,7 +25344,7 @@
           </a:ln>
           <a:extLst>
             <a:ext uri="{C572A759-6A51-4108-AA02-DFA0A04FC94B}">
-              <ma14:wrappingTextBoxFlag xmlns:ma14="http://schemas.microsoft.com/office/mac/drawingml/2011/main" xmlns="" val="1"/>
+              <ma14:wrappingTextBoxFlag xmlns="" xmlns:ma14="http://schemas.microsoft.com/office/mac/drawingml/2011/main" val="1"/>
             </a:ext>
           </a:extLst>
         </p:spPr>
@@ -25368,7 +25424,7 @@
           </a:ln>
           <a:extLst>
             <a:ext uri="{C572A759-6A51-4108-AA02-DFA0A04FC94B}">
-              <ma14:wrappingTextBoxFlag xmlns:ma14="http://schemas.microsoft.com/office/mac/drawingml/2011/main" xmlns="" val="1"/>
+              <ma14:wrappingTextBoxFlag xmlns="" xmlns:ma14="http://schemas.microsoft.com/office/mac/drawingml/2011/main" val="1"/>
             </a:ext>
           </a:extLst>
         </p:spPr>
@@ -25456,7 +25512,7 @@
           </a:ln>
           <a:extLst>
             <a:ext uri="{C572A759-6A51-4108-AA02-DFA0A04FC94B}">
-              <ma14:wrappingTextBoxFlag xmlns:ma14="http://schemas.microsoft.com/office/mac/drawingml/2011/main" xmlns="" val="1"/>
+              <ma14:wrappingTextBoxFlag xmlns="" xmlns:ma14="http://schemas.microsoft.com/office/mac/drawingml/2011/main" val="1"/>
             </a:ext>
           </a:extLst>
         </p:spPr>
@@ -25501,7 +25557,7 @@
           </a:ln>
           <a:extLst>
             <a:ext uri="{C572A759-6A51-4108-AA02-DFA0A04FC94B}">
-              <ma14:wrappingTextBoxFlag xmlns:ma14="http://schemas.microsoft.com/office/mac/drawingml/2011/main" xmlns="" val="1"/>
+              <ma14:wrappingTextBoxFlag xmlns="" xmlns:ma14="http://schemas.microsoft.com/office/mac/drawingml/2011/main" val="1"/>
             </a:ext>
           </a:extLst>
         </p:spPr>
@@ -25546,7 +25602,7 @@
           </a:ln>
           <a:extLst>
             <a:ext uri="{C572A759-6A51-4108-AA02-DFA0A04FC94B}">
-              <ma14:wrappingTextBoxFlag xmlns:ma14="http://schemas.microsoft.com/office/mac/drawingml/2011/main" xmlns="" val="1"/>
+              <ma14:wrappingTextBoxFlag xmlns="" xmlns:ma14="http://schemas.microsoft.com/office/mac/drawingml/2011/main" val="1"/>
             </a:ext>
           </a:extLst>
         </p:spPr>
@@ -25740,7 +25796,7 @@
           </a:ln>
           <a:extLst>
             <a:ext uri="{C572A759-6A51-4108-AA02-DFA0A04FC94B}">
-              <ma14:wrappingTextBoxFlag xmlns:ma14="http://schemas.microsoft.com/office/mac/drawingml/2011/main" xmlns="" val="1"/>
+              <ma14:wrappingTextBoxFlag xmlns="" xmlns:ma14="http://schemas.microsoft.com/office/mac/drawingml/2011/main" val="1"/>
             </a:ext>
           </a:extLst>
         </p:spPr>
@@ -25863,7 +25919,7 @@
           </a:ln>
           <a:extLst>
             <a:ext uri="{C572A759-6A51-4108-AA02-DFA0A04FC94B}">
-              <ma14:wrappingTextBoxFlag xmlns:ma14="http://schemas.microsoft.com/office/mac/drawingml/2011/main" xmlns="" val="1"/>
+              <ma14:wrappingTextBoxFlag xmlns="" xmlns:ma14="http://schemas.microsoft.com/office/mac/drawingml/2011/main" val="1"/>
             </a:ext>
           </a:extLst>
         </p:spPr>
@@ -25902,7 +25958,7 @@
           </a:ln>
           <a:extLst>
             <a:ext uri="{C572A759-6A51-4108-AA02-DFA0A04FC94B}">
-              <ma14:wrappingTextBoxFlag xmlns:ma14="http://schemas.microsoft.com/office/mac/drawingml/2011/main" xmlns="" val="1"/>
+              <ma14:wrappingTextBoxFlag xmlns="" xmlns:ma14="http://schemas.microsoft.com/office/mac/drawingml/2011/main" val="1"/>
             </a:ext>
           </a:extLst>
         </p:spPr>
@@ -25979,7 +26035,7 @@
           </a:ln>
           <a:extLst>
             <a:ext uri="{C572A759-6A51-4108-AA02-DFA0A04FC94B}">
-              <ma14:wrappingTextBoxFlag xmlns:ma14="http://schemas.microsoft.com/office/mac/drawingml/2011/main" xmlns="" val="1"/>
+              <ma14:wrappingTextBoxFlag xmlns="" xmlns:ma14="http://schemas.microsoft.com/office/mac/drawingml/2011/main" val="1"/>
             </a:ext>
           </a:extLst>
         </p:spPr>
@@ -26082,7 +26138,7 @@
           </a:ln>
           <a:extLst>
             <a:ext uri="{C572A759-6A51-4108-AA02-DFA0A04FC94B}">
-              <ma14:wrappingTextBoxFlag xmlns:ma14="http://schemas.microsoft.com/office/mac/drawingml/2011/main" xmlns="" val="1"/>
+              <ma14:wrappingTextBoxFlag xmlns="" xmlns:ma14="http://schemas.microsoft.com/office/mac/drawingml/2011/main" val="1"/>
             </a:ext>
           </a:extLst>
         </p:spPr>
@@ -26126,7 +26182,7 @@
           </a:ln>
           <a:extLst>
             <a:ext uri="{C572A759-6A51-4108-AA02-DFA0A04FC94B}">
-              <ma14:wrappingTextBoxFlag xmlns:ma14="http://schemas.microsoft.com/office/mac/drawingml/2011/main" xmlns="" val="1"/>
+              <ma14:wrappingTextBoxFlag xmlns="" xmlns:ma14="http://schemas.microsoft.com/office/mac/drawingml/2011/main" val="1"/>
             </a:ext>
           </a:extLst>
         </p:spPr>
@@ -26171,7 +26227,7 @@
           </a:ln>
           <a:extLst>
             <a:ext uri="{C572A759-6A51-4108-AA02-DFA0A04FC94B}">
-              <ma14:wrappingTextBoxFlag xmlns:ma14="http://schemas.microsoft.com/office/mac/drawingml/2011/main" xmlns="" val="1"/>
+              <ma14:wrappingTextBoxFlag xmlns="" xmlns:ma14="http://schemas.microsoft.com/office/mac/drawingml/2011/main" val="1"/>
             </a:ext>
           </a:extLst>
         </p:spPr>
@@ -26251,7 +26307,7 @@
           </a:ln>
           <a:extLst>
             <a:ext uri="{C572A759-6A51-4108-AA02-DFA0A04FC94B}">
-              <ma14:wrappingTextBoxFlag xmlns:ma14="http://schemas.microsoft.com/office/mac/drawingml/2011/main" xmlns="" val="1"/>
+              <ma14:wrappingTextBoxFlag xmlns="" xmlns:ma14="http://schemas.microsoft.com/office/mac/drawingml/2011/main" val="1"/>
             </a:ext>
           </a:extLst>
         </p:spPr>
@@ -26339,7 +26395,7 @@
           </a:ln>
           <a:extLst>
             <a:ext uri="{C572A759-6A51-4108-AA02-DFA0A04FC94B}">
-              <ma14:wrappingTextBoxFlag xmlns:ma14="http://schemas.microsoft.com/office/mac/drawingml/2011/main" xmlns="" val="1"/>
+              <ma14:wrappingTextBoxFlag xmlns="" xmlns:ma14="http://schemas.microsoft.com/office/mac/drawingml/2011/main" val="1"/>
             </a:ext>
           </a:extLst>
         </p:spPr>
@@ -26384,7 +26440,7 @@
           </a:ln>
           <a:extLst>
             <a:ext uri="{C572A759-6A51-4108-AA02-DFA0A04FC94B}">
-              <ma14:wrappingTextBoxFlag xmlns:ma14="http://schemas.microsoft.com/office/mac/drawingml/2011/main" xmlns="" val="1"/>
+              <ma14:wrappingTextBoxFlag xmlns="" xmlns:ma14="http://schemas.microsoft.com/office/mac/drawingml/2011/main" val="1"/>
             </a:ext>
           </a:extLst>
         </p:spPr>
@@ -26429,7 +26485,7 @@
           </a:ln>
           <a:extLst>
             <a:ext uri="{C572A759-6A51-4108-AA02-DFA0A04FC94B}">
-              <ma14:wrappingTextBoxFlag xmlns:ma14="http://schemas.microsoft.com/office/mac/drawingml/2011/main" xmlns="" val="1"/>
+              <ma14:wrappingTextBoxFlag xmlns="" xmlns:ma14="http://schemas.microsoft.com/office/mac/drawingml/2011/main" val="1"/>
             </a:ext>
           </a:extLst>
         </p:spPr>
@@ -26623,7 +26679,7 @@
           </a:ln>
           <a:extLst>
             <a:ext uri="{C572A759-6A51-4108-AA02-DFA0A04FC94B}">
-              <ma14:wrappingTextBoxFlag xmlns:ma14="http://schemas.microsoft.com/office/mac/drawingml/2011/main" xmlns="" val="1"/>
+              <ma14:wrappingTextBoxFlag xmlns="" xmlns:ma14="http://schemas.microsoft.com/office/mac/drawingml/2011/main" val="1"/>
             </a:ext>
           </a:extLst>
         </p:spPr>
@@ -26746,7 +26802,7 @@
           </a:ln>
           <a:extLst>
             <a:ext uri="{C572A759-6A51-4108-AA02-DFA0A04FC94B}">
-              <ma14:wrappingTextBoxFlag xmlns:ma14="http://schemas.microsoft.com/office/mac/drawingml/2011/main" xmlns="" val="1"/>
+              <ma14:wrappingTextBoxFlag xmlns="" xmlns:ma14="http://schemas.microsoft.com/office/mac/drawingml/2011/main" val="1"/>
             </a:ext>
           </a:extLst>
         </p:spPr>
@@ -26785,7 +26841,7 @@
           </a:ln>
           <a:extLst>
             <a:ext uri="{C572A759-6A51-4108-AA02-DFA0A04FC94B}">
-              <ma14:wrappingTextBoxFlag xmlns:ma14="http://schemas.microsoft.com/office/mac/drawingml/2011/main" xmlns="" val="1"/>
+              <ma14:wrappingTextBoxFlag xmlns="" xmlns:ma14="http://schemas.microsoft.com/office/mac/drawingml/2011/main" val="1"/>
             </a:ext>
           </a:extLst>
         </p:spPr>
@@ -26862,7 +26918,7 @@
           </a:ln>
           <a:extLst>
             <a:ext uri="{C572A759-6A51-4108-AA02-DFA0A04FC94B}">
-              <ma14:wrappingTextBoxFlag xmlns:ma14="http://schemas.microsoft.com/office/mac/drawingml/2011/main" xmlns="" val="1"/>
+              <ma14:wrappingTextBoxFlag xmlns="" xmlns:ma14="http://schemas.microsoft.com/office/mac/drawingml/2011/main" val="1"/>
             </a:ext>
           </a:extLst>
         </p:spPr>
@@ -26965,7 +27021,7 @@
           </a:ln>
           <a:extLst>
             <a:ext uri="{C572A759-6A51-4108-AA02-DFA0A04FC94B}">
-              <ma14:wrappingTextBoxFlag xmlns:ma14="http://schemas.microsoft.com/office/mac/drawingml/2011/main" xmlns="" val="1"/>
+              <ma14:wrappingTextBoxFlag xmlns="" xmlns:ma14="http://schemas.microsoft.com/office/mac/drawingml/2011/main" val="1"/>
             </a:ext>
           </a:extLst>
         </p:spPr>
@@ -27009,7 +27065,7 @@
           </a:ln>
           <a:extLst>
             <a:ext uri="{C572A759-6A51-4108-AA02-DFA0A04FC94B}">
-              <ma14:wrappingTextBoxFlag xmlns:ma14="http://schemas.microsoft.com/office/mac/drawingml/2011/main" xmlns="" val="1"/>
+              <ma14:wrappingTextBoxFlag xmlns="" xmlns:ma14="http://schemas.microsoft.com/office/mac/drawingml/2011/main" val="1"/>
             </a:ext>
           </a:extLst>
         </p:spPr>
@@ -27054,7 +27110,7 @@
           </a:ln>
           <a:extLst>
             <a:ext uri="{C572A759-6A51-4108-AA02-DFA0A04FC94B}">
-              <ma14:wrappingTextBoxFlag xmlns:ma14="http://schemas.microsoft.com/office/mac/drawingml/2011/main" xmlns="" val="1"/>
+              <ma14:wrappingTextBoxFlag xmlns="" xmlns:ma14="http://schemas.microsoft.com/office/mac/drawingml/2011/main" val="1"/>
             </a:ext>
           </a:extLst>
         </p:spPr>
@@ -27134,7 +27190,7 @@
           </a:ln>
           <a:extLst>
             <a:ext uri="{C572A759-6A51-4108-AA02-DFA0A04FC94B}">
-              <ma14:wrappingTextBoxFlag xmlns:ma14="http://schemas.microsoft.com/office/mac/drawingml/2011/main" xmlns="" val="1"/>
+              <ma14:wrappingTextBoxFlag xmlns="" xmlns:ma14="http://schemas.microsoft.com/office/mac/drawingml/2011/main" val="1"/>
             </a:ext>
           </a:extLst>
         </p:spPr>
@@ -27222,7 +27278,7 @@
           </a:ln>
           <a:extLst>
             <a:ext uri="{C572A759-6A51-4108-AA02-DFA0A04FC94B}">
-              <ma14:wrappingTextBoxFlag xmlns:ma14="http://schemas.microsoft.com/office/mac/drawingml/2011/main" xmlns="" val="1"/>
+              <ma14:wrappingTextBoxFlag xmlns="" xmlns:ma14="http://schemas.microsoft.com/office/mac/drawingml/2011/main" val="1"/>
             </a:ext>
           </a:extLst>
         </p:spPr>
@@ -27267,7 +27323,7 @@
           </a:ln>
           <a:extLst>
             <a:ext uri="{C572A759-6A51-4108-AA02-DFA0A04FC94B}">
-              <ma14:wrappingTextBoxFlag xmlns:ma14="http://schemas.microsoft.com/office/mac/drawingml/2011/main" xmlns="" val="1"/>
+              <ma14:wrappingTextBoxFlag xmlns="" xmlns:ma14="http://schemas.microsoft.com/office/mac/drawingml/2011/main" val="1"/>
             </a:ext>
           </a:extLst>
         </p:spPr>
@@ -27312,7 +27368,7 @@
           </a:ln>
           <a:extLst>
             <a:ext uri="{C572A759-6A51-4108-AA02-DFA0A04FC94B}">
-              <ma14:wrappingTextBoxFlag xmlns:ma14="http://schemas.microsoft.com/office/mac/drawingml/2011/main" xmlns="" val="1"/>
+              <ma14:wrappingTextBoxFlag xmlns="" xmlns:ma14="http://schemas.microsoft.com/office/mac/drawingml/2011/main" val="1"/>
             </a:ext>
           </a:extLst>
         </p:spPr>
@@ -27468,7 +27524,7 @@
           </a:ln>
           <a:extLst>
             <a:ext uri="{C572A759-6A51-4108-AA02-DFA0A04FC94B}">
-              <ma14:wrappingTextBoxFlag xmlns:ma14="http://schemas.microsoft.com/office/mac/drawingml/2011/main" xmlns="" val="1"/>
+              <ma14:wrappingTextBoxFlag xmlns="" xmlns:ma14="http://schemas.microsoft.com/office/mac/drawingml/2011/main" val="1"/>
             </a:ext>
           </a:extLst>
         </p:spPr>
@@ -27591,7 +27647,7 @@
           </a:ln>
           <a:extLst>
             <a:ext uri="{C572A759-6A51-4108-AA02-DFA0A04FC94B}">
-              <ma14:wrappingTextBoxFlag xmlns:ma14="http://schemas.microsoft.com/office/mac/drawingml/2011/main" xmlns="" val="1"/>
+              <ma14:wrappingTextBoxFlag xmlns="" xmlns:ma14="http://schemas.microsoft.com/office/mac/drawingml/2011/main" val="1"/>
             </a:ext>
           </a:extLst>
         </p:spPr>
@@ -27630,7 +27686,7 @@
           </a:ln>
           <a:extLst>
             <a:ext uri="{C572A759-6A51-4108-AA02-DFA0A04FC94B}">
-              <ma14:wrappingTextBoxFlag xmlns:ma14="http://schemas.microsoft.com/office/mac/drawingml/2011/main" xmlns="" val="1"/>
+              <ma14:wrappingTextBoxFlag xmlns="" xmlns:ma14="http://schemas.microsoft.com/office/mac/drawingml/2011/main" val="1"/>
             </a:ext>
           </a:extLst>
         </p:spPr>
@@ -27707,7 +27763,7 @@
           </a:ln>
           <a:extLst>
             <a:ext uri="{C572A759-6A51-4108-AA02-DFA0A04FC94B}">
-              <ma14:wrappingTextBoxFlag xmlns:ma14="http://schemas.microsoft.com/office/mac/drawingml/2011/main" xmlns="" val="1"/>
+              <ma14:wrappingTextBoxFlag xmlns="" xmlns:ma14="http://schemas.microsoft.com/office/mac/drawingml/2011/main" val="1"/>
             </a:ext>
           </a:extLst>
         </p:spPr>
@@ -27906,7 +27962,7 @@
           </a:ln>
           <a:extLst>
             <a:ext uri="{C572A759-6A51-4108-AA02-DFA0A04FC94B}">
-              <ma14:wrappingTextBoxFlag xmlns:ma14="http://schemas.microsoft.com/office/mac/drawingml/2011/main" xmlns="" val="1"/>
+              <ma14:wrappingTextBoxFlag xmlns="" xmlns:ma14="http://schemas.microsoft.com/office/mac/drawingml/2011/main" val="1"/>
             </a:ext>
           </a:extLst>
         </p:spPr>
@@ -27950,7 +28006,7 @@
           </a:ln>
           <a:extLst>
             <a:ext uri="{C572A759-6A51-4108-AA02-DFA0A04FC94B}">
-              <ma14:wrappingTextBoxFlag xmlns:ma14="http://schemas.microsoft.com/office/mac/drawingml/2011/main" xmlns="" val="1"/>
+              <ma14:wrappingTextBoxFlag xmlns="" xmlns:ma14="http://schemas.microsoft.com/office/mac/drawingml/2011/main" val="1"/>
             </a:ext>
           </a:extLst>
         </p:spPr>
@@ -27995,7 +28051,7 @@
           </a:ln>
           <a:extLst>
             <a:ext uri="{C572A759-6A51-4108-AA02-DFA0A04FC94B}">
-              <ma14:wrappingTextBoxFlag xmlns:ma14="http://schemas.microsoft.com/office/mac/drawingml/2011/main" xmlns="" val="1"/>
+              <ma14:wrappingTextBoxFlag xmlns="" xmlns:ma14="http://schemas.microsoft.com/office/mac/drawingml/2011/main" val="1"/>
             </a:ext>
           </a:extLst>
         </p:spPr>
@@ -28075,7 +28131,7 @@
           </a:ln>
           <a:extLst>
             <a:ext uri="{C572A759-6A51-4108-AA02-DFA0A04FC94B}">
-              <ma14:wrappingTextBoxFlag xmlns:ma14="http://schemas.microsoft.com/office/mac/drawingml/2011/main" xmlns="" val="1"/>
+              <ma14:wrappingTextBoxFlag xmlns="" xmlns:ma14="http://schemas.microsoft.com/office/mac/drawingml/2011/main" val="1"/>
             </a:ext>
           </a:extLst>
         </p:spPr>
@@ -28163,7 +28219,7 @@
           </a:ln>
           <a:extLst>
             <a:ext uri="{C572A759-6A51-4108-AA02-DFA0A04FC94B}">
-              <ma14:wrappingTextBoxFlag xmlns:ma14="http://schemas.microsoft.com/office/mac/drawingml/2011/main" xmlns="" val="1"/>
+              <ma14:wrappingTextBoxFlag xmlns="" xmlns:ma14="http://schemas.microsoft.com/office/mac/drawingml/2011/main" val="1"/>
             </a:ext>
           </a:extLst>
         </p:spPr>
@@ -28208,7 +28264,7 @@
           </a:ln>
           <a:extLst>
             <a:ext uri="{C572A759-6A51-4108-AA02-DFA0A04FC94B}">
-              <ma14:wrappingTextBoxFlag xmlns:ma14="http://schemas.microsoft.com/office/mac/drawingml/2011/main" xmlns="" val="1"/>
+              <ma14:wrappingTextBoxFlag xmlns="" xmlns:ma14="http://schemas.microsoft.com/office/mac/drawingml/2011/main" val="1"/>
             </a:ext>
           </a:extLst>
         </p:spPr>
@@ -28326,7 +28382,7 @@
           </a:ln>
           <a:extLst>
             <a:ext uri="{C572A759-6A51-4108-AA02-DFA0A04FC94B}">
-              <ma14:wrappingTextBoxFlag xmlns:ma14="http://schemas.microsoft.com/office/mac/drawingml/2011/main" xmlns="" val="1"/>
+              <ma14:wrappingTextBoxFlag xmlns="" xmlns:ma14="http://schemas.microsoft.com/office/mac/drawingml/2011/main" val="1"/>
             </a:ext>
           </a:extLst>
         </p:spPr>
@@ -28449,7 +28505,7 @@
           </a:ln>
           <a:extLst>
             <a:ext uri="{C572A759-6A51-4108-AA02-DFA0A04FC94B}">
-              <ma14:wrappingTextBoxFlag xmlns:ma14="http://schemas.microsoft.com/office/mac/drawingml/2011/main" xmlns="" val="1"/>
+              <ma14:wrappingTextBoxFlag xmlns="" xmlns:ma14="http://schemas.microsoft.com/office/mac/drawingml/2011/main" val="1"/>
             </a:ext>
           </a:extLst>
         </p:spPr>
@@ -28488,7 +28544,7 @@
           </a:ln>
           <a:extLst>
             <a:ext uri="{C572A759-6A51-4108-AA02-DFA0A04FC94B}">
-              <ma14:wrappingTextBoxFlag xmlns:ma14="http://schemas.microsoft.com/office/mac/drawingml/2011/main" xmlns="" val="1"/>
+              <ma14:wrappingTextBoxFlag xmlns="" xmlns:ma14="http://schemas.microsoft.com/office/mac/drawingml/2011/main" val="1"/>
             </a:ext>
           </a:extLst>
         </p:spPr>
@@ -28687,7 +28743,7 @@
           </a:ln>
           <a:extLst>
             <a:ext uri="{C572A759-6A51-4108-AA02-DFA0A04FC94B}">
-              <ma14:wrappingTextBoxFlag xmlns:ma14="http://schemas.microsoft.com/office/mac/drawingml/2011/main" xmlns="" val="1"/>
+              <ma14:wrappingTextBoxFlag xmlns="" xmlns:ma14="http://schemas.microsoft.com/office/mac/drawingml/2011/main" val="1"/>
             </a:ext>
           </a:extLst>
         </p:spPr>
@@ -28731,7 +28787,7 @@
           </a:ln>
           <a:extLst>
             <a:ext uri="{C572A759-6A51-4108-AA02-DFA0A04FC94B}">
-              <ma14:wrappingTextBoxFlag xmlns:ma14="http://schemas.microsoft.com/office/mac/drawingml/2011/main" xmlns="" val="1"/>
+              <ma14:wrappingTextBoxFlag xmlns="" xmlns:ma14="http://schemas.microsoft.com/office/mac/drawingml/2011/main" val="1"/>
             </a:ext>
           </a:extLst>
         </p:spPr>
@@ -28776,7 +28832,7 @@
           </a:ln>
           <a:extLst>
             <a:ext uri="{C572A759-6A51-4108-AA02-DFA0A04FC94B}">
-              <ma14:wrappingTextBoxFlag xmlns:ma14="http://schemas.microsoft.com/office/mac/drawingml/2011/main" xmlns="" val="1"/>
+              <ma14:wrappingTextBoxFlag xmlns="" xmlns:ma14="http://schemas.microsoft.com/office/mac/drawingml/2011/main" val="1"/>
             </a:ext>
           </a:extLst>
         </p:spPr>
@@ -28856,7 +28912,7 @@
           </a:ln>
           <a:extLst>
             <a:ext uri="{C572A759-6A51-4108-AA02-DFA0A04FC94B}">
-              <ma14:wrappingTextBoxFlag xmlns:ma14="http://schemas.microsoft.com/office/mac/drawingml/2011/main" xmlns="" val="1"/>
+              <ma14:wrappingTextBoxFlag xmlns="" xmlns:ma14="http://schemas.microsoft.com/office/mac/drawingml/2011/main" val="1"/>
             </a:ext>
           </a:extLst>
         </p:spPr>
@@ -28944,7 +29000,7 @@
           </a:ln>
           <a:extLst>
             <a:ext uri="{C572A759-6A51-4108-AA02-DFA0A04FC94B}">
-              <ma14:wrappingTextBoxFlag xmlns:ma14="http://schemas.microsoft.com/office/mac/drawingml/2011/main" xmlns="" val="1"/>
+              <ma14:wrappingTextBoxFlag xmlns="" xmlns:ma14="http://schemas.microsoft.com/office/mac/drawingml/2011/main" val="1"/>
             </a:ext>
           </a:extLst>
         </p:spPr>
@@ -28989,7 +29045,7 @@
           </a:ln>
           <a:extLst>
             <a:ext uri="{C572A759-6A51-4108-AA02-DFA0A04FC94B}">
-              <ma14:wrappingTextBoxFlag xmlns:ma14="http://schemas.microsoft.com/office/mac/drawingml/2011/main" xmlns="" val="1"/>
+              <ma14:wrappingTextBoxFlag xmlns="" xmlns:ma14="http://schemas.microsoft.com/office/mac/drawingml/2011/main" val="1"/>
             </a:ext>
           </a:extLst>
         </p:spPr>
@@ -29107,7 +29163,7 @@
           </a:ln>
           <a:extLst>
             <a:ext uri="{C572A759-6A51-4108-AA02-DFA0A04FC94B}">
-              <ma14:wrappingTextBoxFlag xmlns:ma14="http://schemas.microsoft.com/office/mac/drawingml/2011/main" xmlns="" val="1"/>
+              <ma14:wrappingTextBoxFlag xmlns="" xmlns:ma14="http://schemas.microsoft.com/office/mac/drawingml/2011/main" val="1"/>
             </a:ext>
           </a:extLst>
         </p:spPr>
@@ -29192,7 +29248,7 @@
           </a:ln>
           <a:extLst>
             <a:ext uri="{C572A759-6A51-4108-AA02-DFA0A04FC94B}">
-              <ma14:wrappingTextBoxFlag xmlns:ma14="http://schemas.microsoft.com/office/mac/drawingml/2011/main" xmlns="" val="1"/>
+              <ma14:wrappingTextBoxFlag xmlns="" xmlns:ma14="http://schemas.microsoft.com/office/mac/drawingml/2011/main" val="1"/>
             </a:ext>
           </a:extLst>
         </p:spPr>
@@ -29307,7 +29363,7 @@
           </a:ln>
           <a:extLst>
             <a:ext uri="{C572A759-6A51-4108-AA02-DFA0A04FC94B}">
-              <ma14:wrappingTextBoxFlag xmlns:ma14="http://schemas.microsoft.com/office/mac/drawingml/2011/main" xmlns="" val="1"/>
+              <ma14:wrappingTextBoxFlag xmlns="" xmlns:ma14="http://schemas.microsoft.com/office/mac/drawingml/2011/main" val="1"/>
             </a:ext>
           </a:extLst>
         </p:spPr>
@@ -29410,7 +29466,7 @@
           </a:ln>
           <a:extLst>
             <a:ext uri="{C572A759-6A51-4108-AA02-DFA0A04FC94B}">
-              <ma14:wrappingTextBoxFlag xmlns:ma14="http://schemas.microsoft.com/office/mac/drawingml/2011/main" xmlns="" val="1"/>
+              <ma14:wrappingTextBoxFlag xmlns="" xmlns:ma14="http://schemas.microsoft.com/office/mac/drawingml/2011/main" val="1"/>
             </a:ext>
           </a:extLst>
         </p:spPr>
@@ -29454,7 +29510,7 @@
           </a:ln>
           <a:extLst>
             <a:ext uri="{C572A759-6A51-4108-AA02-DFA0A04FC94B}">
-              <ma14:wrappingTextBoxFlag xmlns:ma14="http://schemas.microsoft.com/office/mac/drawingml/2011/main" xmlns="" val="1"/>
+              <ma14:wrappingTextBoxFlag xmlns="" xmlns:ma14="http://schemas.microsoft.com/office/mac/drawingml/2011/main" val="1"/>
             </a:ext>
           </a:extLst>
         </p:spPr>
@@ -29499,7 +29555,7 @@
           </a:ln>
           <a:extLst>
             <a:ext uri="{C572A759-6A51-4108-AA02-DFA0A04FC94B}">
-              <ma14:wrappingTextBoxFlag xmlns:ma14="http://schemas.microsoft.com/office/mac/drawingml/2011/main" xmlns="" val="1"/>
+              <ma14:wrappingTextBoxFlag xmlns="" xmlns:ma14="http://schemas.microsoft.com/office/mac/drawingml/2011/main" val="1"/>
             </a:ext>
           </a:extLst>
         </p:spPr>
@@ -29579,7 +29635,7 @@
           </a:ln>
           <a:extLst>
             <a:ext uri="{C572A759-6A51-4108-AA02-DFA0A04FC94B}">
-              <ma14:wrappingTextBoxFlag xmlns:ma14="http://schemas.microsoft.com/office/mac/drawingml/2011/main" xmlns="" val="1"/>
+              <ma14:wrappingTextBoxFlag xmlns="" xmlns:ma14="http://schemas.microsoft.com/office/mac/drawingml/2011/main" val="1"/>
             </a:ext>
           </a:extLst>
         </p:spPr>
@@ -29667,7 +29723,7 @@
           </a:ln>
           <a:extLst>
             <a:ext uri="{C572A759-6A51-4108-AA02-DFA0A04FC94B}">
-              <ma14:wrappingTextBoxFlag xmlns:ma14="http://schemas.microsoft.com/office/mac/drawingml/2011/main" xmlns="" val="1"/>
+              <ma14:wrappingTextBoxFlag xmlns="" xmlns:ma14="http://schemas.microsoft.com/office/mac/drawingml/2011/main" val="1"/>
             </a:ext>
           </a:extLst>
         </p:spPr>
@@ -29712,7 +29768,7 @@
           </a:ln>
           <a:extLst>
             <a:ext uri="{C572A759-6A51-4108-AA02-DFA0A04FC94B}">
-              <ma14:wrappingTextBoxFlag xmlns:ma14="http://schemas.microsoft.com/office/mac/drawingml/2011/main" xmlns="" val="1"/>
+              <ma14:wrappingTextBoxFlag xmlns="" xmlns:ma14="http://schemas.microsoft.com/office/mac/drawingml/2011/main" val="1"/>
             </a:ext>
           </a:extLst>
         </p:spPr>
@@ -29830,7 +29886,7 @@
           </a:ln>
           <a:extLst>
             <a:ext uri="{C572A759-6A51-4108-AA02-DFA0A04FC94B}">
-              <ma14:wrappingTextBoxFlag xmlns:ma14="http://schemas.microsoft.com/office/mac/drawingml/2011/main" xmlns="" val="1"/>
+              <ma14:wrappingTextBoxFlag xmlns="" xmlns:ma14="http://schemas.microsoft.com/office/mac/drawingml/2011/main" val="1"/>
             </a:ext>
           </a:extLst>
         </p:spPr>
@@ -29979,7 +30035,7 @@
           </a:ln>
           <a:extLst>
             <a:ext uri="{C572A759-6A51-4108-AA02-DFA0A04FC94B}">
-              <ma14:wrappingTextBoxFlag xmlns:ma14="http://schemas.microsoft.com/office/mac/drawingml/2011/main" xmlns="" val="1"/>
+              <ma14:wrappingTextBoxFlag xmlns="" xmlns:ma14="http://schemas.microsoft.com/office/mac/drawingml/2011/main" val="1"/>
             </a:ext>
           </a:extLst>
         </p:spPr>
@@ -30023,7 +30079,7 @@
           </a:ln>
           <a:extLst>
             <a:ext uri="{C572A759-6A51-4108-AA02-DFA0A04FC94B}">
-              <ma14:wrappingTextBoxFlag xmlns:ma14="http://schemas.microsoft.com/office/mac/drawingml/2011/main" xmlns="" val="1"/>
+              <ma14:wrappingTextBoxFlag xmlns="" xmlns:ma14="http://schemas.microsoft.com/office/mac/drawingml/2011/main" val="1"/>
             </a:ext>
           </a:extLst>
         </p:spPr>
@@ -30068,7 +30124,7 @@
           </a:ln>
           <a:extLst>
             <a:ext uri="{C572A759-6A51-4108-AA02-DFA0A04FC94B}">
-              <ma14:wrappingTextBoxFlag xmlns:ma14="http://schemas.microsoft.com/office/mac/drawingml/2011/main" xmlns="" val="1"/>
+              <ma14:wrappingTextBoxFlag xmlns="" xmlns:ma14="http://schemas.microsoft.com/office/mac/drawingml/2011/main" val="1"/>
             </a:ext>
           </a:extLst>
         </p:spPr>
@@ -30148,7 +30204,7 @@
           </a:ln>
           <a:extLst>
             <a:ext uri="{C572A759-6A51-4108-AA02-DFA0A04FC94B}">
-              <ma14:wrappingTextBoxFlag xmlns:ma14="http://schemas.microsoft.com/office/mac/drawingml/2011/main" xmlns="" val="1"/>
+              <ma14:wrappingTextBoxFlag xmlns="" xmlns:ma14="http://schemas.microsoft.com/office/mac/drawingml/2011/main" val="1"/>
             </a:ext>
           </a:extLst>
         </p:spPr>
@@ -30236,7 +30292,7 @@
           </a:ln>
           <a:extLst>
             <a:ext uri="{C572A759-6A51-4108-AA02-DFA0A04FC94B}">
-              <ma14:wrappingTextBoxFlag xmlns:ma14="http://schemas.microsoft.com/office/mac/drawingml/2011/main" xmlns="" val="1"/>
+              <ma14:wrappingTextBoxFlag xmlns="" xmlns:ma14="http://schemas.microsoft.com/office/mac/drawingml/2011/main" val="1"/>
             </a:ext>
           </a:extLst>
         </p:spPr>
@@ -30281,7 +30337,7 @@
           </a:ln>
           <a:extLst>
             <a:ext uri="{C572A759-6A51-4108-AA02-DFA0A04FC94B}">
-              <ma14:wrappingTextBoxFlag xmlns:ma14="http://schemas.microsoft.com/office/mac/drawingml/2011/main" xmlns="" val="1"/>
+              <ma14:wrappingTextBoxFlag xmlns="" xmlns:ma14="http://schemas.microsoft.com/office/mac/drawingml/2011/main" val="1"/>
             </a:ext>
           </a:extLst>
         </p:spPr>
@@ -30326,7 +30382,7 @@
           </a:ln>
           <a:extLst>
             <a:ext uri="{C572A759-6A51-4108-AA02-DFA0A04FC94B}">
-              <ma14:wrappingTextBoxFlag xmlns:ma14="http://schemas.microsoft.com/office/mac/drawingml/2011/main" xmlns="" val="1"/>
+              <ma14:wrappingTextBoxFlag xmlns="" xmlns:ma14="http://schemas.microsoft.com/office/mac/drawingml/2011/main" val="1"/>
             </a:ext>
           </a:extLst>
         </p:spPr>
@@ -30406,7 +30462,7 @@
           </a:ln>
           <a:extLst>
             <a:ext uri="{C572A759-6A51-4108-AA02-DFA0A04FC94B}">
-              <ma14:wrappingTextBoxFlag xmlns:ma14="http://schemas.microsoft.com/office/mac/drawingml/2011/main" xmlns="" val="1"/>
+              <ma14:wrappingTextBoxFlag xmlns="" xmlns:ma14="http://schemas.microsoft.com/office/mac/drawingml/2011/main" val="1"/>
             </a:ext>
           </a:extLst>
         </p:spPr>
@@ -30783,7 +30839,7 @@
           </a:ln>
           <a:extLst>
             <a:ext uri="{C572A759-6A51-4108-AA02-DFA0A04FC94B}">
-              <ma14:wrappingTextBoxFlag xmlns:ma14="http://schemas.microsoft.com/office/mac/drawingml/2011/main" xmlns="" val="1"/>
+              <ma14:wrappingTextBoxFlag xmlns="" xmlns:ma14="http://schemas.microsoft.com/office/mac/drawingml/2011/main" val="1"/>
             </a:ext>
           </a:extLst>
         </p:spPr>
@@ -30827,7 +30883,7 @@
           </a:ln>
           <a:extLst>
             <a:ext uri="{C572A759-6A51-4108-AA02-DFA0A04FC94B}">
-              <ma14:wrappingTextBoxFlag xmlns:ma14="http://schemas.microsoft.com/office/mac/drawingml/2011/main" xmlns="" val="1"/>
+              <ma14:wrappingTextBoxFlag xmlns="" xmlns:ma14="http://schemas.microsoft.com/office/mac/drawingml/2011/main" val="1"/>
             </a:ext>
           </a:extLst>
         </p:spPr>
@@ -30872,7 +30928,7 @@
           </a:ln>
           <a:extLst>
             <a:ext uri="{C572A759-6A51-4108-AA02-DFA0A04FC94B}">
-              <ma14:wrappingTextBoxFlag xmlns:ma14="http://schemas.microsoft.com/office/mac/drawingml/2011/main" xmlns="" val="1"/>
+              <ma14:wrappingTextBoxFlag xmlns="" xmlns:ma14="http://schemas.microsoft.com/office/mac/drawingml/2011/main" val="1"/>
             </a:ext>
           </a:extLst>
         </p:spPr>
@@ -30952,7 +31008,7 @@
           </a:ln>
           <a:extLst>
             <a:ext uri="{C572A759-6A51-4108-AA02-DFA0A04FC94B}">
-              <ma14:wrappingTextBoxFlag xmlns:ma14="http://schemas.microsoft.com/office/mac/drawingml/2011/main" xmlns="" val="1"/>
+              <ma14:wrappingTextBoxFlag xmlns="" xmlns:ma14="http://schemas.microsoft.com/office/mac/drawingml/2011/main" val="1"/>
             </a:ext>
           </a:extLst>
         </p:spPr>
@@ -31040,7 +31096,7 @@
           </a:ln>
           <a:extLst>
             <a:ext uri="{C572A759-6A51-4108-AA02-DFA0A04FC94B}">
-              <ma14:wrappingTextBoxFlag xmlns:ma14="http://schemas.microsoft.com/office/mac/drawingml/2011/main" xmlns="" val="1"/>
+              <ma14:wrappingTextBoxFlag xmlns="" xmlns:ma14="http://schemas.microsoft.com/office/mac/drawingml/2011/main" val="1"/>
             </a:ext>
           </a:extLst>
         </p:spPr>
@@ -31085,7 +31141,7 @@
           </a:ln>
           <a:extLst>
             <a:ext uri="{C572A759-6A51-4108-AA02-DFA0A04FC94B}">
-              <ma14:wrappingTextBoxFlag xmlns:ma14="http://schemas.microsoft.com/office/mac/drawingml/2011/main" xmlns="" val="1"/>
+              <ma14:wrappingTextBoxFlag xmlns="" xmlns:ma14="http://schemas.microsoft.com/office/mac/drawingml/2011/main" val="1"/>
             </a:ext>
           </a:extLst>
         </p:spPr>
@@ -31130,7 +31186,7 @@
           </a:ln>
           <a:extLst>
             <a:ext uri="{C572A759-6A51-4108-AA02-DFA0A04FC94B}">
-              <ma14:wrappingTextBoxFlag xmlns:ma14="http://schemas.microsoft.com/office/mac/drawingml/2011/main" xmlns="" val="1"/>
+              <ma14:wrappingTextBoxFlag xmlns="" xmlns:ma14="http://schemas.microsoft.com/office/mac/drawingml/2011/main" val="1"/>
             </a:ext>
           </a:extLst>
         </p:spPr>
@@ -31210,7 +31266,7 @@
           </a:ln>
           <a:extLst>
             <a:ext uri="{C572A759-6A51-4108-AA02-DFA0A04FC94B}">
-              <ma14:wrappingTextBoxFlag xmlns:ma14="http://schemas.microsoft.com/office/mac/drawingml/2011/main" xmlns="" val="1"/>
+              <ma14:wrappingTextBoxFlag xmlns="" xmlns:ma14="http://schemas.microsoft.com/office/mac/drawingml/2011/main" val="1"/>
             </a:ext>
           </a:extLst>
         </p:spPr>
@@ -31561,7 +31617,7 @@
           </a:ln>
           <a:extLst>
             <a:ext uri="{C572A759-6A51-4108-AA02-DFA0A04FC94B}">
-              <ma14:wrappingTextBoxFlag xmlns:ma14="http://schemas.microsoft.com/office/mac/drawingml/2011/main" xmlns="" val="1"/>
+              <ma14:wrappingTextBoxFlag xmlns="" xmlns:ma14="http://schemas.microsoft.com/office/mac/drawingml/2011/main" val="1"/>
             </a:ext>
           </a:extLst>
         </p:spPr>
@@ -31657,7 +31713,7 @@
           </a:ln>
           <a:extLst>
             <a:ext uri="{C572A759-6A51-4108-AA02-DFA0A04FC94B}">
-              <ma14:wrappingTextBoxFlag xmlns:ma14="http://schemas.microsoft.com/office/mac/drawingml/2011/main" xmlns="" val="1"/>
+              <ma14:wrappingTextBoxFlag xmlns="" xmlns:ma14="http://schemas.microsoft.com/office/mac/drawingml/2011/main" val="1"/>
             </a:ext>
           </a:extLst>
         </p:spPr>
@@ -31705,7 +31761,7 @@
           </a:ln>
           <a:extLst>
             <a:ext uri="{C572A759-6A51-4108-AA02-DFA0A04FC94B}">
-              <ma14:wrappingTextBoxFlag xmlns:ma14="http://schemas.microsoft.com/office/mac/drawingml/2011/main" xmlns="" val="1"/>
+              <ma14:wrappingTextBoxFlag xmlns="" xmlns:ma14="http://schemas.microsoft.com/office/mac/drawingml/2011/main" val="1"/>
             </a:ext>
           </a:extLst>
         </p:spPr>
@@ -31750,7 +31806,7 @@
           </a:ln>
           <a:extLst>
             <a:ext uri="{C572A759-6A51-4108-AA02-DFA0A04FC94B}">
-              <ma14:wrappingTextBoxFlag xmlns:ma14="http://schemas.microsoft.com/office/mac/drawingml/2011/main" xmlns="" val="1"/>
+              <ma14:wrappingTextBoxFlag xmlns="" xmlns:ma14="http://schemas.microsoft.com/office/mac/drawingml/2011/main" val="1"/>
             </a:ext>
           </a:extLst>
         </p:spPr>
@@ -31795,7 +31851,7 @@
           </a:ln>
           <a:extLst>
             <a:ext uri="{C572A759-6A51-4108-AA02-DFA0A04FC94B}">
-              <ma14:wrappingTextBoxFlag xmlns:ma14="http://schemas.microsoft.com/office/mac/drawingml/2011/main" xmlns="" val="1"/>
+              <ma14:wrappingTextBoxFlag xmlns="" xmlns:ma14="http://schemas.microsoft.com/office/mac/drawingml/2011/main" val="1"/>
             </a:ext>
           </a:extLst>
         </p:spPr>
@@ -31840,7 +31896,7 @@
           </a:ln>
           <a:extLst>
             <a:ext uri="{C572A759-6A51-4108-AA02-DFA0A04FC94B}">
-              <ma14:wrappingTextBoxFlag xmlns:ma14="http://schemas.microsoft.com/office/mac/drawingml/2011/main" xmlns="" val="1"/>
+              <ma14:wrappingTextBoxFlag xmlns="" xmlns:ma14="http://schemas.microsoft.com/office/mac/drawingml/2011/main" val="1"/>
             </a:ext>
           </a:extLst>
         </p:spPr>
@@ -32007,7 +32063,7 @@
           </a:ln>
           <a:extLst>
             <a:ext uri="{C572A759-6A51-4108-AA02-DFA0A04FC94B}">
-              <ma14:wrappingTextBoxFlag xmlns:ma14="http://schemas.microsoft.com/office/mac/drawingml/2011/main" xmlns="" val="1"/>
+              <ma14:wrappingTextBoxFlag xmlns="" xmlns:ma14="http://schemas.microsoft.com/office/mac/drawingml/2011/main" val="1"/>
             </a:ext>
           </a:extLst>
         </p:spPr>
@@ -32151,7 +32207,7 @@
           </a:ln>
           <a:extLst>
             <a:ext uri="{C572A759-6A51-4108-AA02-DFA0A04FC94B}">
-              <ma14:wrappingTextBoxFlag xmlns:ma14="http://schemas.microsoft.com/office/mac/drawingml/2011/main" xmlns="" val="1"/>
+              <ma14:wrappingTextBoxFlag xmlns="" xmlns:ma14="http://schemas.microsoft.com/office/mac/drawingml/2011/main" val="1"/>
             </a:ext>
           </a:extLst>
         </p:spPr>
@@ -32195,7 +32251,7 @@
           </a:ln>
           <a:extLst>
             <a:ext uri="{C572A759-6A51-4108-AA02-DFA0A04FC94B}">
-              <ma14:wrappingTextBoxFlag xmlns:ma14="http://schemas.microsoft.com/office/mac/drawingml/2011/main" xmlns="" val="1"/>
+              <ma14:wrappingTextBoxFlag xmlns="" xmlns:ma14="http://schemas.microsoft.com/office/mac/drawingml/2011/main" val="1"/>
             </a:ext>
           </a:extLst>
         </p:spPr>
@@ -32240,7 +32296,7 @@
           </a:ln>
           <a:extLst>
             <a:ext uri="{C572A759-6A51-4108-AA02-DFA0A04FC94B}">
-              <ma14:wrappingTextBoxFlag xmlns:ma14="http://schemas.microsoft.com/office/mac/drawingml/2011/main" xmlns="" val="1"/>
+              <ma14:wrappingTextBoxFlag xmlns="" xmlns:ma14="http://schemas.microsoft.com/office/mac/drawingml/2011/main" val="1"/>
             </a:ext>
           </a:extLst>
         </p:spPr>
@@ -32320,7 +32376,7 @@
           </a:ln>
           <a:extLst>
             <a:ext uri="{C572A759-6A51-4108-AA02-DFA0A04FC94B}">
-              <ma14:wrappingTextBoxFlag xmlns:ma14="http://schemas.microsoft.com/office/mac/drawingml/2011/main" xmlns="" val="1"/>
+              <ma14:wrappingTextBoxFlag xmlns="" xmlns:ma14="http://schemas.microsoft.com/office/mac/drawingml/2011/main" val="1"/>
             </a:ext>
           </a:extLst>
         </p:spPr>
@@ -32408,7 +32464,7 @@
           </a:ln>
           <a:extLst>
             <a:ext uri="{C572A759-6A51-4108-AA02-DFA0A04FC94B}">
-              <ma14:wrappingTextBoxFlag xmlns:ma14="http://schemas.microsoft.com/office/mac/drawingml/2011/main" xmlns="" val="1"/>
+              <ma14:wrappingTextBoxFlag xmlns="" xmlns:ma14="http://schemas.microsoft.com/office/mac/drawingml/2011/main" val="1"/>
             </a:ext>
           </a:extLst>
         </p:spPr>
@@ -32453,7 +32509,7 @@
           </a:ln>
           <a:extLst>
             <a:ext uri="{C572A759-6A51-4108-AA02-DFA0A04FC94B}">
-              <ma14:wrappingTextBoxFlag xmlns:ma14="http://schemas.microsoft.com/office/mac/drawingml/2011/main" xmlns="" val="1"/>
+              <ma14:wrappingTextBoxFlag xmlns="" xmlns:ma14="http://schemas.microsoft.com/office/mac/drawingml/2011/main" val="1"/>
             </a:ext>
           </a:extLst>
         </p:spPr>
@@ -32498,7 +32554,7 @@
           </a:ln>
           <a:extLst>
             <a:ext uri="{C572A759-6A51-4108-AA02-DFA0A04FC94B}">
-              <ma14:wrappingTextBoxFlag xmlns:ma14="http://schemas.microsoft.com/office/mac/drawingml/2011/main" xmlns="" val="1"/>
+              <ma14:wrappingTextBoxFlag xmlns="" xmlns:ma14="http://schemas.microsoft.com/office/mac/drawingml/2011/main" val="1"/>
             </a:ext>
           </a:extLst>
         </p:spPr>
@@ -32578,7 +32634,7 @@
           </a:ln>
           <a:extLst>
             <a:ext uri="{C572A759-6A51-4108-AA02-DFA0A04FC94B}">
-              <ma14:wrappingTextBoxFlag xmlns:ma14="http://schemas.microsoft.com/office/mac/drawingml/2011/main" xmlns="" val="1"/>
+              <ma14:wrappingTextBoxFlag xmlns="" xmlns:ma14="http://schemas.microsoft.com/office/mac/drawingml/2011/main" val="1"/>
             </a:ext>
           </a:extLst>
         </p:spPr>
@@ -32929,7 +32985,7 @@
           </a:ln>
           <a:extLst>
             <a:ext uri="{C572A759-6A51-4108-AA02-DFA0A04FC94B}">
-              <ma14:wrappingTextBoxFlag xmlns:ma14="http://schemas.microsoft.com/office/mac/drawingml/2011/main" xmlns="" val="1"/>
+              <ma14:wrappingTextBoxFlag xmlns="" xmlns:ma14="http://schemas.microsoft.com/office/mac/drawingml/2011/main" val="1"/>
             </a:ext>
           </a:extLst>
         </p:spPr>
@@ -33028,7 +33084,7 @@
           </a:ln>
           <a:extLst>
             <a:ext uri="{C572A759-6A51-4108-AA02-DFA0A04FC94B}">
-              <ma14:wrappingTextBoxFlag xmlns:ma14="http://schemas.microsoft.com/office/mac/drawingml/2011/main" xmlns="" val="1"/>
+              <ma14:wrappingTextBoxFlag xmlns="" xmlns:ma14="http://schemas.microsoft.com/office/mac/drawingml/2011/main" val="1"/>
             </a:ext>
           </a:extLst>
         </p:spPr>
@@ -33072,7 +33128,7 @@
           </a:ln>
           <a:extLst>
             <a:ext uri="{C572A759-6A51-4108-AA02-DFA0A04FC94B}">
-              <ma14:wrappingTextBoxFlag xmlns:ma14="http://schemas.microsoft.com/office/mac/drawingml/2011/main" xmlns="" val="1"/>
+              <ma14:wrappingTextBoxFlag xmlns="" xmlns:ma14="http://schemas.microsoft.com/office/mac/drawingml/2011/main" val="1"/>
             </a:ext>
           </a:extLst>
         </p:spPr>
@@ -33117,7 +33173,7 @@
           </a:ln>
           <a:extLst>
             <a:ext uri="{C572A759-6A51-4108-AA02-DFA0A04FC94B}">
-              <ma14:wrappingTextBoxFlag xmlns:ma14="http://schemas.microsoft.com/office/mac/drawingml/2011/main" xmlns="" val="1"/>
+              <ma14:wrappingTextBoxFlag xmlns="" xmlns:ma14="http://schemas.microsoft.com/office/mac/drawingml/2011/main" val="1"/>
             </a:ext>
           </a:extLst>
         </p:spPr>
@@ -33197,7 +33253,7 @@
           </a:ln>
           <a:extLst>
             <a:ext uri="{C572A759-6A51-4108-AA02-DFA0A04FC94B}">
-              <ma14:wrappingTextBoxFlag xmlns:ma14="http://schemas.microsoft.com/office/mac/drawingml/2011/main" xmlns="" val="1"/>
+              <ma14:wrappingTextBoxFlag xmlns="" xmlns:ma14="http://schemas.microsoft.com/office/mac/drawingml/2011/main" val="1"/>
             </a:ext>
           </a:extLst>
         </p:spPr>
@@ -33285,7 +33341,7 @@
           </a:ln>
           <a:extLst>
             <a:ext uri="{C572A759-6A51-4108-AA02-DFA0A04FC94B}">
-              <ma14:wrappingTextBoxFlag xmlns:ma14="http://schemas.microsoft.com/office/mac/drawingml/2011/main" xmlns="" val="1"/>
+              <ma14:wrappingTextBoxFlag xmlns="" xmlns:ma14="http://schemas.microsoft.com/office/mac/drawingml/2011/main" val="1"/>
             </a:ext>
           </a:extLst>
         </p:spPr>
@@ -33330,7 +33386,7 @@
           </a:ln>
           <a:extLst>
             <a:ext uri="{C572A759-6A51-4108-AA02-DFA0A04FC94B}">
-              <ma14:wrappingTextBoxFlag xmlns:ma14="http://schemas.microsoft.com/office/mac/drawingml/2011/main" xmlns="" val="1"/>
+              <ma14:wrappingTextBoxFlag xmlns="" xmlns:ma14="http://schemas.microsoft.com/office/mac/drawingml/2011/main" val="1"/>
             </a:ext>
           </a:extLst>
         </p:spPr>
@@ -33375,7 +33431,7 @@
           </a:ln>
           <a:extLst>
             <a:ext uri="{C572A759-6A51-4108-AA02-DFA0A04FC94B}">
-              <ma14:wrappingTextBoxFlag xmlns:ma14="http://schemas.microsoft.com/office/mac/drawingml/2011/main" xmlns="" val="1"/>
+              <ma14:wrappingTextBoxFlag xmlns="" xmlns:ma14="http://schemas.microsoft.com/office/mac/drawingml/2011/main" val="1"/>
             </a:ext>
           </a:extLst>
         </p:spPr>
@@ -33455,7 +33511,7 @@
           </a:ln>
           <a:extLst>
             <a:ext uri="{C572A759-6A51-4108-AA02-DFA0A04FC94B}">
-              <ma14:wrappingTextBoxFlag xmlns:ma14="http://schemas.microsoft.com/office/mac/drawingml/2011/main" xmlns="" val="1"/>
+              <ma14:wrappingTextBoxFlag xmlns="" xmlns:ma14="http://schemas.microsoft.com/office/mac/drawingml/2011/main" val="1"/>
             </a:ext>
           </a:extLst>
         </p:spPr>
@@ -33806,7 +33862,7 @@
           </a:ln>
           <a:extLst>
             <a:ext uri="{C572A759-6A51-4108-AA02-DFA0A04FC94B}">
-              <ma14:wrappingTextBoxFlag xmlns:ma14="http://schemas.microsoft.com/office/mac/drawingml/2011/main" xmlns="" val="1"/>
+              <ma14:wrappingTextBoxFlag xmlns="" xmlns:ma14="http://schemas.microsoft.com/office/mac/drawingml/2011/main" val="1"/>
             </a:ext>
           </a:extLst>
         </p:spPr>
@@ -33905,7 +33961,7 @@
           </a:ln>
           <a:extLst>
             <a:ext uri="{C572A759-6A51-4108-AA02-DFA0A04FC94B}">
-              <ma14:wrappingTextBoxFlag xmlns:ma14="http://schemas.microsoft.com/office/mac/drawingml/2011/main" xmlns="" val="1"/>
+              <ma14:wrappingTextBoxFlag xmlns="" xmlns:ma14="http://schemas.microsoft.com/office/mac/drawingml/2011/main" val="1"/>
             </a:ext>
           </a:extLst>
         </p:spPr>
@@ -33949,7 +34005,7 @@
           </a:ln>
           <a:extLst>
             <a:ext uri="{C572A759-6A51-4108-AA02-DFA0A04FC94B}">
-              <ma14:wrappingTextBoxFlag xmlns:ma14="http://schemas.microsoft.com/office/mac/drawingml/2011/main" xmlns="" val="1"/>
+              <ma14:wrappingTextBoxFlag xmlns="" xmlns:ma14="http://schemas.microsoft.com/office/mac/drawingml/2011/main" val="1"/>
             </a:ext>
           </a:extLst>
         </p:spPr>
@@ -33994,7 +34050,7 @@
           </a:ln>
           <a:extLst>
             <a:ext uri="{C572A759-6A51-4108-AA02-DFA0A04FC94B}">
-              <ma14:wrappingTextBoxFlag xmlns:ma14="http://schemas.microsoft.com/office/mac/drawingml/2011/main" xmlns="" val="1"/>
+              <ma14:wrappingTextBoxFlag xmlns="" xmlns:ma14="http://schemas.microsoft.com/office/mac/drawingml/2011/main" val="1"/>
             </a:ext>
           </a:extLst>
         </p:spPr>
@@ -34074,7 +34130,7 @@
           </a:ln>
           <a:extLst>
             <a:ext uri="{C572A759-6A51-4108-AA02-DFA0A04FC94B}">
-              <ma14:wrappingTextBoxFlag xmlns:ma14="http://schemas.microsoft.com/office/mac/drawingml/2011/main" xmlns="" val="1"/>
+              <ma14:wrappingTextBoxFlag xmlns="" xmlns:ma14="http://schemas.microsoft.com/office/mac/drawingml/2011/main" val="1"/>
             </a:ext>
           </a:extLst>
         </p:spPr>
@@ -34162,7 +34218,7 @@
           </a:ln>
           <a:extLst>
             <a:ext uri="{C572A759-6A51-4108-AA02-DFA0A04FC94B}">
-              <ma14:wrappingTextBoxFlag xmlns:ma14="http://schemas.microsoft.com/office/mac/drawingml/2011/main" xmlns="" val="1"/>
+              <ma14:wrappingTextBoxFlag xmlns="" xmlns:ma14="http://schemas.microsoft.com/office/mac/drawingml/2011/main" val="1"/>
             </a:ext>
           </a:extLst>
         </p:spPr>
@@ -34207,7 +34263,7 @@
           </a:ln>
           <a:extLst>
             <a:ext uri="{C572A759-6A51-4108-AA02-DFA0A04FC94B}">
-              <ma14:wrappingTextBoxFlag xmlns:ma14="http://schemas.microsoft.com/office/mac/drawingml/2011/main" xmlns="" val="1"/>
+              <ma14:wrappingTextBoxFlag xmlns="" xmlns:ma14="http://schemas.microsoft.com/office/mac/drawingml/2011/main" val="1"/>
             </a:ext>
           </a:extLst>
         </p:spPr>
@@ -34252,7 +34308,7 @@
           </a:ln>
           <a:extLst>
             <a:ext uri="{C572A759-6A51-4108-AA02-DFA0A04FC94B}">
-              <ma14:wrappingTextBoxFlag xmlns:ma14="http://schemas.microsoft.com/office/mac/drawingml/2011/main" xmlns="" val="1"/>
+              <ma14:wrappingTextBoxFlag xmlns="" xmlns:ma14="http://schemas.microsoft.com/office/mac/drawingml/2011/main" val="1"/>
             </a:ext>
           </a:extLst>
         </p:spPr>
@@ -34332,7 +34388,7 @@
           </a:ln>
           <a:extLst>
             <a:ext uri="{C572A759-6A51-4108-AA02-DFA0A04FC94B}">
-              <ma14:wrappingTextBoxFlag xmlns:ma14="http://schemas.microsoft.com/office/mac/drawingml/2011/main" xmlns="" val="1"/>
+              <ma14:wrappingTextBoxFlag xmlns="" xmlns:ma14="http://schemas.microsoft.com/office/mac/drawingml/2011/main" val="1"/>
             </a:ext>
           </a:extLst>
         </p:spPr>
@@ -34683,7 +34739,7 @@
           </a:ln>
           <a:extLst>
             <a:ext uri="{C572A759-6A51-4108-AA02-DFA0A04FC94B}">
-              <ma14:wrappingTextBoxFlag xmlns:ma14="http://schemas.microsoft.com/office/mac/drawingml/2011/main" xmlns="" val="1"/>
+              <ma14:wrappingTextBoxFlag xmlns="" xmlns:ma14="http://schemas.microsoft.com/office/mac/drawingml/2011/main" val="1"/>
             </a:ext>
           </a:extLst>
         </p:spPr>
@@ -34782,7 +34838,7 @@
           </a:ln>
           <a:extLst>
             <a:ext uri="{C572A759-6A51-4108-AA02-DFA0A04FC94B}">
-              <ma14:wrappingTextBoxFlag xmlns:ma14="http://schemas.microsoft.com/office/mac/drawingml/2011/main" xmlns="" val="1"/>
+              <ma14:wrappingTextBoxFlag xmlns="" xmlns:ma14="http://schemas.microsoft.com/office/mac/drawingml/2011/main" val="1"/>
             </a:ext>
           </a:extLst>
         </p:spPr>
@@ -34826,7 +34882,7 @@
           </a:ln>
           <a:extLst>
             <a:ext uri="{C572A759-6A51-4108-AA02-DFA0A04FC94B}">
-              <ma14:wrappingTextBoxFlag xmlns:ma14="http://schemas.microsoft.com/office/mac/drawingml/2011/main" xmlns="" val="1"/>
+              <ma14:wrappingTextBoxFlag xmlns="" xmlns:ma14="http://schemas.microsoft.com/office/mac/drawingml/2011/main" val="1"/>
             </a:ext>
           </a:extLst>
         </p:spPr>
@@ -34871,7 +34927,7 @@
           </a:ln>
           <a:extLst>
             <a:ext uri="{C572A759-6A51-4108-AA02-DFA0A04FC94B}">
-              <ma14:wrappingTextBoxFlag xmlns:ma14="http://schemas.microsoft.com/office/mac/drawingml/2011/main" xmlns="" val="1"/>
+              <ma14:wrappingTextBoxFlag xmlns="" xmlns:ma14="http://schemas.microsoft.com/office/mac/drawingml/2011/main" val="1"/>
             </a:ext>
           </a:extLst>
         </p:spPr>
@@ -34951,7 +35007,7 @@
           </a:ln>
           <a:extLst>
             <a:ext uri="{C572A759-6A51-4108-AA02-DFA0A04FC94B}">
-              <ma14:wrappingTextBoxFlag xmlns:ma14="http://schemas.microsoft.com/office/mac/drawingml/2011/main" xmlns="" val="1"/>
+              <ma14:wrappingTextBoxFlag xmlns="" xmlns:ma14="http://schemas.microsoft.com/office/mac/drawingml/2011/main" val="1"/>
             </a:ext>
           </a:extLst>
         </p:spPr>
@@ -35039,7 +35095,7 @@
           </a:ln>
           <a:extLst>
             <a:ext uri="{C572A759-6A51-4108-AA02-DFA0A04FC94B}">
-              <ma14:wrappingTextBoxFlag xmlns:ma14="http://schemas.microsoft.com/office/mac/drawingml/2011/main" xmlns="" val="1"/>
+              <ma14:wrappingTextBoxFlag xmlns="" xmlns:ma14="http://schemas.microsoft.com/office/mac/drawingml/2011/main" val="1"/>
             </a:ext>
           </a:extLst>
         </p:spPr>
@@ -35084,7 +35140,7 @@
           </a:ln>
           <a:extLst>
             <a:ext uri="{C572A759-6A51-4108-AA02-DFA0A04FC94B}">
-              <ma14:wrappingTextBoxFlag xmlns:ma14="http://schemas.microsoft.com/office/mac/drawingml/2011/main" xmlns="" val="1"/>
+              <ma14:wrappingTextBoxFlag xmlns="" xmlns:ma14="http://schemas.microsoft.com/office/mac/drawingml/2011/main" val="1"/>
             </a:ext>
           </a:extLst>
         </p:spPr>
@@ -35129,7 +35185,7 @@
           </a:ln>
           <a:extLst>
             <a:ext uri="{C572A759-6A51-4108-AA02-DFA0A04FC94B}">
-              <ma14:wrappingTextBoxFlag xmlns:ma14="http://schemas.microsoft.com/office/mac/drawingml/2011/main" xmlns="" val="1"/>
+              <ma14:wrappingTextBoxFlag xmlns="" xmlns:ma14="http://schemas.microsoft.com/office/mac/drawingml/2011/main" val="1"/>
             </a:ext>
           </a:extLst>
         </p:spPr>
@@ -35209,7 +35265,7 @@
           </a:ln>
           <a:extLst>
             <a:ext uri="{C572A759-6A51-4108-AA02-DFA0A04FC94B}">
-              <ma14:wrappingTextBoxFlag xmlns:ma14="http://schemas.microsoft.com/office/mac/drawingml/2011/main" xmlns="" val="1"/>
+              <ma14:wrappingTextBoxFlag xmlns="" xmlns:ma14="http://schemas.microsoft.com/office/mac/drawingml/2011/main" val="1"/>
             </a:ext>
           </a:extLst>
         </p:spPr>
@@ -35522,7 +35578,7 @@
           </a:ln>
           <a:extLst>
             <a:ext uri="{C572A759-6A51-4108-AA02-DFA0A04FC94B}">
-              <ma14:wrappingTextBoxFlag xmlns:ma14="http://schemas.microsoft.com/office/mac/drawingml/2011/main" xmlns="" val="1"/>
+              <ma14:wrappingTextBoxFlag xmlns="" xmlns:ma14="http://schemas.microsoft.com/office/mac/drawingml/2011/main" val="1"/>
             </a:ext>
           </a:extLst>
         </p:spPr>
@@ -35717,7 +35773,7 @@
           </a:ln>
           <a:extLst>
             <a:ext uri="{C572A759-6A51-4108-AA02-DFA0A04FC94B}">
-              <ma14:wrappingTextBoxFlag xmlns:ma14="http://schemas.microsoft.com/office/mac/drawingml/2011/main" xmlns="" val="1"/>
+              <ma14:wrappingTextBoxFlag xmlns="" xmlns:ma14="http://schemas.microsoft.com/office/mac/drawingml/2011/main" val="1"/>
             </a:ext>
           </a:extLst>
         </p:spPr>
@@ -35761,7 +35817,7 @@
           </a:ln>
           <a:extLst>
             <a:ext uri="{C572A759-6A51-4108-AA02-DFA0A04FC94B}">
-              <ma14:wrappingTextBoxFlag xmlns:ma14="http://schemas.microsoft.com/office/mac/drawingml/2011/main" xmlns="" val="1"/>
+              <ma14:wrappingTextBoxFlag xmlns="" xmlns:ma14="http://schemas.microsoft.com/office/mac/drawingml/2011/main" val="1"/>
             </a:ext>
           </a:extLst>
         </p:spPr>
@@ -35806,7 +35862,7 @@
           </a:ln>
           <a:extLst>
             <a:ext uri="{C572A759-6A51-4108-AA02-DFA0A04FC94B}">
-              <ma14:wrappingTextBoxFlag xmlns:ma14="http://schemas.microsoft.com/office/mac/drawingml/2011/main" xmlns="" val="1"/>
+              <ma14:wrappingTextBoxFlag xmlns="" xmlns:ma14="http://schemas.microsoft.com/office/mac/drawingml/2011/main" val="1"/>
             </a:ext>
           </a:extLst>
         </p:spPr>
@@ -35886,7 +35942,7 @@
           </a:ln>
           <a:extLst>
             <a:ext uri="{C572A759-6A51-4108-AA02-DFA0A04FC94B}">
-              <ma14:wrappingTextBoxFlag xmlns:ma14="http://schemas.microsoft.com/office/mac/drawingml/2011/main" xmlns="" val="1"/>
+              <ma14:wrappingTextBoxFlag xmlns="" xmlns:ma14="http://schemas.microsoft.com/office/mac/drawingml/2011/main" val="1"/>
             </a:ext>
           </a:extLst>
         </p:spPr>
@@ -35974,7 +36030,7 @@
           </a:ln>
           <a:extLst>
             <a:ext uri="{C572A759-6A51-4108-AA02-DFA0A04FC94B}">
-              <ma14:wrappingTextBoxFlag xmlns:ma14="http://schemas.microsoft.com/office/mac/drawingml/2011/main" xmlns="" val="1"/>
+              <ma14:wrappingTextBoxFlag xmlns="" xmlns:ma14="http://schemas.microsoft.com/office/mac/drawingml/2011/main" val="1"/>
             </a:ext>
           </a:extLst>
         </p:spPr>
@@ -36019,7 +36075,7 @@
           </a:ln>
           <a:extLst>
             <a:ext uri="{C572A759-6A51-4108-AA02-DFA0A04FC94B}">
-              <ma14:wrappingTextBoxFlag xmlns:ma14="http://schemas.microsoft.com/office/mac/drawingml/2011/main" xmlns="" val="1"/>
+              <ma14:wrappingTextBoxFlag xmlns="" xmlns:ma14="http://schemas.microsoft.com/office/mac/drawingml/2011/main" val="1"/>
             </a:ext>
           </a:extLst>
         </p:spPr>
@@ -36064,7 +36120,7 @@
           </a:ln>
           <a:extLst>
             <a:ext uri="{C572A759-6A51-4108-AA02-DFA0A04FC94B}">
-              <ma14:wrappingTextBoxFlag xmlns:ma14="http://schemas.microsoft.com/office/mac/drawingml/2011/main" xmlns="" val="1"/>
+              <ma14:wrappingTextBoxFlag xmlns="" xmlns:ma14="http://schemas.microsoft.com/office/mac/drawingml/2011/main" val="1"/>
             </a:ext>
           </a:extLst>
         </p:spPr>
@@ -36144,7 +36200,7 @@
           </a:ln>
           <a:extLst>
             <a:ext uri="{C572A759-6A51-4108-AA02-DFA0A04FC94B}">
-              <ma14:wrappingTextBoxFlag xmlns:ma14="http://schemas.microsoft.com/office/mac/drawingml/2011/main" xmlns="" val="1"/>
+              <ma14:wrappingTextBoxFlag xmlns="" xmlns:ma14="http://schemas.microsoft.com/office/mac/drawingml/2011/main" val="1"/>
             </a:ext>
           </a:extLst>
         </p:spPr>
@@ -36457,7 +36513,7 @@
           </a:ln>
           <a:extLst>
             <a:ext uri="{C572A759-6A51-4108-AA02-DFA0A04FC94B}">
-              <ma14:wrappingTextBoxFlag xmlns:ma14="http://schemas.microsoft.com/office/mac/drawingml/2011/main" xmlns="" val="1"/>
+              <ma14:wrappingTextBoxFlag xmlns="" xmlns:ma14="http://schemas.microsoft.com/office/mac/drawingml/2011/main" val="1"/>
             </a:ext>
           </a:extLst>
         </p:spPr>
@@ -36652,7 +36708,7 @@
           </a:ln>
           <a:extLst>
             <a:ext uri="{C572A759-6A51-4108-AA02-DFA0A04FC94B}">
-              <ma14:wrappingTextBoxFlag xmlns:ma14="http://schemas.microsoft.com/office/mac/drawingml/2011/main" xmlns="" val="1"/>
+              <ma14:wrappingTextBoxFlag xmlns="" xmlns:ma14="http://schemas.microsoft.com/office/mac/drawingml/2011/main" val="1"/>
             </a:ext>
           </a:extLst>
         </p:spPr>
@@ -36696,7 +36752,7 @@
           </a:ln>
           <a:extLst>
             <a:ext uri="{C572A759-6A51-4108-AA02-DFA0A04FC94B}">
-              <ma14:wrappingTextBoxFlag xmlns:ma14="http://schemas.microsoft.com/office/mac/drawingml/2011/main" xmlns="" val="1"/>
+              <ma14:wrappingTextBoxFlag xmlns="" xmlns:ma14="http://schemas.microsoft.com/office/mac/drawingml/2011/main" val="1"/>
             </a:ext>
           </a:extLst>
         </p:spPr>
@@ -36741,7 +36797,7 @@
           </a:ln>
           <a:extLst>
             <a:ext uri="{C572A759-6A51-4108-AA02-DFA0A04FC94B}">
-              <ma14:wrappingTextBoxFlag xmlns:ma14="http://schemas.microsoft.com/office/mac/drawingml/2011/main" xmlns="" val="1"/>
+              <ma14:wrappingTextBoxFlag xmlns="" xmlns:ma14="http://schemas.microsoft.com/office/mac/drawingml/2011/main" val="1"/>
             </a:ext>
           </a:extLst>
         </p:spPr>
@@ -36821,7 +36877,7 @@
           </a:ln>
           <a:extLst>
             <a:ext uri="{C572A759-6A51-4108-AA02-DFA0A04FC94B}">
-              <ma14:wrappingTextBoxFlag xmlns:ma14="http://schemas.microsoft.com/office/mac/drawingml/2011/main" xmlns="" val="1"/>
+              <ma14:wrappingTextBoxFlag xmlns="" xmlns:ma14="http://schemas.microsoft.com/office/mac/drawingml/2011/main" val="1"/>
             </a:ext>
           </a:extLst>
         </p:spPr>
@@ -36909,7 +36965,7 @@
           </a:ln>
           <a:extLst>
             <a:ext uri="{C572A759-6A51-4108-AA02-DFA0A04FC94B}">
-              <ma14:wrappingTextBoxFlag xmlns:ma14="http://schemas.microsoft.com/office/mac/drawingml/2011/main" xmlns="" val="1"/>
+              <ma14:wrappingTextBoxFlag xmlns="" xmlns:ma14="http://schemas.microsoft.com/office/mac/drawingml/2011/main" val="1"/>
             </a:ext>
           </a:extLst>
         </p:spPr>
@@ -36954,7 +37010,7 @@
           </a:ln>
           <a:extLst>
             <a:ext uri="{C572A759-6A51-4108-AA02-DFA0A04FC94B}">
-              <ma14:wrappingTextBoxFlag xmlns:ma14="http://schemas.microsoft.com/office/mac/drawingml/2011/main" xmlns="" val="1"/>
+              <ma14:wrappingTextBoxFlag xmlns="" xmlns:ma14="http://schemas.microsoft.com/office/mac/drawingml/2011/main" val="1"/>
             </a:ext>
           </a:extLst>
         </p:spPr>
@@ -37034,7 +37090,7 @@
           </a:ln>
           <a:extLst>
             <a:ext uri="{C572A759-6A51-4108-AA02-DFA0A04FC94B}">
-              <ma14:wrappingTextBoxFlag xmlns:ma14="http://schemas.microsoft.com/office/mac/drawingml/2011/main" xmlns="" val="1"/>
+              <ma14:wrappingTextBoxFlag xmlns="" xmlns:ma14="http://schemas.microsoft.com/office/mac/drawingml/2011/main" val="1"/>
             </a:ext>
           </a:extLst>
         </p:spPr>
@@ -37393,7 +37449,7 @@
           </a:ln>
           <a:extLst>
             <a:ext uri="{C572A759-6A51-4108-AA02-DFA0A04FC94B}">
-              <ma14:wrappingTextBoxFlag xmlns:ma14="http://schemas.microsoft.com/office/mac/drawingml/2011/main" xmlns="" val="1"/>
+              <ma14:wrappingTextBoxFlag xmlns="" xmlns:ma14="http://schemas.microsoft.com/office/mac/drawingml/2011/main" val="1"/>
             </a:ext>
           </a:extLst>
         </p:spPr>
@@ -37437,7 +37493,7 @@
           </a:ln>
           <a:extLst>
             <a:ext uri="{C572A759-6A51-4108-AA02-DFA0A04FC94B}">
-              <ma14:wrappingTextBoxFlag xmlns:ma14="http://schemas.microsoft.com/office/mac/drawingml/2011/main" xmlns="" val="1"/>
+              <ma14:wrappingTextBoxFlag xmlns="" xmlns:ma14="http://schemas.microsoft.com/office/mac/drawingml/2011/main" val="1"/>
             </a:ext>
           </a:extLst>
         </p:spPr>
@@ -37482,7 +37538,7 @@
           </a:ln>
           <a:extLst>
             <a:ext uri="{C572A759-6A51-4108-AA02-DFA0A04FC94B}">
-              <ma14:wrappingTextBoxFlag xmlns:ma14="http://schemas.microsoft.com/office/mac/drawingml/2011/main" xmlns="" val="1"/>
+              <ma14:wrappingTextBoxFlag xmlns="" xmlns:ma14="http://schemas.microsoft.com/office/mac/drawingml/2011/main" val="1"/>
             </a:ext>
           </a:extLst>
         </p:spPr>
@@ -37562,7 +37618,7 @@
           </a:ln>
           <a:extLst>
             <a:ext uri="{C572A759-6A51-4108-AA02-DFA0A04FC94B}">
-              <ma14:wrappingTextBoxFlag xmlns:ma14="http://schemas.microsoft.com/office/mac/drawingml/2011/main" xmlns="" val="1"/>
+              <ma14:wrappingTextBoxFlag xmlns="" xmlns:ma14="http://schemas.microsoft.com/office/mac/drawingml/2011/main" val="1"/>
             </a:ext>
           </a:extLst>
         </p:spPr>
@@ -37650,7 +37706,7 @@
           </a:ln>
           <a:extLst>
             <a:ext uri="{C572A759-6A51-4108-AA02-DFA0A04FC94B}">
-              <ma14:wrappingTextBoxFlag xmlns:ma14="http://schemas.microsoft.com/office/mac/drawingml/2011/main" xmlns="" val="1"/>
+              <ma14:wrappingTextBoxFlag xmlns="" xmlns:ma14="http://schemas.microsoft.com/office/mac/drawingml/2011/main" val="1"/>
             </a:ext>
           </a:extLst>
         </p:spPr>
@@ -37695,7 +37751,7 @@
           </a:ln>
           <a:extLst>
             <a:ext uri="{C572A759-6A51-4108-AA02-DFA0A04FC94B}">
-              <ma14:wrappingTextBoxFlag xmlns:ma14="http://schemas.microsoft.com/office/mac/drawingml/2011/main" xmlns="" val="1"/>
+              <ma14:wrappingTextBoxFlag xmlns="" xmlns:ma14="http://schemas.microsoft.com/office/mac/drawingml/2011/main" val="1"/>
             </a:ext>
           </a:extLst>
         </p:spPr>
@@ -37775,7 +37831,7 @@
           </a:ln>
           <a:extLst>
             <a:ext uri="{C572A759-6A51-4108-AA02-DFA0A04FC94B}">
-              <ma14:wrappingTextBoxFlag xmlns:ma14="http://schemas.microsoft.com/office/mac/drawingml/2011/main" xmlns="" val="1"/>
+              <ma14:wrappingTextBoxFlag xmlns="" xmlns:ma14="http://schemas.microsoft.com/office/mac/drawingml/2011/main" val="1"/>
             </a:ext>
           </a:extLst>
         </p:spPr>
@@ -38582,7 +38638,7 @@
           </a:ln>
           <a:extLst>
             <a:ext uri="{C572A759-6A51-4108-AA02-DFA0A04FC94B}">
-              <ma14:wrappingTextBoxFlag xmlns:ma14="http://schemas.microsoft.com/office/mac/drawingml/2011/main" xmlns="" val="1"/>
+              <ma14:wrappingTextBoxFlag xmlns="" xmlns:ma14="http://schemas.microsoft.com/office/mac/drawingml/2011/main" val="1"/>
             </a:ext>
           </a:extLst>
         </p:spPr>
@@ -38623,7 +38679,7 @@
           </a:ln>
           <a:extLst>
             <a:ext uri="{C572A759-6A51-4108-AA02-DFA0A04FC94B}">
-              <ma14:wrappingTextBoxFlag xmlns:ma14="http://schemas.microsoft.com/office/mac/drawingml/2011/main" xmlns="" val="1"/>
+              <ma14:wrappingTextBoxFlag xmlns="" xmlns:ma14="http://schemas.microsoft.com/office/mac/drawingml/2011/main" val="1"/>
             </a:ext>
           </a:extLst>
         </p:spPr>
@@ -39143,7 +39199,7 @@
           </a:ln>
           <a:extLst>
             <a:ext uri="{C572A759-6A51-4108-AA02-DFA0A04FC94B}">
-              <ma14:wrappingTextBoxFlag xmlns:ma14="http://schemas.microsoft.com/office/mac/drawingml/2011/main" xmlns="" val="1"/>
+              <ma14:wrappingTextBoxFlag xmlns="" xmlns:ma14="http://schemas.microsoft.com/office/mac/drawingml/2011/main" val="1"/>
             </a:ext>
           </a:extLst>
         </p:spPr>
@@ -39184,7 +39240,7 @@
           </a:ln>
           <a:extLst>
             <a:ext uri="{C572A759-6A51-4108-AA02-DFA0A04FC94B}">
-              <ma14:wrappingTextBoxFlag xmlns:ma14="http://schemas.microsoft.com/office/mac/drawingml/2011/main" xmlns="" val="1"/>
+              <ma14:wrappingTextBoxFlag xmlns="" xmlns:ma14="http://schemas.microsoft.com/office/mac/drawingml/2011/main" val="1"/>
             </a:ext>
           </a:extLst>
         </p:spPr>
@@ -39315,7 +39371,7 @@
           </a:ln>
           <a:extLst>
             <a:ext uri="{C572A759-6A51-4108-AA02-DFA0A04FC94B}">
-              <ma14:wrappingTextBoxFlag xmlns:ma14="http://schemas.microsoft.com/office/mac/drawingml/2011/main" xmlns="" val="1"/>
+              <ma14:wrappingTextBoxFlag xmlns="" xmlns:ma14="http://schemas.microsoft.com/office/mac/drawingml/2011/main" val="1"/>
             </a:ext>
           </a:extLst>
         </p:spPr>
@@ -39559,7 +39615,7 @@
           </a:ln>
           <a:extLst>
             <a:ext uri="{C572A759-6A51-4108-AA02-DFA0A04FC94B}">
-              <ma14:wrappingTextBoxFlag xmlns:ma14="http://schemas.microsoft.com/office/mac/drawingml/2011/main" xmlns="" val="1"/>
+              <ma14:wrappingTextBoxFlag xmlns="" xmlns:ma14="http://schemas.microsoft.com/office/mac/drawingml/2011/main" val="1"/>
             </a:ext>
           </a:extLst>
         </p:spPr>
@@ -39615,7 +39671,7 @@
           </a:ln>
           <a:extLst>
             <a:ext uri="{C572A759-6A51-4108-AA02-DFA0A04FC94B}">
-              <ma14:wrappingTextBoxFlag xmlns:ma14="http://schemas.microsoft.com/office/mac/drawingml/2011/main" xmlns="" val="1"/>
+              <ma14:wrappingTextBoxFlag xmlns="" xmlns:ma14="http://schemas.microsoft.com/office/mac/drawingml/2011/main" val="1"/>
             </a:ext>
           </a:extLst>
         </p:spPr>
@@ -39698,7 +39754,7 @@
           </a:ln>
           <a:extLst>
             <a:ext uri="{C572A759-6A51-4108-AA02-DFA0A04FC94B}">
-              <ma14:wrappingTextBoxFlag xmlns:ma14="http://schemas.microsoft.com/office/mac/drawingml/2011/main" xmlns="" val="1"/>
+              <ma14:wrappingTextBoxFlag xmlns="" xmlns:ma14="http://schemas.microsoft.com/office/mac/drawingml/2011/main" val="1"/>
             </a:ext>
           </a:extLst>
         </p:spPr>
@@ -39749,7 +39805,7 @@
           </a:ln>
           <a:extLst>
             <a:ext uri="{C572A759-6A51-4108-AA02-DFA0A04FC94B}">
-              <ma14:wrappingTextBoxFlag xmlns:ma14="http://schemas.microsoft.com/office/mac/drawingml/2011/main" xmlns="" val="1"/>
+              <ma14:wrappingTextBoxFlag xmlns="" xmlns:ma14="http://schemas.microsoft.com/office/mac/drawingml/2011/main" val="1"/>
             </a:ext>
           </a:extLst>
         </p:spPr>
@@ -39800,7 +39856,7 @@
           </a:ln>
           <a:extLst>
             <a:ext uri="{C572A759-6A51-4108-AA02-DFA0A04FC94B}">
-              <ma14:wrappingTextBoxFlag xmlns:ma14="http://schemas.microsoft.com/office/mac/drawingml/2011/main" xmlns="" val="1"/>
+              <ma14:wrappingTextBoxFlag xmlns="" xmlns:ma14="http://schemas.microsoft.com/office/mac/drawingml/2011/main" val="1"/>
             </a:ext>
           </a:extLst>
         </p:spPr>
@@ -39966,7 +40022,7 @@
           </a:ln>
           <a:extLst>
             <a:ext uri="{C572A759-6A51-4108-AA02-DFA0A04FC94B}">
-              <ma14:wrappingTextBoxFlag xmlns:ma14="http://schemas.microsoft.com/office/mac/drawingml/2011/main" xmlns="" val="1"/>
+              <ma14:wrappingTextBoxFlag xmlns="" xmlns:ma14="http://schemas.microsoft.com/office/mac/drawingml/2011/main" val="1"/>
             </a:ext>
           </a:extLst>
         </p:spPr>
@@ -40010,7 +40066,7 @@
           </a:ln>
           <a:extLst>
             <a:ext uri="{C572A759-6A51-4108-AA02-DFA0A04FC94B}">
-              <ma14:wrappingTextBoxFlag xmlns:ma14="http://schemas.microsoft.com/office/mac/drawingml/2011/main" xmlns="" val="1"/>
+              <ma14:wrappingTextBoxFlag xmlns="" xmlns:ma14="http://schemas.microsoft.com/office/mac/drawingml/2011/main" val="1"/>
             </a:ext>
           </a:extLst>
         </p:spPr>
@@ -40100,7 +40156,7 @@
           </a:ln>
           <a:extLst>
             <a:ext uri="{C572A759-6A51-4108-AA02-DFA0A04FC94B}">
-              <ma14:wrappingTextBoxFlag xmlns:ma14="http://schemas.microsoft.com/office/mac/drawingml/2011/main" xmlns="" val="1"/>
+              <ma14:wrappingTextBoxFlag xmlns="" xmlns:ma14="http://schemas.microsoft.com/office/mac/drawingml/2011/main" val="1"/>
             </a:ext>
           </a:extLst>
         </p:spPr>
@@ -40272,7 +40328,7 @@
           </a:ln>
           <a:extLst>
             <a:ext uri="{C572A759-6A51-4108-AA02-DFA0A04FC94B}">
-              <ma14:wrappingTextBoxFlag xmlns:ma14="http://schemas.microsoft.com/office/mac/drawingml/2011/main" xmlns="" val="1"/>
+              <ma14:wrappingTextBoxFlag xmlns="" xmlns:ma14="http://schemas.microsoft.com/office/mac/drawingml/2011/main" val="1"/>
             </a:ext>
           </a:extLst>
         </p:spPr>
@@ -40366,7 +40422,7 @@
           </a:ln>
           <a:extLst>
             <a:ext uri="{C572A759-6A51-4108-AA02-DFA0A04FC94B}">
-              <ma14:wrappingTextBoxFlag xmlns:ma14="http://schemas.microsoft.com/office/mac/drawingml/2011/main" xmlns="" val="1"/>
+              <ma14:wrappingTextBoxFlag xmlns="" xmlns:ma14="http://schemas.microsoft.com/office/mac/drawingml/2011/main" val="1"/>
             </a:ext>
           </a:extLst>
         </p:spPr>
@@ -40848,7 +40904,7 @@
           </a:ln>
           <a:extLst>
             <a:ext uri="{C572A759-6A51-4108-AA02-DFA0A04FC94B}">
-              <ma14:wrappingTextBoxFlag xmlns:ma14="http://schemas.microsoft.com/office/mac/drawingml/2011/main" xmlns="" val="1"/>
+              <ma14:wrappingTextBoxFlag xmlns="" xmlns:ma14="http://schemas.microsoft.com/office/mac/drawingml/2011/main" val="1"/>
             </a:ext>
           </a:extLst>
         </p:spPr>
@@ -40894,7 +40950,7 @@
           </a:ln>
           <a:extLst>
             <a:ext uri="{C572A759-6A51-4108-AA02-DFA0A04FC94B}">
-              <ma14:wrappingTextBoxFlag xmlns:ma14="http://schemas.microsoft.com/office/mac/drawingml/2011/main" xmlns="" val="1"/>
+              <ma14:wrappingTextBoxFlag xmlns="" xmlns:ma14="http://schemas.microsoft.com/office/mac/drawingml/2011/main" val="1"/>
             </a:ext>
           </a:extLst>
         </p:spPr>
@@ -40940,7 +40996,7 @@
           </a:ln>
           <a:extLst>
             <a:ext uri="{C572A759-6A51-4108-AA02-DFA0A04FC94B}">
-              <ma14:wrappingTextBoxFlag xmlns:ma14="http://schemas.microsoft.com/office/mac/drawingml/2011/main" xmlns="" val="1"/>
+              <ma14:wrappingTextBoxFlag xmlns="" xmlns:ma14="http://schemas.microsoft.com/office/mac/drawingml/2011/main" val="1"/>
             </a:ext>
           </a:extLst>
         </p:spPr>
@@ -41000,7 +41056,7 @@
           </a:ln>
           <a:extLst>
             <a:ext uri="{C572A759-6A51-4108-AA02-DFA0A04FC94B}">
-              <ma14:wrappingTextBoxFlag xmlns:ma14="http://schemas.microsoft.com/office/mac/drawingml/2011/main" xmlns="" val="1"/>
+              <ma14:wrappingTextBoxFlag xmlns="" xmlns:ma14="http://schemas.microsoft.com/office/mac/drawingml/2011/main" val="1"/>
             </a:ext>
           </a:extLst>
         </p:spPr>

--- a/slides/datastructures/linked_list/LinkedLists.pptx
+++ b/slides/datastructures/linked_list/LinkedLists.pptx
@@ -899,14 +899,6 @@
             </a:r>
             <a:r>
               <a:rPr lang="en-US" altLang="zh-CN" dirty="0"/>
-              <a:t>5</a:t>
-            </a:r>
-            <a:r>
-              <a:rPr lang="zh-CN" altLang="en-US" dirty="0"/>
-              <a:t>的下一个节点，也就是元素</a:t>
-            </a:r>
-            <a:r>
-              <a:rPr lang="en-US" altLang="zh-CN" dirty="0"/>
               <a:t>23</a:t>
             </a:r>
             <a:r>
@@ -1446,7 +1438,7 @@
           <a:p>
             <a:r>
               <a:rPr lang="zh-CN" altLang="en-US" dirty="0"/>
-              <a:t>好的，现在我们来向双向链表中插入节点，这个会稍微复杂一点，因为涉及的指针比较多，但是原理是相同的。注意，在双向链表中，每个节点不仅有指向下一个节点的指针，还有指向前一个节点的指针。也就是说，在插入阶段，我们需要同时调整相关指针。</a:t>
+              <a:t>好的，现在我们来向双向链表中插入节点，这个会稍微复杂一点，因为涉及的指针比较多，但是原理是相同的。注意，在双向链表中，每个节点不仅有指向下一个节点的指针，还有指向前一个节点的指针。也就是说，在插入阶段，我们需要同时调整多个相关指针。</a:t>
             </a:r>
             <a:endParaRPr dirty="0"/>
           </a:p>
@@ -2000,7 +1992,7 @@
             </a:r>
             <a:r>
               <a:rPr lang="zh-CN" altLang="en-US" dirty="0"/>
-              <a:t>节点的前一个节点指针，指向元素</a:t>
+              <a:t>所在节点的前一个节点指针，指向元素</a:t>
             </a:r>
             <a:r>
               <a:rPr lang="en-US" altLang="zh-CN" dirty="0"/>
@@ -2923,7 +2915,15 @@
           <a:p>
             <a:r>
               <a:rPr lang="zh-CN" altLang="en-US" dirty="0"/>
-              <a:t>现在我要再创建一个节点，它也指向我们要移除的节点，这样做是为了方便后续释放被移除节点的内存。</a:t>
+              <a:t>现在我要再创建一个节点，叫</a:t>
+            </a:r>
+            <a:r>
+              <a:rPr lang="en-US" altLang="zh-CN" dirty="0"/>
+              <a:t>temp</a:t>
+            </a:r>
+            <a:r>
+              <a:rPr lang="zh-CN" altLang="en-US" dirty="0"/>
+              <a:t>，它也指向我们要移除的节点，这样做是为了方便后续释放被移除节点的内存。</a:t>
             </a:r>
             <a:endParaRPr dirty="0"/>
           </a:p>
@@ -4573,11 +4573,7 @@
           <a:p>
             <a:r>
               <a:rPr lang="zh-CN" altLang="en-US" dirty="0"/>
-              <a:t>好的，关于单向和双向链表的内容，我就先介绍到这里。在下节课中，我会以现场编程方式，来展示如何实现一个双向链表，好，我们下</a:t>
-            </a:r>
-            <a:r>
-              <a:rPr lang="zh-CN" altLang="en-US"/>
-              <a:t>节课再见！</a:t>
+              <a:t>好的，关于单向和双向链表的内容，我就先介绍到这里。在下节课中，我会以现场编程方式，来展示如何实现一个双向链表，好，我们下节课再见！</a:t>
             </a:r>
             <a:endParaRPr lang="en-US" altLang="zh-CN" dirty="0"/>
           </a:p>
@@ -5282,7 +5278,7 @@
           <a:p>
             <a:r>
               <a:rPr kumimoji="1" lang="zh-CN" altLang="en-US" dirty="0"/>
-              <a:t>下面我们来看一些实现细节，包括如何创建链表，如何移除元素。</a:t>
+              <a:t>下面我们来看一些实现细节，包括如何在链表中添加节点，还有移除节点。</a:t>
             </a:r>
           </a:p>
         </p:txBody>
@@ -7154,7 +7150,7 @@
           </a:ln>
           <a:extLst>
             <a:ext uri="{C572A759-6A51-4108-AA02-DFA0A04FC94B}">
-              <ma14:wrappingTextBoxFlag xmlns="" xmlns:ma14="http://schemas.microsoft.com/office/mac/drawingml/2011/main" val="1"/>
+              <ma14:wrappingTextBoxFlag xmlns:ma14="http://schemas.microsoft.com/office/mac/drawingml/2011/main" xmlns="" val="1"/>
             </a:ext>
           </a:extLst>
         </p:spPr>
@@ -7193,7 +7189,7 @@
           </a:ln>
           <a:extLst>
             <a:ext uri="{C572A759-6A51-4108-AA02-DFA0A04FC94B}">
-              <ma14:wrappingTextBoxFlag xmlns="" xmlns:ma14="http://schemas.microsoft.com/office/mac/drawingml/2011/main" val="1"/>
+              <ma14:wrappingTextBoxFlag xmlns:ma14="http://schemas.microsoft.com/office/mac/drawingml/2011/main" xmlns="" val="1"/>
             </a:ext>
           </a:extLst>
         </p:spPr>
@@ -8290,7 +8286,7 @@
           </a:ln>
           <a:extLst>
             <a:ext uri="{C572A759-6A51-4108-AA02-DFA0A04FC94B}">
-              <ma14:wrappingTextBoxFlag xmlns="" xmlns:ma14="http://schemas.microsoft.com/office/mac/drawingml/2011/main" val="1"/>
+              <ma14:wrappingTextBoxFlag xmlns:ma14="http://schemas.microsoft.com/office/mac/drawingml/2011/main" xmlns="" val="1"/>
             </a:ext>
           </a:extLst>
         </p:spPr>
@@ -8335,7 +8331,7 @@
           </a:ln>
           <a:extLst>
             <a:ext uri="{C572A759-6A51-4108-AA02-DFA0A04FC94B}">
-              <ma14:wrappingTextBoxFlag xmlns="" xmlns:ma14="http://schemas.microsoft.com/office/mac/drawingml/2011/main" val="1"/>
+              <ma14:wrappingTextBoxFlag xmlns:ma14="http://schemas.microsoft.com/office/mac/drawingml/2011/main" xmlns="" val="1"/>
             </a:ext>
           </a:extLst>
         </p:spPr>
@@ -8380,7 +8376,7 @@
           </a:ln>
           <a:extLst>
             <a:ext uri="{C572A759-6A51-4108-AA02-DFA0A04FC94B}">
-              <ma14:wrappingTextBoxFlag xmlns="" xmlns:ma14="http://schemas.microsoft.com/office/mac/drawingml/2011/main" val="1"/>
+              <ma14:wrappingTextBoxFlag xmlns:ma14="http://schemas.microsoft.com/office/mac/drawingml/2011/main" xmlns="" val="1"/>
             </a:ext>
           </a:extLst>
         </p:spPr>
@@ -8425,7 +8421,7 @@
           </a:ln>
           <a:extLst>
             <a:ext uri="{C572A759-6A51-4108-AA02-DFA0A04FC94B}">
-              <ma14:wrappingTextBoxFlag xmlns="" xmlns:ma14="http://schemas.microsoft.com/office/mac/drawingml/2011/main" val="1"/>
+              <ma14:wrappingTextBoxFlag xmlns:ma14="http://schemas.microsoft.com/office/mac/drawingml/2011/main" xmlns="" val="1"/>
             </a:ext>
           </a:extLst>
         </p:spPr>
@@ -8581,7 +8577,7 @@
           </a:ln>
           <a:extLst>
             <a:ext uri="{C572A759-6A51-4108-AA02-DFA0A04FC94B}">
-              <ma14:wrappingTextBoxFlag xmlns="" xmlns:ma14="http://schemas.microsoft.com/office/mac/drawingml/2011/main" val="1"/>
+              <ma14:wrappingTextBoxFlag xmlns:ma14="http://schemas.microsoft.com/office/mac/drawingml/2011/main" xmlns="" val="1"/>
             </a:ext>
           </a:extLst>
         </p:spPr>
@@ -8660,7 +8656,7 @@
           </a:ln>
           <a:extLst>
             <a:ext uri="{C572A759-6A51-4108-AA02-DFA0A04FC94B}">
-              <ma14:wrappingTextBoxFlag xmlns="" xmlns:ma14="http://schemas.microsoft.com/office/mac/drawingml/2011/main" val="1"/>
+              <ma14:wrappingTextBoxFlag xmlns:ma14="http://schemas.microsoft.com/office/mac/drawingml/2011/main" xmlns="" val="1"/>
             </a:ext>
           </a:extLst>
         </p:spPr>
@@ -8745,7 +8741,7 @@
           </a:ln>
           <a:extLst>
             <a:ext uri="{C572A759-6A51-4108-AA02-DFA0A04FC94B}">
-              <ma14:wrappingTextBoxFlag xmlns="" xmlns:ma14="http://schemas.microsoft.com/office/mac/drawingml/2011/main" val="1"/>
+              <ma14:wrappingTextBoxFlag xmlns:ma14="http://schemas.microsoft.com/office/mac/drawingml/2011/main" xmlns="" val="1"/>
             </a:ext>
           </a:extLst>
         </p:spPr>
@@ -8861,7 +8857,7 @@
           </a:ln>
           <a:extLst>
             <a:ext uri="{C572A759-6A51-4108-AA02-DFA0A04FC94B}">
-              <ma14:wrappingTextBoxFlag xmlns="" xmlns:ma14="http://schemas.microsoft.com/office/mac/drawingml/2011/main" val="1"/>
+              <ma14:wrappingTextBoxFlag xmlns:ma14="http://schemas.microsoft.com/office/mac/drawingml/2011/main" xmlns="" val="1"/>
             </a:ext>
           </a:extLst>
         </p:spPr>
@@ -8906,7 +8902,7 @@
           </a:ln>
           <a:extLst>
             <a:ext uri="{C572A759-6A51-4108-AA02-DFA0A04FC94B}">
-              <ma14:wrappingTextBoxFlag xmlns="" xmlns:ma14="http://schemas.microsoft.com/office/mac/drawingml/2011/main" val="1"/>
+              <ma14:wrappingTextBoxFlag xmlns:ma14="http://schemas.microsoft.com/office/mac/drawingml/2011/main" xmlns="" val="1"/>
             </a:ext>
           </a:extLst>
         </p:spPr>
@@ -8951,7 +8947,7 @@
           </a:ln>
           <a:extLst>
             <a:ext uri="{C572A759-6A51-4108-AA02-DFA0A04FC94B}">
-              <ma14:wrappingTextBoxFlag xmlns="" xmlns:ma14="http://schemas.microsoft.com/office/mac/drawingml/2011/main" val="1"/>
+              <ma14:wrappingTextBoxFlag xmlns:ma14="http://schemas.microsoft.com/office/mac/drawingml/2011/main" xmlns="" val="1"/>
             </a:ext>
           </a:extLst>
         </p:spPr>
@@ -8996,7 +8992,7 @@
           </a:ln>
           <a:extLst>
             <a:ext uri="{C572A759-6A51-4108-AA02-DFA0A04FC94B}">
-              <ma14:wrappingTextBoxFlag xmlns="" xmlns:ma14="http://schemas.microsoft.com/office/mac/drawingml/2011/main" val="1"/>
+              <ma14:wrappingTextBoxFlag xmlns:ma14="http://schemas.microsoft.com/office/mac/drawingml/2011/main" xmlns="" val="1"/>
             </a:ext>
           </a:extLst>
         </p:spPr>
@@ -9152,7 +9148,7 @@
           </a:ln>
           <a:extLst>
             <a:ext uri="{C572A759-6A51-4108-AA02-DFA0A04FC94B}">
-              <ma14:wrappingTextBoxFlag xmlns="" xmlns:ma14="http://schemas.microsoft.com/office/mac/drawingml/2011/main" val="1"/>
+              <ma14:wrappingTextBoxFlag xmlns:ma14="http://schemas.microsoft.com/office/mac/drawingml/2011/main" xmlns="" val="1"/>
             </a:ext>
           </a:extLst>
         </p:spPr>
@@ -9231,7 +9227,7 @@
           </a:ln>
           <a:extLst>
             <a:ext uri="{C572A759-6A51-4108-AA02-DFA0A04FC94B}">
-              <ma14:wrappingTextBoxFlag xmlns="" xmlns:ma14="http://schemas.microsoft.com/office/mac/drawingml/2011/main" val="1"/>
+              <ma14:wrappingTextBoxFlag xmlns:ma14="http://schemas.microsoft.com/office/mac/drawingml/2011/main" xmlns="" val="1"/>
             </a:ext>
           </a:extLst>
         </p:spPr>
@@ -9316,7 +9312,7 @@
           </a:ln>
           <a:extLst>
             <a:ext uri="{C572A759-6A51-4108-AA02-DFA0A04FC94B}">
-              <ma14:wrappingTextBoxFlag xmlns="" xmlns:ma14="http://schemas.microsoft.com/office/mac/drawingml/2011/main" val="1"/>
+              <ma14:wrappingTextBoxFlag xmlns:ma14="http://schemas.microsoft.com/office/mac/drawingml/2011/main" xmlns="" val="1"/>
             </a:ext>
           </a:extLst>
         </p:spPr>
@@ -9401,7 +9397,7 @@
           </a:ln>
           <a:extLst>
             <a:ext uri="{C572A759-6A51-4108-AA02-DFA0A04FC94B}">
-              <ma14:wrappingTextBoxFlag xmlns="" xmlns:ma14="http://schemas.microsoft.com/office/mac/drawingml/2011/main" val="1"/>
+              <ma14:wrappingTextBoxFlag xmlns:ma14="http://schemas.microsoft.com/office/mac/drawingml/2011/main" xmlns="" val="1"/>
             </a:ext>
           </a:extLst>
         </p:spPr>
@@ -9505,7 +9501,7 @@
           </a:ln>
           <a:extLst>
             <a:ext uri="{C572A759-6A51-4108-AA02-DFA0A04FC94B}">
-              <ma14:wrappingTextBoxFlag xmlns="" xmlns:ma14="http://schemas.microsoft.com/office/mac/drawingml/2011/main" val="1"/>
+              <ma14:wrappingTextBoxFlag xmlns:ma14="http://schemas.microsoft.com/office/mac/drawingml/2011/main" xmlns="" val="1"/>
             </a:ext>
           </a:extLst>
         </p:spPr>
@@ -9550,7 +9546,7 @@
           </a:ln>
           <a:extLst>
             <a:ext uri="{C572A759-6A51-4108-AA02-DFA0A04FC94B}">
-              <ma14:wrappingTextBoxFlag xmlns="" xmlns:ma14="http://schemas.microsoft.com/office/mac/drawingml/2011/main" val="1"/>
+              <ma14:wrappingTextBoxFlag xmlns:ma14="http://schemas.microsoft.com/office/mac/drawingml/2011/main" xmlns="" val="1"/>
             </a:ext>
           </a:extLst>
         </p:spPr>
@@ -9595,7 +9591,7 @@
           </a:ln>
           <a:extLst>
             <a:ext uri="{C572A759-6A51-4108-AA02-DFA0A04FC94B}">
-              <ma14:wrappingTextBoxFlag xmlns="" xmlns:ma14="http://schemas.microsoft.com/office/mac/drawingml/2011/main" val="1"/>
+              <ma14:wrappingTextBoxFlag xmlns:ma14="http://schemas.microsoft.com/office/mac/drawingml/2011/main" xmlns="" val="1"/>
             </a:ext>
           </a:extLst>
         </p:spPr>
@@ -9640,7 +9636,7 @@
           </a:ln>
           <a:extLst>
             <a:ext uri="{C572A759-6A51-4108-AA02-DFA0A04FC94B}">
-              <ma14:wrappingTextBoxFlag xmlns="" xmlns:ma14="http://schemas.microsoft.com/office/mac/drawingml/2011/main" val="1"/>
+              <ma14:wrappingTextBoxFlag xmlns:ma14="http://schemas.microsoft.com/office/mac/drawingml/2011/main" xmlns="" val="1"/>
             </a:ext>
           </a:extLst>
         </p:spPr>
@@ -9796,7 +9792,7 @@
           </a:ln>
           <a:extLst>
             <a:ext uri="{C572A759-6A51-4108-AA02-DFA0A04FC94B}">
-              <ma14:wrappingTextBoxFlag xmlns="" xmlns:ma14="http://schemas.microsoft.com/office/mac/drawingml/2011/main" val="1"/>
+              <ma14:wrappingTextBoxFlag xmlns:ma14="http://schemas.microsoft.com/office/mac/drawingml/2011/main" xmlns="" val="1"/>
             </a:ext>
           </a:extLst>
         </p:spPr>
@@ -9875,7 +9871,7 @@
           </a:ln>
           <a:extLst>
             <a:ext uri="{C572A759-6A51-4108-AA02-DFA0A04FC94B}">
-              <ma14:wrappingTextBoxFlag xmlns="" xmlns:ma14="http://schemas.microsoft.com/office/mac/drawingml/2011/main" val="1"/>
+              <ma14:wrappingTextBoxFlag xmlns:ma14="http://schemas.microsoft.com/office/mac/drawingml/2011/main" xmlns="" val="1"/>
             </a:ext>
           </a:extLst>
         </p:spPr>
@@ -9960,7 +9956,7 @@
           </a:ln>
           <a:extLst>
             <a:ext uri="{C572A759-6A51-4108-AA02-DFA0A04FC94B}">
-              <ma14:wrappingTextBoxFlag xmlns="" xmlns:ma14="http://schemas.microsoft.com/office/mac/drawingml/2011/main" val="1"/>
+              <ma14:wrappingTextBoxFlag xmlns:ma14="http://schemas.microsoft.com/office/mac/drawingml/2011/main" xmlns="" val="1"/>
             </a:ext>
           </a:extLst>
         </p:spPr>
@@ -10045,7 +10041,7 @@
           </a:ln>
           <a:extLst>
             <a:ext uri="{C572A759-6A51-4108-AA02-DFA0A04FC94B}">
-              <ma14:wrappingTextBoxFlag xmlns="" xmlns:ma14="http://schemas.microsoft.com/office/mac/drawingml/2011/main" val="1"/>
+              <ma14:wrappingTextBoxFlag xmlns:ma14="http://schemas.microsoft.com/office/mac/drawingml/2011/main" xmlns="" val="1"/>
             </a:ext>
           </a:extLst>
         </p:spPr>
@@ -10149,7 +10145,7 @@
           </a:ln>
           <a:extLst>
             <a:ext uri="{C572A759-6A51-4108-AA02-DFA0A04FC94B}">
-              <ma14:wrappingTextBoxFlag xmlns="" xmlns:ma14="http://schemas.microsoft.com/office/mac/drawingml/2011/main" val="1"/>
+              <ma14:wrappingTextBoxFlag xmlns:ma14="http://schemas.microsoft.com/office/mac/drawingml/2011/main" xmlns="" val="1"/>
             </a:ext>
           </a:extLst>
         </p:spPr>
@@ -10194,7 +10190,7 @@
           </a:ln>
           <a:extLst>
             <a:ext uri="{C572A759-6A51-4108-AA02-DFA0A04FC94B}">
-              <ma14:wrappingTextBoxFlag xmlns="" xmlns:ma14="http://schemas.microsoft.com/office/mac/drawingml/2011/main" val="1"/>
+              <ma14:wrappingTextBoxFlag xmlns:ma14="http://schemas.microsoft.com/office/mac/drawingml/2011/main" xmlns="" val="1"/>
             </a:ext>
           </a:extLst>
         </p:spPr>
@@ -10239,7 +10235,7 @@
           </a:ln>
           <a:extLst>
             <a:ext uri="{C572A759-6A51-4108-AA02-DFA0A04FC94B}">
-              <ma14:wrappingTextBoxFlag xmlns="" xmlns:ma14="http://schemas.microsoft.com/office/mac/drawingml/2011/main" val="1"/>
+              <ma14:wrappingTextBoxFlag xmlns:ma14="http://schemas.microsoft.com/office/mac/drawingml/2011/main" xmlns="" val="1"/>
             </a:ext>
           </a:extLst>
         </p:spPr>
@@ -10284,7 +10280,7 @@
           </a:ln>
           <a:extLst>
             <a:ext uri="{C572A759-6A51-4108-AA02-DFA0A04FC94B}">
-              <ma14:wrappingTextBoxFlag xmlns="" xmlns:ma14="http://schemas.microsoft.com/office/mac/drawingml/2011/main" val="1"/>
+              <ma14:wrappingTextBoxFlag xmlns:ma14="http://schemas.microsoft.com/office/mac/drawingml/2011/main" xmlns="" val="1"/>
             </a:ext>
           </a:extLst>
         </p:spPr>
@@ -10440,7 +10436,7 @@
           </a:ln>
           <a:extLst>
             <a:ext uri="{C572A759-6A51-4108-AA02-DFA0A04FC94B}">
-              <ma14:wrappingTextBoxFlag xmlns="" xmlns:ma14="http://schemas.microsoft.com/office/mac/drawingml/2011/main" val="1"/>
+              <ma14:wrappingTextBoxFlag xmlns:ma14="http://schemas.microsoft.com/office/mac/drawingml/2011/main" xmlns="" val="1"/>
             </a:ext>
           </a:extLst>
         </p:spPr>
@@ -10519,7 +10515,7 @@
           </a:ln>
           <a:extLst>
             <a:ext uri="{C572A759-6A51-4108-AA02-DFA0A04FC94B}">
-              <ma14:wrappingTextBoxFlag xmlns="" xmlns:ma14="http://schemas.microsoft.com/office/mac/drawingml/2011/main" val="1"/>
+              <ma14:wrappingTextBoxFlag xmlns:ma14="http://schemas.microsoft.com/office/mac/drawingml/2011/main" xmlns="" val="1"/>
             </a:ext>
           </a:extLst>
         </p:spPr>
@@ -10604,7 +10600,7 @@
           </a:ln>
           <a:extLst>
             <a:ext uri="{C572A759-6A51-4108-AA02-DFA0A04FC94B}">
-              <ma14:wrappingTextBoxFlag xmlns="" xmlns:ma14="http://schemas.microsoft.com/office/mac/drawingml/2011/main" val="1"/>
+              <ma14:wrappingTextBoxFlag xmlns:ma14="http://schemas.microsoft.com/office/mac/drawingml/2011/main" xmlns="" val="1"/>
             </a:ext>
           </a:extLst>
         </p:spPr>
@@ -10689,7 +10685,7 @@
           </a:ln>
           <a:extLst>
             <a:ext uri="{C572A759-6A51-4108-AA02-DFA0A04FC94B}">
-              <ma14:wrappingTextBoxFlag xmlns="" xmlns:ma14="http://schemas.microsoft.com/office/mac/drawingml/2011/main" val="1"/>
+              <ma14:wrappingTextBoxFlag xmlns:ma14="http://schemas.microsoft.com/office/mac/drawingml/2011/main" xmlns="" val="1"/>
             </a:ext>
           </a:extLst>
         </p:spPr>
@@ -10735,7 +10731,7 @@
           </a:ln>
           <a:extLst>
             <a:ext uri="{C572A759-6A51-4108-AA02-DFA0A04FC94B}">
-              <ma14:wrappingTextBoxFlag xmlns="" xmlns:ma14="http://schemas.microsoft.com/office/mac/drawingml/2011/main" val="1"/>
+              <ma14:wrappingTextBoxFlag xmlns:ma14="http://schemas.microsoft.com/office/mac/drawingml/2011/main" xmlns="" val="1"/>
             </a:ext>
           </a:extLst>
         </p:spPr>
@@ -10846,7 +10842,7 @@
           </a:ln>
           <a:extLst>
             <a:ext uri="{C572A759-6A51-4108-AA02-DFA0A04FC94B}">
-              <ma14:wrappingTextBoxFlag xmlns="" xmlns:ma14="http://schemas.microsoft.com/office/mac/drawingml/2011/main" val="1"/>
+              <ma14:wrappingTextBoxFlag xmlns:ma14="http://schemas.microsoft.com/office/mac/drawingml/2011/main" xmlns="" val="1"/>
             </a:ext>
           </a:extLst>
         </p:spPr>
@@ -10891,7 +10887,7 @@
           </a:ln>
           <a:extLst>
             <a:ext uri="{C572A759-6A51-4108-AA02-DFA0A04FC94B}">
-              <ma14:wrappingTextBoxFlag xmlns="" xmlns:ma14="http://schemas.microsoft.com/office/mac/drawingml/2011/main" val="1"/>
+              <ma14:wrappingTextBoxFlag xmlns:ma14="http://schemas.microsoft.com/office/mac/drawingml/2011/main" xmlns="" val="1"/>
             </a:ext>
           </a:extLst>
         </p:spPr>
@@ -10936,7 +10932,7 @@
           </a:ln>
           <a:extLst>
             <a:ext uri="{C572A759-6A51-4108-AA02-DFA0A04FC94B}">
-              <ma14:wrappingTextBoxFlag xmlns="" xmlns:ma14="http://schemas.microsoft.com/office/mac/drawingml/2011/main" val="1"/>
+              <ma14:wrappingTextBoxFlag xmlns:ma14="http://schemas.microsoft.com/office/mac/drawingml/2011/main" xmlns="" val="1"/>
             </a:ext>
           </a:extLst>
         </p:spPr>
@@ -10981,7 +10977,7 @@
           </a:ln>
           <a:extLst>
             <a:ext uri="{C572A759-6A51-4108-AA02-DFA0A04FC94B}">
-              <ma14:wrappingTextBoxFlag xmlns="" xmlns:ma14="http://schemas.microsoft.com/office/mac/drawingml/2011/main" val="1"/>
+              <ma14:wrappingTextBoxFlag xmlns:ma14="http://schemas.microsoft.com/office/mac/drawingml/2011/main" xmlns="" val="1"/>
             </a:ext>
           </a:extLst>
         </p:spPr>
@@ -11137,7 +11133,7 @@
           </a:ln>
           <a:extLst>
             <a:ext uri="{C572A759-6A51-4108-AA02-DFA0A04FC94B}">
-              <ma14:wrappingTextBoxFlag xmlns="" xmlns:ma14="http://schemas.microsoft.com/office/mac/drawingml/2011/main" val="1"/>
+              <ma14:wrappingTextBoxFlag xmlns:ma14="http://schemas.microsoft.com/office/mac/drawingml/2011/main" xmlns="" val="1"/>
             </a:ext>
           </a:extLst>
         </p:spPr>
@@ -11216,7 +11212,7 @@
           </a:ln>
           <a:extLst>
             <a:ext uri="{C572A759-6A51-4108-AA02-DFA0A04FC94B}">
-              <ma14:wrappingTextBoxFlag xmlns="" xmlns:ma14="http://schemas.microsoft.com/office/mac/drawingml/2011/main" val="1"/>
+              <ma14:wrappingTextBoxFlag xmlns:ma14="http://schemas.microsoft.com/office/mac/drawingml/2011/main" xmlns="" val="1"/>
             </a:ext>
           </a:extLst>
         </p:spPr>
@@ -11301,7 +11297,7 @@
           </a:ln>
           <a:extLst>
             <a:ext uri="{C572A759-6A51-4108-AA02-DFA0A04FC94B}">
-              <ma14:wrappingTextBoxFlag xmlns="" xmlns:ma14="http://schemas.microsoft.com/office/mac/drawingml/2011/main" val="1"/>
+              <ma14:wrappingTextBoxFlag xmlns:ma14="http://schemas.microsoft.com/office/mac/drawingml/2011/main" xmlns="" val="1"/>
             </a:ext>
           </a:extLst>
         </p:spPr>
@@ -11386,7 +11382,7 @@
           </a:ln>
           <a:extLst>
             <a:ext uri="{C572A759-6A51-4108-AA02-DFA0A04FC94B}">
-              <ma14:wrappingTextBoxFlag xmlns="" xmlns:ma14="http://schemas.microsoft.com/office/mac/drawingml/2011/main" val="1"/>
+              <ma14:wrappingTextBoxFlag xmlns:ma14="http://schemas.microsoft.com/office/mac/drawingml/2011/main" xmlns="" val="1"/>
             </a:ext>
           </a:extLst>
         </p:spPr>
@@ -11432,7 +11428,7 @@
           </a:ln>
           <a:extLst>
             <a:ext uri="{C572A759-6A51-4108-AA02-DFA0A04FC94B}">
-              <ma14:wrappingTextBoxFlag xmlns="" xmlns:ma14="http://schemas.microsoft.com/office/mac/drawingml/2011/main" val="1"/>
+              <ma14:wrappingTextBoxFlag xmlns:ma14="http://schemas.microsoft.com/office/mac/drawingml/2011/main" xmlns="" val="1"/>
             </a:ext>
           </a:extLst>
         </p:spPr>
@@ -11581,7 +11577,7 @@
           </a:ln>
           <a:extLst>
             <a:ext uri="{C572A759-6A51-4108-AA02-DFA0A04FC94B}">
-              <ma14:wrappingTextBoxFlag xmlns="" xmlns:ma14="http://schemas.microsoft.com/office/mac/drawingml/2011/main" val="1"/>
+              <ma14:wrappingTextBoxFlag xmlns:ma14="http://schemas.microsoft.com/office/mac/drawingml/2011/main" xmlns="" val="1"/>
             </a:ext>
           </a:extLst>
         </p:spPr>
@@ -11626,7 +11622,7 @@
           </a:ln>
           <a:extLst>
             <a:ext uri="{C572A759-6A51-4108-AA02-DFA0A04FC94B}">
-              <ma14:wrappingTextBoxFlag xmlns="" xmlns:ma14="http://schemas.microsoft.com/office/mac/drawingml/2011/main" val="1"/>
+              <ma14:wrappingTextBoxFlag xmlns:ma14="http://schemas.microsoft.com/office/mac/drawingml/2011/main" xmlns="" val="1"/>
             </a:ext>
           </a:extLst>
         </p:spPr>
@@ -11671,7 +11667,7 @@
           </a:ln>
           <a:extLst>
             <a:ext uri="{C572A759-6A51-4108-AA02-DFA0A04FC94B}">
-              <ma14:wrappingTextBoxFlag xmlns="" xmlns:ma14="http://schemas.microsoft.com/office/mac/drawingml/2011/main" val="1"/>
+              <ma14:wrappingTextBoxFlag xmlns:ma14="http://schemas.microsoft.com/office/mac/drawingml/2011/main" xmlns="" val="1"/>
             </a:ext>
           </a:extLst>
         </p:spPr>
@@ -11716,7 +11712,7 @@
           </a:ln>
           <a:extLst>
             <a:ext uri="{C572A759-6A51-4108-AA02-DFA0A04FC94B}">
-              <ma14:wrappingTextBoxFlag xmlns="" xmlns:ma14="http://schemas.microsoft.com/office/mac/drawingml/2011/main" val="1"/>
+              <ma14:wrappingTextBoxFlag xmlns:ma14="http://schemas.microsoft.com/office/mac/drawingml/2011/main" xmlns="" val="1"/>
             </a:ext>
           </a:extLst>
         </p:spPr>
@@ -11872,7 +11868,7 @@
           </a:ln>
           <a:extLst>
             <a:ext uri="{C572A759-6A51-4108-AA02-DFA0A04FC94B}">
-              <ma14:wrappingTextBoxFlag xmlns="" xmlns:ma14="http://schemas.microsoft.com/office/mac/drawingml/2011/main" val="1"/>
+              <ma14:wrappingTextBoxFlag xmlns:ma14="http://schemas.microsoft.com/office/mac/drawingml/2011/main" xmlns="" val="1"/>
             </a:ext>
           </a:extLst>
         </p:spPr>
@@ -11951,7 +11947,7 @@
           </a:ln>
           <a:extLst>
             <a:ext uri="{C572A759-6A51-4108-AA02-DFA0A04FC94B}">
-              <ma14:wrappingTextBoxFlag xmlns="" xmlns:ma14="http://schemas.microsoft.com/office/mac/drawingml/2011/main" val="1"/>
+              <ma14:wrappingTextBoxFlag xmlns:ma14="http://schemas.microsoft.com/office/mac/drawingml/2011/main" xmlns="" val="1"/>
             </a:ext>
           </a:extLst>
         </p:spPr>
@@ -12036,7 +12032,7 @@
           </a:ln>
           <a:extLst>
             <a:ext uri="{C572A759-6A51-4108-AA02-DFA0A04FC94B}">
-              <ma14:wrappingTextBoxFlag xmlns="" xmlns:ma14="http://schemas.microsoft.com/office/mac/drawingml/2011/main" val="1"/>
+              <ma14:wrappingTextBoxFlag xmlns:ma14="http://schemas.microsoft.com/office/mac/drawingml/2011/main" xmlns="" val="1"/>
             </a:ext>
           </a:extLst>
         </p:spPr>
@@ -12121,7 +12117,7 @@
           </a:ln>
           <a:extLst>
             <a:ext uri="{C572A759-6A51-4108-AA02-DFA0A04FC94B}">
-              <ma14:wrappingTextBoxFlag xmlns="" xmlns:ma14="http://schemas.microsoft.com/office/mac/drawingml/2011/main" val="1"/>
+              <ma14:wrappingTextBoxFlag xmlns:ma14="http://schemas.microsoft.com/office/mac/drawingml/2011/main" xmlns="" val="1"/>
             </a:ext>
           </a:extLst>
         </p:spPr>
@@ -12167,7 +12163,7 @@
           </a:ln>
           <a:extLst>
             <a:ext uri="{C572A759-6A51-4108-AA02-DFA0A04FC94B}">
-              <ma14:wrappingTextBoxFlag xmlns="" xmlns:ma14="http://schemas.microsoft.com/office/mac/drawingml/2011/main" val="1"/>
+              <ma14:wrappingTextBoxFlag xmlns:ma14="http://schemas.microsoft.com/office/mac/drawingml/2011/main" xmlns="" val="1"/>
             </a:ext>
           </a:extLst>
         </p:spPr>
@@ -12316,7 +12312,7 @@
           </a:ln>
           <a:extLst>
             <a:ext uri="{C572A759-6A51-4108-AA02-DFA0A04FC94B}">
-              <ma14:wrappingTextBoxFlag xmlns="" xmlns:ma14="http://schemas.microsoft.com/office/mac/drawingml/2011/main" val="1"/>
+              <ma14:wrappingTextBoxFlag xmlns:ma14="http://schemas.microsoft.com/office/mac/drawingml/2011/main" xmlns="" val="1"/>
             </a:ext>
           </a:extLst>
         </p:spPr>
@@ -12361,7 +12357,7 @@
           </a:ln>
           <a:extLst>
             <a:ext uri="{C572A759-6A51-4108-AA02-DFA0A04FC94B}">
-              <ma14:wrappingTextBoxFlag xmlns="" xmlns:ma14="http://schemas.microsoft.com/office/mac/drawingml/2011/main" val="1"/>
+              <ma14:wrappingTextBoxFlag xmlns:ma14="http://schemas.microsoft.com/office/mac/drawingml/2011/main" xmlns="" val="1"/>
             </a:ext>
           </a:extLst>
         </p:spPr>
@@ -12406,7 +12402,7 @@
           </a:ln>
           <a:extLst>
             <a:ext uri="{C572A759-6A51-4108-AA02-DFA0A04FC94B}">
-              <ma14:wrappingTextBoxFlag xmlns="" xmlns:ma14="http://schemas.microsoft.com/office/mac/drawingml/2011/main" val="1"/>
+              <ma14:wrappingTextBoxFlag xmlns:ma14="http://schemas.microsoft.com/office/mac/drawingml/2011/main" xmlns="" val="1"/>
             </a:ext>
           </a:extLst>
         </p:spPr>
@@ -12451,7 +12447,7 @@
           </a:ln>
           <a:extLst>
             <a:ext uri="{C572A759-6A51-4108-AA02-DFA0A04FC94B}">
-              <ma14:wrappingTextBoxFlag xmlns="" xmlns:ma14="http://schemas.microsoft.com/office/mac/drawingml/2011/main" val="1"/>
+              <ma14:wrappingTextBoxFlag xmlns:ma14="http://schemas.microsoft.com/office/mac/drawingml/2011/main" xmlns="" val="1"/>
             </a:ext>
           </a:extLst>
         </p:spPr>
@@ -12569,7 +12565,7 @@
           </a:ln>
           <a:extLst>
             <a:ext uri="{C572A759-6A51-4108-AA02-DFA0A04FC94B}">
-              <ma14:wrappingTextBoxFlag xmlns="" xmlns:ma14="http://schemas.microsoft.com/office/mac/drawingml/2011/main" val="1"/>
+              <ma14:wrappingTextBoxFlag xmlns:ma14="http://schemas.microsoft.com/office/mac/drawingml/2011/main" xmlns="" val="1"/>
             </a:ext>
           </a:extLst>
         </p:spPr>
@@ -12648,7 +12644,7 @@
           </a:ln>
           <a:extLst>
             <a:ext uri="{C572A759-6A51-4108-AA02-DFA0A04FC94B}">
-              <ma14:wrappingTextBoxFlag xmlns="" xmlns:ma14="http://schemas.microsoft.com/office/mac/drawingml/2011/main" val="1"/>
+              <ma14:wrappingTextBoxFlag xmlns:ma14="http://schemas.microsoft.com/office/mac/drawingml/2011/main" xmlns="" val="1"/>
             </a:ext>
           </a:extLst>
         </p:spPr>
@@ -12733,7 +12729,7 @@
           </a:ln>
           <a:extLst>
             <a:ext uri="{C572A759-6A51-4108-AA02-DFA0A04FC94B}">
-              <ma14:wrappingTextBoxFlag xmlns="" xmlns:ma14="http://schemas.microsoft.com/office/mac/drawingml/2011/main" val="1"/>
+              <ma14:wrappingTextBoxFlag xmlns:ma14="http://schemas.microsoft.com/office/mac/drawingml/2011/main" xmlns="" val="1"/>
             </a:ext>
           </a:extLst>
         </p:spPr>
@@ -12818,7 +12814,7 @@
           </a:ln>
           <a:extLst>
             <a:ext uri="{C572A759-6A51-4108-AA02-DFA0A04FC94B}">
-              <ma14:wrappingTextBoxFlag xmlns="" xmlns:ma14="http://schemas.microsoft.com/office/mac/drawingml/2011/main" val="1"/>
+              <ma14:wrappingTextBoxFlag xmlns:ma14="http://schemas.microsoft.com/office/mac/drawingml/2011/main" xmlns="" val="1"/>
             </a:ext>
           </a:extLst>
         </p:spPr>
@@ -12864,7 +12860,7 @@
           </a:ln>
           <a:extLst>
             <a:ext uri="{C572A759-6A51-4108-AA02-DFA0A04FC94B}">
-              <ma14:wrappingTextBoxFlag xmlns="" xmlns:ma14="http://schemas.microsoft.com/office/mac/drawingml/2011/main" val="1"/>
+              <ma14:wrappingTextBoxFlag xmlns:ma14="http://schemas.microsoft.com/office/mac/drawingml/2011/main" xmlns="" val="1"/>
             </a:ext>
           </a:extLst>
         </p:spPr>
@@ -13051,7 +13047,7 @@
           </a:ln>
           <a:extLst>
             <a:ext uri="{C572A759-6A51-4108-AA02-DFA0A04FC94B}">
-              <ma14:wrappingTextBoxFlag xmlns="" xmlns:ma14="http://schemas.microsoft.com/office/mac/drawingml/2011/main" val="1"/>
+              <ma14:wrappingTextBoxFlag xmlns:ma14="http://schemas.microsoft.com/office/mac/drawingml/2011/main" xmlns="" val="1"/>
             </a:ext>
           </a:extLst>
         </p:spPr>
@@ -13096,7 +13092,7 @@
           </a:ln>
           <a:extLst>
             <a:ext uri="{C572A759-6A51-4108-AA02-DFA0A04FC94B}">
-              <ma14:wrappingTextBoxFlag xmlns="" xmlns:ma14="http://schemas.microsoft.com/office/mac/drawingml/2011/main" val="1"/>
+              <ma14:wrappingTextBoxFlag xmlns:ma14="http://schemas.microsoft.com/office/mac/drawingml/2011/main" xmlns="" val="1"/>
             </a:ext>
           </a:extLst>
         </p:spPr>
@@ -13141,7 +13137,7 @@
           </a:ln>
           <a:extLst>
             <a:ext uri="{C572A759-6A51-4108-AA02-DFA0A04FC94B}">
-              <ma14:wrappingTextBoxFlag xmlns="" xmlns:ma14="http://schemas.microsoft.com/office/mac/drawingml/2011/main" val="1"/>
+              <ma14:wrappingTextBoxFlag xmlns:ma14="http://schemas.microsoft.com/office/mac/drawingml/2011/main" xmlns="" val="1"/>
             </a:ext>
           </a:extLst>
         </p:spPr>
@@ -13186,7 +13182,7 @@
           </a:ln>
           <a:extLst>
             <a:ext uri="{C572A759-6A51-4108-AA02-DFA0A04FC94B}">
-              <ma14:wrappingTextBoxFlag xmlns="" xmlns:ma14="http://schemas.microsoft.com/office/mac/drawingml/2011/main" val="1"/>
+              <ma14:wrappingTextBoxFlag xmlns:ma14="http://schemas.microsoft.com/office/mac/drawingml/2011/main" xmlns="" val="1"/>
             </a:ext>
           </a:extLst>
         </p:spPr>
@@ -13304,7 +13300,7 @@
           </a:ln>
           <a:extLst>
             <a:ext uri="{C572A759-6A51-4108-AA02-DFA0A04FC94B}">
-              <ma14:wrappingTextBoxFlag xmlns="" xmlns:ma14="http://schemas.microsoft.com/office/mac/drawingml/2011/main" val="1"/>
+              <ma14:wrappingTextBoxFlag xmlns:ma14="http://schemas.microsoft.com/office/mac/drawingml/2011/main" xmlns="" val="1"/>
             </a:ext>
           </a:extLst>
         </p:spPr>
@@ -13383,7 +13379,7 @@
           </a:ln>
           <a:extLst>
             <a:ext uri="{C572A759-6A51-4108-AA02-DFA0A04FC94B}">
-              <ma14:wrappingTextBoxFlag xmlns="" xmlns:ma14="http://schemas.microsoft.com/office/mac/drawingml/2011/main" val="1"/>
+              <ma14:wrappingTextBoxFlag xmlns:ma14="http://schemas.microsoft.com/office/mac/drawingml/2011/main" xmlns="" val="1"/>
             </a:ext>
           </a:extLst>
         </p:spPr>
@@ -13468,7 +13464,7 @@
           </a:ln>
           <a:extLst>
             <a:ext uri="{C572A759-6A51-4108-AA02-DFA0A04FC94B}">
-              <ma14:wrappingTextBoxFlag xmlns="" xmlns:ma14="http://schemas.microsoft.com/office/mac/drawingml/2011/main" val="1"/>
+              <ma14:wrappingTextBoxFlag xmlns:ma14="http://schemas.microsoft.com/office/mac/drawingml/2011/main" xmlns="" val="1"/>
             </a:ext>
           </a:extLst>
         </p:spPr>
@@ -13518,7 +13514,7 @@
           </a:ln>
           <a:extLst>
             <a:ext uri="{C572A759-6A51-4108-AA02-DFA0A04FC94B}">
-              <ma14:wrappingTextBoxFlag xmlns="" xmlns:ma14="http://schemas.microsoft.com/office/mac/drawingml/2011/main" val="1"/>
+              <ma14:wrappingTextBoxFlag xmlns:ma14="http://schemas.microsoft.com/office/mac/drawingml/2011/main" xmlns="" val="1"/>
             </a:ext>
           </a:extLst>
         </p:spPr>
@@ -13703,7 +13699,7 @@
           </a:ln>
           <a:extLst>
             <a:ext uri="{C572A759-6A51-4108-AA02-DFA0A04FC94B}">
-              <ma14:wrappingTextBoxFlag xmlns="" xmlns:ma14="http://schemas.microsoft.com/office/mac/drawingml/2011/main" val="1"/>
+              <ma14:wrappingTextBoxFlag xmlns:ma14="http://schemas.microsoft.com/office/mac/drawingml/2011/main" xmlns="" val="1"/>
             </a:ext>
           </a:extLst>
         </p:spPr>
@@ -13748,7 +13744,7 @@
           </a:ln>
           <a:extLst>
             <a:ext uri="{C572A759-6A51-4108-AA02-DFA0A04FC94B}">
-              <ma14:wrappingTextBoxFlag xmlns="" xmlns:ma14="http://schemas.microsoft.com/office/mac/drawingml/2011/main" val="1"/>
+              <ma14:wrappingTextBoxFlag xmlns:ma14="http://schemas.microsoft.com/office/mac/drawingml/2011/main" xmlns="" val="1"/>
             </a:ext>
           </a:extLst>
         </p:spPr>
@@ -13793,7 +13789,7 @@
           </a:ln>
           <a:extLst>
             <a:ext uri="{C572A759-6A51-4108-AA02-DFA0A04FC94B}">
-              <ma14:wrappingTextBoxFlag xmlns="" xmlns:ma14="http://schemas.microsoft.com/office/mac/drawingml/2011/main" val="1"/>
+              <ma14:wrappingTextBoxFlag xmlns:ma14="http://schemas.microsoft.com/office/mac/drawingml/2011/main" xmlns="" val="1"/>
             </a:ext>
           </a:extLst>
         </p:spPr>
@@ -13838,7 +13834,7 @@
           </a:ln>
           <a:extLst>
             <a:ext uri="{C572A759-6A51-4108-AA02-DFA0A04FC94B}">
-              <ma14:wrappingTextBoxFlag xmlns="" xmlns:ma14="http://schemas.microsoft.com/office/mac/drawingml/2011/main" val="1"/>
+              <ma14:wrappingTextBoxFlag xmlns:ma14="http://schemas.microsoft.com/office/mac/drawingml/2011/main" xmlns="" val="1"/>
             </a:ext>
           </a:extLst>
         </p:spPr>
@@ -13918,7 +13914,7 @@
           </a:ln>
           <a:extLst>
             <a:ext uri="{C572A759-6A51-4108-AA02-DFA0A04FC94B}">
-              <ma14:wrappingTextBoxFlag xmlns="" xmlns:ma14="http://schemas.microsoft.com/office/mac/drawingml/2011/main" val="1"/>
+              <ma14:wrappingTextBoxFlag xmlns:ma14="http://schemas.microsoft.com/office/mac/drawingml/2011/main" xmlns="" val="1"/>
             </a:ext>
           </a:extLst>
         </p:spPr>
@@ -13997,7 +13993,7 @@
           </a:ln>
           <a:extLst>
             <a:ext uri="{C572A759-6A51-4108-AA02-DFA0A04FC94B}">
-              <ma14:wrappingTextBoxFlag xmlns="" xmlns:ma14="http://schemas.microsoft.com/office/mac/drawingml/2011/main" val="1"/>
+              <ma14:wrappingTextBoxFlag xmlns:ma14="http://schemas.microsoft.com/office/mac/drawingml/2011/main" xmlns="" val="1"/>
             </a:ext>
           </a:extLst>
         </p:spPr>
@@ -14082,7 +14078,7 @@
           </a:ln>
           <a:extLst>
             <a:ext uri="{C572A759-6A51-4108-AA02-DFA0A04FC94B}">
-              <ma14:wrappingTextBoxFlag xmlns="" xmlns:ma14="http://schemas.microsoft.com/office/mac/drawingml/2011/main" val="1"/>
+              <ma14:wrappingTextBoxFlag xmlns:ma14="http://schemas.microsoft.com/office/mac/drawingml/2011/main" xmlns="" val="1"/>
             </a:ext>
           </a:extLst>
         </p:spPr>
@@ -14386,7 +14382,7 @@
           </a:ln>
           <a:extLst>
             <a:ext uri="{C572A759-6A51-4108-AA02-DFA0A04FC94B}">
-              <ma14:wrappingTextBoxFlag xmlns="" xmlns:ma14="http://schemas.microsoft.com/office/mac/drawingml/2011/main" val="1"/>
+              <ma14:wrappingTextBoxFlag xmlns:ma14="http://schemas.microsoft.com/office/mac/drawingml/2011/main" xmlns="" val="1"/>
             </a:ext>
           </a:extLst>
         </p:spPr>
@@ -14431,7 +14427,7 @@
           </a:ln>
           <a:extLst>
             <a:ext uri="{C572A759-6A51-4108-AA02-DFA0A04FC94B}">
-              <ma14:wrappingTextBoxFlag xmlns="" xmlns:ma14="http://schemas.microsoft.com/office/mac/drawingml/2011/main" val="1"/>
+              <ma14:wrappingTextBoxFlag xmlns:ma14="http://schemas.microsoft.com/office/mac/drawingml/2011/main" xmlns="" val="1"/>
             </a:ext>
           </a:extLst>
         </p:spPr>
@@ -14476,7 +14472,7 @@
           </a:ln>
           <a:extLst>
             <a:ext uri="{C572A759-6A51-4108-AA02-DFA0A04FC94B}">
-              <ma14:wrappingTextBoxFlag xmlns="" xmlns:ma14="http://schemas.microsoft.com/office/mac/drawingml/2011/main" val="1"/>
+              <ma14:wrappingTextBoxFlag xmlns:ma14="http://schemas.microsoft.com/office/mac/drawingml/2011/main" xmlns="" val="1"/>
             </a:ext>
           </a:extLst>
         </p:spPr>
@@ -14521,7 +14517,7 @@
           </a:ln>
           <a:extLst>
             <a:ext uri="{C572A759-6A51-4108-AA02-DFA0A04FC94B}">
-              <ma14:wrappingTextBoxFlag xmlns="" xmlns:ma14="http://schemas.microsoft.com/office/mac/drawingml/2011/main" val="1"/>
+              <ma14:wrappingTextBoxFlag xmlns:ma14="http://schemas.microsoft.com/office/mac/drawingml/2011/main" xmlns="" val="1"/>
             </a:ext>
           </a:extLst>
         </p:spPr>
@@ -14601,7 +14597,7 @@
           </a:ln>
           <a:extLst>
             <a:ext uri="{C572A759-6A51-4108-AA02-DFA0A04FC94B}">
-              <ma14:wrappingTextBoxFlag xmlns="" xmlns:ma14="http://schemas.microsoft.com/office/mac/drawingml/2011/main" val="1"/>
+              <ma14:wrappingTextBoxFlag xmlns:ma14="http://schemas.microsoft.com/office/mac/drawingml/2011/main" xmlns="" val="1"/>
             </a:ext>
           </a:extLst>
         </p:spPr>
@@ -14680,7 +14676,7 @@
           </a:ln>
           <a:extLst>
             <a:ext uri="{C572A759-6A51-4108-AA02-DFA0A04FC94B}">
-              <ma14:wrappingTextBoxFlag xmlns="" xmlns:ma14="http://schemas.microsoft.com/office/mac/drawingml/2011/main" val="1"/>
+              <ma14:wrappingTextBoxFlag xmlns:ma14="http://schemas.microsoft.com/office/mac/drawingml/2011/main" xmlns="" val="1"/>
             </a:ext>
           </a:extLst>
         </p:spPr>
@@ -14765,7 +14761,7 @@
           </a:ln>
           <a:extLst>
             <a:ext uri="{C572A759-6A51-4108-AA02-DFA0A04FC94B}">
-              <ma14:wrappingTextBoxFlag xmlns="" xmlns:ma14="http://schemas.microsoft.com/office/mac/drawingml/2011/main" val="1"/>
+              <ma14:wrappingTextBoxFlag xmlns:ma14="http://schemas.microsoft.com/office/mac/drawingml/2011/main" xmlns="" val="1"/>
             </a:ext>
           </a:extLst>
         </p:spPr>
@@ -15040,7 +15036,7 @@
           </a:ln>
           <a:extLst>
             <a:ext uri="{C572A759-6A51-4108-AA02-DFA0A04FC94B}">
-              <ma14:wrappingTextBoxFlag xmlns="" xmlns:ma14="http://schemas.microsoft.com/office/mac/drawingml/2011/main" val="1"/>
+              <ma14:wrappingTextBoxFlag xmlns:ma14="http://schemas.microsoft.com/office/mac/drawingml/2011/main" xmlns="" val="1"/>
             </a:ext>
           </a:extLst>
         </p:spPr>
@@ -15371,7 +15367,7 @@
           </a:ln>
           <a:extLst>
             <a:ext uri="{C572A759-6A51-4108-AA02-DFA0A04FC94B}">
-              <ma14:wrappingTextBoxFlag xmlns="" xmlns:ma14="http://schemas.microsoft.com/office/mac/drawingml/2011/main" val="1"/>
+              <ma14:wrappingTextBoxFlag xmlns:ma14="http://schemas.microsoft.com/office/mac/drawingml/2011/main" xmlns="" val="1"/>
             </a:ext>
           </a:extLst>
         </p:spPr>
@@ -15416,7 +15412,7 @@
           </a:ln>
           <a:extLst>
             <a:ext uri="{C572A759-6A51-4108-AA02-DFA0A04FC94B}">
-              <ma14:wrappingTextBoxFlag xmlns="" xmlns:ma14="http://schemas.microsoft.com/office/mac/drawingml/2011/main" val="1"/>
+              <ma14:wrappingTextBoxFlag xmlns:ma14="http://schemas.microsoft.com/office/mac/drawingml/2011/main" xmlns="" val="1"/>
             </a:ext>
           </a:extLst>
         </p:spPr>
@@ -15461,7 +15457,7 @@
           </a:ln>
           <a:extLst>
             <a:ext uri="{C572A759-6A51-4108-AA02-DFA0A04FC94B}">
-              <ma14:wrappingTextBoxFlag xmlns="" xmlns:ma14="http://schemas.microsoft.com/office/mac/drawingml/2011/main" val="1"/>
+              <ma14:wrappingTextBoxFlag xmlns:ma14="http://schemas.microsoft.com/office/mac/drawingml/2011/main" xmlns="" val="1"/>
             </a:ext>
           </a:extLst>
         </p:spPr>
@@ -15506,7 +15502,7 @@
           </a:ln>
           <a:extLst>
             <a:ext uri="{C572A759-6A51-4108-AA02-DFA0A04FC94B}">
-              <ma14:wrappingTextBoxFlag xmlns="" xmlns:ma14="http://schemas.microsoft.com/office/mac/drawingml/2011/main" val="1"/>
+              <ma14:wrappingTextBoxFlag xmlns:ma14="http://schemas.microsoft.com/office/mac/drawingml/2011/main" xmlns="" val="1"/>
             </a:ext>
           </a:extLst>
         </p:spPr>
@@ -15586,7 +15582,7 @@
           </a:ln>
           <a:extLst>
             <a:ext uri="{C572A759-6A51-4108-AA02-DFA0A04FC94B}">
-              <ma14:wrappingTextBoxFlag xmlns="" xmlns:ma14="http://schemas.microsoft.com/office/mac/drawingml/2011/main" val="1"/>
+              <ma14:wrappingTextBoxFlag xmlns:ma14="http://schemas.microsoft.com/office/mac/drawingml/2011/main" xmlns="" val="1"/>
             </a:ext>
           </a:extLst>
         </p:spPr>
@@ -15665,7 +15661,7 @@
           </a:ln>
           <a:extLst>
             <a:ext uri="{C572A759-6A51-4108-AA02-DFA0A04FC94B}">
-              <ma14:wrappingTextBoxFlag xmlns="" xmlns:ma14="http://schemas.microsoft.com/office/mac/drawingml/2011/main" val="1"/>
+              <ma14:wrappingTextBoxFlag xmlns:ma14="http://schemas.microsoft.com/office/mac/drawingml/2011/main" xmlns="" val="1"/>
             </a:ext>
           </a:extLst>
         </p:spPr>
@@ -15750,7 +15746,7 @@
           </a:ln>
           <a:extLst>
             <a:ext uri="{C572A759-6A51-4108-AA02-DFA0A04FC94B}">
-              <ma14:wrappingTextBoxFlag xmlns="" xmlns:ma14="http://schemas.microsoft.com/office/mac/drawingml/2011/main" val="1"/>
+              <ma14:wrappingTextBoxFlag xmlns:ma14="http://schemas.microsoft.com/office/mac/drawingml/2011/main" xmlns="" val="1"/>
             </a:ext>
           </a:extLst>
         </p:spPr>
@@ -16025,7 +16021,7 @@
           </a:ln>
           <a:extLst>
             <a:ext uri="{C572A759-6A51-4108-AA02-DFA0A04FC94B}">
-              <ma14:wrappingTextBoxFlag xmlns="" xmlns:ma14="http://schemas.microsoft.com/office/mac/drawingml/2011/main" val="1"/>
+              <ma14:wrappingTextBoxFlag xmlns:ma14="http://schemas.microsoft.com/office/mac/drawingml/2011/main" xmlns="" val="1"/>
             </a:ext>
           </a:extLst>
         </p:spPr>
@@ -16127,7 +16123,7 @@
           </a:ln>
           <a:extLst>
             <a:ext uri="{C572A759-6A51-4108-AA02-DFA0A04FC94B}">
-              <ma14:wrappingTextBoxFlag xmlns="" xmlns:ma14="http://schemas.microsoft.com/office/mac/drawingml/2011/main" val="1"/>
+              <ma14:wrappingTextBoxFlag xmlns:ma14="http://schemas.microsoft.com/office/mac/drawingml/2011/main" xmlns="" val="1"/>
             </a:ext>
           </a:extLst>
         </p:spPr>
@@ -16172,7 +16168,7 @@
           </a:ln>
           <a:extLst>
             <a:ext uri="{C572A759-6A51-4108-AA02-DFA0A04FC94B}">
-              <ma14:wrappingTextBoxFlag xmlns="" xmlns:ma14="http://schemas.microsoft.com/office/mac/drawingml/2011/main" val="1"/>
+              <ma14:wrappingTextBoxFlag xmlns:ma14="http://schemas.microsoft.com/office/mac/drawingml/2011/main" xmlns="" val="1"/>
             </a:ext>
           </a:extLst>
         </p:spPr>
@@ -16217,7 +16213,7 @@
           </a:ln>
           <a:extLst>
             <a:ext uri="{C572A759-6A51-4108-AA02-DFA0A04FC94B}">
-              <ma14:wrappingTextBoxFlag xmlns="" xmlns:ma14="http://schemas.microsoft.com/office/mac/drawingml/2011/main" val="1"/>
+              <ma14:wrappingTextBoxFlag xmlns:ma14="http://schemas.microsoft.com/office/mac/drawingml/2011/main" xmlns="" val="1"/>
             </a:ext>
           </a:extLst>
         </p:spPr>
@@ -16262,7 +16258,7 @@
           </a:ln>
           <a:extLst>
             <a:ext uri="{C572A759-6A51-4108-AA02-DFA0A04FC94B}">
-              <ma14:wrappingTextBoxFlag xmlns="" xmlns:ma14="http://schemas.microsoft.com/office/mac/drawingml/2011/main" val="1"/>
+              <ma14:wrappingTextBoxFlag xmlns:ma14="http://schemas.microsoft.com/office/mac/drawingml/2011/main" xmlns="" val="1"/>
             </a:ext>
           </a:extLst>
         </p:spPr>
@@ -16342,7 +16338,7 @@
           </a:ln>
           <a:extLst>
             <a:ext uri="{C572A759-6A51-4108-AA02-DFA0A04FC94B}">
-              <ma14:wrappingTextBoxFlag xmlns="" xmlns:ma14="http://schemas.microsoft.com/office/mac/drawingml/2011/main" val="1"/>
+              <ma14:wrappingTextBoxFlag xmlns:ma14="http://schemas.microsoft.com/office/mac/drawingml/2011/main" xmlns="" val="1"/>
             </a:ext>
           </a:extLst>
         </p:spPr>
@@ -16421,7 +16417,7 @@
           </a:ln>
           <a:extLst>
             <a:ext uri="{C572A759-6A51-4108-AA02-DFA0A04FC94B}">
-              <ma14:wrappingTextBoxFlag xmlns="" xmlns:ma14="http://schemas.microsoft.com/office/mac/drawingml/2011/main" val="1"/>
+              <ma14:wrappingTextBoxFlag xmlns:ma14="http://schemas.microsoft.com/office/mac/drawingml/2011/main" xmlns="" val="1"/>
             </a:ext>
           </a:extLst>
         </p:spPr>
@@ -16506,7 +16502,7 @@
           </a:ln>
           <a:extLst>
             <a:ext uri="{C572A759-6A51-4108-AA02-DFA0A04FC94B}">
-              <ma14:wrappingTextBoxFlag xmlns="" xmlns:ma14="http://schemas.microsoft.com/office/mac/drawingml/2011/main" val="1"/>
+              <ma14:wrappingTextBoxFlag xmlns:ma14="http://schemas.microsoft.com/office/mac/drawingml/2011/main" xmlns="" val="1"/>
             </a:ext>
           </a:extLst>
         </p:spPr>
@@ -16781,7 +16777,7 @@
           </a:ln>
           <a:extLst>
             <a:ext uri="{C572A759-6A51-4108-AA02-DFA0A04FC94B}">
-              <ma14:wrappingTextBoxFlag xmlns="" xmlns:ma14="http://schemas.microsoft.com/office/mac/drawingml/2011/main" val="1"/>
+              <ma14:wrappingTextBoxFlag xmlns:ma14="http://schemas.microsoft.com/office/mac/drawingml/2011/main" xmlns="" val="1"/>
             </a:ext>
           </a:extLst>
         </p:spPr>
@@ -16827,7 +16823,7 @@
           </a:ln>
           <a:extLst>
             <a:ext uri="{C572A759-6A51-4108-AA02-DFA0A04FC94B}">
-              <ma14:wrappingTextBoxFlag xmlns="" xmlns:ma14="http://schemas.microsoft.com/office/mac/drawingml/2011/main" val="1"/>
+              <ma14:wrappingTextBoxFlag xmlns:ma14="http://schemas.microsoft.com/office/mac/drawingml/2011/main" xmlns="" val="1"/>
             </a:ext>
           </a:extLst>
         </p:spPr>
@@ -16936,7 +16932,7 @@
           </a:ln>
           <a:extLst>
             <a:ext uri="{C572A759-6A51-4108-AA02-DFA0A04FC94B}">
-              <ma14:wrappingTextBoxFlag xmlns="" xmlns:ma14="http://schemas.microsoft.com/office/mac/drawingml/2011/main" val="1"/>
+              <ma14:wrappingTextBoxFlag xmlns:ma14="http://schemas.microsoft.com/office/mac/drawingml/2011/main" xmlns="" val="1"/>
             </a:ext>
           </a:extLst>
         </p:spPr>
@@ -16981,7 +16977,7 @@
           </a:ln>
           <a:extLst>
             <a:ext uri="{C572A759-6A51-4108-AA02-DFA0A04FC94B}">
-              <ma14:wrappingTextBoxFlag xmlns="" xmlns:ma14="http://schemas.microsoft.com/office/mac/drawingml/2011/main" val="1"/>
+              <ma14:wrappingTextBoxFlag xmlns:ma14="http://schemas.microsoft.com/office/mac/drawingml/2011/main" xmlns="" val="1"/>
             </a:ext>
           </a:extLst>
         </p:spPr>
@@ -17026,7 +17022,7 @@
           </a:ln>
           <a:extLst>
             <a:ext uri="{C572A759-6A51-4108-AA02-DFA0A04FC94B}">
-              <ma14:wrappingTextBoxFlag xmlns="" xmlns:ma14="http://schemas.microsoft.com/office/mac/drawingml/2011/main" val="1"/>
+              <ma14:wrappingTextBoxFlag xmlns:ma14="http://schemas.microsoft.com/office/mac/drawingml/2011/main" xmlns="" val="1"/>
             </a:ext>
           </a:extLst>
         </p:spPr>
@@ -17071,7 +17067,7 @@
           </a:ln>
           <a:extLst>
             <a:ext uri="{C572A759-6A51-4108-AA02-DFA0A04FC94B}">
-              <ma14:wrappingTextBoxFlag xmlns="" xmlns:ma14="http://schemas.microsoft.com/office/mac/drawingml/2011/main" val="1"/>
+              <ma14:wrappingTextBoxFlag xmlns:ma14="http://schemas.microsoft.com/office/mac/drawingml/2011/main" xmlns="" val="1"/>
             </a:ext>
           </a:extLst>
         </p:spPr>
@@ -17151,7 +17147,7 @@
           </a:ln>
           <a:extLst>
             <a:ext uri="{C572A759-6A51-4108-AA02-DFA0A04FC94B}">
-              <ma14:wrappingTextBoxFlag xmlns="" xmlns:ma14="http://schemas.microsoft.com/office/mac/drawingml/2011/main" val="1"/>
+              <ma14:wrappingTextBoxFlag xmlns:ma14="http://schemas.microsoft.com/office/mac/drawingml/2011/main" xmlns="" val="1"/>
             </a:ext>
           </a:extLst>
         </p:spPr>
@@ -17230,7 +17226,7 @@
           </a:ln>
           <a:extLst>
             <a:ext uri="{C572A759-6A51-4108-AA02-DFA0A04FC94B}">
-              <ma14:wrappingTextBoxFlag xmlns="" xmlns:ma14="http://schemas.microsoft.com/office/mac/drawingml/2011/main" val="1"/>
+              <ma14:wrappingTextBoxFlag xmlns:ma14="http://schemas.microsoft.com/office/mac/drawingml/2011/main" xmlns="" val="1"/>
             </a:ext>
           </a:extLst>
         </p:spPr>
@@ -17315,7 +17311,7 @@
           </a:ln>
           <a:extLst>
             <a:ext uri="{C572A759-6A51-4108-AA02-DFA0A04FC94B}">
-              <ma14:wrappingTextBoxFlag xmlns="" xmlns:ma14="http://schemas.microsoft.com/office/mac/drawingml/2011/main" val="1"/>
+              <ma14:wrappingTextBoxFlag xmlns:ma14="http://schemas.microsoft.com/office/mac/drawingml/2011/main" xmlns="" val="1"/>
             </a:ext>
           </a:extLst>
         </p:spPr>
@@ -17590,7 +17586,7 @@
           </a:ln>
           <a:extLst>
             <a:ext uri="{C572A759-6A51-4108-AA02-DFA0A04FC94B}">
-              <ma14:wrappingTextBoxFlag xmlns="" xmlns:ma14="http://schemas.microsoft.com/office/mac/drawingml/2011/main" val="1"/>
+              <ma14:wrappingTextBoxFlag xmlns:ma14="http://schemas.microsoft.com/office/mac/drawingml/2011/main" xmlns="" val="1"/>
             </a:ext>
           </a:extLst>
         </p:spPr>
@@ -17636,7 +17632,7 @@
           </a:ln>
           <a:extLst>
             <a:ext uri="{C572A759-6A51-4108-AA02-DFA0A04FC94B}">
-              <ma14:wrappingTextBoxFlag xmlns="" xmlns:ma14="http://schemas.microsoft.com/office/mac/drawingml/2011/main" val="1"/>
+              <ma14:wrappingTextBoxFlag xmlns:ma14="http://schemas.microsoft.com/office/mac/drawingml/2011/main" xmlns="" val="1"/>
             </a:ext>
           </a:extLst>
         </p:spPr>
@@ -17783,7 +17779,7 @@
           </a:ln>
           <a:extLst>
             <a:ext uri="{C572A759-6A51-4108-AA02-DFA0A04FC94B}">
-              <ma14:wrappingTextBoxFlag xmlns="" xmlns:ma14="http://schemas.microsoft.com/office/mac/drawingml/2011/main" val="1"/>
+              <ma14:wrappingTextBoxFlag xmlns:ma14="http://schemas.microsoft.com/office/mac/drawingml/2011/main" xmlns="" val="1"/>
             </a:ext>
           </a:extLst>
         </p:spPr>
@@ -17828,7 +17824,7 @@
           </a:ln>
           <a:extLst>
             <a:ext uri="{C572A759-6A51-4108-AA02-DFA0A04FC94B}">
-              <ma14:wrappingTextBoxFlag xmlns="" xmlns:ma14="http://schemas.microsoft.com/office/mac/drawingml/2011/main" val="1"/>
+              <ma14:wrappingTextBoxFlag xmlns:ma14="http://schemas.microsoft.com/office/mac/drawingml/2011/main" xmlns="" val="1"/>
             </a:ext>
           </a:extLst>
         </p:spPr>
@@ -17873,7 +17869,7 @@
           </a:ln>
           <a:extLst>
             <a:ext uri="{C572A759-6A51-4108-AA02-DFA0A04FC94B}">
-              <ma14:wrappingTextBoxFlag xmlns="" xmlns:ma14="http://schemas.microsoft.com/office/mac/drawingml/2011/main" val="1"/>
+              <ma14:wrappingTextBoxFlag xmlns:ma14="http://schemas.microsoft.com/office/mac/drawingml/2011/main" xmlns="" val="1"/>
             </a:ext>
           </a:extLst>
         </p:spPr>
@@ -17918,7 +17914,7 @@
           </a:ln>
           <a:extLst>
             <a:ext uri="{C572A759-6A51-4108-AA02-DFA0A04FC94B}">
-              <ma14:wrappingTextBoxFlag xmlns="" xmlns:ma14="http://schemas.microsoft.com/office/mac/drawingml/2011/main" val="1"/>
+              <ma14:wrappingTextBoxFlag xmlns:ma14="http://schemas.microsoft.com/office/mac/drawingml/2011/main" xmlns="" val="1"/>
             </a:ext>
           </a:extLst>
         </p:spPr>
@@ -17998,7 +17994,7 @@
           </a:ln>
           <a:extLst>
             <a:ext uri="{C572A759-6A51-4108-AA02-DFA0A04FC94B}">
-              <ma14:wrappingTextBoxFlag xmlns="" xmlns:ma14="http://schemas.microsoft.com/office/mac/drawingml/2011/main" val="1"/>
+              <ma14:wrappingTextBoxFlag xmlns:ma14="http://schemas.microsoft.com/office/mac/drawingml/2011/main" xmlns="" val="1"/>
             </a:ext>
           </a:extLst>
         </p:spPr>
@@ -18077,7 +18073,7 @@
           </a:ln>
           <a:extLst>
             <a:ext uri="{C572A759-6A51-4108-AA02-DFA0A04FC94B}">
-              <ma14:wrappingTextBoxFlag xmlns="" xmlns:ma14="http://schemas.microsoft.com/office/mac/drawingml/2011/main" val="1"/>
+              <ma14:wrappingTextBoxFlag xmlns:ma14="http://schemas.microsoft.com/office/mac/drawingml/2011/main" xmlns="" val="1"/>
             </a:ext>
           </a:extLst>
         </p:spPr>
@@ -18162,7 +18158,7 @@
           </a:ln>
           <a:extLst>
             <a:ext uri="{C572A759-6A51-4108-AA02-DFA0A04FC94B}">
-              <ma14:wrappingTextBoxFlag xmlns="" xmlns:ma14="http://schemas.microsoft.com/office/mac/drawingml/2011/main" val="1"/>
+              <ma14:wrappingTextBoxFlag xmlns:ma14="http://schemas.microsoft.com/office/mac/drawingml/2011/main" xmlns="" val="1"/>
             </a:ext>
           </a:extLst>
         </p:spPr>
@@ -18437,7 +18433,7 @@
           </a:ln>
           <a:extLst>
             <a:ext uri="{C572A759-6A51-4108-AA02-DFA0A04FC94B}">
-              <ma14:wrappingTextBoxFlag xmlns="" xmlns:ma14="http://schemas.microsoft.com/office/mac/drawingml/2011/main" val="1"/>
+              <ma14:wrappingTextBoxFlag xmlns:ma14="http://schemas.microsoft.com/office/mac/drawingml/2011/main" xmlns="" val="1"/>
             </a:ext>
           </a:extLst>
         </p:spPr>
@@ -18483,7 +18479,7 @@
           </a:ln>
           <a:extLst>
             <a:ext uri="{C572A759-6A51-4108-AA02-DFA0A04FC94B}">
-              <ma14:wrappingTextBoxFlag xmlns="" xmlns:ma14="http://schemas.microsoft.com/office/mac/drawingml/2011/main" val="1"/>
+              <ma14:wrappingTextBoxFlag xmlns:ma14="http://schemas.microsoft.com/office/mac/drawingml/2011/main" xmlns="" val="1"/>
             </a:ext>
           </a:extLst>
         </p:spPr>
@@ -18668,7 +18664,7 @@
           </a:ln>
           <a:extLst>
             <a:ext uri="{C572A759-6A51-4108-AA02-DFA0A04FC94B}">
-              <ma14:wrappingTextBoxFlag xmlns="" xmlns:ma14="http://schemas.microsoft.com/office/mac/drawingml/2011/main" val="1"/>
+              <ma14:wrappingTextBoxFlag xmlns:ma14="http://schemas.microsoft.com/office/mac/drawingml/2011/main" xmlns="" val="1"/>
             </a:ext>
           </a:extLst>
         </p:spPr>
@@ -18713,7 +18709,7 @@
           </a:ln>
           <a:extLst>
             <a:ext uri="{C572A759-6A51-4108-AA02-DFA0A04FC94B}">
-              <ma14:wrappingTextBoxFlag xmlns="" xmlns:ma14="http://schemas.microsoft.com/office/mac/drawingml/2011/main" val="1"/>
+              <ma14:wrappingTextBoxFlag xmlns:ma14="http://schemas.microsoft.com/office/mac/drawingml/2011/main" xmlns="" val="1"/>
             </a:ext>
           </a:extLst>
         </p:spPr>
@@ -18758,7 +18754,7 @@
           </a:ln>
           <a:extLst>
             <a:ext uri="{C572A759-6A51-4108-AA02-DFA0A04FC94B}">
-              <ma14:wrappingTextBoxFlag xmlns="" xmlns:ma14="http://schemas.microsoft.com/office/mac/drawingml/2011/main" val="1"/>
+              <ma14:wrappingTextBoxFlag xmlns:ma14="http://schemas.microsoft.com/office/mac/drawingml/2011/main" xmlns="" val="1"/>
             </a:ext>
           </a:extLst>
         </p:spPr>
@@ -18803,7 +18799,7 @@
           </a:ln>
           <a:extLst>
             <a:ext uri="{C572A759-6A51-4108-AA02-DFA0A04FC94B}">
-              <ma14:wrappingTextBoxFlag xmlns="" xmlns:ma14="http://schemas.microsoft.com/office/mac/drawingml/2011/main" val="1"/>
+              <ma14:wrappingTextBoxFlag xmlns:ma14="http://schemas.microsoft.com/office/mac/drawingml/2011/main" xmlns="" val="1"/>
             </a:ext>
           </a:extLst>
         </p:spPr>
@@ -18883,7 +18879,7 @@
           </a:ln>
           <a:extLst>
             <a:ext uri="{C572A759-6A51-4108-AA02-DFA0A04FC94B}">
-              <ma14:wrappingTextBoxFlag xmlns="" xmlns:ma14="http://schemas.microsoft.com/office/mac/drawingml/2011/main" val="1"/>
+              <ma14:wrappingTextBoxFlag xmlns:ma14="http://schemas.microsoft.com/office/mac/drawingml/2011/main" xmlns="" val="1"/>
             </a:ext>
           </a:extLst>
         </p:spPr>
@@ -18962,7 +18958,7 @@
           </a:ln>
           <a:extLst>
             <a:ext uri="{C572A759-6A51-4108-AA02-DFA0A04FC94B}">
-              <ma14:wrappingTextBoxFlag xmlns="" xmlns:ma14="http://schemas.microsoft.com/office/mac/drawingml/2011/main" val="1"/>
+              <ma14:wrappingTextBoxFlag xmlns:ma14="http://schemas.microsoft.com/office/mac/drawingml/2011/main" xmlns="" val="1"/>
             </a:ext>
           </a:extLst>
         </p:spPr>
@@ -19047,7 +19043,7 @@
           </a:ln>
           <a:extLst>
             <a:ext uri="{C572A759-6A51-4108-AA02-DFA0A04FC94B}">
-              <ma14:wrappingTextBoxFlag xmlns="" xmlns:ma14="http://schemas.microsoft.com/office/mac/drawingml/2011/main" val="1"/>
+              <ma14:wrappingTextBoxFlag xmlns:ma14="http://schemas.microsoft.com/office/mac/drawingml/2011/main" xmlns="" val="1"/>
             </a:ext>
           </a:extLst>
         </p:spPr>
@@ -19322,7 +19318,7 @@
           </a:ln>
           <a:extLst>
             <a:ext uri="{C572A759-6A51-4108-AA02-DFA0A04FC94B}">
-              <ma14:wrappingTextBoxFlag xmlns="" xmlns:ma14="http://schemas.microsoft.com/office/mac/drawingml/2011/main" val="1"/>
+              <ma14:wrappingTextBoxFlag xmlns:ma14="http://schemas.microsoft.com/office/mac/drawingml/2011/main" xmlns="" val="1"/>
             </a:ext>
           </a:extLst>
         </p:spPr>
@@ -19368,7 +19364,7 @@
           </a:ln>
           <a:extLst>
             <a:ext uri="{C572A759-6A51-4108-AA02-DFA0A04FC94B}">
-              <ma14:wrappingTextBoxFlag xmlns="" xmlns:ma14="http://schemas.microsoft.com/office/mac/drawingml/2011/main" val="1"/>
+              <ma14:wrappingTextBoxFlag xmlns:ma14="http://schemas.microsoft.com/office/mac/drawingml/2011/main" xmlns="" val="1"/>
             </a:ext>
           </a:extLst>
         </p:spPr>
@@ -19553,7 +19549,7 @@
           </a:ln>
           <a:extLst>
             <a:ext uri="{C572A759-6A51-4108-AA02-DFA0A04FC94B}">
-              <ma14:wrappingTextBoxFlag xmlns="" xmlns:ma14="http://schemas.microsoft.com/office/mac/drawingml/2011/main" val="1"/>
+              <ma14:wrappingTextBoxFlag xmlns:ma14="http://schemas.microsoft.com/office/mac/drawingml/2011/main" xmlns="" val="1"/>
             </a:ext>
           </a:extLst>
         </p:spPr>
@@ -19598,7 +19594,7 @@
           </a:ln>
           <a:extLst>
             <a:ext uri="{C572A759-6A51-4108-AA02-DFA0A04FC94B}">
-              <ma14:wrappingTextBoxFlag xmlns="" xmlns:ma14="http://schemas.microsoft.com/office/mac/drawingml/2011/main" val="1"/>
+              <ma14:wrappingTextBoxFlag xmlns:ma14="http://schemas.microsoft.com/office/mac/drawingml/2011/main" xmlns="" val="1"/>
             </a:ext>
           </a:extLst>
         </p:spPr>
@@ -19643,7 +19639,7 @@
           </a:ln>
           <a:extLst>
             <a:ext uri="{C572A759-6A51-4108-AA02-DFA0A04FC94B}">
-              <ma14:wrappingTextBoxFlag xmlns="" xmlns:ma14="http://schemas.microsoft.com/office/mac/drawingml/2011/main" val="1"/>
+              <ma14:wrappingTextBoxFlag xmlns:ma14="http://schemas.microsoft.com/office/mac/drawingml/2011/main" xmlns="" val="1"/>
             </a:ext>
           </a:extLst>
         </p:spPr>
@@ -19688,7 +19684,7 @@
           </a:ln>
           <a:extLst>
             <a:ext uri="{C572A759-6A51-4108-AA02-DFA0A04FC94B}">
-              <ma14:wrappingTextBoxFlag xmlns="" xmlns:ma14="http://schemas.microsoft.com/office/mac/drawingml/2011/main" val="1"/>
+              <ma14:wrappingTextBoxFlag xmlns:ma14="http://schemas.microsoft.com/office/mac/drawingml/2011/main" xmlns="" val="1"/>
             </a:ext>
           </a:extLst>
         </p:spPr>
@@ -19768,7 +19764,7 @@
           </a:ln>
           <a:extLst>
             <a:ext uri="{C572A759-6A51-4108-AA02-DFA0A04FC94B}">
-              <ma14:wrappingTextBoxFlag xmlns="" xmlns:ma14="http://schemas.microsoft.com/office/mac/drawingml/2011/main" val="1"/>
+              <ma14:wrappingTextBoxFlag xmlns:ma14="http://schemas.microsoft.com/office/mac/drawingml/2011/main" xmlns="" val="1"/>
             </a:ext>
           </a:extLst>
         </p:spPr>
@@ -19847,7 +19843,7 @@
           </a:ln>
           <a:extLst>
             <a:ext uri="{C572A759-6A51-4108-AA02-DFA0A04FC94B}">
-              <ma14:wrappingTextBoxFlag xmlns="" xmlns:ma14="http://schemas.microsoft.com/office/mac/drawingml/2011/main" val="1"/>
+              <ma14:wrappingTextBoxFlag xmlns:ma14="http://schemas.microsoft.com/office/mac/drawingml/2011/main" xmlns="" val="1"/>
             </a:ext>
           </a:extLst>
         </p:spPr>
@@ -19932,7 +19928,7 @@
           </a:ln>
           <a:extLst>
             <a:ext uri="{C572A759-6A51-4108-AA02-DFA0A04FC94B}">
-              <ma14:wrappingTextBoxFlag xmlns="" xmlns:ma14="http://schemas.microsoft.com/office/mac/drawingml/2011/main" val="1"/>
+              <ma14:wrappingTextBoxFlag xmlns:ma14="http://schemas.microsoft.com/office/mac/drawingml/2011/main" xmlns="" val="1"/>
             </a:ext>
           </a:extLst>
         </p:spPr>
@@ -20207,7 +20203,7 @@
           </a:ln>
           <a:extLst>
             <a:ext uri="{C572A759-6A51-4108-AA02-DFA0A04FC94B}">
-              <ma14:wrappingTextBoxFlag xmlns="" xmlns:ma14="http://schemas.microsoft.com/office/mac/drawingml/2011/main" val="1"/>
+              <ma14:wrappingTextBoxFlag xmlns:ma14="http://schemas.microsoft.com/office/mac/drawingml/2011/main" xmlns="" val="1"/>
             </a:ext>
           </a:extLst>
         </p:spPr>
@@ -20253,7 +20249,7 @@
           </a:ln>
           <a:extLst>
             <a:ext uri="{C572A759-6A51-4108-AA02-DFA0A04FC94B}">
-              <ma14:wrappingTextBoxFlag xmlns="" xmlns:ma14="http://schemas.microsoft.com/office/mac/drawingml/2011/main" val="1"/>
+              <ma14:wrappingTextBoxFlag xmlns:ma14="http://schemas.microsoft.com/office/mac/drawingml/2011/main" xmlns="" val="1"/>
             </a:ext>
           </a:extLst>
         </p:spPr>
@@ -20438,7 +20434,7 @@
           </a:ln>
           <a:extLst>
             <a:ext uri="{C572A759-6A51-4108-AA02-DFA0A04FC94B}">
-              <ma14:wrappingTextBoxFlag xmlns="" xmlns:ma14="http://schemas.microsoft.com/office/mac/drawingml/2011/main" val="1"/>
+              <ma14:wrappingTextBoxFlag xmlns:ma14="http://schemas.microsoft.com/office/mac/drawingml/2011/main" xmlns="" val="1"/>
             </a:ext>
           </a:extLst>
         </p:spPr>
@@ -20483,7 +20479,7 @@
           </a:ln>
           <a:extLst>
             <a:ext uri="{C572A759-6A51-4108-AA02-DFA0A04FC94B}">
-              <ma14:wrappingTextBoxFlag xmlns="" xmlns:ma14="http://schemas.microsoft.com/office/mac/drawingml/2011/main" val="1"/>
+              <ma14:wrappingTextBoxFlag xmlns:ma14="http://schemas.microsoft.com/office/mac/drawingml/2011/main" xmlns="" val="1"/>
             </a:ext>
           </a:extLst>
         </p:spPr>
@@ -20525,7 +20521,7 @@
           </a:ln>
           <a:extLst>
             <a:ext uri="{C572A759-6A51-4108-AA02-DFA0A04FC94B}">
-              <ma14:wrappingTextBoxFlag xmlns="" xmlns:ma14="http://schemas.microsoft.com/office/mac/drawingml/2011/main" val="1"/>
+              <ma14:wrappingTextBoxFlag xmlns:ma14="http://schemas.microsoft.com/office/mac/drawingml/2011/main" xmlns="" val="1"/>
             </a:ext>
           </a:extLst>
         </p:spPr>
@@ -20604,7 +20600,7 @@
           </a:ln>
           <a:extLst>
             <a:ext uri="{C572A759-6A51-4108-AA02-DFA0A04FC94B}">
-              <ma14:wrappingTextBoxFlag xmlns="" xmlns:ma14="http://schemas.microsoft.com/office/mac/drawingml/2011/main" val="1"/>
+              <ma14:wrappingTextBoxFlag xmlns:ma14="http://schemas.microsoft.com/office/mac/drawingml/2011/main" xmlns="" val="1"/>
             </a:ext>
           </a:extLst>
         </p:spPr>
@@ -20765,7 +20761,7 @@
           </a:ln>
           <a:extLst>
             <a:ext uri="{C572A759-6A51-4108-AA02-DFA0A04FC94B}">
-              <ma14:wrappingTextBoxFlag xmlns="" xmlns:ma14="http://schemas.microsoft.com/office/mac/drawingml/2011/main" val="1"/>
+              <ma14:wrappingTextBoxFlag xmlns:ma14="http://schemas.microsoft.com/office/mac/drawingml/2011/main" xmlns="" val="1"/>
             </a:ext>
           </a:extLst>
         </p:spPr>
@@ -20811,7 +20807,7 @@
           </a:ln>
           <a:extLst>
             <a:ext uri="{C572A759-6A51-4108-AA02-DFA0A04FC94B}">
-              <ma14:wrappingTextBoxFlag xmlns="" xmlns:ma14="http://schemas.microsoft.com/office/mac/drawingml/2011/main" val="1"/>
+              <ma14:wrappingTextBoxFlag xmlns:ma14="http://schemas.microsoft.com/office/mac/drawingml/2011/main" xmlns="" val="1"/>
             </a:ext>
           </a:extLst>
         </p:spPr>
@@ -20856,7 +20852,7 @@
           </a:ln>
           <a:extLst>
             <a:ext uri="{C572A759-6A51-4108-AA02-DFA0A04FC94B}">
-              <ma14:wrappingTextBoxFlag xmlns="" xmlns:ma14="http://schemas.microsoft.com/office/mac/drawingml/2011/main" val="1"/>
+              <ma14:wrappingTextBoxFlag xmlns:ma14="http://schemas.microsoft.com/office/mac/drawingml/2011/main" xmlns="" val="1"/>
             </a:ext>
           </a:extLst>
         </p:spPr>
@@ -20901,7 +20897,7 @@
           </a:ln>
           <a:extLst>
             <a:ext uri="{C572A759-6A51-4108-AA02-DFA0A04FC94B}">
-              <ma14:wrappingTextBoxFlag xmlns="" xmlns:ma14="http://schemas.microsoft.com/office/mac/drawingml/2011/main" val="1"/>
+              <ma14:wrappingTextBoxFlag xmlns:ma14="http://schemas.microsoft.com/office/mac/drawingml/2011/main" xmlns="" val="1"/>
             </a:ext>
           </a:extLst>
         </p:spPr>
@@ -21209,7 +21205,7 @@
           </a:ln>
           <a:extLst>
             <a:ext uri="{C572A759-6A51-4108-AA02-DFA0A04FC94B}">
-              <ma14:wrappingTextBoxFlag xmlns="" xmlns:ma14="http://schemas.microsoft.com/office/mac/drawingml/2011/main" val="1"/>
+              <ma14:wrappingTextBoxFlag xmlns:ma14="http://schemas.microsoft.com/office/mac/drawingml/2011/main" xmlns="" val="1"/>
             </a:ext>
           </a:extLst>
         </p:spPr>
@@ -21323,7 +21319,7 @@
           </a:ln>
           <a:extLst>
             <a:ext uri="{C572A759-6A51-4108-AA02-DFA0A04FC94B}">
-              <ma14:wrappingTextBoxFlag xmlns="" xmlns:ma14="http://schemas.microsoft.com/office/mac/drawingml/2011/main" val="1"/>
+              <ma14:wrappingTextBoxFlag xmlns:ma14="http://schemas.microsoft.com/office/mac/drawingml/2011/main" xmlns="" val="1"/>
             </a:ext>
           </a:extLst>
         </p:spPr>
@@ -21368,7 +21364,7 @@
           </a:ln>
           <a:extLst>
             <a:ext uri="{C572A759-6A51-4108-AA02-DFA0A04FC94B}">
-              <ma14:wrappingTextBoxFlag xmlns="" xmlns:ma14="http://schemas.microsoft.com/office/mac/drawingml/2011/main" val="1"/>
+              <ma14:wrappingTextBoxFlag xmlns:ma14="http://schemas.microsoft.com/office/mac/drawingml/2011/main" xmlns="" val="1"/>
             </a:ext>
           </a:extLst>
         </p:spPr>
@@ -21410,7 +21406,7 @@
           </a:ln>
           <a:extLst>
             <a:ext uri="{C572A759-6A51-4108-AA02-DFA0A04FC94B}">
-              <ma14:wrappingTextBoxFlag xmlns="" xmlns:ma14="http://schemas.microsoft.com/office/mac/drawingml/2011/main" val="1"/>
+              <ma14:wrappingTextBoxFlag xmlns:ma14="http://schemas.microsoft.com/office/mac/drawingml/2011/main" xmlns="" val="1"/>
             </a:ext>
           </a:extLst>
         </p:spPr>
@@ -21489,7 +21485,7 @@
           </a:ln>
           <a:extLst>
             <a:ext uri="{C572A759-6A51-4108-AA02-DFA0A04FC94B}">
-              <ma14:wrappingTextBoxFlag xmlns="" xmlns:ma14="http://schemas.microsoft.com/office/mac/drawingml/2011/main" val="1"/>
+              <ma14:wrappingTextBoxFlag xmlns:ma14="http://schemas.microsoft.com/office/mac/drawingml/2011/main" xmlns="" val="1"/>
             </a:ext>
           </a:extLst>
         </p:spPr>
@@ -21615,7 +21611,7 @@
           </a:ln>
           <a:extLst>
             <a:ext uri="{C572A759-6A51-4108-AA02-DFA0A04FC94B}">
-              <ma14:wrappingTextBoxFlag xmlns="" xmlns:ma14="http://schemas.microsoft.com/office/mac/drawingml/2011/main" val="1"/>
+              <ma14:wrappingTextBoxFlag xmlns:ma14="http://schemas.microsoft.com/office/mac/drawingml/2011/main" xmlns="" val="1"/>
             </a:ext>
           </a:extLst>
         </p:spPr>
@@ -21660,7 +21656,7 @@
           </a:ln>
           <a:extLst>
             <a:ext uri="{C572A759-6A51-4108-AA02-DFA0A04FC94B}">
-              <ma14:wrappingTextBoxFlag xmlns="" xmlns:ma14="http://schemas.microsoft.com/office/mac/drawingml/2011/main" val="1"/>
+              <ma14:wrappingTextBoxFlag xmlns:ma14="http://schemas.microsoft.com/office/mac/drawingml/2011/main" xmlns="" val="1"/>
             </a:ext>
           </a:extLst>
         </p:spPr>
@@ -21705,7 +21701,7 @@
           </a:ln>
           <a:extLst>
             <a:ext uri="{C572A759-6A51-4108-AA02-DFA0A04FC94B}">
-              <ma14:wrappingTextBoxFlag xmlns="" xmlns:ma14="http://schemas.microsoft.com/office/mac/drawingml/2011/main" val="1"/>
+              <ma14:wrappingTextBoxFlag xmlns:ma14="http://schemas.microsoft.com/office/mac/drawingml/2011/main" xmlns="" val="1"/>
             </a:ext>
           </a:extLst>
         </p:spPr>
@@ -22013,7 +22009,7 @@
           </a:ln>
           <a:extLst>
             <a:ext uri="{C572A759-6A51-4108-AA02-DFA0A04FC94B}">
-              <ma14:wrappingTextBoxFlag xmlns="" xmlns:ma14="http://schemas.microsoft.com/office/mac/drawingml/2011/main" val="1"/>
+              <ma14:wrappingTextBoxFlag xmlns:ma14="http://schemas.microsoft.com/office/mac/drawingml/2011/main" xmlns="" val="1"/>
             </a:ext>
           </a:extLst>
         </p:spPr>
@@ -22124,7 +22120,7 @@
           </a:ln>
           <a:extLst>
             <a:ext uri="{C572A759-6A51-4108-AA02-DFA0A04FC94B}">
-              <ma14:wrappingTextBoxFlag xmlns="" xmlns:ma14="http://schemas.microsoft.com/office/mac/drawingml/2011/main" val="1"/>
+              <ma14:wrappingTextBoxFlag xmlns:ma14="http://schemas.microsoft.com/office/mac/drawingml/2011/main" xmlns="" val="1"/>
             </a:ext>
           </a:extLst>
         </p:spPr>
@@ -22168,7 +22164,7 @@
           </a:ln>
           <a:extLst>
             <a:ext uri="{C572A759-6A51-4108-AA02-DFA0A04FC94B}">
-              <ma14:wrappingTextBoxFlag xmlns="" xmlns:ma14="http://schemas.microsoft.com/office/mac/drawingml/2011/main" val="1"/>
+              <ma14:wrappingTextBoxFlag xmlns:ma14="http://schemas.microsoft.com/office/mac/drawingml/2011/main" xmlns="" val="1"/>
             </a:ext>
           </a:extLst>
         </p:spPr>
@@ -22213,7 +22209,7 @@
           </a:ln>
           <a:extLst>
             <a:ext uri="{C572A759-6A51-4108-AA02-DFA0A04FC94B}">
-              <ma14:wrappingTextBoxFlag xmlns="" xmlns:ma14="http://schemas.microsoft.com/office/mac/drawingml/2011/main" val="1"/>
+              <ma14:wrappingTextBoxFlag xmlns:ma14="http://schemas.microsoft.com/office/mac/drawingml/2011/main" xmlns="" val="1"/>
             </a:ext>
           </a:extLst>
         </p:spPr>
@@ -22293,7 +22289,7 @@
           </a:ln>
           <a:extLst>
             <a:ext uri="{C572A759-6A51-4108-AA02-DFA0A04FC94B}">
-              <ma14:wrappingTextBoxFlag xmlns="" xmlns:ma14="http://schemas.microsoft.com/office/mac/drawingml/2011/main" val="1"/>
+              <ma14:wrappingTextBoxFlag xmlns:ma14="http://schemas.microsoft.com/office/mac/drawingml/2011/main" xmlns="" val="1"/>
             </a:ext>
           </a:extLst>
         </p:spPr>
@@ -22381,7 +22377,7 @@
           </a:ln>
           <a:extLst>
             <a:ext uri="{C572A759-6A51-4108-AA02-DFA0A04FC94B}">
-              <ma14:wrappingTextBoxFlag xmlns="" xmlns:ma14="http://schemas.microsoft.com/office/mac/drawingml/2011/main" val="1"/>
+              <ma14:wrappingTextBoxFlag xmlns:ma14="http://schemas.microsoft.com/office/mac/drawingml/2011/main" xmlns="" val="1"/>
             </a:ext>
           </a:extLst>
         </p:spPr>
@@ -22426,7 +22422,7 @@
           </a:ln>
           <a:extLst>
             <a:ext uri="{C572A759-6A51-4108-AA02-DFA0A04FC94B}">
-              <ma14:wrappingTextBoxFlag xmlns="" xmlns:ma14="http://schemas.microsoft.com/office/mac/drawingml/2011/main" val="1"/>
+              <ma14:wrappingTextBoxFlag xmlns:ma14="http://schemas.microsoft.com/office/mac/drawingml/2011/main" xmlns="" val="1"/>
             </a:ext>
           </a:extLst>
         </p:spPr>
@@ -22471,7 +22467,7 @@
           </a:ln>
           <a:extLst>
             <a:ext uri="{C572A759-6A51-4108-AA02-DFA0A04FC94B}">
-              <ma14:wrappingTextBoxFlag xmlns="" xmlns:ma14="http://schemas.microsoft.com/office/mac/drawingml/2011/main" val="1"/>
+              <ma14:wrappingTextBoxFlag xmlns:ma14="http://schemas.microsoft.com/office/mac/drawingml/2011/main" xmlns="" val="1"/>
             </a:ext>
           </a:extLst>
         </p:spPr>
@@ -22665,7 +22661,7 @@
           </a:ln>
           <a:extLst>
             <a:ext uri="{C572A759-6A51-4108-AA02-DFA0A04FC94B}">
-              <ma14:wrappingTextBoxFlag xmlns="" xmlns:ma14="http://schemas.microsoft.com/office/mac/drawingml/2011/main" val="1"/>
+              <ma14:wrappingTextBoxFlag xmlns:ma14="http://schemas.microsoft.com/office/mac/drawingml/2011/main" xmlns="" val="1"/>
             </a:ext>
           </a:extLst>
         </p:spPr>
@@ -22776,7 +22772,7 @@
           </a:ln>
           <a:extLst>
             <a:ext uri="{C572A759-6A51-4108-AA02-DFA0A04FC94B}">
-              <ma14:wrappingTextBoxFlag xmlns="" xmlns:ma14="http://schemas.microsoft.com/office/mac/drawingml/2011/main" val="1"/>
+              <ma14:wrappingTextBoxFlag xmlns:ma14="http://schemas.microsoft.com/office/mac/drawingml/2011/main" xmlns="" val="1"/>
             </a:ext>
           </a:extLst>
         </p:spPr>
@@ -22820,7 +22816,7 @@
           </a:ln>
           <a:extLst>
             <a:ext uri="{C572A759-6A51-4108-AA02-DFA0A04FC94B}">
-              <ma14:wrappingTextBoxFlag xmlns="" xmlns:ma14="http://schemas.microsoft.com/office/mac/drawingml/2011/main" val="1"/>
+              <ma14:wrappingTextBoxFlag xmlns:ma14="http://schemas.microsoft.com/office/mac/drawingml/2011/main" xmlns="" val="1"/>
             </a:ext>
           </a:extLst>
         </p:spPr>
@@ -22865,7 +22861,7 @@
           </a:ln>
           <a:extLst>
             <a:ext uri="{C572A759-6A51-4108-AA02-DFA0A04FC94B}">
-              <ma14:wrappingTextBoxFlag xmlns="" xmlns:ma14="http://schemas.microsoft.com/office/mac/drawingml/2011/main" val="1"/>
+              <ma14:wrappingTextBoxFlag xmlns:ma14="http://schemas.microsoft.com/office/mac/drawingml/2011/main" xmlns="" val="1"/>
             </a:ext>
           </a:extLst>
         </p:spPr>
@@ -22945,7 +22941,7 @@
           </a:ln>
           <a:extLst>
             <a:ext uri="{C572A759-6A51-4108-AA02-DFA0A04FC94B}">
-              <ma14:wrappingTextBoxFlag xmlns="" xmlns:ma14="http://schemas.microsoft.com/office/mac/drawingml/2011/main" val="1"/>
+              <ma14:wrappingTextBoxFlag xmlns:ma14="http://schemas.microsoft.com/office/mac/drawingml/2011/main" xmlns="" val="1"/>
             </a:ext>
           </a:extLst>
         </p:spPr>
@@ -23033,7 +23029,7 @@
           </a:ln>
           <a:extLst>
             <a:ext uri="{C572A759-6A51-4108-AA02-DFA0A04FC94B}">
-              <ma14:wrappingTextBoxFlag xmlns="" xmlns:ma14="http://schemas.microsoft.com/office/mac/drawingml/2011/main" val="1"/>
+              <ma14:wrappingTextBoxFlag xmlns:ma14="http://schemas.microsoft.com/office/mac/drawingml/2011/main" xmlns="" val="1"/>
             </a:ext>
           </a:extLst>
         </p:spPr>
@@ -23078,7 +23074,7 @@
           </a:ln>
           <a:extLst>
             <a:ext uri="{C572A759-6A51-4108-AA02-DFA0A04FC94B}">
-              <ma14:wrappingTextBoxFlag xmlns="" xmlns:ma14="http://schemas.microsoft.com/office/mac/drawingml/2011/main" val="1"/>
+              <ma14:wrappingTextBoxFlag xmlns:ma14="http://schemas.microsoft.com/office/mac/drawingml/2011/main" xmlns="" val="1"/>
             </a:ext>
           </a:extLst>
         </p:spPr>
@@ -23123,7 +23119,7 @@
           </a:ln>
           <a:extLst>
             <a:ext uri="{C572A759-6A51-4108-AA02-DFA0A04FC94B}">
-              <ma14:wrappingTextBoxFlag xmlns="" xmlns:ma14="http://schemas.microsoft.com/office/mac/drawingml/2011/main" val="1"/>
+              <ma14:wrappingTextBoxFlag xmlns:ma14="http://schemas.microsoft.com/office/mac/drawingml/2011/main" xmlns="" val="1"/>
             </a:ext>
           </a:extLst>
         </p:spPr>
@@ -23317,7 +23313,7 @@
           </a:ln>
           <a:extLst>
             <a:ext uri="{C572A759-6A51-4108-AA02-DFA0A04FC94B}">
-              <ma14:wrappingTextBoxFlag xmlns="" xmlns:ma14="http://schemas.microsoft.com/office/mac/drawingml/2011/main" val="1"/>
+              <ma14:wrappingTextBoxFlag xmlns:ma14="http://schemas.microsoft.com/office/mac/drawingml/2011/main" xmlns="" val="1"/>
             </a:ext>
           </a:extLst>
         </p:spPr>
@@ -23440,7 +23436,7 @@
           </a:ln>
           <a:extLst>
             <a:ext uri="{C572A759-6A51-4108-AA02-DFA0A04FC94B}">
-              <ma14:wrappingTextBoxFlag xmlns="" xmlns:ma14="http://schemas.microsoft.com/office/mac/drawingml/2011/main" val="1"/>
+              <ma14:wrappingTextBoxFlag xmlns:ma14="http://schemas.microsoft.com/office/mac/drawingml/2011/main" xmlns="" val="1"/>
             </a:ext>
           </a:extLst>
         </p:spPr>
@@ -23479,7 +23475,7 @@
           </a:ln>
           <a:extLst>
             <a:ext uri="{C572A759-6A51-4108-AA02-DFA0A04FC94B}">
-              <ma14:wrappingTextBoxFlag xmlns="" xmlns:ma14="http://schemas.microsoft.com/office/mac/drawingml/2011/main" val="1"/>
+              <ma14:wrappingTextBoxFlag xmlns:ma14="http://schemas.microsoft.com/office/mac/drawingml/2011/main" xmlns="" val="1"/>
             </a:ext>
           </a:extLst>
         </p:spPr>
@@ -23643,7 +23639,7 @@
           </a:ln>
           <a:extLst>
             <a:ext uri="{C572A759-6A51-4108-AA02-DFA0A04FC94B}">
-              <ma14:wrappingTextBoxFlag xmlns="" xmlns:ma14="http://schemas.microsoft.com/office/mac/drawingml/2011/main" val="1"/>
+              <ma14:wrappingTextBoxFlag xmlns:ma14="http://schemas.microsoft.com/office/mac/drawingml/2011/main" xmlns="" val="1"/>
             </a:ext>
           </a:extLst>
         </p:spPr>
@@ -23687,7 +23683,7 @@
           </a:ln>
           <a:extLst>
             <a:ext uri="{C572A759-6A51-4108-AA02-DFA0A04FC94B}">
-              <ma14:wrappingTextBoxFlag xmlns="" xmlns:ma14="http://schemas.microsoft.com/office/mac/drawingml/2011/main" val="1"/>
+              <ma14:wrappingTextBoxFlag xmlns:ma14="http://schemas.microsoft.com/office/mac/drawingml/2011/main" xmlns="" val="1"/>
             </a:ext>
           </a:extLst>
         </p:spPr>
@@ -23732,7 +23728,7 @@
           </a:ln>
           <a:extLst>
             <a:ext uri="{C572A759-6A51-4108-AA02-DFA0A04FC94B}">
-              <ma14:wrappingTextBoxFlag xmlns="" xmlns:ma14="http://schemas.microsoft.com/office/mac/drawingml/2011/main" val="1"/>
+              <ma14:wrappingTextBoxFlag xmlns:ma14="http://schemas.microsoft.com/office/mac/drawingml/2011/main" xmlns="" val="1"/>
             </a:ext>
           </a:extLst>
         </p:spPr>
@@ -23812,7 +23808,7 @@
           </a:ln>
           <a:extLst>
             <a:ext uri="{C572A759-6A51-4108-AA02-DFA0A04FC94B}">
-              <ma14:wrappingTextBoxFlag xmlns="" xmlns:ma14="http://schemas.microsoft.com/office/mac/drawingml/2011/main" val="1"/>
+              <ma14:wrappingTextBoxFlag xmlns:ma14="http://schemas.microsoft.com/office/mac/drawingml/2011/main" xmlns="" val="1"/>
             </a:ext>
           </a:extLst>
         </p:spPr>
@@ -23900,7 +23896,7 @@
           </a:ln>
           <a:extLst>
             <a:ext uri="{C572A759-6A51-4108-AA02-DFA0A04FC94B}">
-              <ma14:wrappingTextBoxFlag xmlns="" xmlns:ma14="http://schemas.microsoft.com/office/mac/drawingml/2011/main" val="1"/>
+              <ma14:wrappingTextBoxFlag xmlns:ma14="http://schemas.microsoft.com/office/mac/drawingml/2011/main" xmlns="" val="1"/>
             </a:ext>
           </a:extLst>
         </p:spPr>
@@ -23945,7 +23941,7 @@
           </a:ln>
           <a:extLst>
             <a:ext uri="{C572A759-6A51-4108-AA02-DFA0A04FC94B}">
-              <ma14:wrappingTextBoxFlag xmlns="" xmlns:ma14="http://schemas.microsoft.com/office/mac/drawingml/2011/main" val="1"/>
+              <ma14:wrappingTextBoxFlag xmlns:ma14="http://schemas.microsoft.com/office/mac/drawingml/2011/main" xmlns="" val="1"/>
             </a:ext>
           </a:extLst>
         </p:spPr>
@@ -23990,7 +23986,7 @@
           </a:ln>
           <a:extLst>
             <a:ext uri="{C572A759-6A51-4108-AA02-DFA0A04FC94B}">
-              <ma14:wrappingTextBoxFlag xmlns="" xmlns:ma14="http://schemas.microsoft.com/office/mac/drawingml/2011/main" val="1"/>
+              <ma14:wrappingTextBoxFlag xmlns:ma14="http://schemas.microsoft.com/office/mac/drawingml/2011/main" xmlns="" val="1"/>
             </a:ext>
           </a:extLst>
         </p:spPr>
@@ -24184,7 +24180,7 @@
           </a:ln>
           <a:extLst>
             <a:ext uri="{C572A759-6A51-4108-AA02-DFA0A04FC94B}">
-              <ma14:wrappingTextBoxFlag xmlns="" xmlns:ma14="http://schemas.microsoft.com/office/mac/drawingml/2011/main" val="1"/>
+              <ma14:wrappingTextBoxFlag xmlns:ma14="http://schemas.microsoft.com/office/mac/drawingml/2011/main" xmlns="" val="1"/>
             </a:ext>
           </a:extLst>
         </p:spPr>
@@ -24307,7 +24303,7 @@
           </a:ln>
           <a:extLst>
             <a:ext uri="{C572A759-6A51-4108-AA02-DFA0A04FC94B}">
-              <ma14:wrappingTextBoxFlag xmlns="" xmlns:ma14="http://schemas.microsoft.com/office/mac/drawingml/2011/main" val="1"/>
+              <ma14:wrappingTextBoxFlag xmlns:ma14="http://schemas.microsoft.com/office/mac/drawingml/2011/main" xmlns="" val="1"/>
             </a:ext>
           </a:extLst>
         </p:spPr>
@@ -24346,7 +24342,7 @@
           </a:ln>
           <a:extLst>
             <a:ext uri="{C572A759-6A51-4108-AA02-DFA0A04FC94B}">
-              <ma14:wrappingTextBoxFlag xmlns="" xmlns:ma14="http://schemas.microsoft.com/office/mac/drawingml/2011/main" val="1"/>
+              <ma14:wrappingTextBoxFlag xmlns:ma14="http://schemas.microsoft.com/office/mac/drawingml/2011/main" xmlns="" val="1"/>
             </a:ext>
           </a:extLst>
         </p:spPr>
@@ -24449,7 +24445,7 @@
           </a:ln>
           <a:extLst>
             <a:ext uri="{C572A759-6A51-4108-AA02-DFA0A04FC94B}">
-              <ma14:wrappingTextBoxFlag xmlns="" xmlns:ma14="http://schemas.microsoft.com/office/mac/drawingml/2011/main" val="1"/>
+              <ma14:wrappingTextBoxFlag xmlns:ma14="http://schemas.microsoft.com/office/mac/drawingml/2011/main" xmlns="" val="1"/>
             </a:ext>
           </a:extLst>
         </p:spPr>
@@ -24493,7 +24489,7 @@
           </a:ln>
           <a:extLst>
             <a:ext uri="{C572A759-6A51-4108-AA02-DFA0A04FC94B}">
-              <ma14:wrappingTextBoxFlag xmlns="" xmlns:ma14="http://schemas.microsoft.com/office/mac/drawingml/2011/main" val="1"/>
+              <ma14:wrappingTextBoxFlag xmlns:ma14="http://schemas.microsoft.com/office/mac/drawingml/2011/main" xmlns="" val="1"/>
             </a:ext>
           </a:extLst>
         </p:spPr>
@@ -24538,7 +24534,7 @@
           </a:ln>
           <a:extLst>
             <a:ext uri="{C572A759-6A51-4108-AA02-DFA0A04FC94B}">
-              <ma14:wrappingTextBoxFlag xmlns="" xmlns:ma14="http://schemas.microsoft.com/office/mac/drawingml/2011/main" val="1"/>
+              <ma14:wrappingTextBoxFlag xmlns:ma14="http://schemas.microsoft.com/office/mac/drawingml/2011/main" xmlns="" val="1"/>
             </a:ext>
           </a:extLst>
         </p:spPr>
@@ -24618,7 +24614,7 @@
           </a:ln>
           <a:extLst>
             <a:ext uri="{C572A759-6A51-4108-AA02-DFA0A04FC94B}">
-              <ma14:wrappingTextBoxFlag xmlns="" xmlns:ma14="http://schemas.microsoft.com/office/mac/drawingml/2011/main" val="1"/>
+              <ma14:wrappingTextBoxFlag xmlns:ma14="http://schemas.microsoft.com/office/mac/drawingml/2011/main" xmlns="" val="1"/>
             </a:ext>
           </a:extLst>
         </p:spPr>
@@ -24706,7 +24702,7 @@
           </a:ln>
           <a:extLst>
             <a:ext uri="{C572A759-6A51-4108-AA02-DFA0A04FC94B}">
-              <ma14:wrappingTextBoxFlag xmlns="" xmlns:ma14="http://schemas.microsoft.com/office/mac/drawingml/2011/main" val="1"/>
+              <ma14:wrappingTextBoxFlag xmlns:ma14="http://schemas.microsoft.com/office/mac/drawingml/2011/main" xmlns="" val="1"/>
             </a:ext>
           </a:extLst>
         </p:spPr>
@@ -24751,7 +24747,7 @@
           </a:ln>
           <a:extLst>
             <a:ext uri="{C572A759-6A51-4108-AA02-DFA0A04FC94B}">
-              <ma14:wrappingTextBoxFlag xmlns="" xmlns:ma14="http://schemas.microsoft.com/office/mac/drawingml/2011/main" val="1"/>
+              <ma14:wrappingTextBoxFlag xmlns:ma14="http://schemas.microsoft.com/office/mac/drawingml/2011/main" xmlns="" val="1"/>
             </a:ext>
           </a:extLst>
         </p:spPr>
@@ -24796,7 +24792,7 @@
           </a:ln>
           <a:extLst>
             <a:ext uri="{C572A759-6A51-4108-AA02-DFA0A04FC94B}">
-              <ma14:wrappingTextBoxFlag xmlns="" xmlns:ma14="http://schemas.microsoft.com/office/mac/drawingml/2011/main" val="1"/>
+              <ma14:wrappingTextBoxFlag xmlns:ma14="http://schemas.microsoft.com/office/mac/drawingml/2011/main" xmlns="" val="1"/>
             </a:ext>
           </a:extLst>
         </p:spPr>
@@ -24990,7 +24986,7 @@
           </a:ln>
           <a:extLst>
             <a:ext uri="{C572A759-6A51-4108-AA02-DFA0A04FC94B}">
-              <ma14:wrappingTextBoxFlag xmlns="" xmlns:ma14="http://schemas.microsoft.com/office/mac/drawingml/2011/main" val="1"/>
+              <ma14:wrappingTextBoxFlag xmlns:ma14="http://schemas.microsoft.com/office/mac/drawingml/2011/main" xmlns="" val="1"/>
             </a:ext>
           </a:extLst>
         </p:spPr>
@@ -25113,7 +25109,7 @@
           </a:ln>
           <a:extLst>
             <a:ext uri="{C572A759-6A51-4108-AA02-DFA0A04FC94B}">
-              <ma14:wrappingTextBoxFlag xmlns="" xmlns:ma14="http://schemas.microsoft.com/office/mac/drawingml/2011/main" val="1"/>
+              <ma14:wrappingTextBoxFlag xmlns:ma14="http://schemas.microsoft.com/office/mac/drawingml/2011/main" xmlns="" val="1"/>
             </a:ext>
           </a:extLst>
         </p:spPr>
@@ -25152,7 +25148,7 @@
           </a:ln>
           <a:extLst>
             <a:ext uri="{C572A759-6A51-4108-AA02-DFA0A04FC94B}">
-              <ma14:wrappingTextBoxFlag xmlns="" xmlns:ma14="http://schemas.microsoft.com/office/mac/drawingml/2011/main" val="1"/>
+              <ma14:wrappingTextBoxFlag xmlns:ma14="http://schemas.microsoft.com/office/mac/drawingml/2011/main" xmlns="" val="1"/>
             </a:ext>
           </a:extLst>
         </p:spPr>
@@ -25255,7 +25251,7 @@
           </a:ln>
           <a:extLst>
             <a:ext uri="{C572A759-6A51-4108-AA02-DFA0A04FC94B}">
-              <ma14:wrappingTextBoxFlag xmlns="" xmlns:ma14="http://schemas.microsoft.com/office/mac/drawingml/2011/main" val="1"/>
+              <ma14:wrappingTextBoxFlag xmlns:ma14="http://schemas.microsoft.com/office/mac/drawingml/2011/main" xmlns="" val="1"/>
             </a:ext>
           </a:extLst>
         </p:spPr>
@@ -25299,7 +25295,7 @@
           </a:ln>
           <a:extLst>
             <a:ext uri="{C572A759-6A51-4108-AA02-DFA0A04FC94B}">
-              <ma14:wrappingTextBoxFlag xmlns="" xmlns:ma14="http://schemas.microsoft.com/office/mac/drawingml/2011/main" val="1"/>
+              <ma14:wrappingTextBoxFlag xmlns:ma14="http://schemas.microsoft.com/office/mac/drawingml/2011/main" xmlns="" val="1"/>
             </a:ext>
           </a:extLst>
         </p:spPr>
@@ -25344,7 +25340,7 @@
           </a:ln>
           <a:extLst>
             <a:ext uri="{C572A759-6A51-4108-AA02-DFA0A04FC94B}">
-              <ma14:wrappingTextBoxFlag xmlns="" xmlns:ma14="http://schemas.microsoft.com/office/mac/drawingml/2011/main" val="1"/>
+              <ma14:wrappingTextBoxFlag xmlns:ma14="http://schemas.microsoft.com/office/mac/drawingml/2011/main" xmlns="" val="1"/>
             </a:ext>
           </a:extLst>
         </p:spPr>
@@ -25424,7 +25420,7 @@
           </a:ln>
           <a:extLst>
             <a:ext uri="{C572A759-6A51-4108-AA02-DFA0A04FC94B}">
-              <ma14:wrappingTextBoxFlag xmlns="" xmlns:ma14="http://schemas.microsoft.com/office/mac/drawingml/2011/main" val="1"/>
+              <ma14:wrappingTextBoxFlag xmlns:ma14="http://schemas.microsoft.com/office/mac/drawingml/2011/main" xmlns="" val="1"/>
             </a:ext>
           </a:extLst>
         </p:spPr>
@@ -25512,7 +25508,7 @@
           </a:ln>
           <a:extLst>
             <a:ext uri="{C572A759-6A51-4108-AA02-DFA0A04FC94B}">
-              <ma14:wrappingTextBoxFlag xmlns="" xmlns:ma14="http://schemas.microsoft.com/office/mac/drawingml/2011/main" val="1"/>
+              <ma14:wrappingTextBoxFlag xmlns:ma14="http://schemas.microsoft.com/office/mac/drawingml/2011/main" xmlns="" val="1"/>
             </a:ext>
           </a:extLst>
         </p:spPr>
@@ -25557,7 +25553,7 @@
           </a:ln>
           <a:extLst>
             <a:ext uri="{C572A759-6A51-4108-AA02-DFA0A04FC94B}">
-              <ma14:wrappingTextBoxFlag xmlns="" xmlns:ma14="http://schemas.microsoft.com/office/mac/drawingml/2011/main" val="1"/>
+              <ma14:wrappingTextBoxFlag xmlns:ma14="http://schemas.microsoft.com/office/mac/drawingml/2011/main" xmlns="" val="1"/>
             </a:ext>
           </a:extLst>
         </p:spPr>
@@ -25602,7 +25598,7 @@
           </a:ln>
           <a:extLst>
             <a:ext uri="{C572A759-6A51-4108-AA02-DFA0A04FC94B}">
-              <ma14:wrappingTextBoxFlag xmlns="" xmlns:ma14="http://schemas.microsoft.com/office/mac/drawingml/2011/main" val="1"/>
+              <ma14:wrappingTextBoxFlag xmlns:ma14="http://schemas.microsoft.com/office/mac/drawingml/2011/main" xmlns="" val="1"/>
             </a:ext>
           </a:extLst>
         </p:spPr>
@@ -25796,7 +25792,7 @@
           </a:ln>
           <a:extLst>
             <a:ext uri="{C572A759-6A51-4108-AA02-DFA0A04FC94B}">
-              <ma14:wrappingTextBoxFlag xmlns="" xmlns:ma14="http://schemas.microsoft.com/office/mac/drawingml/2011/main" val="1"/>
+              <ma14:wrappingTextBoxFlag xmlns:ma14="http://schemas.microsoft.com/office/mac/drawingml/2011/main" xmlns="" val="1"/>
             </a:ext>
           </a:extLst>
         </p:spPr>
@@ -25919,7 +25915,7 @@
           </a:ln>
           <a:extLst>
             <a:ext uri="{C572A759-6A51-4108-AA02-DFA0A04FC94B}">
-              <ma14:wrappingTextBoxFlag xmlns="" xmlns:ma14="http://schemas.microsoft.com/office/mac/drawingml/2011/main" val="1"/>
+              <ma14:wrappingTextBoxFlag xmlns:ma14="http://schemas.microsoft.com/office/mac/drawingml/2011/main" xmlns="" val="1"/>
             </a:ext>
           </a:extLst>
         </p:spPr>
@@ -25958,7 +25954,7 @@
           </a:ln>
           <a:extLst>
             <a:ext uri="{C572A759-6A51-4108-AA02-DFA0A04FC94B}">
-              <ma14:wrappingTextBoxFlag xmlns="" xmlns:ma14="http://schemas.microsoft.com/office/mac/drawingml/2011/main" val="1"/>
+              <ma14:wrappingTextBoxFlag xmlns:ma14="http://schemas.microsoft.com/office/mac/drawingml/2011/main" xmlns="" val="1"/>
             </a:ext>
           </a:extLst>
         </p:spPr>
@@ -26035,7 +26031,7 @@
           </a:ln>
           <a:extLst>
             <a:ext uri="{C572A759-6A51-4108-AA02-DFA0A04FC94B}">
-              <ma14:wrappingTextBoxFlag xmlns="" xmlns:ma14="http://schemas.microsoft.com/office/mac/drawingml/2011/main" val="1"/>
+              <ma14:wrappingTextBoxFlag xmlns:ma14="http://schemas.microsoft.com/office/mac/drawingml/2011/main" xmlns="" val="1"/>
             </a:ext>
           </a:extLst>
         </p:spPr>
@@ -26138,7 +26134,7 @@
           </a:ln>
           <a:extLst>
             <a:ext uri="{C572A759-6A51-4108-AA02-DFA0A04FC94B}">
-              <ma14:wrappingTextBoxFlag xmlns="" xmlns:ma14="http://schemas.microsoft.com/office/mac/drawingml/2011/main" val="1"/>
+              <ma14:wrappingTextBoxFlag xmlns:ma14="http://schemas.microsoft.com/office/mac/drawingml/2011/main" xmlns="" val="1"/>
             </a:ext>
           </a:extLst>
         </p:spPr>
@@ -26182,7 +26178,7 @@
           </a:ln>
           <a:extLst>
             <a:ext uri="{C572A759-6A51-4108-AA02-DFA0A04FC94B}">
-              <ma14:wrappingTextBoxFlag xmlns="" xmlns:ma14="http://schemas.microsoft.com/office/mac/drawingml/2011/main" val="1"/>
+              <ma14:wrappingTextBoxFlag xmlns:ma14="http://schemas.microsoft.com/office/mac/drawingml/2011/main" xmlns="" val="1"/>
             </a:ext>
           </a:extLst>
         </p:spPr>
@@ -26227,7 +26223,7 @@
           </a:ln>
           <a:extLst>
             <a:ext uri="{C572A759-6A51-4108-AA02-DFA0A04FC94B}">
-              <ma14:wrappingTextBoxFlag xmlns="" xmlns:ma14="http://schemas.microsoft.com/office/mac/drawingml/2011/main" val="1"/>
+              <ma14:wrappingTextBoxFlag xmlns:ma14="http://schemas.microsoft.com/office/mac/drawingml/2011/main" xmlns="" val="1"/>
             </a:ext>
           </a:extLst>
         </p:spPr>
@@ -26307,7 +26303,7 @@
           </a:ln>
           <a:extLst>
             <a:ext uri="{C572A759-6A51-4108-AA02-DFA0A04FC94B}">
-              <ma14:wrappingTextBoxFlag xmlns="" xmlns:ma14="http://schemas.microsoft.com/office/mac/drawingml/2011/main" val="1"/>
+              <ma14:wrappingTextBoxFlag xmlns:ma14="http://schemas.microsoft.com/office/mac/drawingml/2011/main" xmlns="" val="1"/>
             </a:ext>
           </a:extLst>
         </p:spPr>
@@ -26395,7 +26391,7 @@
           </a:ln>
           <a:extLst>
             <a:ext uri="{C572A759-6A51-4108-AA02-DFA0A04FC94B}">
-              <ma14:wrappingTextBoxFlag xmlns="" xmlns:ma14="http://schemas.microsoft.com/office/mac/drawingml/2011/main" val="1"/>
+              <ma14:wrappingTextBoxFlag xmlns:ma14="http://schemas.microsoft.com/office/mac/drawingml/2011/main" xmlns="" val="1"/>
             </a:ext>
           </a:extLst>
         </p:spPr>
@@ -26440,7 +26436,7 @@
           </a:ln>
           <a:extLst>
             <a:ext uri="{C572A759-6A51-4108-AA02-DFA0A04FC94B}">
-              <ma14:wrappingTextBoxFlag xmlns="" xmlns:ma14="http://schemas.microsoft.com/office/mac/drawingml/2011/main" val="1"/>
+              <ma14:wrappingTextBoxFlag xmlns:ma14="http://schemas.microsoft.com/office/mac/drawingml/2011/main" xmlns="" val="1"/>
             </a:ext>
           </a:extLst>
         </p:spPr>
@@ -26485,7 +26481,7 @@
           </a:ln>
           <a:extLst>
             <a:ext uri="{C572A759-6A51-4108-AA02-DFA0A04FC94B}">
-              <ma14:wrappingTextBoxFlag xmlns="" xmlns:ma14="http://schemas.microsoft.com/office/mac/drawingml/2011/main" val="1"/>
+              <ma14:wrappingTextBoxFlag xmlns:ma14="http://schemas.microsoft.com/office/mac/drawingml/2011/main" xmlns="" val="1"/>
             </a:ext>
           </a:extLst>
         </p:spPr>
@@ -26679,7 +26675,7 @@
           </a:ln>
           <a:extLst>
             <a:ext uri="{C572A759-6A51-4108-AA02-DFA0A04FC94B}">
-              <ma14:wrappingTextBoxFlag xmlns="" xmlns:ma14="http://schemas.microsoft.com/office/mac/drawingml/2011/main" val="1"/>
+              <ma14:wrappingTextBoxFlag xmlns:ma14="http://schemas.microsoft.com/office/mac/drawingml/2011/main" xmlns="" val="1"/>
             </a:ext>
           </a:extLst>
         </p:spPr>
@@ -26802,7 +26798,7 @@
           </a:ln>
           <a:extLst>
             <a:ext uri="{C572A759-6A51-4108-AA02-DFA0A04FC94B}">
-              <ma14:wrappingTextBoxFlag xmlns="" xmlns:ma14="http://schemas.microsoft.com/office/mac/drawingml/2011/main" val="1"/>
+              <ma14:wrappingTextBoxFlag xmlns:ma14="http://schemas.microsoft.com/office/mac/drawingml/2011/main" xmlns="" val="1"/>
             </a:ext>
           </a:extLst>
         </p:spPr>
@@ -26841,7 +26837,7 @@
           </a:ln>
           <a:extLst>
             <a:ext uri="{C572A759-6A51-4108-AA02-DFA0A04FC94B}">
-              <ma14:wrappingTextBoxFlag xmlns="" xmlns:ma14="http://schemas.microsoft.com/office/mac/drawingml/2011/main" val="1"/>
+              <ma14:wrappingTextBoxFlag xmlns:ma14="http://schemas.microsoft.com/office/mac/drawingml/2011/main" xmlns="" val="1"/>
             </a:ext>
           </a:extLst>
         </p:spPr>
@@ -26918,7 +26914,7 @@
           </a:ln>
           <a:extLst>
             <a:ext uri="{C572A759-6A51-4108-AA02-DFA0A04FC94B}">
-              <ma14:wrappingTextBoxFlag xmlns="" xmlns:ma14="http://schemas.microsoft.com/office/mac/drawingml/2011/main" val="1"/>
+              <ma14:wrappingTextBoxFlag xmlns:ma14="http://schemas.microsoft.com/office/mac/drawingml/2011/main" xmlns="" val="1"/>
             </a:ext>
           </a:extLst>
         </p:spPr>
@@ -27021,7 +27017,7 @@
           </a:ln>
           <a:extLst>
             <a:ext uri="{C572A759-6A51-4108-AA02-DFA0A04FC94B}">
-              <ma14:wrappingTextBoxFlag xmlns="" xmlns:ma14="http://schemas.microsoft.com/office/mac/drawingml/2011/main" val="1"/>
+              <ma14:wrappingTextBoxFlag xmlns:ma14="http://schemas.microsoft.com/office/mac/drawingml/2011/main" xmlns="" val="1"/>
             </a:ext>
           </a:extLst>
         </p:spPr>
@@ -27065,7 +27061,7 @@
           </a:ln>
           <a:extLst>
             <a:ext uri="{C572A759-6A51-4108-AA02-DFA0A04FC94B}">
-              <ma14:wrappingTextBoxFlag xmlns="" xmlns:ma14="http://schemas.microsoft.com/office/mac/drawingml/2011/main" val="1"/>
+              <ma14:wrappingTextBoxFlag xmlns:ma14="http://schemas.microsoft.com/office/mac/drawingml/2011/main" xmlns="" val="1"/>
             </a:ext>
           </a:extLst>
         </p:spPr>
@@ -27110,7 +27106,7 @@
           </a:ln>
           <a:extLst>
             <a:ext uri="{C572A759-6A51-4108-AA02-DFA0A04FC94B}">
-              <ma14:wrappingTextBoxFlag xmlns="" xmlns:ma14="http://schemas.microsoft.com/office/mac/drawingml/2011/main" val="1"/>
+              <ma14:wrappingTextBoxFlag xmlns:ma14="http://schemas.microsoft.com/office/mac/drawingml/2011/main" xmlns="" val="1"/>
             </a:ext>
           </a:extLst>
         </p:spPr>
@@ -27190,7 +27186,7 @@
           </a:ln>
           <a:extLst>
             <a:ext uri="{C572A759-6A51-4108-AA02-DFA0A04FC94B}">
-              <ma14:wrappingTextBoxFlag xmlns="" xmlns:ma14="http://schemas.microsoft.com/office/mac/drawingml/2011/main" val="1"/>
+              <ma14:wrappingTextBoxFlag xmlns:ma14="http://schemas.microsoft.com/office/mac/drawingml/2011/main" xmlns="" val="1"/>
             </a:ext>
           </a:extLst>
         </p:spPr>
@@ -27278,7 +27274,7 @@
           </a:ln>
           <a:extLst>
             <a:ext uri="{C572A759-6A51-4108-AA02-DFA0A04FC94B}">
-              <ma14:wrappingTextBoxFlag xmlns="" xmlns:ma14="http://schemas.microsoft.com/office/mac/drawingml/2011/main" val="1"/>
+              <ma14:wrappingTextBoxFlag xmlns:ma14="http://schemas.microsoft.com/office/mac/drawingml/2011/main" xmlns="" val="1"/>
             </a:ext>
           </a:extLst>
         </p:spPr>
@@ -27323,7 +27319,7 @@
           </a:ln>
           <a:extLst>
             <a:ext uri="{C572A759-6A51-4108-AA02-DFA0A04FC94B}">
-              <ma14:wrappingTextBoxFlag xmlns="" xmlns:ma14="http://schemas.microsoft.com/office/mac/drawingml/2011/main" val="1"/>
+              <ma14:wrappingTextBoxFlag xmlns:ma14="http://schemas.microsoft.com/office/mac/drawingml/2011/main" xmlns="" val="1"/>
             </a:ext>
           </a:extLst>
         </p:spPr>
@@ -27368,7 +27364,7 @@
           </a:ln>
           <a:extLst>
             <a:ext uri="{C572A759-6A51-4108-AA02-DFA0A04FC94B}">
-              <ma14:wrappingTextBoxFlag xmlns="" xmlns:ma14="http://schemas.microsoft.com/office/mac/drawingml/2011/main" val="1"/>
+              <ma14:wrappingTextBoxFlag xmlns:ma14="http://schemas.microsoft.com/office/mac/drawingml/2011/main" xmlns="" val="1"/>
             </a:ext>
           </a:extLst>
         </p:spPr>
@@ -27524,7 +27520,7 @@
           </a:ln>
           <a:extLst>
             <a:ext uri="{C572A759-6A51-4108-AA02-DFA0A04FC94B}">
-              <ma14:wrappingTextBoxFlag xmlns="" xmlns:ma14="http://schemas.microsoft.com/office/mac/drawingml/2011/main" val="1"/>
+              <ma14:wrappingTextBoxFlag xmlns:ma14="http://schemas.microsoft.com/office/mac/drawingml/2011/main" xmlns="" val="1"/>
             </a:ext>
           </a:extLst>
         </p:spPr>
@@ -27647,7 +27643,7 @@
           </a:ln>
           <a:extLst>
             <a:ext uri="{C572A759-6A51-4108-AA02-DFA0A04FC94B}">
-              <ma14:wrappingTextBoxFlag xmlns="" xmlns:ma14="http://schemas.microsoft.com/office/mac/drawingml/2011/main" val="1"/>
+              <ma14:wrappingTextBoxFlag xmlns:ma14="http://schemas.microsoft.com/office/mac/drawingml/2011/main" xmlns="" val="1"/>
             </a:ext>
           </a:extLst>
         </p:spPr>
@@ -27686,7 +27682,7 @@
           </a:ln>
           <a:extLst>
             <a:ext uri="{C572A759-6A51-4108-AA02-DFA0A04FC94B}">
-              <ma14:wrappingTextBoxFlag xmlns="" xmlns:ma14="http://schemas.microsoft.com/office/mac/drawingml/2011/main" val="1"/>
+              <ma14:wrappingTextBoxFlag xmlns:ma14="http://schemas.microsoft.com/office/mac/drawingml/2011/main" xmlns="" val="1"/>
             </a:ext>
           </a:extLst>
         </p:spPr>
@@ -27763,7 +27759,7 @@
           </a:ln>
           <a:extLst>
             <a:ext uri="{C572A759-6A51-4108-AA02-DFA0A04FC94B}">
-              <ma14:wrappingTextBoxFlag xmlns="" xmlns:ma14="http://schemas.microsoft.com/office/mac/drawingml/2011/main" val="1"/>
+              <ma14:wrappingTextBoxFlag xmlns:ma14="http://schemas.microsoft.com/office/mac/drawingml/2011/main" xmlns="" val="1"/>
             </a:ext>
           </a:extLst>
         </p:spPr>
@@ -27962,7 +27958,7 @@
           </a:ln>
           <a:extLst>
             <a:ext uri="{C572A759-6A51-4108-AA02-DFA0A04FC94B}">
-              <ma14:wrappingTextBoxFlag xmlns="" xmlns:ma14="http://schemas.microsoft.com/office/mac/drawingml/2011/main" val="1"/>
+              <ma14:wrappingTextBoxFlag xmlns:ma14="http://schemas.microsoft.com/office/mac/drawingml/2011/main" xmlns="" val="1"/>
             </a:ext>
           </a:extLst>
         </p:spPr>
@@ -28006,7 +28002,7 @@
           </a:ln>
           <a:extLst>
             <a:ext uri="{C572A759-6A51-4108-AA02-DFA0A04FC94B}">
-              <ma14:wrappingTextBoxFlag xmlns="" xmlns:ma14="http://schemas.microsoft.com/office/mac/drawingml/2011/main" val="1"/>
+              <ma14:wrappingTextBoxFlag xmlns:ma14="http://schemas.microsoft.com/office/mac/drawingml/2011/main" xmlns="" val="1"/>
             </a:ext>
           </a:extLst>
         </p:spPr>
@@ -28051,7 +28047,7 @@
           </a:ln>
           <a:extLst>
             <a:ext uri="{C572A759-6A51-4108-AA02-DFA0A04FC94B}">
-              <ma14:wrappingTextBoxFlag xmlns="" xmlns:ma14="http://schemas.microsoft.com/office/mac/drawingml/2011/main" val="1"/>
+              <ma14:wrappingTextBoxFlag xmlns:ma14="http://schemas.microsoft.com/office/mac/drawingml/2011/main" xmlns="" val="1"/>
             </a:ext>
           </a:extLst>
         </p:spPr>
@@ -28131,7 +28127,7 @@
           </a:ln>
           <a:extLst>
             <a:ext uri="{C572A759-6A51-4108-AA02-DFA0A04FC94B}">
-              <ma14:wrappingTextBoxFlag xmlns="" xmlns:ma14="http://schemas.microsoft.com/office/mac/drawingml/2011/main" val="1"/>
+              <ma14:wrappingTextBoxFlag xmlns:ma14="http://schemas.microsoft.com/office/mac/drawingml/2011/main" xmlns="" val="1"/>
             </a:ext>
           </a:extLst>
         </p:spPr>
@@ -28219,7 +28215,7 @@
           </a:ln>
           <a:extLst>
             <a:ext uri="{C572A759-6A51-4108-AA02-DFA0A04FC94B}">
-              <ma14:wrappingTextBoxFlag xmlns="" xmlns:ma14="http://schemas.microsoft.com/office/mac/drawingml/2011/main" val="1"/>
+              <ma14:wrappingTextBoxFlag xmlns:ma14="http://schemas.microsoft.com/office/mac/drawingml/2011/main" xmlns="" val="1"/>
             </a:ext>
           </a:extLst>
         </p:spPr>
@@ -28264,7 +28260,7 @@
           </a:ln>
           <a:extLst>
             <a:ext uri="{C572A759-6A51-4108-AA02-DFA0A04FC94B}">
-              <ma14:wrappingTextBoxFlag xmlns="" xmlns:ma14="http://schemas.microsoft.com/office/mac/drawingml/2011/main" val="1"/>
+              <ma14:wrappingTextBoxFlag xmlns:ma14="http://schemas.microsoft.com/office/mac/drawingml/2011/main" xmlns="" val="1"/>
             </a:ext>
           </a:extLst>
         </p:spPr>
@@ -28382,7 +28378,7 @@
           </a:ln>
           <a:extLst>
             <a:ext uri="{C572A759-6A51-4108-AA02-DFA0A04FC94B}">
-              <ma14:wrappingTextBoxFlag xmlns="" xmlns:ma14="http://schemas.microsoft.com/office/mac/drawingml/2011/main" val="1"/>
+              <ma14:wrappingTextBoxFlag xmlns:ma14="http://schemas.microsoft.com/office/mac/drawingml/2011/main" xmlns="" val="1"/>
             </a:ext>
           </a:extLst>
         </p:spPr>
@@ -28505,7 +28501,7 @@
           </a:ln>
           <a:extLst>
             <a:ext uri="{C572A759-6A51-4108-AA02-DFA0A04FC94B}">
-              <ma14:wrappingTextBoxFlag xmlns="" xmlns:ma14="http://schemas.microsoft.com/office/mac/drawingml/2011/main" val="1"/>
+              <ma14:wrappingTextBoxFlag xmlns:ma14="http://schemas.microsoft.com/office/mac/drawingml/2011/main" xmlns="" val="1"/>
             </a:ext>
           </a:extLst>
         </p:spPr>
@@ -28544,7 +28540,7 @@
           </a:ln>
           <a:extLst>
             <a:ext uri="{C572A759-6A51-4108-AA02-DFA0A04FC94B}">
-              <ma14:wrappingTextBoxFlag xmlns="" xmlns:ma14="http://schemas.microsoft.com/office/mac/drawingml/2011/main" val="1"/>
+              <ma14:wrappingTextBoxFlag xmlns:ma14="http://schemas.microsoft.com/office/mac/drawingml/2011/main" xmlns="" val="1"/>
             </a:ext>
           </a:extLst>
         </p:spPr>
@@ -28743,7 +28739,7 @@
           </a:ln>
           <a:extLst>
             <a:ext uri="{C572A759-6A51-4108-AA02-DFA0A04FC94B}">
-              <ma14:wrappingTextBoxFlag xmlns="" xmlns:ma14="http://schemas.microsoft.com/office/mac/drawingml/2011/main" val="1"/>
+              <ma14:wrappingTextBoxFlag xmlns:ma14="http://schemas.microsoft.com/office/mac/drawingml/2011/main" xmlns="" val="1"/>
             </a:ext>
           </a:extLst>
         </p:spPr>
@@ -28787,7 +28783,7 @@
           </a:ln>
           <a:extLst>
             <a:ext uri="{C572A759-6A51-4108-AA02-DFA0A04FC94B}">
-              <ma14:wrappingTextBoxFlag xmlns="" xmlns:ma14="http://schemas.microsoft.com/office/mac/drawingml/2011/main" val="1"/>
+              <ma14:wrappingTextBoxFlag xmlns:ma14="http://schemas.microsoft.com/office/mac/drawingml/2011/main" xmlns="" val="1"/>
             </a:ext>
           </a:extLst>
         </p:spPr>
@@ -28832,7 +28828,7 @@
           </a:ln>
           <a:extLst>
             <a:ext uri="{C572A759-6A51-4108-AA02-DFA0A04FC94B}">
-              <ma14:wrappingTextBoxFlag xmlns="" xmlns:ma14="http://schemas.microsoft.com/office/mac/drawingml/2011/main" val="1"/>
+              <ma14:wrappingTextBoxFlag xmlns:ma14="http://schemas.microsoft.com/office/mac/drawingml/2011/main" xmlns="" val="1"/>
             </a:ext>
           </a:extLst>
         </p:spPr>
@@ -28912,7 +28908,7 @@
           </a:ln>
           <a:extLst>
             <a:ext uri="{C572A759-6A51-4108-AA02-DFA0A04FC94B}">
-              <ma14:wrappingTextBoxFlag xmlns="" xmlns:ma14="http://schemas.microsoft.com/office/mac/drawingml/2011/main" val="1"/>
+              <ma14:wrappingTextBoxFlag xmlns:ma14="http://schemas.microsoft.com/office/mac/drawingml/2011/main" xmlns="" val="1"/>
             </a:ext>
           </a:extLst>
         </p:spPr>
@@ -29000,7 +28996,7 @@
           </a:ln>
           <a:extLst>
             <a:ext uri="{C572A759-6A51-4108-AA02-DFA0A04FC94B}">
-              <ma14:wrappingTextBoxFlag xmlns="" xmlns:ma14="http://schemas.microsoft.com/office/mac/drawingml/2011/main" val="1"/>
+              <ma14:wrappingTextBoxFlag xmlns:ma14="http://schemas.microsoft.com/office/mac/drawingml/2011/main" xmlns="" val="1"/>
             </a:ext>
           </a:extLst>
         </p:spPr>
@@ -29045,7 +29041,7 @@
           </a:ln>
           <a:extLst>
             <a:ext uri="{C572A759-6A51-4108-AA02-DFA0A04FC94B}">
-              <ma14:wrappingTextBoxFlag xmlns="" xmlns:ma14="http://schemas.microsoft.com/office/mac/drawingml/2011/main" val="1"/>
+              <ma14:wrappingTextBoxFlag xmlns:ma14="http://schemas.microsoft.com/office/mac/drawingml/2011/main" xmlns="" val="1"/>
             </a:ext>
           </a:extLst>
         </p:spPr>
@@ -29163,7 +29159,7 @@
           </a:ln>
           <a:extLst>
             <a:ext uri="{C572A759-6A51-4108-AA02-DFA0A04FC94B}">
-              <ma14:wrappingTextBoxFlag xmlns="" xmlns:ma14="http://schemas.microsoft.com/office/mac/drawingml/2011/main" val="1"/>
+              <ma14:wrappingTextBoxFlag xmlns:ma14="http://schemas.microsoft.com/office/mac/drawingml/2011/main" xmlns="" val="1"/>
             </a:ext>
           </a:extLst>
         </p:spPr>
@@ -29248,7 +29244,7 @@
           </a:ln>
           <a:extLst>
             <a:ext uri="{C572A759-6A51-4108-AA02-DFA0A04FC94B}">
-              <ma14:wrappingTextBoxFlag xmlns="" xmlns:ma14="http://schemas.microsoft.com/office/mac/drawingml/2011/main" val="1"/>
+              <ma14:wrappingTextBoxFlag xmlns:ma14="http://schemas.microsoft.com/office/mac/drawingml/2011/main" xmlns="" val="1"/>
             </a:ext>
           </a:extLst>
         </p:spPr>
@@ -29363,7 +29359,7 @@
           </a:ln>
           <a:extLst>
             <a:ext uri="{C572A759-6A51-4108-AA02-DFA0A04FC94B}">
-              <ma14:wrappingTextBoxFlag xmlns="" xmlns:ma14="http://schemas.microsoft.com/office/mac/drawingml/2011/main" val="1"/>
+              <ma14:wrappingTextBoxFlag xmlns:ma14="http://schemas.microsoft.com/office/mac/drawingml/2011/main" xmlns="" val="1"/>
             </a:ext>
           </a:extLst>
         </p:spPr>
@@ -29466,7 +29462,7 @@
           </a:ln>
           <a:extLst>
             <a:ext uri="{C572A759-6A51-4108-AA02-DFA0A04FC94B}">
-              <ma14:wrappingTextBoxFlag xmlns="" xmlns:ma14="http://schemas.microsoft.com/office/mac/drawingml/2011/main" val="1"/>
+              <ma14:wrappingTextBoxFlag xmlns:ma14="http://schemas.microsoft.com/office/mac/drawingml/2011/main" xmlns="" val="1"/>
             </a:ext>
           </a:extLst>
         </p:spPr>
@@ -29510,7 +29506,7 @@
           </a:ln>
           <a:extLst>
             <a:ext uri="{C572A759-6A51-4108-AA02-DFA0A04FC94B}">
-              <ma14:wrappingTextBoxFlag xmlns="" xmlns:ma14="http://schemas.microsoft.com/office/mac/drawingml/2011/main" val="1"/>
+              <ma14:wrappingTextBoxFlag xmlns:ma14="http://schemas.microsoft.com/office/mac/drawingml/2011/main" xmlns="" val="1"/>
             </a:ext>
           </a:extLst>
         </p:spPr>
@@ -29555,7 +29551,7 @@
           </a:ln>
           <a:extLst>
             <a:ext uri="{C572A759-6A51-4108-AA02-DFA0A04FC94B}">
-              <ma14:wrappingTextBoxFlag xmlns="" xmlns:ma14="http://schemas.microsoft.com/office/mac/drawingml/2011/main" val="1"/>
+              <ma14:wrappingTextBoxFlag xmlns:ma14="http://schemas.microsoft.com/office/mac/drawingml/2011/main" xmlns="" val="1"/>
             </a:ext>
           </a:extLst>
         </p:spPr>
@@ -29635,7 +29631,7 @@
           </a:ln>
           <a:extLst>
             <a:ext uri="{C572A759-6A51-4108-AA02-DFA0A04FC94B}">
-              <ma14:wrappingTextBoxFlag xmlns="" xmlns:ma14="http://schemas.microsoft.com/office/mac/drawingml/2011/main" val="1"/>
+              <ma14:wrappingTextBoxFlag xmlns:ma14="http://schemas.microsoft.com/office/mac/drawingml/2011/main" xmlns="" val="1"/>
             </a:ext>
           </a:extLst>
         </p:spPr>
@@ -29723,7 +29719,7 @@
           </a:ln>
           <a:extLst>
             <a:ext uri="{C572A759-6A51-4108-AA02-DFA0A04FC94B}">
-              <ma14:wrappingTextBoxFlag xmlns="" xmlns:ma14="http://schemas.microsoft.com/office/mac/drawingml/2011/main" val="1"/>
+              <ma14:wrappingTextBoxFlag xmlns:ma14="http://schemas.microsoft.com/office/mac/drawingml/2011/main" xmlns="" val="1"/>
             </a:ext>
           </a:extLst>
         </p:spPr>
@@ -29768,7 +29764,7 @@
           </a:ln>
           <a:extLst>
             <a:ext uri="{C572A759-6A51-4108-AA02-DFA0A04FC94B}">
-              <ma14:wrappingTextBoxFlag xmlns="" xmlns:ma14="http://schemas.microsoft.com/office/mac/drawingml/2011/main" val="1"/>
+              <ma14:wrappingTextBoxFlag xmlns:ma14="http://schemas.microsoft.com/office/mac/drawingml/2011/main" xmlns="" val="1"/>
             </a:ext>
           </a:extLst>
         </p:spPr>
@@ -29886,7 +29882,7 @@
           </a:ln>
           <a:extLst>
             <a:ext uri="{C572A759-6A51-4108-AA02-DFA0A04FC94B}">
-              <ma14:wrappingTextBoxFlag xmlns="" xmlns:ma14="http://schemas.microsoft.com/office/mac/drawingml/2011/main" val="1"/>
+              <ma14:wrappingTextBoxFlag xmlns:ma14="http://schemas.microsoft.com/office/mac/drawingml/2011/main" xmlns="" val="1"/>
             </a:ext>
           </a:extLst>
         </p:spPr>
@@ -30035,7 +30031,7 @@
           </a:ln>
           <a:extLst>
             <a:ext uri="{C572A759-6A51-4108-AA02-DFA0A04FC94B}">
-              <ma14:wrappingTextBoxFlag xmlns="" xmlns:ma14="http://schemas.microsoft.com/office/mac/drawingml/2011/main" val="1"/>
+              <ma14:wrappingTextBoxFlag xmlns:ma14="http://schemas.microsoft.com/office/mac/drawingml/2011/main" xmlns="" val="1"/>
             </a:ext>
           </a:extLst>
         </p:spPr>
@@ -30079,7 +30075,7 @@
           </a:ln>
           <a:extLst>
             <a:ext uri="{C572A759-6A51-4108-AA02-DFA0A04FC94B}">
-              <ma14:wrappingTextBoxFlag xmlns="" xmlns:ma14="http://schemas.microsoft.com/office/mac/drawingml/2011/main" val="1"/>
+              <ma14:wrappingTextBoxFlag xmlns:ma14="http://schemas.microsoft.com/office/mac/drawingml/2011/main" xmlns="" val="1"/>
             </a:ext>
           </a:extLst>
         </p:spPr>
@@ -30124,7 +30120,7 @@
           </a:ln>
           <a:extLst>
             <a:ext uri="{C572A759-6A51-4108-AA02-DFA0A04FC94B}">
-              <ma14:wrappingTextBoxFlag xmlns="" xmlns:ma14="http://schemas.microsoft.com/office/mac/drawingml/2011/main" val="1"/>
+              <ma14:wrappingTextBoxFlag xmlns:ma14="http://schemas.microsoft.com/office/mac/drawingml/2011/main" xmlns="" val="1"/>
             </a:ext>
           </a:extLst>
         </p:spPr>
@@ -30204,7 +30200,7 @@
           </a:ln>
           <a:extLst>
             <a:ext uri="{C572A759-6A51-4108-AA02-DFA0A04FC94B}">
-              <ma14:wrappingTextBoxFlag xmlns="" xmlns:ma14="http://schemas.microsoft.com/office/mac/drawingml/2011/main" val="1"/>
+              <ma14:wrappingTextBoxFlag xmlns:ma14="http://schemas.microsoft.com/office/mac/drawingml/2011/main" xmlns="" val="1"/>
             </a:ext>
           </a:extLst>
         </p:spPr>
@@ -30292,7 +30288,7 @@
           </a:ln>
           <a:extLst>
             <a:ext uri="{C572A759-6A51-4108-AA02-DFA0A04FC94B}">
-              <ma14:wrappingTextBoxFlag xmlns="" xmlns:ma14="http://schemas.microsoft.com/office/mac/drawingml/2011/main" val="1"/>
+              <ma14:wrappingTextBoxFlag xmlns:ma14="http://schemas.microsoft.com/office/mac/drawingml/2011/main" xmlns="" val="1"/>
             </a:ext>
           </a:extLst>
         </p:spPr>
@@ -30337,7 +30333,7 @@
           </a:ln>
           <a:extLst>
             <a:ext uri="{C572A759-6A51-4108-AA02-DFA0A04FC94B}">
-              <ma14:wrappingTextBoxFlag xmlns="" xmlns:ma14="http://schemas.microsoft.com/office/mac/drawingml/2011/main" val="1"/>
+              <ma14:wrappingTextBoxFlag xmlns:ma14="http://schemas.microsoft.com/office/mac/drawingml/2011/main" xmlns="" val="1"/>
             </a:ext>
           </a:extLst>
         </p:spPr>
@@ -30382,7 +30378,7 @@
           </a:ln>
           <a:extLst>
             <a:ext uri="{C572A759-6A51-4108-AA02-DFA0A04FC94B}">
-              <ma14:wrappingTextBoxFlag xmlns="" xmlns:ma14="http://schemas.microsoft.com/office/mac/drawingml/2011/main" val="1"/>
+              <ma14:wrappingTextBoxFlag xmlns:ma14="http://schemas.microsoft.com/office/mac/drawingml/2011/main" xmlns="" val="1"/>
             </a:ext>
           </a:extLst>
         </p:spPr>
@@ -30462,7 +30458,7 @@
           </a:ln>
           <a:extLst>
             <a:ext uri="{C572A759-6A51-4108-AA02-DFA0A04FC94B}">
-              <ma14:wrappingTextBoxFlag xmlns="" xmlns:ma14="http://schemas.microsoft.com/office/mac/drawingml/2011/main" val="1"/>
+              <ma14:wrappingTextBoxFlag xmlns:ma14="http://schemas.microsoft.com/office/mac/drawingml/2011/main" xmlns="" val="1"/>
             </a:ext>
           </a:extLst>
         </p:spPr>
@@ -30839,7 +30835,7 @@
           </a:ln>
           <a:extLst>
             <a:ext uri="{C572A759-6A51-4108-AA02-DFA0A04FC94B}">
-              <ma14:wrappingTextBoxFlag xmlns="" xmlns:ma14="http://schemas.microsoft.com/office/mac/drawingml/2011/main" val="1"/>
+              <ma14:wrappingTextBoxFlag xmlns:ma14="http://schemas.microsoft.com/office/mac/drawingml/2011/main" xmlns="" val="1"/>
             </a:ext>
           </a:extLst>
         </p:spPr>
@@ -30883,7 +30879,7 @@
           </a:ln>
           <a:extLst>
             <a:ext uri="{C572A759-6A51-4108-AA02-DFA0A04FC94B}">
-              <ma14:wrappingTextBoxFlag xmlns="" xmlns:ma14="http://schemas.microsoft.com/office/mac/drawingml/2011/main" val="1"/>
+              <ma14:wrappingTextBoxFlag xmlns:ma14="http://schemas.microsoft.com/office/mac/drawingml/2011/main" xmlns="" val="1"/>
             </a:ext>
           </a:extLst>
         </p:spPr>
@@ -30928,7 +30924,7 @@
           </a:ln>
           <a:extLst>
             <a:ext uri="{C572A759-6A51-4108-AA02-DFA0A04FC94B}">
-              <ma14:wrappingTextBoxFlag xmlns="" xmlns:ma14="http://schemas.microsoft.com/office/mac/drawingml/2011/main" val="1"/>
+              <ma14:wrappingTextBoxFlag xmlns:ma14="http://schemas.microsoft.com/office/mac/drawingml/2011/main" xmlns="" val="1"/>
             </a:ext>
           </a:extLst>
         </p:spPr>
@@ -31008,7 +31004,7 @@
           </a:ln>
           <a:extLst>
             <a:ext uri="{C572A759-6A51-4108-AA02-DFA0A04FC94B}">
-              <ma14:wrappingTextBoxFlag xmlns="" xmlns:ma14="http://schemas.microsoft.com/office/mac/drawingml/2011/main" val="1"/>
+              <ma14:wrappingTextBoxFlag xmlns:ma14="http://schemas.microsoft.com/office/mac/drawingml/2011/main" xmlns="" val="1"/>
             </a:ext>
           </a:extLst>
         </p:spPr>
@@ -31096,7 +31092,7 @@
           </a:ln>
           <a:extLst>
             <a:ext uri="{C572A759-6A51-4108-AA02-DFA0A04FC94B}">
-              <ma14:wrappingTextBoxFlag xmlns="" xmlns:ma14="http://schemas.microsoft.com/office/mac/drawingml/2011/main" val="1"/>
+              <ma14:wrappingTextBoxFlag xmlns:ma14="http://schemas.microsoft.com/office/mac/drawingml/2011/main" xmlns="" val="1"/>
             </a:ext>
           </a:extLst>
         </p:spPr>
@@ -31141,7 +31137,7 @@
           </a:ln>
           <a:extLst>
             <a:ext uri="{C572A759-6A51-4108-AA02-DFA0A04FC94B}">
-              <ma14:wrappingTextBoxFlag xmlns="" xmlns:ma14="http://schemas.microsoft.com/office/mac/drawingml/2011/main" val="1"/>
+              <ma14:wrappingTextBoxFlag xmlns:ma14="http://schemas.microsoft.com/office/mac/drawingml/2011/main" xmlns="" val="1"/>
             </a:ext>
           </a:extLst>
         </p:spPr>
@@ -31186,7 +31182,7 @@
           </a:ln>
           <a:extLst>
             <a:ext uri="{C572A759-6A51-4108-AA02-DFA0A04FC94B}">
-              <ma14:wrappingTextBoxFlag xmlns="" xmlns:ma14="http://schemas.microsoft.com/office/mac/drawingml/2011/main" val="1"/>
+              <ma14:wrappingTextBoxFlag xmlns:ma14="http://schemas.microsoft.com/office/mac/drawingml/2011/main" xmlns="" val="1"/>
             </a:ext>
           </a:extLst>
         </p:spPr>
@@ -31266,7 +31262,7 @@
           </a:ln>
           <a:extLst>
             <a:ext uri="{C572A759-6A51-4108-AA02-DFA0A04FC94B}">
-              <ma14:wrappingTextBoxFlag xmlns="" xmlns:ma14="http://schemas.microsoft.com/office/mac/drawingml/2011/main" val="1"/>
+              <ma14:wrappingTextBoxFlag xmlns:ma14="http://schemas.microsoft.com/office/mac/drawingml/2011/main" xmlns="" val="1"/>
             </a:ext>
           </a:extLst>
         </p:spPr>
@@ -31617,7 +31613,7 @@
           </a:ln>
           <a:extLst>
             <a:ext uri="{C572A759-6A51-4108-AA02-DFA0A04FC94B}">
-              <ma14:wrappingTextBoxFlag xmlns="" xmlns:ma14="http://schemas.microsoft.com/office/mac/drawingml/2011/main" val="1"/>
+              <ma14:wrappingTextBoxFlag xmlns:ma14="http://schemas.microsoft.com/office/mac/drawingml/2011/main" xmlns="" val="1"/>
             </a:ext>
           </a:extLst>
         </p:spPr>
@@ -31713,7 +31709,7 @@
           </a:ln>
           <a:extLst>
             <a:ext uri="{C572A759-6A51-4108-AA02-DFA0A04FC94B}">
-              <ma14:wrappingTextBoxFlag xmlns="" xmlns:ma14="http://schemas.microsoft.com/office/mac/drawingml/2011/main" val="1"/>
+              <ma14:wrappingTextBoxFlag xmlns:ma14="http://schemas.microsoft.com/office/mac/drawingml/2011/main" xmlns="" val="1"/>
             </a:ext>
           </a:extLst>
         </p:spPr>
@@ -31761,7 +31757,7 @@
           </a:ln>
           <a:extLst>
             <a:ext uri="{C572A759-6A51-4108-AA02-DFA0A04FC94B}">
-              <ma14:wrappingTextBoxFlag xmlns="" xmlns:ma14="http://schemas.microsoft.com/office/mac/drawingml/2011/main" val="1"/>
+              <ma14:wrappingTextBoxFlag xmlns:ma14="http://schemas.microsoft.com/office/mac/drawingml/2011/main" xmlns="" val="1"/>
             </a:ext>
           </a:extLst>
         </p:spPr>
@@ -31806,7 +31802,7 @@
           </a:ln>
           <a:extLst>
             <a:ext uri="{C572A759-6A51-4108-AA02-DFA0A04FC94B}">
-              <ma14:wrappingTextBoxFlag xmlns="" xmlns:ma14="http://schemas.microsoft.com/office/mac/drawingml/2011/main" val="1"/>
+              <ma14:wrappingTextBoxFlag xmlns:ma14="http://schemas.microsoft.com/office/mac/drawingml/2011/main" xmlns="" val="1"/>
             </a:ext>
           </a:extLst>
         </p:spPr>
@@ -31851,7 +31847,7 @@
           </a:ln>
           <a:extLst>
             <a:ext uri="{C572A759-6A51-4108-AA02-DFA0A04FC94B}">
-              <ma14:wrappingTextBoxFlag xmlns="" xmlns:ma14="http://schemas.microsoft.com/office/mac/drawingml/2011/main" val="1"/>
+              <ma14:wrappingTextBoxFlag xmlns:ma14="http://schemas.microsoft.com/office/mac/drawingml/2011/main" xmlns="" val="1"/>
             </a:ext>
           </a:extLst>
         </p:spPr>
@@ -31896,7 +31892,7 @@
           </a:ln>
           <a:extLst>
             <a:ext uri="{C572A759-6A51-4108-AA02-DFA0A04FC94B}">
-              <ma14:wrappingTextBoxFlag xmlns="" xmlns:ma14="http://schemas.microsoft.com/office/mac/drawingml/2011/main" val="1"/>
+              <ma14:wrappingTextBoxFlag xmlns:ma14="http://schemas.microsoft.com/office/mac/drawingml/2011/main" xmlns="" val="1"/>
             </a:ext>
           </a:extLst>
         </p:spPr>
@@ -32063,7 +32059,7 @@
           </a:ln>
           <a:extLst>
             <a:ext uri="{C572A759-6A51-4108-AA02-DFA0A04FC94B}">
-              <ma14:wrappingTextBoxFlag xmlns="" xmlns:ma14="http://schemas.microsoft.com/office/mac/drawingml/2011/main" val="1"/>
+              <ma14:wrappingTextBoxFlag xmlns:ma14="http://schemas.microsoft.com/office/mac/drawingml/2011/main" xmlns="" val="1"/>
             </a:ext>
           </a:extLst>
         </p:spPr>
@@ -32207,7 +32203,7 @@
           </a:ln>
           <a:extLst>
             <a:ext uri="{C572A759-6A51-4108-AA02-DFA0A04FC94B}">
-              <ma14:wrappingTextBoxFlag xmlns="" xmlns:ma14="http://schemas.microsoft.com/office/mac/drawingml/2011/main" val="1"/>
+              <ma14:wrappingTextBoxFlag xmlns:ma14="http://schemas.microsoft.com/office/mac/drawingml/2011/main" xmlns="" val="1"/>
             </a:ext>
           </a:extLst>
         </p:spPr>
@@ -32251,7 +32247,7 @@
           </a:ln>
           <a:extLst>
             <a:ext uri="{C572A759-6A51-4108-AA02-DFA0A04FC94B}">
-              <ma14:wrappingTextBoxFlag xmlns="" xmlns:ma14="http://schemas.microsoft.com/office/mac/drawingml/2011/main" val="1"/>
+              <ma14:wrappingTextBoxFlag xmlns:ma14="http://schemas.microsoft.com/office/mac/drawingml/2011/main" xmlns="" val="1"/>
             </a:ext>
           </a:extLst>
         </p:spPr>
@@ -32296,7 +32292,7 @@
           </a:ln>
           <a:extLst>
             <a:ext uri="{C572A759-6A51-4108-AA02-DFA0A04FC94B}">
-              <ma14:wrappingTextBoxFlag xmlns="" xmlns:ma14="http://schemas.microsoft.com/office/mac/drawingml/2011/main" val="1"/>
+              <ma14:wrappingTextBoxFlag xmlns:ma14="http://schemas.microsoft.com/office/mac/drawingml/2011/main" xmlns="" val="1"/>
             </a:ext>
           </a:extLst>
         </p:spPr>
@@ -32376,7 +32372,7 @@
           </a:ln>
           <a:extLst>
             <a:ext uri="{C572A759-6A51-4108-AA02-DFA0A04FC94B}">
-              <ma14:wrappingTextBoxFlag xmlns="" xmlns:ma14="http://schemas.microsoft.com/office/mac/drawingml/2011/main" val="1"/>
+              <ma14:wrappingTextBoxFlag xmlns:ma14="http://schemas.microsoft.com/office/mac/drawingml/2011/main" xmlns="" val="1"/>
             </a:ext>
           </a:extLst>
         </p:spPr>
@@ -32464,7 +32460,7 @@
           </a:ln>
           <a:extLst>
             <a:ext uri="{C572A759-6A51-4108-AA02-DFA0A04FC94B}">
-              <ma14:wrappingTextBoxFlag xmlns="" xmlns:ma14="http://schemas.microsoft.com/office/mac/drawingml/2011/main" val="1"/>
+              <ma14:wrappingTextBoxFlag xmlns:ma14="http://schemas.microsoft.com/office/mac/drawingml/2011/main" xmlns="" val="1"/>
             </a:ext>
           </a:extLst>
         </p:spPr>
@@ -32509,7 +32505,7 @@
           </a:ln>
           <a:extLst>
             <a:ext uri="{C572A759-6A51-4108-AA02-DFA0A04FC94B}">
-              <ma14:wrappingTextBoxFlag xmlns="" xmlns:ma14="http://schemas.microsoft.com/office/mac/drawingml/2011/main" val="1"/>
+              <ma14:wrappingTextBoxFlag xmlns:ma14="http://schemas.microsoft.com/office/mac/drawingml/2011/main" xmlns="" val="1"/>
             </a:ext>
           </a:extLst>
         </p:spPr>
@@ -32554,7 +32550,7 @@
           </a:ln>
           <a:extLst>
             <a:ext uri="{C572A759-6A51-4108-AA02-DFA0A04FC94B}">
-              <ma14:wrappingTextBoxFlag xmlns="" xmlns:ma14="http://schemas.microsoft.com/office/mac/drawingml/2011/main" val="1"/>
+              <ma14:wrappingTextBoxFlag xmlns:ma14="http://schemas.microsoft.com/office/mac/drawingml/2011/main" xmlns="" val="1"/>
             </a:ext>
           </a:extLst>
         </p:spPr>
@@ -32634,7 +32630,7 @@
           </a:ln>
           <a:extLst>
             <a:ext uri="{C572A759-6A51-4108-AA02-DFA0A04FC94B}">
-              <ma14:wrappingTextBoxFlag xmlns="" xmlns:ma14="http://schemas.microsoft.com/office/mac/drawingml/2011/main" val="1"/>
+              <ma14:wrappingTextBoxFlag xmlns:ma14="http://schemas.microsoft.com/office/mac/drawingml/2011/main" xmlns="" val="1"/>
             </a:ext>
           </a:extLst>
         </p:spPr>
@@ -32985,7 +32981,7 @@
           </a:ln>
           <a:extLst>
             <a:ext uri="{C572A759-6A51-4108-AA02-DFA0A04FC94B}">
-              <ma14:wrappingTextBoxFlag xmlns="" xmlns:ma14="http://schemas.microsoft.com/office/mac/drawingml/2011/main" val="1"/>
+              <ma14:wrappingTextBoxFlag xmlns:ma14="http://schemas.microsoft.com/office/mac/drawingml/2011/main" xmlns="" val="1"/>
             </a:ext>
           </a:extLst>
         </p:spPr>
@@ -33084,7 +33080,7 @@
           </a:ln>
           <a:extLst>
             <a:ext uri="{C572A759-6A51-4108-AA02-DFA0A04FC94B}">
-              <ma14:wrappingTextBoxFlag xmlns="" xmlns:ma14="http://schemas.microsoft.com/office/mac/drawingml/2011/main" val="1"/>
+              <ma14:wrappingTextBoxFlag xmlns:ma14="http://schemas.microsoft.com/office/mac/drawingml/2011/main" xmlns="" val="1"/>
             </a:ext>
           </a:extLst>
         </p:spPr>
@@ -33128,7 +33124,7 @@
           </a:ln>
           <a:extLst>
             <a:ext uri="{C572A759-6A51-4108-AA02-DFA0A04FC94B}">
-              <ma14:wrappingTextBoxFlag xmlns="" xmlns:ma14="http://schemas.microsoft.com/office/mac/drawingml/2011/main" val="1"/>
+              <ma14:wrappingTextBoxFlag xmlns:ma14="http://schemas.microsoft.com/office/mac/drawingml/2011/main" xmlns="" val="1"/>
             </a:ext>
           </a:extLst>
         </p:spPr>
@@ -33173,7 +33169,7 @@
           </a:ln>
           <a:extLst>
             <a:ext uri="{C572A759-6A51-4108-AA02-DFA0A04FC94B}">
-              <ma14:wrappingTextBoxFlag xmlns="" xmlns:ma14="http://schemas.microsoft.com/office/mac/drawingml/2011/main" val="1"/>
+              <ma14:wrappingTextBoxFlag xmlns:ma14="http://schemas.microsoft.com/office/mac/drawingml/2011/main" xmlns="" val="1"/>
             </a:ext>
           </a:extLst>
         </p:spPr>
@@ -33253,7 +33249,7 @@
           </a:ln>
           <a:extLst>
             <a:ext uri="{C572A759-6A51-4108-AA02-DFA0A04FC94B}">
-              <ma14:wrappingTextBoxFlag xmlns="" xmlns:ma14="http://schemas.microsoft.com/office/mac/drawingml/2011/main" val="1"/>
+              <ma14:wrappingTextBoxFlag xmlns:ma14="http://schemas.microsoft.com/office/mac/drawingml/2011/main" xmlns="" val="1"/>
             </a:ext>
           </a:extLst>
         </p:spPr>
@@ -33341,7 +33337,7 @@
           </a:ln>
           <a:extLst>
             <a:ext uri="{C572A759-6A51-4108-AA02-DFA0A04FC94B}">
-              <ma14:wrappingTextBoxFlag xmlns="" xmlns:ma14="http://schemas.microsoft.com/office/mac/drawingml/2011/main" val="1"/>
+              <ma14:wrappingTextBoxFlag xmlns:ma14="http://schemas.microsoft.com/office/mac/drawingml/2011/main" xmlns="" val="1"/>
             </a:ext>
           </a:extLst>
         </p:spPr>
@@ -33386,7 +33382,7 @@
           </a:ln>
           <a:extLst>
             <a:ext uri="{C572A759-6A51-4108-AA02-DFA0A04FC94B}">
-              <ma14:wrappingTextBoxFlag xmlns="" xmlns:ma14="http://schemas.microsoft.com/office/mac/drawingml/2011/main" val="1"/>
+              <ma14:wrappingTextBoxFlag xmlns:ma14="http://schemas.microsoft.com/office/mac/drawingml/2011/main" xmlns="" val="1"/>
             </a:ext>
           </a:extLst>
         </p:spPr>
@@ -33431,7 +33427,7 @@
           </a:ln>
           <a:extLst>
             <a:ext uri="{C572A759-6A51-4108-AA02-DFA0A04FC94B}">
-              <ma14:wrappingTextBoxFlag xmlns="" xmlns:ma14="http://schemas.microsoft.com/office/mac/drawingml/2011/main" val="1"/>
+              <ma14:wrappingTextBoxFlag xmlns:ma14="http://schemas.microsoft.com/office/mac/drawingml/2011/main" xmlns="" val="1"/>
             </a:ext>
           </a:extLst>
         </p:spPr>
@@ -33511,7 +33507,7 @@
           </a:ln>
           <a:extLst>
             <a:ext uri="{C572A759-6A51-4108-AA02-DFA0A04FC94B}">
-              <ma14:wrappingTextBoxFlag xmlns="" xmlns:ma14="http://schemas.microsoft.com/office/mac/drawingml/2011/main" val="1"/>
+              <ma14:wrappingTextBoxFlag xmlns:ma14="http://schemas.microsoft.com/office/mac/drawingml/2011/main" xmlns="" val="1"/>
             </a:ext>
           </a:extLst>
         </p:spPr>
@@ -33862,7 +33858,7 @@
           </a:ln>
           <a:extLst>
             <a:ext uri="{C572A759-6A51-4108-AA02-DFA0A04FC94B}">
-              <ma14:wrappingTextBoxFlag xmlns="" xmlns:ma14="http://schemas.microsoft.com/office/mac/drawingml/2011/main" val="1"/>
+              <ma14:wrappingTextBoxFlag xmlns:ma14="http://schemas.microsoft.com/office/mac/drawingml/2011/main" xmlns="" val="1"/>
             </a:ext>
           </a:extLst>
         </p:spPr>
@@ -33961,7 +33957,7 @@
           </a:ln>
           <a:extLst>
             <a:ext uri="{C572A759-6A51-4108-AA02-DFA0A04FC94B}">
-              <ma14:wrappingTextBoxFlag xmlns="" xmlns:ma14="http://schemas.microsoft.com/office/mac/drawingml/2011/main" val="1"/>
+              <ma14:wrappingTextBoxFlag xmlns:ma14="http://schemas.microsoft.com/office/mac/drawingml/2011/main" xmlns="" val="1"/>
             </a:ext>
           </a:extLst>
         </p:spPr>
@@ -34005,7 +34001,7 @@
           </a:ln>
           <a:extLst>
             <a:ext uri="{C572A759-6A51-4108-AA02-DFA0A04FC94B}">
-              <ma14:wrappingTextBoxFlag xmlns="" xmlns:ma14="http://schemas.microsoft.com/office/mac/drawingml/2011/main" val="1"/>
+              <ma14:wrappingTextBoxFlag xmlns:ma14="http://schemas.microsoft.com/office/mac/drawingml/2011/main" xmlns="" val="1"/>
             </a:ext>
           </a:extLst>
         </p:spPr>
@@ -34050,7 +34046,7 @@
           </a:ln>
           <a:extLst>
             <a:ext uri="{C572A759-6A51-4108-AA02-DFA0A04FC94B}">
-              <ma14:wrappingTextBoxFlag xmlns="" xmlns:ma14="http://schemas.microsoft.com/office/mac/drawingml/2011/main" val="1"/>
+              <ma14:wrappingTextBoxFlag xmlns:ma14="http://schemas.microsoft.com/office/mac/drawingml/2011/main" xmlns="" val="1"/>
             </a:ext>
           </a:extLst>
         </p:spPr>
@@ -34130,7 +34126,7 @@
           </a:ln>
           <a:extLst>
             <a:ext uri="{C572A759-6A51-4108-AA02-DFA0A04FC94B}">
-              <ma14:wrappingTextBoxFlag xmlns="" xmlns:ma14="http://schemas.microsoft.com/office/mac/drawingml/2011/main" val="1"/>
+              <ma14:wrappingTextBoxFlag xmlns:ma14="http://schemas.microsoft.com/office/mac/drawingml/2011/main" xmlns="" val="1"/>
             </a:ext>
           </a:extLst>
         </p:spPr>
@@ -34218,7 +34214,7 @@
           </a:ln>
           <a:extLst>
             <a:ext uri="{C572A759-6A51-4108-AA02-DFA0A04FC94B}">
-              <ma14:wrappingTextBoxFlag xmlns="" xmlns:ma14="http://schemas.microsoft.com/office/mac/drawingml/2011/main" val="1"/>
+              <ma14:wrappingTextBoxFlag xmlns:ma14="http://schemas.microsoft.com/office/mac/drawingml/2011/main" xmlns="" val="1"/>
             </a:ext>
           </a:extLst>
         </p:spPr>
@@ -34263,7 +34259,7 @@
           </a:ln>
           <a:extLst>
             <a:ext uri="{C572A759-6A51-4108-AA02-DFA0A04FC94B}">
-              <ma14:wrappingTextBoxFlag xmlns="" xmlns:ma14="http://schemas.microsoft.com/office/mac/drawingml/2011/main" val="1"/>
+              <ma14:wrappingTextBoxFlag xmlns:ma14="http://schemas.microsoft.com/office/mac/drawingml/2011/main" xmlns="" val="1"/>
             </a:ext>
           </a:extLst>
         </p:spPr>
@@ -34308,7 +34304,7 @@
           </a:ln>
           <a:extLst>
             <a:ext uri="{C572A759-6A51-4108-AA02-DFA0A04FC94B}">
-              <ma14:wrappingTextBoxFlag xmlns="" xmlns:ma14="http://schemas.microsoft.com/office/mac/drawingml/2011/main" val="1"/>
+              <ma14:wrappingTextBoxFlag xmlns:ma14="http://schemas.microsoft.com/office/mac/drawingml/2011/main" xmlns="" val="1"/>
             </a:ext>
           </a:extLst>
         </p:spPr>
@@ -34388,7 +34384,7 @@
           </a:ln>
           <a:extLst>
             <a:ext uri="{C572A759-6A51-4108-AA02-DFA0A04FC94B}">
-              <ma14:wrappingTextBoxFlag xmlns="" xmlns:ma14="http://schemas.microsoft.com/office/mac/drawingml/2011/main" val="1"/>
+              <ma14:wrappingTextBoxFlag xmlns:ma14="http://schemas.microsoft.com/office/mac/drawingml/2011/main" xmlns="" val="1"/>
             </a:ext>
           </a:extLst>
         </p:spPr>
@@ -34739,7 +34735,7 @@
           </a:ln>
           <a:extLst>
             <a:ext uri="{C572A759-6A51-4108-AA02-DFA0A04FC94B}">
-              <ma14:wrappingTextBoxFlag xmlns="" xmlns:ma14="http://schemas.microsoft.com/office/mac/drawingml/2011/main" val="1"/>
+              <ma14:wrappingTextBoxFlag xmlns:ma14="http://schemas.microsoft.com/office/mac/drawingml/2011/main" xmlns="" val="1"/>
             </a:ext>
           </a:extLst>
         </p:spPr>
@@ -34838,7 +34834,7 @@
           </a:ln>
           <a:extLst>
             <a:ext uri="{C572A759-6A51-4108-AA02-DFA0A04FC94B}">
-              <ma14:wrappingTextBoxFlag xmlns="" xmlns:ma14="http://schemas.microsoft.com/office/mac/drawingml/2011/main" val="1"/>
+              <ma14:wrappingTextBoxFlag xmlns:ma14="http://schemas.microsoft.com/office/mac/drawingml/2011/main" xmlns="" val="1"/>
             </a:ext>
           </a:extLst>
         </p:spPr>
@@ -34882,7 +34878,7 @@
           </a:ln>
           <a:extLst>
             <a:ext uri="{C572A759-6A51-4108-AA02-DFA0A04FC94B}">
-              <ma14:wrappingTextBoxFlag xmlns="" xmlns:ma14="http://schemas.microsoft.com/office/mac/drawingml/2011/main" val="1"/>
+              <ma14:wrappingTextBoxFlag xmlns:ma14="http://schemas.microsoft.com/office/mac/drawingml/2011/main" xmlns="" val="1"/>
             </a:ext>
           </a:extLst>
         </p:spPr>
@@ -34927,7 +34923,7 @@
           </a:ln>
           <a:extLst>
             <a:ext uri="{C572A759-6A51-4108-AA02-DFA0A04FC94B}">
-              <ma14:wrappingTextBoxFlag xmlns="" xmlns:ma14="http://schemas.microsoft.com/office/mac/drawingml/2011/main" val="1"/>
+              <ma14:wrappingTextBoxFlag xmlns:ma14="http://schemas.microsoft.com/office/mac/drawingml/2011/main" xmlns="" val="1"/>
             </a:ext>
           </a:extLst>
         </p:spPr>
@@ -35007,7 +35003,7 @@
           </a:ln>
           <a:extLst>
             <a:ext uri="{C572A759-6A51-4108-AA02-DFA0A04FC94B}">
-              <ma14:wrappingTextBoxFlag xmlns="" xmlns:ma14="http://schemas.microsoft.com/office/mac/drawingml/2011/main" val="1"/>
+              <ma14:wrappingTextBoxFlag xmlns:ma14="http://schemas.microsoft.com/office/mac/drawingml/2011/main" xmlns="" val="1"/>
             </a:ext>
           </a:extLst>
         </p:spPr>
@@ -35095,7 +35091,7 @@
           </a:ln>
           <a:extLst>
             <a:ext uri="{C572A759-6A51-4108-AA02-DFA0A04FC94B}">
-              <ma14:wrappingTextBoxFlag xmlns="" xmlns:ma14="http://schemas.microsoft.com/office/mac/drawingml/2011/main" val="1"/>
+              <ma14:wrappingTextBoxFlag xmlns:ma14="http://schemas.microsoft.com/office/mac/drawingml/2011/main" xmlns="" val="1"/>
             </a:ext>
           </a:extLst>
         </p:spPr>
@@ -35140,7 +35136,7 @@
           </a:ln>
           <a:extLst>
             <a:ext uri="{C572A759-6A51-4108-AA02-DFA0A04FC94B}">
-              <ma14:wrappingTextBoxFlag xmlns="" xmlns:ma14="http://schemas.microsoft.com/office/mac/drawingml/2011/main" val="1"/>
+              <ma14:wrappingTextBoxFlag xmlns:ma14="http://schemas.microsoft.com/office/mac/drawingml/2011/main" xmlns="" val="1"/>
             </a:ext>
           </a:extLst>
         </p:spPr>
@@ -35185,7 +35181,7 @@
           </a:ln>
           <a:extLst>
             <a:ext uri="{C572A759-6A51-4108-AA02-DFA0A04FC94B}">
-              <ma14:wrappingTextBoxFlag xmlns="" xmlns:ma14="http://schemas.microsoft.com/office/mac/drawingml/2011/main" val="1"/>
+              <ma14:wrappingTextBoxFlag xmlns:ma14="http://schemas.microsoft.com/office/mac/drawingml/2011/main" xmlns="" val="1"/>
             </a:ext>
           </a:extLst>
         </p:spPr>
@@ -35265,7 +35261,7 @@
           </a:ln>
           <a:extLst>
             <a:ext uri="{C572A759-6A51-4108-AA02-DFA0A04FC94B}">
-              <ma14:wrappingTextBoxFlag xmlns="" xmlns:ma14="http://schemas.microsoft.com/office/mac/drawingml/2011/main" val="1"/>
+              <ma14:wrappingTextBoxFlag xmlns:ma14="http://schemas.microsoft.com/office/mac/drawingml/2011/main" xmlns="" val="1"/>
             </a:ext>
           </a:extLst>
         </p:spPr>
@@ -35578,7 +35574,7 @@
           </a:ln>
           <a:extLst>
             <a:ext uri="{C572A759-6A51-4108-AA02-DFA0A04FC94B}">
-              <ma14:wrappingTextBoxFlag xmlns="" xmlns:ma14="http://schemas.microsoft.com/office/mac/drawingml/2011/main" val="1"/>
+              <ma14:wrappingTextBoxFlag xmlns:ma14="http://schemas.microsoft.com/office/mac/drawingml/2011/main" xmlns="" val="1"/>
             </a:ext>
           </a:extLst>
         </p:spPr>
@@ -35773,7 +35769,7 @@
           </a:ln>
           <a:extLst>
             <a:ext uri="{C572A759-6A51-4108-AA02-DFA0A04FC94B}">
-              <ma14:wrappingTextBoxFlag xmlns="" xmlns:ma14="http://schemas.microsoft.com/office/mac/drawingml/2011/main" val="1"/>
+              <ma14:wrappingTextBoxFlag xmlns:ma14="http://schemas.microsoft.com/office/mac/drawingml/2011/main" xmlns="" val="1"/>
             </a:ext>
           </a:extLst>
         </p:spPr>
@@ -35817,7 +35813,7 @@
           </a:ln>
           <a:extLst>
             <a:ext uri="{C572A759-6A51-4108-AA02-DFA0A04FC94B}">
-              <ma14:wrappingTextBoxFlag xmlns="" xmlns:ma14="http://schemas.microsoft.com/office/mac/drawingml/2011/main" val="1"/>
+              <ma14:wrappingTextBoxFlag xmlns:ma14="http://schemas.microsoft.com/office/mac/drawingml/2011/main" xmlns="" val="1"/>
             </a:ext>
           </a:extLst>
         </p:spPr>
@@ -35862,7 +35858,7 @@
           </a:ln>
           <a:extLst>
             <a:ext uri="{C572A759-6A51-4108-AA02-DFA0A04FC94B}">
-              <ma14:wrappingTextBoxFlag xmlns="" xmlns:ma14="http://schemas.microsoft.com/office/mac/drawingml/2011/main" val="1"/>
+              <ma14:wrappingTextBoxFlag xmlns:ma14="http://schemas.microsoft.com/office/mac/drawingml/2011/main" xmlns="" val="1"/>
             </a:ext>
           </a:extLst>
         </p:spPr>
@@ -35942,7 +35938,7 @@
           </a:ln>
           <a:extLst>
             <a:ext uri="{C572A759-6A51-4108-AA02-DFA0A04FC94B}">
-              <ma14:wrappingTextBoxFlag xmlns="" xmlns:ma14="http://schemas.microsoft.com/office/mac/drawingml/2011/main" val="1"/>
+              <ma14:wrappingTextBoxFlag xmlns:ma14="http://schemas.microsoft.com/office/mac/drawingml/2011/main" xmlns="" val="1"/>
             </a:ext>
           </a:extLst>
         </p:spPr>
@@ -36030,7 +36026,7 @@
           </a:ln>
           <a:extLst>
             <a:ext uri="{C572A759-6A51-4108-AA02-DFA0A04FC94B}">
-              <ma14:wrappingTextBoxFlag xmlns="" xmlns:ma14="http://schemas.microsoft.com/office/mac/drawingml/2011/main" val="1"/>
+              <ma14:wrappingTextBoxFlag xmlns:ma14="http://schemas.microsoft.com/office/mac/drawingml/2011/main" xmlns="" val="1"/>
             </a:ext>
           </a:extLst>
         </p:spPr>
@@ -36075,7 +36071,7 @@
           </a:ln>
           <a:extLst>
             <a:ext uri="{C572A759-6A51-4108-AA02-DFA0A04FC94B}">
-              <ma14:wrappingTextBoxFlag xmlns="" xmlns:ma14="http://schemas.microsoft.com/office/mac/drawingml/2011/main" val="1"/>
+              <ma14:wrappingTextBoxFlag xmlns:ma14="http://schemas.microsoft.com/office/mac/drawingml/2011/main" xmlns="" val="1"/>
             </a:ext>
           </a:extLst>
         </p:spPr>
@@ -36120,7 +36116,7 @@
           </a:ln>
           <a:extLst>
             <a:ext uri="{C572A759-6A51-4108-AA02-DFA0A04FC94B}">
-              <ma14:wrappingTextBoxFlag xmlns="" xmlns:ma14="http://schemas.microsoft.com/office/mac/drawingml/2011/main" val="1"/>
+              <ma14:wrappingTextBoxFlag xmlns:ma14="http://schemas.microsoft.com/office/mac/drawingml/2011/main" xmlns="" val="1"/>
             </a:ext>
           </a:extLst>
         </p:spPr>
@@ -36200,7 +36196,7 @@
           </a:ln>
           <a:extLst>
             <a:ext uri="{C572A759-6A51-4108-AA02-DFA0A04FC94B}">
-              <ma14:wrappingTextBoxFlag xmlns="" xmlns:ma14="http://schemas.microsoft.com/office/mac/drawingml/2011/main" val="1"/>
+              <ma14:wrappingTextBoxFlag xmlns:ma14="http://schemas.microsoft.com/office/mac/drawingml/2011/main" xmlns="" val="1"/>
             </a:ext>
           </a:extLst>
         </p:spPr>
@@ -36513,7 +36509,7 @@
           </a:ln>
           <a:extLst>
             <a:ext uri="{C572A759-6A51-4108-AA02-DFA0A04FC94B}">
-              <ma14:wrappingTextBoxFlag xmlns="" xmlns:ma14="http://schemas.microsoft.com/office/mac/drawingml/2011/main" val="1"/>
+              <ma14:wrappingTextBoxFlag xmlns:ma14="http://schemas.microsoft.com/office/mac/drawingml/2011/main" xmlns="" val="1"/>
             </a:ext>
           </a:extLst>
         </p:spPr>
@@ -36708,7 +36704,7 @@
           </a:ln>
           <a:extLst>
             <a:ext uri="{C572A759-6A51-4108-AA02-DFA0A04FC94B}">
-              <ma14:wrappingTextBoxFlag xmlns="" xmlns:ma14="http://schemas.microsoft.com/office/mac/drawingml/2011/main" val="1"/>
+              <ma14:wrappingTextBoxFlag xmlns:ma14="http://schemas.microsoft.com/office/mac/drawingml/2011/main" xmlns="" val="1"/>
             </a:ext>
           </a:extLst>
         </p:spPr>
@@ -36752,7 +36748,7 @@
           </a:ln>
           <a:extLst>
             <a:ext uri="{C572A759-6A51-4108-AA02-DFA0A04FC94B}">
-              <ma14:wrappingTextBoxFlag xmlns="" xmlns:ma14="http://schemas.microsoft.com/office/mac/drawingml/2011/main" val="1"/>
+              <ma14:wrappingTextBoxFlag xmlns:ma14="http://schemas.microsoft.com/office/mac/drawingml/2011/main" xmlns="" val="1"/>
             </a:ext>
           </a:extLst>
         </p:spPr>
@@ -36797,7 +36793,7 @@
           </a:ln>
           <a:extLst>
             <a:ext uri="{C572A759-6A51-4108-AA02-DFA0A04FC94B}">
-              <ma14:wrappingTextBoxFlag xmlns="" xmlns:ma14="http://schemas.microsoft.com/office/mac/drawingml/2011/main" val="1"/>
+              <ma14:wrappingTextBoxFlag xmlns:ma14="http://schemas.microsoft.com/office/mac/drawingml/2011/main" xmlns="" val="1"/>
             </a:ext>
           </a:extLst>
         </p:spPr>
@@ -36877,7 +36873,7 @@
           </a:ln>
           <a:extLst>
             <a:ext uri="{C572A759-6A51-4108-AA02-DFA0A04FC94B}">
-              <ma14:wrappingTextBoxFlag xmlns="" xmlns:ma14="http://schemas.microsoft.com/office/mac/drawingml/2011/main" val="1"/>
+              <ma14:wrappingTextBoxFlag xmlns:ma14="http://schemas.microsoft.com/office/mac/drawingml/2011/main" xmlns="" val="1"/>
             </a:ext>
           </a:extLst>
         </p:spPr>
@@ -36965,7 +36961,7 @@
           </a:ln>
           <a:extLst>
             <a:ext uri="{C572A759-6A51-4108-AA02-DFA0A04FC94B}">
-              <ma14:wrappingTextBoxFlag xmlns="" xmlns:ma14="http://schemas.microsoft.com/office/mac/drawingml/2011/main" val="1"/>
+              <ma14:wrappingTextBoxFlag xmlns:ma14="http://schemas.microsoft.com/office/mac/drawingml/2011/main" xmlns="" val="1"/>
             </a:ext>
           </a:extLst>
         </p:spPr>
@@ -37010,7 +37006,7 @@
           </a:ln>
           <a:extLst>
             <a:ext uri="{C572A759-6A51-4108-AA02-DFA0A04FC94B}">
-              <ma14:wrappingTextBoxFlag xmlns="" xmlns:ma14="http://schemas.microsoft.com/office/mac/drawingml/2011/main" val="1"/>
+              <ma14:wrappingTextBoxFlag xmlns:ma14="http://schemas.microsoft.com/office/mac/drawingml/2011/main" xmlns="" val="1"/>
             </a:ext>
           </a:extLst>
         </p:spPr>
@@ -37090,7 +37086,7 @@
           </a:ln>
           <a:extLst>
             <a:ext uri="{C572A759-6A51-4108-AA02-DFA0A04FC94B}">
-              <ma14:wrappingTextBoxFlag xmlns="" xmlns:ma14="http://schemas.microsoft.com/office/mac/drawingml/2011/main" val="1"/>
+              <ma14:wrappingTextBoxFlag xmlns:ma14="http://schemas.microsoft.com/office/mac/drawingml/2011/main" xmlns="" val="1"/>
             </a:ext>
           </a:extLst>
         </p:spPr>
@@ -37449,7 +37445,7 @@
           </a:ln>
           <a:extLst>
             <a:ext uri="{C572A759-6A51-4108-AA02-DFA0A04FC94B}">
-              <ma14:wrappingTextBoxFlag xmlns="" xmlns:ma14="http://schemas.microsoft.com/office/mac/drawingml/2011/main" val="1"/>
+              <ma14:wrappingTextBoxFlag xmlns:ma14="http://schemas.microsoft.com/office/mac/drawingml/2011/main" xmlns="" val="1"/>
             </a:ext>
           </a:extLst>
         </p:spPr>
@@ -37493,7 +37489,7 @@
           </a:ln>
           <a:extLst>
             <a:ext uri="{C572A759-6A51-4108-AA02-DFA0A04FC94B}">
-              <ma14:wrappingTextBoxFlag xmlns="" xmlns:ma14="http://schemas.microsoft.com/office/mac/drawingml/2011/main" val="1"/>
+              <ma14:wrappingTextBoxFlag xmlns:ma14="http://schemas.microsoft.com/office/mac/drawingml/2011/main" xmlns="" val="1"/>
             </a:ext>
           </a:extLst>
         </p:spPr>
@@ -37538,7 +37534,7 @@
           </a:ln>
           <a:extLst>
             <a:ext uri="{C572A759-6A51-4108-AA02-DFA0A04FC94B}">
-              <ma14:wrappingTextBoxFlag xmlns="" xmlns:ma14="http://schemas.microsoft.com/office/mac/drawingml/2011/main" val="1"/>
+              <ma14:wrappingTextBoxFlag xmlns:ma14="http://schemas.microsoft.com/office/mac/drawingml/2011/main" xmlns="" val="1"/>
             </a:ext>
           </a:extLst>
         </p:spPr>
@@ -37618,7 +37614,7 @@
           </a:ln>
           <a:extLst>
             <a:ext uri="{C572A759-6A51-4108-AA02-DFA0A04FC94B}">
-              <ma14:wrappingTextBoxFlag xmlns="" xmlns:ma14="http://schemas.microsoft.com/office/mac/drawingml/2011/main" val="1"/>
+              <ma14:wrappingTextBoxFlag xmlns:ma14="http://schemas.microsoft.com/office/mac/drawingml/2011/main" xmlns="" val="1"/>
             </a:ext>
           </a:extLst>
         </p:spPr>
@@ -37706,7 +37702,7 @@
           </a:ln>
           <a:extLst>
             <a:ext uri="{C572A759-6A51-4108-AA02-DFA0A04FC94B}">
-              <ma14:wrappingTextBoxFlag xmlns="" xmlns:ma14="http://schemas.microsoft.com/office/mac/drawingml/2011/main" val="1"/>
+              <ma14:wrappingTextBoxFlag xmlns:ma14="http://schemas.microsoft.com/office/mac/drawingml/2011/main" xmlns="" val="1"/>
             </a:ext>
           </a:extLst>
         </p:spPr>
@@ -37751,7 +37747,7 @@
           </a:ln>
           <a:extLst>
             <a:ext uri="{C572A759-6A51-4108-AA02-DFA0A04FC94B}">
-              <ma14:wrappingTextBoxFlag xmlns="" xmlns:ma14="http://schemas.microsoft.com/office/mac/drawingml/2011/main" val="1"/>
+              <ma14:wrappingTextBoxFlag xmlns:ma14="http://schemas.microsoft.com/office/mac/drawingml/2011/main" xmlns="" val="1"/>
             </a:ext>
           </a:extLst>
         </p:spPr>
@@ -37831,7 +37827,7 @@
           </a:ln>
           <a:extLst>
             <a:ext uri="{C572A759-6A51-4108-AA02-DFA0A04FC94B}">
-              <ma14:wrappingTextBoxFlag xmlns="" xmlns:ma14="http://schemas.microsoft.com/office/mac/drawingml/2011/main" val="1"/>
+              <ma14:wrappingTextBoxFlag xmlns:ma14="http://schemas.microsoft.com/office/mac/drawingml/2011/main" xmlns="" val="1"/>
             </a:ext>
           </a:extLst>
         </p:spPr>
@@ -38638,7 +38634,7 @@
           </a:ln>
           <a:extLst>
             <a:ext uri="{C572A759-6A51-4108-AA02-DFA0A04FC94B}">
-              <ma14:wrappingTextBoxFlag xmlns="" xmlns:ma14="http://schemas.microsoft.com/office/mac/drawingml/2011/main" val="1"/>
+              <ma14:wrappingTextBoxFlag xmlns:ma14="http://schemas.microsoft.com/office/mac/drawingml/2011/main" xmlns="" val="1"/>
             </a:ext>
           </a:extLst>
         </p:spPr>
@@ -38679,7 +38675,7 @@
           </a:ln>
           <a:extLst>
             <a:ext uri="{C572A759-6A51-4108-AA02-DFA0A04FC94B}">
-              <ma14:wrappingTextBoxFlag xmlns="" xmlns:ma14="http://schemas.microsoft.com/office/mac/drawingml/2011/main" val="1"/>
+              <ma14:wrappingTextBoxFlag xmlns:ma14="http://schemas.microsoft.com/office/mac/drawingml/2011/main" xmlns="" val="1"/>
             </a:ext>
           </a:extLst>
         </p:spPr>
@@ -39199,7 +39195,7 @@
           </a:ln>
           <a:extLst>
             <a:ext uri="{C572A759-6A51-4108-AA02-DFA0A04FC94B}">
-              <ma14:wrappingTextBoxFlag xmlns="" xmlns:ma14="http://schemas.microsoft.com/office/mac/drawingml/2011/main" val="1"/>
+              <ma14:wrappingTextBoxFlag xmlns:ma14="http://schemas.microsoft.com/office/mac/drawingml/2011/main" xmlns="" val="1"/>
             </a:ext>
           </a:extLst>
         </p:spPr>
@@ -39240,7 +39236,7 @@
           </a:ln>
           <a:extLst>
             <a:ext uri="{C572A759-6A51-4108-AA02-DFA0A04FC94B}">
-              <ma14:wrappingTextBoxFlag xmlns="" xmlns:ma14="http://schemas.microsoft.com/office/mac/drawingml/2011/main" val="1"/>
+              <ma14:wrappingTextBoxFlag xmlns:ma14="http://schemas.microsoft.com/office/mac/drawingml/2011/main" xmlns="" val="1"/>
             </a:ext>
           </a:extLst>
         </p:spPr>
@@ -39371,7 +39367,7 @@
           </a:ln>
           <a:extLst>
             <a:ext uri="{C572A759-6A51-4108-AA02-DFA0A04FC94B}">
-              <ma14:wrappingTextBoxFlag xmlns="" xmlns:ma14="http://schemas.microsoft.com/office/mac/drawingml/2011/main" val="1"/>
+              <ma14:wrappingTextBoxFlag xmlns:ma14="http://schemas.microsoft.com/office/mac/drawingml/2011/main" xmlns="" val="1"/>
             </a:ext>
           </a:extLst>
         </p:spPr>
@@ -39615,7 +39611,7 @@
           </a:ln>
           <a:extLst>
             <a:ext uri="{C572A759-6A51-4108-AA02-DFA0A04FC94B}">
-              <ma14:wrappingTextBoxFlag xmlns="" xmlns:ma14="http://schemas.microsoft.com/office/mac/drawingml/2011/main" val="1"/>
+              <ma14:wrappingTextBoxFlag xmlns:ma14="http://schemas.microsoft.com/office/mac/drawingml/2011/main" xmlns="" val="1"/>
             </a:ext>
           </a:extLst>
         </p:spPr>
@@ -39671,7 +39667,7 @@
           </a:ln>
           <a:extLst>
             <a:ext uri="{C572A759-6A51-4108-AA02-DFA0A04FC94B}">
-              <ma14:wrappingTextBoxFlag xmlns="" xmlns:ma14="http://schemas.microsoft.com/office/mac/drawingml/2011/main" val="1"/>
+              <ma14:wrappingTextBoxFlag xmlns:ma14="http://schemas.microsoft.com/office/mac/drawingml/2011/main" xmlns="" val="1"/>
             </a:ext>
           </a:extLst>
         </p:spPr>
@@ -39754,7 +39750,7 @@
           </a:ln>
           <a:extLst>
             <a:ext uri="{C572A759-6A51-4108-AA02-DFA0A04FC94B}">
-              <ma14:wrappingTextBoxFlag xmlns="" xmlns:ma14="http://schemas.microsoft.com/office/mac/drawingml/2011/main" val="1"/>
+              <ma14:wrappingTextBoxFlag xmlns:ma14="http://schemas.microsoft.com/office/mac/drawingml/2011/main" xmlns="" val="1"/>
             </a:ext>
           </a:extLst>
         </p:spPr>
@@ -39805,7 +39801,7 @@
           </a:ln>
           <a:extLst>
             <a:ext uri="{C572A759-6A51-4108-AA02-DFA0A04FC94B}">
-              <ma14:wrappingTextBoxFlag xmlns="" xmlns:ma14="http://schemas.microsoft.com/office/mac/drawingml/2011/main" val="1"/>
+              <ma14:wrappingTextBoxFlag xmlns:ma14="http://schemas.microsoft.com/office/mac/drawingml/2011/main" xmlns="" val="1"/>
             </a:ext>
           </a:extLst>
         </p:spPr>
@@ -39856,7 +39852,7 @@
           </a:ln>
           <a:extLst>
             <a:ext uri="{C572A759-6A51-4108-AA02-DFA0A04FC94B}">
-              <ma14:wrappingTextBoxFlag xmlns="" xmlns:ma14="http://schemas.microsoft.com/office/mac/drawingml/2011/main" val="1"/>
+              <ma14:wrappingTextBoxFlag xmlns:ma14="http://schemas.microsoft.com/office/mac/drawingml/2011/main" xmlns="" val="1"/>
             </a:ext>
           </a:extLst>
         </p:spPr>
@@ -40022,7 +40018,7 @@
           </a:ln>
           <a:extLst>
             <a:ext uri="{C572A759-6A51-4108-AA02-DFA0A04FC94B}">
-              <ma14:wrappingTextBoxFlag xmlns="" xmlns:ma14="http://schemas.microsoft.com/office/mac/drawingml/2011/main" val="1"/>
+              <ma14:wrappingTextBoxFlag xmlns:ma14="http://schemas.microsoft.com/office/mac/drawingml/2011/main" xmlns="" val="1"/>
             </a:ext>
           </a:extLst>
         </p:spPr>
@@ -40066,7 +40062,7 @@
           </a:ln>
           <a:extLst>
             <a:ext uri="{C572A759-6A51-4108-AA02-DFA0A04FC94B}">
-              <ma14:wrappingTextBoxFlag xmlns="" xmlns:ma14="http://schemas.microsoft.com/office/mac/drawingml/2011/main" val="1"/>
+              <ma14:wrappingTextBoxFlag xmlns:ma14="http://schemas.microsoft.com/office/mac/drawingml/2011/main" xmlns="" val="1"/>
             </a:ext>
           </a:extLst>
         </p:spPr>
@@ -40156,7 +40152,7 @@
           </a:ln>
           <a:extLst>
             <a:ext uri="{C572A759-6A51-4108-AA02-DFA0A04FC94B}">
-              <ma14:wrappingTextBoxFlag xmlns="" xmlns:ma14="http://schemas.microsoft.com/office/mac/drawingml/2011/main" val="1"/>
+              <ma14:wrappingTextBoxFlag xmlns:ma14="http://schemas.microsoft.com/office/mac/drawingml/2011/main" xmlns="" val="1"/>
             </a:ext>
           </a:extLst>
         </p:spPr>
@@ -40328,7 +40324,7 @@
           </a:ln>
           <a:extLst>
             <a:ext uri="{C572A759-6A51-4108-AA02-DFA0A04FC94B}">
-              <ma14:wrappingTextBoxFlag xmlns="" xmlns:ma14="http://schemas.microsoft.com/office/mac/drawingml/2011/main" val="1"/>
+              <ma14:wrappingTextBoxFlag xmlns:ma14="http://schemas.microsoft.com/office/mac/drawingml/2011/main" xmlns="" val="1"/>
             </a:ext>
           </a:extLst>
         </p:spPr>
@@ -40422,7 +40418,7 @@
           </a:ln>
           <a:extLst>
             <a:ext uri="{C572A759-6A51-4108-AA02-DFA0A04FC94B}">
-              <ma14:wrappingTextBoxFlag xmlns="" xmlns:ma14="http://schemas.microsoft.com/office/mac/drawingml/2011/main" val="1"/>
+              <ma14:wrappingTextBoxFlag xmlns:ma14="http://schemas.microsoft.com/office/mac/drawingml/2011/main" xmlns="" val="1"/>
             </a:ext>
           </a:extLst>
         </p:spPr>
@@ -40904,7 +40900,7 @@
           </a:ln>
           <a:extLst>
             <a:ext uri="{C572A759-6A51-4108-AA02-DFA0A04FC94B}">
-              <ma14:wrappingTextBoxFlag xmlns="" xmlns:ma14="http://schemas.microsoft.com/office/mac/drawingml/2011/main" val="1"/>
+              <ma14:wrappingTextBoxFlag xmlns:ma14="http://schemas.microsoft.com/office/mac/drawingml/2011/main" xmlns="" val="1"/>
             </a:ext>
           </a:extLst>
         </p:spPr>
@@ -40950,7 +40946,7 @@
           </a:ln>
           <a:extLst>
             <a:ext uri="{C572A759-6A51-4108-AA02-DFA0A04FC94B}">
-              <ma14:wrappingTextBoxFlag xmlns="" xmlns:ma14="http://schemas.microsoft.com/office/mac/drawingml/2011/main" val="1"/>
+              <ma14:wrappingTextBoxFlag xmlns:ma14="http://schemas.microsoft.com/office/mac/drawingml/2011/main" xmlns="" val="1"/>
             </a:ext>
           </a:extLst>
         </p:spPr>
@@ -40996,7 +40992,7 @@
           </a:ln>
           <a:extLst>
             <a:ext uri="{C572A759-6A51-4108-AA02-DFA0A04FC94B}">
-              <ma14:wrappingTextBoxFlag xmlns="" xmlns:ma14="http://schemas.microsoft.com/office/mac/drawingml/2011/main" val="1"/>
+              <ma14:wrappingTextBoxFlag xmlns:ma14="http://schemas.microsoft.com/office/mac/drawingml/2011/main" xmlns="" val="1"/>
             </a:ext>
           </a:extLst>
         </p:spPr>
@@ -41056,7 +41052,7 @@
           </a:ln>
           <a:extLst>
             <a:ext uri="{C572A759-6A51-4108-AA02-DFA0A04FC94B}">
-              <ma14:wrappingTextBoxFlag xmlns="" xmlns:ma14="http://schemas.microsoft.com/office/mac/drawingml/2011/main" val="1"/>
+              <ma14:wrappingTextBoxFlag xmlns:ma14="http://schemas.microsoft.com/office/mac/drawingml/2011/main" xmlns="" val="1"/>
             </a:ext>
           </a:extLst>
         </p:spPr>
